--- a/rnn/RNN.pptx
+++ b/rnn/RNN.pptx
@@ -4,8 +4,20 @@
   <p:sldMasterIdLst>
     <p:sldMasterId id="2147483648" r:id="rId1"/>
   </p:sldMasterIdLst>
+  <p:notesMasterIdLst>
+    <p:notesMasterId r:id="rId12"/>
+  </p:notesMasterIdLst>
   <p:sldIdLst>
     <p:sldId id="256" r:id="rId2"/>
+    <p:sldId id="261" r:id="rId3"/>
+    <p:sldId id="257" r:id="rId4"/>
+    <p:sldId id="260" r:id="rId5"/>
+    <p:sldId id="262" r:id="rId6"/>
+    <p:sldId id="259" r:id="rId7"/>
+    <p:sldId id="263" r:id="rId8"/>
+    <p:sldId id="264" r:id="rId9"/>
+    <p:sldId id="265" r:id="rId10"/>
+    <p:sldId id="258" r:id="rId11"/>
   </p:sldIdLst>
   <p:sldSz cx="12192000" cy="6858000"/>
   <p:notesSz cx="6858000" cy="9144000"/>
@@ -104,7 +116,2275 @@
       </a:defRPr>
     </a:lvl9pPr>
   </p:defaultTextStyle>
+  <p:extLst>
+    <p:ext uri="{EFAFB233-063F-42B5-8137-9DF3F51BA10A}">
+      <p15:sldGuideLst xmlns:p15="http://schemas.microsoft.com/office/powerpoint/2012/main"/>
+    </p:ext>
+  </p:extLst>
 </p:presentation>
+</file>
+
+<file path=ppt/notesMasters/notesMaster1.xml><?xml version="1.0" encoding="utf-8"?>
+<p:notesMaster xmlns:a="http://schemas.openxmlformats.org/drawingml/2006/main" xmlns:r="http://schemas.openxmlformats.org/officeDocument/2006/relationships" xmlns:p="http://schemas.openxmlformats.org/presentationml/2006/main">
+  <p:cSld>
+    <p:bg>
+      <p:bgRef idx="1001">
+        <a:schemeClr val="bg1"/>
+      </p:bgRef>
+    </p:bg>
+    <p:spTree>
+      <p:nvGrpSpPr>
+        <p:cNvPr id="1" name=""/>
+        <p:cNvGrpSpPr/>
+        <p:nvPr/>
+      </p:nvGrpSpPr>
+      <p:grpSpPr>
+        <a:xfrm>
+          <a:off x="0" y="0"/>
+          <a:ext cx="0" cy="0"/>
+          <a:chOff x="0" y="0"/>
+          <a:chExt cx="0" cy="0"/>
+        </a:xfrm>
+      </p:grpSpPr>
+      <p:sp>
+        <p:nvSpPr>
+          <p:cNvPr id="2" name="Header Placeholder 1"/>
+          <p:cNvSpPr>
+            <a:spLocks noGrp="1"/>
+          </p:cNvSpPr>
+          <p:nvPr>
+            <p:ph type="hdr" sz="quarter"/>
+          </p:nvPr>
+        </p:nvSpPr>
+        <p:spPr>
+          <a:xfrm>
+            <a:off x="0" y="0"/>
+            <a:ext cx="2971800" cy="458788"/>
+          </a:xfrm>
+          <a:prstGeom prst="rect">
+            <a:avLst/>
+          </a:prstGeom>
+        </p:spPr>
+        <p:txBody>
+          <a:bodyPr vert="horz" lIns="91440" tIns="45720" rIns="91440" bIns="45720" rtlCol="0"/>
+          <a:lstStyle>
+            <a:lvl1pPr algn="l">
+              <a:defRPr sz="1200"/>
+            </a:lvl1pPr>
+          </a:lstStyle>
+          <a:p>
+            <a:endParaRPr lang="en-US"/>
+          </a:p>
+        </p:txBody>
+      </p:sp>
+      <p:sp>
+        <p:nvSpPr>
+          <p:cNvPr id="3" name="Date Placeholder 2"/>
+          <p:cNvSpPr>
+            <a:spLocks noGrp="1"/>
+          </p:cNvSpPr>
+          <p:nvPr>
+            <p:ph type="dt" idx="1"/>
+          </p:nvPr>
+        </p:nvSpPr>
+        <p:spPr>
+          <a:xfrm>
+            <a:off x="3884613" y="0"/>
+            <a:ext cx="2971800" cy="458788"/>
+          </a:xfrm>
+          <a:prstGeom prst="rect">
+            <a:avLst/>
+          </a:prstGeom>
+        </p:spPr>
+        <p:txBody>
+          <a:bodyPr vert="horz" lIns="91440" tIns="45720" rIns="91440" bIns="45720" rtlCol="0"/>
+          <a:lstStyle>
+            <a:lvl1pPr algn="r">
+              <a:defRPr sz="1200"/>
+            </a:lvl1pPr>
+          </a:lstStyle>
+          <a:p>
+            <a:fld id="{E338D3E2-78B9-46B1-B41D-5D49C5D26275}" type="datetimeFigureOut">
+              <a:rPr lang="en-US" smtClean="0"/>
+              <a:t>11/6/2017</a:t>
+            </a:fld>
+            <a:endParaRPr lang="en-US"/>
+          </a:p>
+        </p:txBody>
+      </p:sp>
+      <p:sp>
+        <p:nvSpPr>
+          <p:cNvPr id="4" name="Slide Image Placeholder 3"/>
+          <p:cNvSpPr>
+            <a:spLocks noGrp="1" noRot="1" noChangeAspect="1"/>
+          </p:cNvSpPr>
+          <p:nvPr>
+            <p:ph type="sldImg" idx="2"/>
+          </p:nvPr>
+        </p:nvSpPr>
+        <p:spPr>
+          <a:xfrm>
+            <a:off x="685800" y="1143000"/>
+            <a:ext cx="5486400" cy="3086100"/>
+          </a:xfrm>
+          <a:prstGeom prst="rect">
+            <a:avLst/>
+          </a:prstGeom>
+          <a:noFill/>
+          <a:ln w="12700">
+            <a:solidFill>
+              <a:prstClr val="black"/>
+            </a:solidFill>
+          </a:ln>
+        </p:spPr>
+        <p:txBody>
+          <a:bodyPr vert="horz" lIns="91440" tIns="45720" rIns="91440" bIns="45720" rtlCol="0" anchor="ctr"/>
+          <a:lstStyle/>
+          <a:p>
+            <a:endParaRPr lang="en-US"/>
+          </a:p>
+        </p:txBody>
+      </p:sp>
+      <p:sp>
+        <p:nvSpPr>
+          <p:cNvPr id="5" name="Notes Placeholder 4"/>
+          <p:cNvSpPr>
+            <a:spLocks noGrp="1"/>
+          </p:cNvSpPr>
+          <p:nvPr>
+            <p:ph type="body" sz="quarter" idx="3"/>
+          </p:nvPr>
+        </p:nvSpPr>
+        <p:spPr>
+          <a:xfrm>
+            <a:off x="685800" y="4400550"/>
+            <a:ext cx="5486400" cy="3600450"/>
+          </a:xfrm>
+          <a:prstGeom prst="rect">
+            <a:avLst/>
+          </a:prstGeom>
+        </p:spPr>
+        <p:txBody>
+          <a:bodyPr vert="horz" lIns="91440" tIns="45720" rIns="91440" bIns="45720" rtlCol="0"/>
+          <a:lstStyle/>
+          <a:p>
+            <a:pPr lvl="0"/>
+            <a:r>
+              <a:rPr lang="en-US" smtClean="0"/>
+              <a:t>Edit Master text styles</a:t>
+            </a:r>
+          </a:p>
+          <a:p>
+            <a:pPr lvl="1"/>
+            <a:r>
+              <a:rPr lang="en-US" smtClean="0"/>
+              <a:t>Second level</a:t>
+            </a:r>
+          </a:p>
+          <a:p>
+            <a:pPr lvl="2"/>
+            <a:r>
+              <a:rPr lang="en-US" smtClean="0"/>
+              <a:t>Third level</a:t>
+            </a:r>
+          </a:p>
+          <a:p>
+            <a:pPr lvl="3"/>
+            <a:r>
+              <a:rPr lang="en-US" smtClean="0"/>
+              <a:t>Fourth level</a:t>
+            </a:r>
+          </a:p>
+          <a:p>
+            <a:pPr lvl="4"/>
+            <a:r>
+              <a:rPr lang="en-US" smtClean="0"/>
+              <a:t>Fifth level</a:t>
+            </a:r>
+            <a:endParaRPr lang="en-US"/>
+          </a:p>
+        </p:txBody>
+      </p:sp>
+      <p:sp>
+        <p:nvSpPr>
+          <p:cNvPr id="6" name="Footer Placeholder 5"/>
+          <p:cNvSpPr>
+            <a:spLocks noGrp="1"/>
+          </p:cNvSpPr>
+          <p:nvPr>
+            <p:ph type="ftr" sz="quarter" idx="4"/>
+          </p:nvPr>
+        </p:nvSpPr>
+        <p:spPr>
+          <a:xfrm>
+            <a:off x="0" y="8685213"/>
+            <a:ext cx="2971800" cy="458787"/>
+          </a:xfrm>
+          <a:prstGeom prst="rect">
+            <a:avLst/>
+          </a:prstGeom>
+        </p:spPr>
+        <p:txBody>
+          <a:bodyPr vert="horz" lIns="91440" tIns="45720" rIns="91440" bIns="45720" rtlCol="0" anchor="b"/>
+          <a:lstStyle>
+            <a:lvl1pPr algn="l">
+              <a:defRPr sz="1200"/>
+            </a:lvl1pPr>
+          </a:lstStyle>
+          <a:p>
+            <a:endParaRPr lang="en-US"/>
+          </a:p>
+        </p:txBody>
+      </p:sp>
+      <p:sp>
+        <p:nvSpPr>
+          <p:cNvPr id="7" name="Slide Number Placeholder 6"/>
+          <p:cNvSpPr>
+            <a:spLocks noGrp="1"/>
+          </p:cNvSpPr>
+          <p:nvPr>
+            <p:ph type="sldNum" sz="quarter" idx="5"/>
+          </p:nvPr>
+        </p:nvSpPr>
+        <p:spPr>
+          <a:xfrm>
+            <a:off x="3884613" y="8685213"/>
+            <a:ext cx="2971800" cy="458787"/>
+          </a:xfrm>
+          <a:prstGeom prst="rect">
+            <a:avLst/>
+          </a:prstGeom>
+        </p:spPr>
+        <p:txBody>
+          <a:bodyPr vert="horz" lIns="91440" tIns="45720" rIns="91440" bIns="45720" rtlCol="0" anchor="b"/>
+          <a:lstStyle>
+            <a:lvl1pPr algn="r">
+              <a:defRPr sz="1200"/>
+            </a:lvl1pPr>
+          </a:lstStyle>
+          <a:p>
+            <a:fld id="{54FE5736-E147-4D4C-A630-9DA628E6AE84}" type="slidenum">
+              <a:rPr lang="en-US" smtClean="0"/>
+              <a:t>‹#›</a:t>
+            </a:fld>
+            <a:endParaRPr lang="en-US"/>
+          </a:p>
+        </p:txBody>
+      </p:sp>
+    </p:spTree>
+    <p:extLst>
+      <p:ext uri="{BB962C8B-B14F-4D97-AF65-F5344CB8AC3E}">
+        <p14:creationId xmlns:p14="http://schemas.microsoft.com/office/powerpoint/2010/main" val="4022039589"/>
+      </p:ext>
+    </p:extLst>
+  </p:cSld>
+  <p:clrMap bg1="lt1" tx1="dk1" bg2="lt2" tx2="dk2" accent1="accent1" accent2="accent2" accent3="accent3" accent4="accent4" accent5="accent5" accent6="accent6" hlink="hlink" folHlink="folHlink"/>
+  <p:notesStyle>
+    <a:lvl1pPr marL="0" algn="l" defTabSz="914400" rtl="0" eaLnBrk="1" latinLnBrk="0" hangingPunct="1">
+      <a:defRPr sz="1200" kern="1200">
+        <a:solidFill>
+          <a:schemeClr val="tx1"/>
+        </a:solidFill>
+        <a:latin typeface="+mn-lt"/>
+        <a:ea typeface="+mn-ea"/>
+        <a:cs typeface="+mn-cs"/>
+      </a:defRPr>
+    </a:lvl1pPr>
+    <a:lvl2pPr marL="457200" algn="l" defTabSz="914400" rtl="0" eaLnBrk="1" latinLnBrk="0" hangingPunct="1">
+      <a:defRPr sz="1200" kern="1200">
+        <a:solidFill>
+          <a:schemeClr val="tx1"/>
+        </a:solidFill>
+        <a:latin typeface="+mn-lt"/>
+        <a:ea typeface="+mn-ea"/>
+        <a:cs typeface="+mn-cs"/>
+      </a:defRPr>
+    </a:lvl2pPr>
+    <a:lvl3pPr marL="914400" algn="l" defTabSz="914400" rtl="0" eaLnBrk="1" latinLnBrk="0" hangingPunct="1">
+      <a:defRPr sz="1200" kern="1200">
+        <a:solidFill>
+          <a:schemeClr val="tx1"/>
+        </a:solidFill>
+        <a:latin typeface="+mn-lt"/>
+        <a:ea typeface="+mn-ea"/>
+        <a:cs typeface="+mn-cs"/>
+      </a:defRPr>
+    </a:lvl3pPr>
+    <a:lvl4pPr marL="1371600" algn="l" defTabSz="914400" rtl="0" eaLnBrk="1" latinLnBrk="0" hangingPunct="1">
+      <a:defRPr sz="1200" kern="1200">
+        <a:solidFill>
+          <a:schemeClr val="tx1"/>
+        </a:solidFill>
+        <a:latin typeface="+mn-lt"/>
+        <a:ea typeface="+mn-ea"/>
+        <a:cs typeface="+mn-cs"/>
+      </a:defRPr>
+    </a:lvl4pPr>
+    <a:lvl5pPr marL="1828800" algn="l" defTabSz="914400" rtl="0" eaLnBrk="1" latinLnBrk="0" hangingPunct="1">
+      <a:defRPr sz="1200" kern="1200">
+        <a:solidFill>
+          <a:schemeClr val="tx1"/>
+        </a:solidFill>
+        <a:latin typeface="+mn-lt"/>
+        <a:ea typeface="+mn-ea"/>
+        <a:cs typeface="+mn-cs"/>
+      </a:defRPr>
+    </a:lvl5pPr>
+    <a:lvl6pPr marL="2286000" algn="l" defTabSz="914400" rtl="0" eaLnBrk="1" latinLnBrk="0" hangingPunct="1">
+      <a:defRPr sz="1200" kern="1200">
+        <a:solidFill>
+          <a:schemeClr val="tx1"/>
+        </a:solidFill>
+        <a:latin typeface="+mn-lt"/>
+        <a:ea typeface="+mn-ea"/>
+        <a:cs typeface="+mn-cs"/>
+      </a:defRPr>
+    </a:lvl6pPr>
+    <a:lvl7pPr marL="2743200" algn="l" defTabSz="914400" rtl="0" eaLnBrk="1" latinLnBrk="0" hangingPunct="1">
+      <a:defRPr sz="1200" kern="1200">
+        <a:solidFill>
+          <a:schemeClr val="tx1"/>
+        </a:solidFill>
+        <a:latin typeface="+mn-lt"/>
+        <a:ea typeface="+mn-ea"/>
+        <a:cs typeface="+mn-cs"/>
+      </a:defRPr>
+    </a:lvl7pPr>
+    <a:lvl8pPr marL="3200400" algn="l" defTabSz="914400" rtl="0" eaLnBrk="1" latinLnBrk="0" hangingPunct="1">
+      <a:defRPr sz="1200" kern="1200">
+        <a:solidFill>
+          <a:schemeClr val="tx1"/>
+        </a:solidFill>
+        <a:latin typeface="+mn-lt"/>
+        <a:ea typeface="+mn-ea"/>
+        <a:cs typeface="+mn-cs"/>
+      </a:defRPr>
+    </a:lvl8pPr>
+    <a:lvl9pPr marL="3657600" algn="l" defTabSz="914400" rtl="0" eaLnBrk="1" latinLnBrk="0" hangingPunct="1">
+      <a:defRPr sz="1200" kern="1200">
+        <a:solidFill>
+          <a:schemeClr val="tx1"/>
+        </a:solidFill>
+        <a:latin typeface="+mn-lt"/>
+        <a:ea typeface="+mn-ea"/>
+        <a:cs typeface="+mn-cs"/>
+      </a:defRPr>
+    </a:lvl9pPr>
+  </p:notesStyle>
+</p:notesMaster>
+</file>
+
+<file path=ppt/notesSlides/notesSlide1.xml><?xml version="1.0" encoding="utf-8"?>
+<p:notes xmlns:a="http://schemas.openxmlformats.org/drawingml/2006/main" xmlns:r="http://schemas.openxmlformats.org/officeDocument/2006/relationships" xmlns:p="http://schemas.openxmlformats.org/presentationml/2006/main">
+  <p:cSld>
+    <p:spTree>
+      <p:nvGrpSpPr>
+        <p:cNvPr id="1" name=""/>
+        <p:cNvGrpSpPr/>
+        <p:nvPr/>
+      </p:nvGrpSpPr>
+      <p:grpSpPr>
+        <a:xfrm>
+          <a:off x="0" y="0"/>
+          <a:ext cx="0" cy="0"/>
+          <a:chOff x="0" y="0"/>
+          <a:chExt cx="0" cy="0"/>
+        </a:xfrm>
+      </p:grpSpPr>
+      <p:sp>
+        <p:nvSpPr>
+          <p:cNvPr id="2" name="Slide Image Placeholder 1"/>
+          <p:cNvSpPr>
+            <a:spLocks noGrp="1" noRot="1" noChangeAspect="1"/>
+          </p:cNvSpPr>
+          <p:nvPr>
+            <p:ph type="sldImg"/>
+          </p:nvPr>
+        </p:nvSpPr>
+        <p:spPr/>
+      </p:sp>
+      <p:sp>
+        <p:nvSpPr>
+          <p:cNvPr id="3" name="Notes Placeholder 2"/>
+          <p:cNvSpPr>
+            <a:spLocks noGrp="1"/>
+          </p:cNvSpPr>
+          <p:nvPr>
+            <p:ph type="body" idx="1"/>
+          </p:nvPr>
+        </p:nvSpPr>
+        <p:spPr/>
+        <p:txBody>
+          <a:bodyPr/>
+          <a:lstStyle/>
+          <a:p>
+            <a:endParaRPr lang="en-US"/>
+          </a:p>
+        </p:txBody>
+      </p:sp>
+      <p:sp>
+        <p:nvSpPr>
+          <p:cNvPr id="4" name="Slide Number Placeholder 3"/>
+          <p:cNvSpPr>
+            <a:spLocks noGrp="1"/>
+          </p:cNvSpPr>
+          <p:nvPr>
+            <p:ph type="sldNum" sz="quarter" idx="10"/>
+          </p:nvPr>
+        </p:nvSpPr>
+        <p:spPr/>
+        <p:txBody>
+          <a:bodyPr/>
+          <a:lstStyle/>
+          <a:p>
+            <a:fld id="{54FE5736-E147-4D4C-A630-9DA628E6AE84}" type="slidenum">
+              <a:rPr lang="en-US" smtClean="0"/>
+              <a:t>1</a:t>
+            </a:fld>
+            <a:endParaRPr lang="en-US"/>
+          </a:p>
+        </p:txBody>
+      </p:sp>
+    </p:spTree>
+    <p:extLst>
+      <p:ext uri="{BB962C8B-B14F-4D97-AF65-F5344CB8AC3E}">
+        <p14:creationId xmlns:p14="http://schemas.microsoft.com/office/powerpoint/2010/main" val="2159561693"/>
+      </p:ext>
+    </p:extLst>
+  </p:cSld>
+  <p:clrMapOvr>
+    <a:masterClrMapping/>
+  </p:clrMapOvr>
+</p:notes>
+</file>
+
+<file path=ppt/notesSlides/notesSlide10.xml><?xml version="1.0" encoding="utf-8"?>
+<p:notes xmlns:a="http://schemas.openxmlformats.org/drawingml/2006/main" xmlns:r="http://schemas.openxmlformats.org/officeDocument/2006/relationships" xmlns:p="http://schemas.openxmlformats.org/presentationml/2006/main">
+  <p:cSld>
+    <p:spTree>
+      <p:nvGrpSpPr>
+        <p:cNvPr id="1" name=""/>
+        <p:cNvGrpSpPr/>
+        <p:nvPr/>
+      </p:nvGrpSpPr>
+      <p:grpSpPr>
+        <a:xfrm>
+          <a:off x="0" y="0"/>
+          <a:ext cx="0" cy="0"/>
+          <a:chOff x="0" y="0"/>
+          <a:chExt cx="0" cy="0"/>
+        </a:xfrm>
+      </p:grpSpPr>
+      <p:sp>
+        <p:nvSpPr>
+          <p:cNvPr id="2" name="Slide Image Placeholder 1"/>
+          <p:cNvSpPr>
+            <a:spLocks noGrp="1" noRot="1" noChangeAspect="1"/>
+          </p:cNvSpPr>
+          <p:nvPr>
+            <p:ph type="sldImg"/>
+          </p:nvPr>
+        </p:nvSpPr>
+        <p:spPr/>
+      </p:sp>
+      <p:sp>
+        <p:nvSpPr>
+          <p:cNvPr id="3" name="Notes Placeholder 2"/>
+          <p:cNvSpPr>
+            <a:spLocks noGrp="1"/>
+          </p:cNvSpPr>
+          <p:nvPr>
+            <p:ph type="body" idx="1"/>
+          </p:nvPr>
+        </p:nvSpPr>
+        <p:spPr/>
+        <p:txBody>
+          <a:bodyPr/>
+          <a:lstStyle/>
+          <a:p>
+            <a:endParaRPr lang="en-US"/>
+          </a:p>
+        </p:txBody>
+      </p:sp>
+      <p:sp>
+        <p:nvSpPr>
+          <p:cNvPr id="4" name="Slide Number Placeholder 3"/>
+          <p:cNvSpPr>
+            <a:spLocks noGrp="1"/>
+          </p:cNvSpPr>
+          <p:nvPr>
+            <p:ph type="sldNum" sz="quarter" idx="10"/>
+          </p:nvPr>
+        </p:nvSpPr>
+        <p:spPr/>
+        <p:txBody>
+          <a:bodyPr/>
+          <a:lstStyle/>
+          <a:p>
+            <a:fld id="{54FE5736-E147-4D4C-A630-9DA628E6AE84}" type="slidenum">
+              <a:rPr lang="en-US" smtClean="0"/>
+              <a:t>10</a:t>
+            </a:fld>
+            <a:endParaRPr lang="en-US"/>
+          </a:p>
+        </p:txBody>
+      </p:sp>
+    </p:spTree>
+    <p:extLst>
+      <p:ext uri="{BB962C8B-B14F-4D97-AF65-F5344CB8AC3E}">
+        <p14:creationId xmlns:p14="http://schemas.microsoft.com/office/powerpoint/2010/main" val="2972348042"/>
+      </p:ext>
+    </p:extLst>
+  </p:cSld>
+  <p:clrMapOvr>
+    <a:masterClrMapping/>
+  </p:clrMapOvr>
+</p:notes>
+</file>
+
+<file path=ppt/notesSlides/notesSlide2.xml><?xml version="1.0" encoding="utf-8"?>
+<p:notes xmlns:a="http://schemas.openxmlformats.org/drawingml/2006/main" xmlns:r="http://schemas.openxmlformats.org/officeDocument/2006/relationships" xmlns:p="http://schemas.openxmlformats.org/presentationml/2006/main">
+  <p:cSld>
+    <p:spTree>
+      <p:nvGrpSpPr>
+        <p:cNvPr id="1" name=""/>
+        <p:cNvGrpSpPr/>
+        <p:nvPr/>
+      </p:nvGrpSpPr>
+      <p:grpSpPr>
+        <a:xfrm>
+          <a:off x="0" y="0"/>
+          <a:ext cx="0" cy="0"/>
+          <a:chOff x="0" y="0"/>
+          <a:chExt cx="0" cy="0"/>
+        </a:xfrm>
+      </p:grpSpPr>
+      <p:sp>
+        <p:nvSpPr>
+          <p:cNvPr id="2" name="Slide Image Placeholder 1"/>
+          <p:cNvSpPr>
+            <a:spLocks noGrp="1" noRot="1" noChangeAspect="1"/>
+          </p:cNvSpPr>
+          <p:nvPr>
+            <p:ph type="sldImg"/>
+          </p:nvPr>
+        </p:nvSpPr>
+        <p:spPr/>
+      </p:sp>
+      <p:sp>
+        <p:nvSpPr>
+          <p:cNvPr id="3" name="Notes Placeholder 2"/>
+          <p:cNvSpPr>
+            <a:spLocks noGrp="1"/>
+          </p:cNvSpPr>
+          <p:nvPr>
+            <p:ph type="body" idx="1"/>
+          </p:nvPr>
+        </p:nvSpPr>
+        <p:spPr/>
+        <p:txBody>
+          <a:bodyPr/>
+          <a:lstStyle/>
+          <a:p>
+            <a:endParaRPr lang="en-US"/>
+          </a:p>
+        </p:txBody>
+      </p:sp>
+      <p:sp>
+        <p:nvSpPr>
+          <p:cNvPr id="4" name="Slide Number Placeholder 3"/>
+          <p:cNvSpPr>
+            <a:spLocks noGrp="1"/>
+          </p:cNvSpPr>
+          <p:nvPr>
+            <p:ph type="sldNum" sz="quarter" idx="10"/>
+          </p:nvPr>
+        </p:nvSpPr>
+        <p:spPr/>
+        <p:txBody>
+          <a:bodyPr/>
+          <a:lstStyle/>
+          <a:p>
+            <a:fld id="{54FE5736-E147-4D4C-A630-9DA628E6AE84}" type="slidenum">
+              <a:rPr lang="en-US" smtClean="0"/>
+              <a:t>2</a:t>
+            </a:fld>
+            <a:endParaRPr lang="en-US"/>
+          </a:p>
+        </p:txBody>
+      </p:sp>
+    </p:spTree>
+    <p:extLst>
+      <p:ext uri="{BB962C8B-B14F-4D97-AF65-F5344CB8AC3E}">
+        <p14:creationId xmlns:p14="http://schemas.microsoft.com/office/powerpoint/2010/main" val="3071363287"/>
+      </p:ext>
+    </p:extLst>
+  </p:cSld>
+  <p:clrMapOvr>
+    <a:masterClrMapping/>
+  </p:clrMapOvr>
+</p:notes>
+</file>
+
+<file path=ppt/notesSlides/notesSlide3.xml><?xml version="1.0" encoding="utf-8"?>
+<p:notes xmlns:a="http://schemas.openxmlformats.org/drawingml/2006/main" xmlns:r="http://schemas.openxmlformats.org/officeDocument/2006/relationships" xmlns:p="http://schemas.openxmlformats.org/presentationml/2006/main">
+  <p:cSld>
+    <p:spTree>
+      <p:nvGrpSpPr>
+        <p:cNvPr id="1" name=""/>
+        <p:cNvGrpSpPr/>
+        <p:nvPr/>
+      </p:nvGrpSpPr>
+      <p:grpSpPr>
+        <a:xfrm>
+          <a:off x="0" y="0"/>
+          <a:ext cx="0" cy="0"/>
+          <a:chOff x="0" y="0"/>
+          <a:chExt cx="0" cy="0"/>
+        </a:xfrm>
+      </p:grpSpPr>
+      <p:sp>
+        <p:nvSpPr>
+          <p:cNvPr id="2" name="Slide Image Placeholder 1"/>
+          <p:cNvSpPr>
+            <a:spLocks noGrp="1" noRot="1" noChangeAspect="1"/>
+          </p:cNvSpPr>
+          <p:nvPr>
+            <p:ph type="sldImg"/>
+          </p:nvPr>
+        </p:nvSpPr>
+        <p:spPr/>
+      </p:sp>
+      <p:sp>
+        <p:nvSpPr>
+          <p:cNvPr id="3" name="Notes Placeholder 2"/>
+          <p:cNvSpPr>
+            <a:spLocks noGrp="1"/>
+          </p:cNvSpPr>
+          <p:nvPr>
+            <p:ph type="body" idx="1"/>
+          </p:nvPr>
+        </p:nvSpPr>
+        <p:spPr/>
+        <p:txBody>
+          <a:bodyPr/>
+          <a:lstStyle/>
+          <a:p>
+            <a:r>
+              <a:rPr lang="zh-CN" altLang="en-US" sz="1200" b="0" i="0" kern="1200" dirty="0" smtClean="0">
+                <a:solidFill>
+                  <a:schemeClr val="tx1"/>
+                </a:solidFill>
+                <a:effectLst/>
+                <a:latin typeface="+mn-lt"/>
+                <a:ea typeface="+mn-ea"/>
+                <a:cs typeface="+mn-cs"/>
+              </a:rPr>
+              <a:t>如果我们对词向量</a:t>
+            </a:r>
+            <a:r>
+              <a:rPr lang="en-US" sz="1200" b="0" i="0" kern="1200" dirty="0" err="1" smtClean="0">
+                <a:solidFill>
+                  <a:schemeClr val="tx1"/>
+                </a:solidFill>
+                <a:effectLst/>
+                <a:latin typeface="+mn-lt"/>
+                <a:ea typeface="+mn-ea"/>
+                <a:cs typeface="+mn-cs"/>
+              </a:rPr>
+              <a:t>kitten、cat</a:t>
+            </a:r>
+            <a:r>
+              <a:rPr lang="zh-CN" altLang="en-US" sz="1200" b="0" i="0" kern="1200" dirty="0" smtClean="0">
+                <a:solidFill>
+                  <a:schemeClr val="tx1"/>
+                </a:solidFill>
+                <a:effectLst/>
+                <a:latin typeface="+mn-lt"/>
+                <a:ea typeface="+mn-ea"/>
+                <a:cs typeface="+mn-cs"/>
+              </a:rPr>
+              <a:t>以及</a:t>
+            </a:r>
+            <a:r>
+              <a:rPr lang="en-US" sz="1200" b="0" i="0" kern="1200" dirty="0" smtClean="0">
+                <a:solidFill>
+                  <a:schemeClr val="tx1"/>
+                </a:solidFill>
+                <a:effectLst/>
+                <a:latin typeface="+mn-lt"/>
+                <a:ea typeface="+mn-ea"/>
+                <a:cs typeface="+mn-cs"/>
+              </a:rPr>
+              <a:t>dog</a:t>
+            </a:r>
+            <a:r>
+              <a:rPr lang="zh-CN" altLang="en-US" sz="1200" b="0" i="0" kern="1200" dirty="0" smtClean="0">
+                <a:solidFill>
+                  <a:schemeClr val="tx1"/>
+                </a:solidFill>
+                <a:effectLst/>
+                <a:latin typeface="+mn-lt"/>
+                <a:ea typeface="+mn-ea"/>
+                <a:cs typeface="+mn-cs"/>
+              </a:rPr>
+              <a:t>执行这样的操作：</a:t>
+            </a:r>
+            <a:r>
+              <a:rPr lang="en-US" sz="1200" b="0" i="0" kern="1200" dirty="0" smtClean="0">
+                <a:solidFill>
+                  <a:schemeClr val="tx1"/>
+                </a:solidFill>
+                <a:effectLst/>
+                <a:latin typeface="+mn-lt"/>
+                <a:ea typeface="+mn-ea"/>
+                <a:cs typeface="+mn-cs"/>
+              </a:rPr>
+              <a:t>kitten - cat + dog，</a:t>
+            </a:r>
+            <a:r>
+              <a:rPr lang="zh-CN" altLang="en-US" sz="1200" b="0" i="0" kern="1200" dirty="0" smtClean="0">
+                <a:solidFill>
+                  <a:schemeClr val="tx1"/>
+                </a:solidFill>
+                <a:effectLst/>
+                <a:latin typeface="+mn-lt"/>
+                <a:ea typeface="+mn-ea"/>
+                <a:cs typeface="+mn-cs"/>
+              </a:rPr>
+              <a:t>那么最终得到的嵌入向量（</a:t>
+            </a:r>
+            <a:r>
+              <a:rPr lang="en-US" sz="1200" b="0" i="0" kern="1200" dirty="0" smtClean="0">
+                <a:solidFill>
+                  <a:schemeClr val="tx1"/>
+                </a:solidFill>
+                <a:effectLst/>
+                <a:latin typeface="+mn-lt"/>
+                <a:ea typeface="+mn-ea"/>
+                <a:cs typeface="+mn-cs"/>
+              </a:rPr>
+              <a:t>embedded vector）</a:t>
+            </a:r>
+            <a:r>
+              <a:rPr lang="zh-CN" altLang="en-US" sz="1200" b="0" i="0" kern="1200" dirty="0" smtClean="0">
+                <a:solidFill>
+                  <a:schemeClr val="tx1"/>
+                </a:solidFill>
+                <a:effectLst/>
+                <a:latin typeface="+mn-lt"/>
+                <a:ea typeface="+mn-ea"/>
+                <a:cs typeface="+mn-cs"/>
+              </a:rPr>
+              <a:t>将与</a:t>
+            </a:r>
+            <a:r>
+              <a:rPr lang="en-US" sz="1200" b="0" i="0" kern="1200" dirty="0" smtClean="0">
+                <a:solidFill>
+                  <a:schemeClr val="tx1"/>
+                </a:solidFill>
+                <a:effectLst/>
+                <a:latin typeface="+mn-lt"/>
+                <a:ea typeface="+mn-ea"/>
+                <a:cs typeface="+mn-cs"/>
+              </a:rPr>
+              <a:t>puppy</a:t>
+            </a:r>
+            <a:r>
+              <a:rPr lang="zh-CN" altLang="en-US" sz="1200" b="0" i="0" kern="1200" dirty="0" smtClean="0">
+                <a:solidFill>
+                  <a:schemeClr val="tx1"/>
+                </a:solidFill>
+                <a:effectLst/>
+                <a:latin typeface="+mn-lt"/>
+                <a:ea typeface="+mn-ea"/>
+                <a:cs typeface="+mn-cs"/>
+              </a:rPr>
+              <a:t>这个词向量十分相近。</a:t>
+            </a:r>
+            <a:endParaRPr lang="en-US" dirty="0"/>
+          </a:p>
+        </p:txBody>
+      </p:sp>
+      <p:sp>
+        <p:nvSpPr>
+          <p:cNvPr id="4" name="Slide Number Placeholder 3"/>
+          <p:cNvSpPr>
+            <a:spLocks noGrp="1"/>
+          </p:cNvSpPr>
+          <p:nvPr>
+            <p:ph type="sldNum" sz="quarter" idx="10"/>
+          </p:nvPr>
+        </p:nvSpPr>
+        <p:spPr/>
+        <p:txBody>
+          <a:bodyPr/>
+          <a:lstStyle/>
+          <a:p>
+            <a:fld id="{54FE5736-E147-4D4C-A630-9DA628E6AE84}" type="slidenum">
+              <a:rPr lang="en-US" smtClean="0"/>
+              <a:t>3</a:t>
+            </a:fld>
+            <a:endParaRPr lang="en-US"/>
+          </a:p>
+        </p:txBody>
+      </p:sp>
+    </p:spTree>
+    <p:extLst>
+      <p:ext uri="{BB962C8B-B14F-4D97-AF65-F5344CB8AC3E}">
+        <p14:creationId xmlns:p14="http://schemas.microsoft.com/office/powerpoint/2010/main" val="3297004920"/>
+      </p:ext>
+    </p:extLst>
+  </p:cSld>
+  <p:clrMapOvr>
+    <a:masterClrMapping/>
+  </p:clrMapOvr>
+</p:notes>
+</file>
+
+<file path=ppt/notesSlides/notesSlide4.xml><?xml version="1.0" encoding="utf-8"?>
+<p:notes xmlns:a="http://schemas.openxmlformats.org/drawingml/2006/main" xmlns:r="http://schemas.openxmlformats.org/officeDocument/2006/relationships" xmlns:p="http://schemas.openxmlformats.org/presentationml/2006/main">
+  <p:cSld>
+    <p:spTree>
+      <p:nvGrpSpPr>
+        <p:cNvPr id="1" name=""/>
+        <p:cNvGrpSpPr/>
+        <p:nvPr/>
+      </p:nvGrpSpPr>
+      <p:grpSpPr>
+        <a:xfrm>
+          <a:off x="0" y="0"/>
+          <a:ext cx="0" cy="0"/>
+          <a:chOff x="0" y="0"/>
+          <a:chExt cx="0" cy="0"/>
+        </a:xfrm>
+      </p:grpSpPr>
+      <p:sp>
+        <p:nvSpPr>
+          <p:cNvPr id="2" name="Slide Image Placeholder 1"/>
+          <p:cNvSpPr>
+            <a:spLocks noGrp="1" noRot="1" noChangeAspect="1"/>
+          </p:cNvSpPr>
+          <p:nvPr>
+            <p:ph type="sldImg"/>
+          </p:nvPr>
+        </p:nvSpPr>
+        <p:spPr/>
+      </p:sp>
+      <p:sp>
+        <p:nvSpPr>
+          <p:cNvPr id="3" name="Notes Placeholder 2"/>
+          <p:cNvSpPr>
+            <a:spLocks noGrp="1"/>
+          </p:cNvSpPr>
+          <p:nvPr>
+            <p:ph type="body" idx="1"/>
+          </p:nvPr>
+        </p:nvSpPr>
+        <p:spPr/>
+        <p:txBody>
+          <a:bodyPr/>
+          <a:lstStyle/>
+          <a:p>
+            <a:r>
+              <a:rPr lang="zh-CN" altLang="en-US" sz="1200" b="0" i="0" kern="1200" dirty="0" smtClean="0">
+                <a:solidFill>
+                  <a:schemeClr val="tx1"/>
+                </a:solidFill>
+                <a:effectLst/>
+                <a:latin typeface="+mn-lt"/>
+                <a:ea typeface="+mn-ea"/>
+                <a:cs typeface="+mn-cs"/>
+              </a:rPr>
+              <a:t>思想与</a:t>
+            </a:r>
+            <a:r>
+              <a:rPr lang="zh-CN" altLang="en-US" sz="1200" b="0" i="0" kern="1200" dirty="0" smtClean="0">
+                <a:solidFill>
+                  <a:schemeClr val="tx1"/>
+                </a:solidFill>
+                <a:effectLst/>
+                <a:latin typeface="+mn-lt"/>
+                <a:ea typeface="+mn-ea"/>
+                <a:cs typeface="+mn-cs"/>
+              </a:rPr>
+              <a:t>自编码器（</a:t>
+            </a:r>
+            <a:r>
+              <a:rPr lang="en-US" sz="1200" b="0" i="0" kern="1200" dirty="0" smtClean="0">
+                <a:solidFill>
+                  <a:schemeClr val="tx1"/>
+                </a:solidFill>
+                <a:effectLst/>
+                <a:latin typeface="+mn-lt"/>
+                <a:ea typeface="+mn-ea"/>
+                <a:cs typeface="+mn-cs"/>
+              </a:rPr>
+              <a:t>auto-encoder）</a:t>
+            </a:r>
+            <a:r>
+              <a:rPr lang="zh-CN" altLang="en-US" sz="1200" b="0" i="0" kern="1200" dirty="0" smtClean="0">
+                <a:solidFill>
+                  <a:schemeClr val="tx1"/>
+                </a:solidFill>
+                <a:effectLst/>
+                <a:latin typeface="+mn-lt"/>
+                <a:ea typeface="+mn-ea"/>
+                <a:cs typeface="+mn-cs"/>
+              </a:rPr>
+              <a:t>的很相似，先基于训练数据构建一个神经网络，当这个模型训练好以后，并不用这个训练好的模型做预测，真正需要的是这个模型中学到的参数。</a:t>
+            </a:r>
+            <a:endParaRPr lang="en-US" dirty="0"/>
+          </a:p>
+        </p:txBody>
+      </p:sp>
+      <p:sp>
+        <p:nvSpPr>
+          <p:cNvPr id="4" name="Slide Number Placeholder 3"/>
+          <p:cNvSpPr>
+            <a:spLocks noGrp="1"/>
+          </p:cNvSpPr>
+          <p:nvPr>
+            <p:ph type="sldNum" sz="quarter" idx="10"/>
+          </p:nvPr>
+        </p:nvSpPr>
+        <p:spPr/>
+        <p:txBody>
+          <a:bodyPr/>
+          <a:lstStyle/>
+          <a:p>
+            <a:fld id="{54FE5736-E147-4D4C-A630-9DA628E6AE84}" type="slidenum">
+              <a:rPr lang="en-US" smtClean="0"/>
+              <a:t>4</a:t>
+            </a:fld>
+            <a:endParaRPr lang="en-US"/>
+          </a:p>
+        </p:txBody>
+      </p:sp>
+    </p:spTree>
+    <p:extLst>
+      <p:ext uri="{BB962C8B-B14F-4D97-AF65-F5344CB8AC3E}">
+        <p14:creationId xmlns:p14="http://schemas.microsoft.com/office/powerpoint/2010/main" val="4180568198"/>
+      </p:ext>
+    </p:extLst>
+  </p:cSld>
+  <p:clrMapOvr>
+    <a:masterClrMapping/>
+  </p:clrMapOvr>
+</p:notes>
+</file>
+
+<file path=ppt/notesSlides/notesSlide5.xml><?xml version="1.0" encoding="utf-8"?>
+<p:notes xmlns:a="http://schemas.openxmlformats.org/drawingml/2006/main" xmlns:r="http://schemas.openxmlformats.org/officeDocument/2006/relationships" xmlns:p="http://schemas.openxmlformats.org/presentationml/2006/main">
+  <p:cSld>
+    <p:spTree>
+      <p:nvGrpSpPr>
+        <p:cNvPr id="1" name=""/>
+        <p:cNvGrpSpPr/>
+        <p:nvPr/>
+      </p:nvGrpSpPr>
+      <p:grpSpPr>
+        <a:xfrm>
+          <a:off x="0" y="0"/>
+          <a:ext cx="0" cy="0"/>
+          <a:chOff x="0" y="0"/>
+          <a:chExt cx="0" cy="0"/>
+        </a:xfrm>
+      </p:grpSpPr>
+      <p:sp>
+        <p:nvSpPr>
+          <p:cNvPr id="2" name="Slide Image Placeholder 1"/>
+          <p:cNvSpPr>
+            <a:spLocks noGrp="1" noRot="1" noChangeAspect="1"/>
+          </p:cNvSpPr>
+          <p:nvPr>
+            <p:ph type="sldImg"/>
+          </p:nvPr>
+        </p:nvSpPr>
+        <p:spPr/>
+      </p:sp>
+      <p:sp>
+        <p:nvSpPr>
+          <p:cNvPr id="3" name="Notes Placeholder 2"/>
+          <p:cNvSpPr>
+            <a:spLocks noGrp="1"/>
+          </p:cNvSpPr>
+          <p:nvPr>
+            <p:ph type="body" idx="1"/>
+          </p:nvPr>
+        </p:nvSpPr>
+        <p:spPr/>
+        <p:txBody>
+          <a:bodyPr/>
+          <a:lstStyle/>
+          <a:p>
+            <a:endParaRPr lang="en-US"/>
+          </a:p>
+        </p:txBody>
+      </p:sp>
+      <p:sp>
+        <p:nvSpPr>
+          <p:cNvPr id="4" name="Slide Number Placeholder 3"/>
+          <p:cNvSpPr>
+            <a:spLocks noGrp="1"/>
+          </p:cNvSpPr>
+          <p:nvPr>
+            <p:ph type="sldNum" sz="quarter" idx="10"/>
+          </p:nvPr>
+        </p:nvSpPr>
+        <p:spPr/>
+        <p:txBody>
+          <a:bodyPr/>
+          <a:lstStyle/>
+          <a:p>
+            <a:fld id="{54FE5736-E147-4D4C-A630-9DA628E6AE84}" type="slidenum">
+              <a:rPr lang="en-US" smtClean="0"/>
+              <a:t>5</a:t>
+            </a:fld>
+            <a:endParaRPr lang="en-US"/>
+          </a:p>
+        </p:txBody>
+      </p:sp>
+    </p:spTree>
+    <p:extLst>
+      <p:ext uri="{BB962C8B-B14F-4D97-AF65-F5344CB8AC3E}">
+        <p14:creationId xmlns:p14="http://schemas.microsoft.com/office/powerpoint/2010/main" val="3742125218"/>
+      </p:ext>
+    </p:extLst>
+  </p:cSld>
+  <p:clrMapOvr>
+    <a:masterClrMapping/>
+  </p:clrMapOvr>
+</p:notes>
+</file>
+
+<file path=ppt/notesSlides/notesSlide6.xml><?xml version="1.0" encoding="utf-8"?>
+<p:notes xmlns:a="http://schemas.openxmlformats.org/drawingml/2006/main" xmlns:r="http://schemas.openxmlformats.org/officeDocument/2006/relationships" xmlns:p="http://schemas.openxmlformats.org/presentationml/2006/main">
+  <p:cSld>
+    <p:spTree>
+      <p:nvGrpSpPr>
+        <p:cNvPr id="1" name=""/>
+        <p:cNvGrpSpPr/>
+        <p:nvPr/>
+      </p:nvGrpSpPr>
+      <p:grpSpPr>
+        <a:xfrm>
+          <a:off x="0" y="0"/>
+          <a:ext cx="0" cy="0"/>
+          <a:chOff x="0" y="0"/>
+          <a:chExt cx="0" cy="0"/>
+        </a:xfrm>
+      </p:grpSpPr>
+      <p:sp>
+        <p:nvSpPr>
+          <p:cNvPr id="2" name="Slide Image Placeholder 1"/>
+          <p:cNvSpPr>
+            <a:spLocks noGrp="1" noRot="1" noChangeAspect="1"/>
+          </p:cNvSpPr>
+          <p:nvPr>
+            <p:ph type="sldImg"/>
+          </p:nvPr>
+        </p:nvSpPr>
+        <p:spPr/>
+      </p:sp>
+      <p:sp>
+        <p:nvSpPr>
+          <p:cNvPr id="3" name="Notes Placeholder 2"/>
+          <p:cNvSpPr>
+            <a:spLocks noGrp="1"/>
+          </p:cNvSpPr>
+          <p:nvPr>
+            <p:ph type="body" idx="1"/>
+          </p:nvPr>
+        </p:nvSpPr>
+        <p:spPr/>
+        <p:txBody>
+          <a:bodyPr/>
+          <a:lstStyle/>
+          <a:p>
+            <a:r>
+              <a:rPr lang="en-US" altLang="zh-CN" sz="1200" b="0" i="0" kern="1200" dirty="0" err="1" smtClean="0">
+                <a:solidFill>
+                  <a:schemeClr val="tx1"/>
+                </a:solidFill>
+                <a:effectLst/>
+                <a:latin typeface="+mn-lt"/>
+                <a:ea typeface="+mn-ea"/>
+                <a:cs typeface="+mn-cs"/>
+              </a:rPr>
+              <a:t>skip_window</a:t>
+            </a:r>
+            <a:r>
+              <a:rPr lang="zh-CN" altLang="en-US" sz="1200" b="0" i="0" kern="1200" dirty="0" smtClean="0">
+                <a:solidFill>
+                  <a:schemeClr val="tx1"/>
+                </a:solidFill>
+                <a:effectLst/>
+                <a:latin typeface="+mn-lt"/>
+                <a:ea typeface="+mn-ea"/>
+                <a:cs typeface="+mn-cs"/>
+              </a:rPr>
+              <a:t>，从</a:t>
+            </a:r>
+            <a:r>
+              <a:rPr lang="en-US" altLang="zh-CN" sz="1200" b="0" i="0" kern="1200" dirty="0" smtClean="0">
+                <a:solidFill>
+                  <a:schemeClr val="tx1"/>
+                </a:solidFill>
+                <a:effectLst/>
+                <a:latin typeface="+mn-lt"/>
+                <a:ea typeface="+mn-ea"/>
+                <a:cs typeface="+mn-cs"/>
+              </a:rPr>
+              <a:t>input word</a:t>
+            </a:r>
+            <a:r>
+              <a:rPr lang="zh-CN" altLang="en-US" sz="1200" b="0" i="0" kern="1200" dirty="0" smtClean="0">
+                <a:solidFill>
+                  <a:schemeClr val="tx1"/>
+                </a:solidFill>
+                <a:effectLst/>
+                <a:latin typeface="+mn-lt"/>
+                <a:ea typeface="+mn-ea"/>
+                <a:cs typeface="+mn-cs"/>
+              </a:rPr>
+              <a:t>的一侧（左边或右边）选取词的数量</a:t>
+            </a:r>
+            <a:endParaRPr lang="en-US" sz="1200" b="0" i="0" kern="1200" dirty="0" smtClean="0">
+              <a:solidFill>
+                <a:schemeClr val="tx1"/>
+              </a:solidFill>
+              <a:effectLst/>
+              <a:latin typeface="+mn-lt"/>
+              <a:ea typeface="+mn-ea"/>
+              <a:cs typeface="+mn-cs"/>
+            </a:endParaRPr>
+          </a:p>
+          <a:p>
+            <a:r>
+              <a:rPr lang="en-US" sz="1200" b="0" i="0" kern="1200" dirty="0" err="1" smtClean="0">
+                <a:solidFill>
+                  <a:schemeClr val="tx1"/>
+                </a:solidFill>
+                <a:effectLst/>
+                <a:latin typeface="+mn-lt"/>
+                <a:ea typeface="+mn-ea"/>
+                <a:cs typeface="+mn-cs"/>
+              </a:rPr>
+              <a:t>num_skips</a:t>
+            </a:r>
+            <a:r>
+              <a:rPr lang="en-US" sz="1200" b="0" i="0" kern="1200" dirty="0" smtClean="0">
+                <a:solidFill>
+                  <a:schemeClr val="tx1"/>
+                </a:solidFill>
+                <a:effectLst/>
+                <a:latin typeface="+mn-lt"/>
+                <a:ea typeface="+mn-ea"/>
+                <a:cs typeface="+mn-cs"/>
+              </a:rPr>
+              <a:t> </a:t>
+            </a:r>
+            <a:r>
+              <a:rPr lang="zh-CN" altLang="en-US" sz="1200" b="0" i="0" kern="1200" dirty="0" smtClean="0">
+                <a:solidFill>
+                  <a:schemeClr val="tx1"/>
+                </a:solidFill>
+                <a:effectLst/>
+                <a:latin typeface="+mn-lt"/>
+                <a:ea typeface="+mn-ea"/>
+                <a:cs typeface="+mn-cs"/>
+              </a:rPr>
+              <a:t>从整个窗口中选取多少个不同的词作为我们的</a:t>
+            </a:r>
+            <a:r>
+              <a:rPr lang="en-US" altLang="zh-CN" sz="1200" b="0" i="0" kern="1200" dirty="0" smtClean="0">
+                <a:solidFill>
+                  <a:schemeClr val="tx1"/>
+                </a:solidFill>
+                <a:effectLst/>
+                <a:latin typeface="+mn-lt"/>
+                <a:ea typeface="+mn-ea"/>
+                <a:cs typeface="+mn-cs"/>
+              </a:rPr>
+              <a:t>output word</a:t>
+            </a:r>
+          </a:p>
+          <a:p>
+            <a:r>
+              <a:rPr lang="zh-CN" altLang="en-US" sz="1200" b="0" i="0" kern="1200" dirty="0" smtClean="0">
+                <a:solidFill>
+                  <a:schemeClr val="tx1"/>
+                </a:solidFill>
+                <a:effectLst/>
+                <a:latin typeface="+mn-lt"/>
+                <a:ea typeface="+mn-ea"/>
+                <a:cs typeface="+mn-cs"/>
+              </a:rPr>
+              <a:t>输出一个概率分布，这个概率代表着我们的词典中的每个词是</a:t>
+            </a:r>
+            <a:r>
+              <a:rPr lang="en-US" altLang="zh-CN" sz="1200" b="0" i="0" kern="1200" dirty="0" smtClean="0">
+                <a:solidFill>
+                  <a:schemeClr val="tx1"/>
+                </a:solidFill>
+                <a:effectLst/>
+                <a:latin typeface="+mn-lt"/>
+                <a:ea typeface="+mn-ea"/>
+                <a:cs typeface="+mn-cs"/>
+              </a:rPr>
+              <a:t>output word</a:t>
+            </a:r>
+            <a:r>
+              <a:rPr lang="zh-CN" altLang="en-US" sz="1200" b="0" i="0" kern="1200" dirty="0" smtClean="0">
+                <a:solidFill>
+                  <a:schemeClr val="tx1"/>
+                </a:solidFill>
+                <a:effectLst/>
+                <a:latin typeface="+mn-lt"/>
+                <a:ea typeface="+mn-ea"/>
+                <a:cs typeface="+mn-cs"/>
+              </a:rPr>
+              <a:t>的可能性。</a:t>
+            </a:r>
+            <a:endParaRPr lang="en-US" dirty="0"/>
+          </a:p>
+        </p:txBody>
+      </p:sp>
+      <p:sp>
+        <p:nvSpPr>
+          <p:cNvPr id="4" name="Slide Number Placeholder 3"/>
+          <p:cNvSpPr>
+            <a:spLocks noGrp="1"/>
+          </p:cNvSpPr>
+          <p:nvPr>
+            <p:ph type="sldNum" sz="quarter" idx="10"/>
+          </p:nvPr>
+        </p:nvSpPr>
+        <p:spPr/>
+        <p:txBody>
+          <a:bodyPr/>
+          <a:lstStyle/>
+          <a:p>
+            <a:fld id="{54FE5736-E147-4D4C-A630-9DA628E6AE84}" type="slidenum">
+              <a:rPr lang="en-US" smtClean="0"/>
+              <a:t>6</a:t>
+            </a:fld>
+            <a:endParaRPr lang="en-US"/>
+          </a:p>
+        </p:txBody>
+      </p:sp>
+    </p:spTree>
+    <p:extLst>
+      <p:ext uri="{BB962C8B-B14F-4D97-AF65-F5344CB8AC3E}">
+        <p14:creationId xmlns:p14="http://schemas.microsoft.com/office/powerpoint/2010/main" val="4120995313"/>
+      </p:ext>
+    </p:extLst>
+  </p:cSld>
+  <p:clrMapOvr>
+    <a:masterClrMapping/>
+  </p:clrMapOvr>
+</p:notes>
+</file>
+
+<file path=ppt/notesSlides/notesSlide7.xml><?xml version="1.0" encoding="utf-8"?>
+<p:notes xmlns:a="http://schemas.openxmlformats.org/drawingml/2006/main" xmlns:r="http://schemas.openxmlformats.org/officeDocument/2006/relationships" xmlns:p="http://schemas.openxmlformats.org/presentationml/2006/main">
+  <p:cSld>
+    <p:spTree>
+      <p:nvGrpSpPr>
+        <p:cNvPr id="1" name=""/>
+        <p:cNvGrpSpPr/>
+        <p:nvPr/>
+      </p:nvGrpSpPr>
+      <p:grpSpPr>
+        <a:xfrm>
+          <a:off x="0" y="0"/>
+          <a:ext cx="0" cy="0"/>
+          <a:chOff x="0" y="0"/>
+          <a:chExt cx="0" cy="0"/>
+        </a:xfrm>
+      </p:grpSpPr>
+      <p:sp>
+        <p:nvSpPr>
+          <p:cNvPr id="2" name="Slide Image Placeholder 1"/>
+          <p:cNvSpPr>
+            <a:spLocks noGrp="1" noRot="1" noChangeAspect="1"/>
+          </p:cNvSpPr>
+          <p:nvPr>
+            <p:ph type="sldImg"/>
+          </p:nvPr>
+        </p:nvSpPr>
+        <p:spPr/>
+      </p:sp>
+      <p:sp>
+        <p:nvSpPr>
+          <p:cNvPr id="3" name="Notes Placeholder 2"/>
+          <p:cNvSpPr>
+            <a:spLocks noGrp="1"/>
+          </p:cNvSpPr>
+          <p:nvPr>
+            <p:ph type="body" idx="1"/>
+          </p:nvPr>
+        </p:nvSpPr>
+        <p:spPr/>
+        <p:txBody>
+          <a:bodyPr/>
+          <a:lstStyle/>
+          <a:p>
+            <a:r>
+              <a:rPr lang="zh-CN" altLang="en-US" sz="1200" b="0" i="0" kern="1200" dirty="0" smtClean="0">
+                <a:solidFill>
+                  <a:schemeClr val="tx1"/>
+                </a:solidFill>
+                <a:effectLst/>
+                <a:latin typeface="+mn-lt"/>
+                <a:ea typeface="+mn-ea"/>
+                <a:cs typeface="+mn-cs"/>
+              </a:rPr>
+              <a:t>向量每个维度的值只有</a:t>
+            </a:r>
+            <a:r>
+              <a:rPr lang="en-US" altLang="zh-CN" sz="1200" b="0" i="0" kern="1200" dirty="0" smtClean="0">
+                <a:solidFill>
+                  <a:schemeClr val="tx1"/>
+                </a:solidFill>
+                <a:effectLst/>
+                <a:latin typeface="+mn-lt"/>
+                <a:ea typeface="+mn-ea"/>
+                <a:cs typeface="+mn-cs"/>
+              </a:rPr>
+              <a:t>0</a:t>
+            </a:r>
+            <a:r>
+              <a:rPr lang="zh-CN" altLang="en-US" sz="1200" b="0" i="0" kern="1200" dirty="0" smtClean="0">
+                <a:solidFill>
+                  <a:schemeClr val="tx1"/>
+                </a:solidFill>
+                <a:effectLst/>
+                <a:latin typeface="+mn-lt"/>
+                <a:ea typeface="+mn-ea"/>
+                <a:cs typeface="+mn-cs"/>
+              </a:rPr>
+              <a:t>或者</a:t>
+            </a:r>
+            <a:r>
+              <a:rPr lang="en-US" altLang="zh-CN" sz="1200" b="0" i="0" kern="1200" dirty="0" smtClean="0">
+                <a:solidFill>
+                  <a:schemeClr val="tx1"/>
+                </a:solidFill>
+                <a:effectLst/>
+                <a:latin typeface="+mn-lt"/>
+                <a:ea typeface="+mn-ea"/>
+                <a:cs typeface="+mn-cs"/>
+              </a:rPr>
+              <a:t>1</a:t>
+            </a:r>
+            <a:r>
+              <a:rPr lang="zh-CN" altLang="en-US" sz="1200" b="0" i="0" kern="1200" dirty="0" smtClean="0">
+                <a:solidFill>
+                  <a:schemeClr val="tx1"/>
+                </a:solidFill>
+                <a:effectLst/>
+                <a:latin typeface="+mn-lt"/>
+                <a:ea typeface="+mn-ea"/>
+                <a:cs typeface="+mn-cs"/>
+              </a:rPr>
+              <a:t>，假如单词</a:t>
+            </a:r>
+            <a:r>
+              <a:rPr lang="en-US" altLang="zh-CN" sz="1200" b="0" i="0" kern="1200" dirty="0" smtClean="0">
+                <a:solidFill>
+                  <a:schemeClr val="tx1"/>
+                </a:solidFill>
+                <a:effectLst/>
+                <a:latin typeface="+mn-lt"/>
+                <a:ea typeface="+mn-ea"/>
+                <a:cs typeface="+mn-cs"/>
+              </a:rPr>
+              <a:t>ants</a:t>
+            </a:r>
+            <a:r>
+              <a:rPr lang="zh-CN" altLang="en-US" sz="1200" b="0" i="0" kern="1200" dirty="0" smtClean="0">
+                <a:solidFill>
+                  <a:schemeClr val="tx1"/>
+                </a:solidFill>
+                <a:effectLst/>
+                <a:latin typeface="+mn-lt"/>
+                <a:ea typeface="+mn-ea"/>
+                <a:cs typeface="+mn-cs"/>
+              </a:rPr>
+              <a:t>在词汇表中的出现位置为第</a:t>
+            </a:r>
+            <a:r>
+              <a:rPr lang="en-US" altLang="zh-CN" sz="1200" b="0" i="0" kern="1200" dirty="0" smtClean="0">
+                <a:solidFill>
+                  <a:schemeClr val="tx1"/>
+                </a:solidFill>
+                <a:effectLst/>
+                <a:latin typeface="+mn-lt"/>
+                <a:ea typeface="+mn-ea"/>
+                <a:cs typeface="+mn-cs"/>
+              </a:rPr>
+              <a:t>3</a:t>
+            </a:r>
+            <a:r>
+              <a:rPr lang="zh-CN" altLang="en-US" sz="1200" b="0" i="0" kern="1200" dirty="0" smtClean="0">
+                <a:solidFill>
+                  <a:schemeClr val="tx1"/>
+                </a:solidFill>
+                <a:effectLst/>
+                <a:latin typeface="+mn-lt"/>
+                <a:ea typeface="+mn-ea"/>
+                <a:cs typeface="+mn-cs"/>
+              </a:rPr>
+              <a:t>个，那么</a:t>
+            </a:r>
+            <a:r>
+              <a:rPr lang="en-US" altLang="zh-CN" sz="1200" b="0" i="0" kern="1200" dirty="0" smtClean="0">
+                <a:solidFill>
+                  <a:schemeClr val="tx1"/>
+                </a:solidFill>
+                <a:effectLst/>
+                <a:latin typeface="+mn-lt"/>
+                <a:ea typeface="+mn-ea"/>
+                <a:cs typeface="+mn-cs"/>
+              </a:rPr>
+              <a:t>ants</a:t>
+            </a:r>
+            <a:r>
+              <a:rPr lang="zh-CN" altLang="en-US" sz="1200" b="0" i="0" kern="1200" dirty="0" smtClean="0">
+                <a:solidFill>
+                  <a:schemeClr val="tx1"/>
+                </a:solidFill>
+                <a:effectLst/>
+                <a:latin typeface="+mn-lt"/>
+                <a:ea typeface="+mn-ea"/>
+                <a:cs typeface="+mn-cs"/>
+              </a:rPr>
+              <a:t>的向量就是一个第三维度取值为</a:t>
+            </a:r>
+            <a:r>
+              <a:rPr lang="en-US" altLang="zh-CN" sz="1200" b="0" i="0" kern="1200" dirty="0" smtClean="0">
+                <a:solidFill>
+                  <a:schemeClr val="tx1"/>
+                </a:solidFill>
+                <a:effectLst/>
+                <a:latin typeface="+mn-lt"/>
+                <a:ea typeface="+mn-ea"/>
+                <a:cs typeface="+mn-cs"/>
+              </a:rPr>
+              <a:t>1</a:t>
+            </a:r>
+            <a:r>
+              <a:rPr lang="zh-CN" altLang="en-US" sz="1200" b="0" i="0" kern="1200" dirty="0" smtClean="0">
+                <a:solidFill>
+                  <a:schemeClr val="tx1"/>
+                </a:solidFill>
+                <a:effectLst/>
+                <a:latin typeface="+mn-lt"/>
+                <a:ea typeface="+mn-ea"/>
+                <a:cs typeface="+mn-cs"/>
+              </a:rPr>
+              <a:t>，其他维都为</a:t>
+            </a:r>
+            <a:r>
+              <a:rPr lang="en-US" altLang="zh-CN" sz="1200" b="0" i="0" kern="1200" dirty="0" smtClean="0">
+                <a:solidFill>
+                  <a:schemeClr val="tx1"/>
+                </a:solidFill>
+                <a:effectLst/>
+                <a:latin typeface="+mn-lt"/>
+                <a:ea typeface="+mn-ea"/>
+                <a:cs typeface="+mn-cs"/>
+              </a:rPr>
+              <a:t>0</a:t>
+            </a:r>
+            <a:r>
+              <a:rPr lang="zh-CN" altLang="en-US" sz="1200" b="0" i="0" kern="1200" dirty="0" smtClean="0">
+                <a:solidFill>
+                  <a:schemeClr val="tx1"/>
+                </a:solidFill>
+                <a:effectLst/>
+                <a:latin typeface="+mn-lt"/>
+                <a:ea typeface="+mn-ea"/>
+                <a:cs typeface="+mn-cs"/>
+              </a:rPr>
+              <a:t>的</a:t>
+            </a:r>
+            <a:r>
+              <a:rPr lang="en-US" altLang="zh-CN" sz="1200" b="0" i="0" kern="1200" dirty="0" smtClean="0">
+                <a:solidFill>
+                  <a:schemeClr val="tx1"/>
+                </a:solidFill>
+                <a:effectLst/>
+                <a:latin typeface="+mn-lt"/>
+                <a:ea typeface="+mn-ea"/>
+                <a:cs typeface="+mn-cs"/>
+              </a:rPr>
+              <a:t>10000</a:t>
+            </a:r>
+            <a:r>
+              <a:rPr lang="zh-CN" altLang="en-US" sz="1200" b="0" i="0" kern="1200" dirty="0" smtClean="0">
+                <a:solidFill>
+                  <a:schemeClr val="tx1"/>
+                </a:solidFill>
+                <a:effectLst/>
+                <a:latin typeface="+mn-lt"/>
+                <a:ea typeface="+mn-ea"/>
+                <a:cs typeface="+mn-cs"/>
+              </a:rPr>
+              <a:t>维的向量。</a:t>
+            </a:r>
+            <a:endParaRPr lang="en-US" altLang="zh-CN" sz="1200" b="0" i="0" kern="1200" dirty="0" smtClean="0">
+              <a:solidFill>
+                <a:schemeClr val="tx1"/>
+              </a:solidFill>
+              <a:effectLst/>
+              <a:latin typeface="+mn-lt"/>
+              <a:ea typeface="+mn-ea"/>
+              <a:cs typeface="+mn-cs"/>
+            </a:endParaRPr>
+          </a:p>
+          <a:p>
+            <a:pPr marL="0" marR="0" lvl="0" indent="0" algn="l" defTabSz="914400" rtl="0" eaLnBrk="1" fontAlgn="auto" latinLnBrk="0" hangingPunct="1">
+              <a:lnSpc>
+                <a:spcPct val="100000"/>
+              </a:lnSpc>
+              <a:spcBef>
+                <a:spcPts val="0"/>
+              </a:spcBef>
+              <a:spcAft>
+                <a:spcPts val="0"/>
+              </a:spcAft>
+              <a:buClrTx/>
+              <a:buSzTx/>
+              <a:buFontTx/>
+              <a:buNone/>
+              <a:tabLst/>
+              <a:defRPr/>
+            </a:pPr>
+            <a:r>
+              <a:rPr lang="zh-CN" altLang="en-US" sz="1200" dirty="0" smtClean="0"/>
+              <a:t>输出编码：</a:t>
+            </a:r>
+            <a:r>
+              <a:rPr lang="zh-CN" altLang="en-US" sz="1200" b="0" i="0" kern="1200" dirty="0" smtClean="0">
+                <a:solidFill>
+                  <a:schemeClr val="tx1"/>
+                </a:solidFill>
+                <a:effectLst/>
+                <a:latin typeface="+mn-lt"/>
+                <a:ea typeface="+mn-ea"/>
+                <a:cs typeface="+mn-cs"/>
+              </a:rPr>
+              <a:t>每一个概率代表着当前词是输入样本中</a:t>
+            </a:r>
+            <a:r>
+              <a:rPr lang="en-US" altLang="zh-CN" sz="1200" b="0" i="0" kern="1200" dirty="0" smtClean="0">
+                <a:solidFill>
+                  <a:schemeClr val="tx1"/>
+                </a:solidFill>
+                <a:effectLst/>
+                <a:latin typeface="+mn-lt"/>
+                <a:ea typeface="+mn-ea"/>
+                <a:cs typeface="+mn-cs"/>
+              </a:rPr>
+              <a:t>output word</a:t>
+            </a:r>
+            <a:r>
+              <a:rPr lang="zh-CN" altLang="en-US" sz="1200" b="0" i="0" kern="1200" dirty="0" smtClean="0">
+                <a:solidFill>
+                  <a:schemeClr val="tx1"/>
+                </a:solidFill>
+                <a:effectLst/>
+                <a:latin typeface="+mn-lt"/>
+                <a:ea typeface="+mn-ea"/>
+                <a:cs typeface="+mn-cs"/>
+              </a:rPr>
+              <a:t>的概率大小。</a:t>
+            </a:r>
+            <a:endParaRPr lang="en-US" altLang="zh-CN" sz="1200" b="0" i="0" kern="1200" dirty="0" smtClean="0">
+              <a:solidFill>
+                <a:schemeClr val="tx1"/>
+              </a:solidFill>
+              <a:effectLst/>
+              <a:latin typeface="+mn-lt"/>
+              <a:ea typeface="+mn-ea"/>
+              <a:cs typeface="+mn-cs"/>
+            </a:endParaRPr>
+          </a:p>
+          <a:p>
+            <a:pPr marL="0" marR="0" lvl="0" indent="0" algn="l" defTabSz="914400" rtl="0" eaLnBrk="1" fontAlgn="auto" latinLnBrk="0" hangingPunct="1">
+              <a:lnSpc>
+                <a:spcPct val="100000"/>
+              </a:lnSpc>
+              <a:spcBef>
+                <a:spcPts val="0"/>
+              </a:spcBef>
+              <a:spcAft>
+                <a:spcPts val="0"/>
+              </a:spcAft>
+              <a:buClrTx/>
+              <a:buSzTx/>
+              <a:buFontTx/>
+              <a:buNone/>
+              <a:tabLst/>
+              <a:defRPr/>
+            </a:pPr>
+            <a:r>
+              <a:rPr lang="zh-CN" altLang="en-US" sz="1200" b="0" i="0" kern="1200" dirty="0" smtClean="0">
+                <a:solidFill>
+                  <a:schemeClr val="tx1"/>
+                </a:solidFill>
+                <a:effectLst/>
+                <a:latin typeface="+mn-lt"/>
+                <a:ea typeface="+mn-ea"/>
+                <a:cs typeface="+mn-cs"/>
+              </a:rPr>
+              <a:t>隐层没有使用任何激活函数，但是输出层使用了</a:t>
+            </a:r>
+            <a:r>
+              <a:rPr lang="en-US" altLang="zh-CN" sz="1200" b="0" i="0" kern="1200" dirty="0" err="1" smtClean="0">
+                <a:solidFill>
+                  <a:schemeClr val="tx1"/>
+                </a:solidFill>
+                <a:effectLst/>
+                <a:latin typeface="+mn-lt"/>
+                <a:ea typeface="+mn-ea"/>
+                <a:cs typeface="+mn-cs"/>
+              </a:rPr>
+              <a:t>sotfmax</a:t>
+            </a:r>
+            <a:r>
+              <a:rPr lang="zh-CN" altLang="en-US" sz="1200" b="0" i="0" kern="1200" dirty="0" smtClean="0">
+                <a:solidFill>
+                  <a:schemeClr val="tx1"/>
+                </a:solidFill>
+                <a:effectLst/>
+                <a:latin typeface="+mn-lt"/>
+                <a:ea typeface="+mn-ea"/>
+                <a:cs typeface="+mn-cs"/>
+              </a:rPr>
+              <a:t>。</a:t>
+            </a:r>
+            <a:endParaRPr lang="en-US" altLang="zh-CN" sz="1200" b="0" i="0" kern="1200" dirty="0" smtClean="0">
+              <a:solidFill>
+                <a:schemeClr val="tx1"/>
+              </a:solidFill>
+              <a:effectLst/>
+              <a:latin typeface="+mn-lt"/>
+              <a:ea typeface="+mn-ea"/>
+              <a:cs typeface="+mn-cs"/>
+            </a:endParaRPr>
+          </a:p>
+          <a:p>
+            <a:pPr marL="0" marR="0" lvl="0" indent="0" algn="l" defTabSz="914400" rtl="0" eaLnBrk="1" fontAlgn="auto" latinLnBrk="0" hangingPunct="1">
+              <a:lnSpc>
+                <a:spcPct val="100000"/>
+              </a:lnSpc>
+              <a:spcBef>
+                <a:spcPts val="0"/>
+              </a:spcBef>
+              <a:spcAft>
+                <a:spcPts val="0"/>
+              </a:spcAft>
+              <a:buClrTx/>
+              <a:buSzTx/>
+              <a:buFontTx/>
+              <a:buNone/>
+              <a:tabLst/>
+              <a:defRPr/>
+            </a:pPr>
+            <a:r>
+              <a:rPr lang="zh-CN" altLang="en-US" sz="1200" b="0" i="0" kern="1200" dirty="0" smtClean="0">
+                <a:solidFill>
+                  <a:schemeClr val="tx1"/>
+                </a:solidFill>
+                <a:effectLst/>
+                <a:latin typeface="+mn-lt"/>
+                <a:ea typeface="+mn-ea"/>
+                <a:cs typeface="+mn-cs"/>
+              </a:rPr>
+              <a:t>我们基于成对的单词来对神经网络进行训练，训练样本是 </a:t>
+            </a:r>
+            <a:r>
+              <a:rPr lang="en-US" altLang="zh-CN" sz="1200" b="0" i="0" kern="1200" dirty="0" smtClean="0">
+                <a:solidFill>
+                  <a:schemeClr val="tx1"/>
+                </a:solidFill>
+                <a:effectLst/>
+                <a:latin typeface="+mn-lt"/>
+                <a:ea typeface="+mn-ea"/>
+                <a:cs typeface="+mn-cs"/>
+              </a:rPr>
+              <a:t>( </a:t>
+            </a:r>
+            <a:r>
+              <a:rPr lang="en-US" sz="1200" b="0" i="0" kern="1200" dirty="0" smtClean="0">
+                <a:solidFill>
+                  <a:schemeClr val="tx1"/>
+                </a:solidFill>
+                <a:effectLst/>
+                <a:latin typeface="+mn-lt"/>
+                <a:ea typeface="+mn-ea"/>
+                <a:cs typeface="+mn-cs"/>
+              </a:rPr>
+              <a:t>input word, output word ) </a:t>
+            </a:r>
+            <a:r>
+              <a:rPr lang="zh-CN" altLang="en-US" sz="1200" b="0" i="0" kern="1200" dirty="0" smtClean="0">
+                <a:solidFill>
+                  <a:schemeClr val="tx1"/>
+                </a:solidFill>
+                <a:effectLst/>
+                <a:latin typeface="+mn-lt"/>
+                <a:ea typeface="+mn-ea"/>
+                <a:cs typeface="+mn-cs"/>
+              </a:rPr>
+              <a:t>这样的单词对，</a:t>
+            </a:r>
+            <a:r>
+              <a:rPr lang="en-US" sz="1200" b="0" i="0" kern="1200" dirty="0" smtClean="0">
+                <a:solidFill>
+                  <a:schemeClr val="tx1"/>
+                </a:solidFill>
+                <a:effectLst/>
+                <a:latin typeface="+mn-lt"/>
+                <a:ea typeface="+mn-ea"/>
+                <a:cs typeface="+mn-cs"/>
+              </a:rPr>
+              <a:t>input word</a:t>
+            </a:r>
+            <a:r>
+              <a:rPr lang="zh-CN" altLang="en-US" sz="1200" b="0" i="0" kern="1200" dirty="0" smtClean="0">
+                <a:solidFill>
+                  <a:schemeClr val="tx1"/>
+                </a:solidFill>
+                <a:effectLst/>
+                <a:latin typeface="+mn-lt"/>
+                <a:ea typeface="+mn-ea"/>
+                <a:cs typeface="+mn-cs"/>
+              </a:rPr>
+              <a:t>和</a:t>
+            </a:r>
+            <a:r>
+              <a:rPr lang="en-US" sz="1200" b="0" i="0" kern="1200" dirty="0" smtClean="0">
+                <a:solidFill>
+                  <a:schemeClr val="tx1"/>
+                </a:solidFill>
+                <a:effectLst/>
+                <a:latin typeface="+mn-lt"/>
+                <a:ea typeface="+mn-ea"/>
+                <a:cs typeface="+mn-cs"/>
+              </a:rPr>
+              <a:t>output word</a:t>
+            </a:r>
+            <a:r>
+              <a:rPr lang="zh-CN" altLang="en-US" sz="1200" b="0" i="0" kern="1200" dirty="0" smtClean="0">
+                <a:solidFill>
+                  <a:schemeClr val="tx1"/>
+                </a:solidFill>
+                <a:effectLst/>
+                <a:latin typeface="+mn-lt"/>
+                <a:ea typeface="+mn-ea"/>
+                <a:cs typeface="+mn-cs"/>
+              </a:rPr>
+              <a:t>都是</a:t>
+            </a:r>
+            <a:r>
+              <a:rPr lang="en-US" sz="1200" b="0" i="0" kern="1200" dirty="0" smtClean="0">
+                <a:solidFill>
+                  <a:schemeClr val="tx1"/>
+                </a:solidFill>
+                <a:effectLst/>
+                <a:latin typeface="+mn-lt"/>
+                <a:ea typeface="+mn-ea"/>
+                <a:cs typeface="+mn-cs"/>
+              </a:rPr>
+              <a:t>one-hot</a:t>
+            </a:r>
+            <a:r>
+              <a:rPr lang="zh-CN" altLang="en-US" sz="1200" b="0" i="0" kern="1200" dirty="0" smtClean="0">
+                <a:solidFill>
+                  <a:schemeClr val="tx1"/>
+                </a:solidFill>
+                <a:effectLst/>
+                <a:latin typeface="+mn-lt"/>
+                <a:ea typeface="+mn-ea"/>
+                <a:cs typeface="+mn-cs"/>
+              </a:rPr>
+              <a:t>编码的向量。最终模型的输出是一个概率分布。</a:t>
+            </a:r>
+            <a:endParaRPr lang="en-US" dirty="0"/>
+          </a:p>
+        </p:txBody>
+      </p:sp>
+      <p:sp>
+        <p:nvSpPr>
+          <p:cNvPr id="4" name="Slide Number Placeholder 3"/>
+          <p:cNvSpPr>
+            <a:spLocks noGrp="1"/>
+          </p:cNvSpPr>
+          <p:nvPr>
+            <p:ph type="sldNum" sz="quarter" idx="10"/>
+          </p:nvPr>
+        </p:nvSpPr>
+        <p:spPr/>
+        <p:txBody>
+          <a:bodyPr/>
+          <a:lstStyle/>
+          <a:p>
+            <a:fld id="{54FE5736-E147-4D4C-A630-9DA628E6AE84}" type="slidenum">
+              <a:rPr lang="en-US" smtClean="0"/>
+              <a:t>7</a:t>
+            </a:fld>
+            <a:endParaRPr lang="en-US"/>
+          </a:p>
+        </p:txBody>
+      </p:sp>
+    </p:spTree>
+    <p:extLst>
+      <p:ext uri="{BB962C8B-B14F-4D97-AF65-F5344CB8AC3E}">
+        <p14:creationId xmlns:p14="http://schemas.microsoft.com/office/powerpoint/2010/main" val="1848350414"/>
+      </p:ext>
+    </p:extLst>
+  </p:cSld>
+  <p:clrMapOvr>
+    <a:masterClrMapping/>
+  </p:clrMapOvr>
+</p:notes>
+</file>
+
+<file path=ppt/notesSlides/notesSlide8.xml><?xml version="1.0" encoding="utf-8"?>
+<p:notes xmlns:a="http://schemas.openxmlformats.org/drawingml/2006/main" xmlns:r="http://schemas.openxmlformats.org/officeDocument/2006/relationships" xmlns:p="http://schemas.openxmlformats.org/presentationml/2006/main">
+  <p:cSld>
+    <p:spTree>
+      <p:nvGrpSpPr>
+        <p:cNvPr id="1" name=""/>
+        <p:cNvGrpSpPr/>
+        <p:nvPr/>
+      </p:nvGrpSpPr>
+      <p:grpSpPr>
+        <a:xfrm>
+          <a:off x="0" y="0"/>
+          <a:ext cx="0" cy="0"/>
+          <a:chOff x="0" y="0"/>
+          <a:chExt cx="0" cy="0"/>
+        </a:xfrm>
+      </p:grpSpPr>
+      <p:sp>
+        <p:nvSpPr>
+          <p:cNvPr id="2" name="Slide Image Placeholder 1"/>
+          <p:cNvSpPr>
+            <a:spLocks noGrp="1" noRot="1" noChangeAspect="1"/>
+          </p:cNvSpPr>
+          <p:nvPr>
+            <p:ph type="sldImg"/>
+          </p:nvPr>
+        </p:nvSpPr>
+        <p:spPr/>
+      </p:sp>
+      <p:sp>
+        <p:nvSpPr>
+          <p:cNvPr id="3" name="Notes Placeholder 2"/>
+          <p:cNvSpPr>
+            <a:spLocks noGrp="1"/>
+          </p:cNvSpPr>
+          <p:nvPr>
+            <p:ph type="body" idx="1"/>
+          </p:nvPr>
+        </p:nvSpPr>
+        <p:spPr/>
+        <p:txBody>
+          <a:bodyPr/>
+          <a:lstStyle/>
+          <a:p>
+            <a:pPr marL="0" marR="0" lvl="0" indent="0" algn="l" defTabSz="914400" rtl="0" eaLnBrk="1" fontAlgn="auto" latinLnBrk="0" hangingPunct="1">
+              <a:lnSpc>
+                <a:spcPct val="100000"/>
+              </a:lnSpc>
+              <a:spcBef>
+                <a:spcPts val="0"/>
+              </a:spcBef>
+              <a:spcAft>
+                <a:spcPts val="0"/>
+              </a:spcAft>
+              <a:buClrTx/>
+              <a:buSzTx/>
+              <a:buFontTx/>
+              <a:buNone/>
+              <a:tabLst/>
+              <a:defRPr/>
+            </a:pPr>
+            <a:r>
+              <a:rPr lang="en-US" altLang="zh-CN" sz="1200" dirty="0" err="1" smtClean="0"/>
+              <a:t>embedding_size</a:t>
+            </a:r>
+            <a:r>
+              <a:rPr lang="en-US" altLang="zh-CN" sz="1200" dirty="0" smtClean="0"/>
+              <a:t>: </a:t>
+            </a:r>
+            <a:r>
+              <a:rPr lang="zh-CN" altLang="en-US" sz="1200" b="0" i="0" kern="1200" dirty="0" smtClean="0">
+                <a:solidFill>
+                  <a:schemeClr val="tx1"/>
+                </a:solidFill>
+                <a:effectLst/>
+                <a:latin typeface="+mn-lt"/>
+                <a:ea typeface="+mn-ea"/>
+                <a:cs typeface="+mn-cs"/>
+              </a:rPr>
+              <a:t>用</a:t>
+            </a:r>
+            <a:r>
+              <a:rPr lang="en-US" altLang="zh-CN" sz="1200" b="0" i="0" kern="1200" dirty="0" smtClean="0">
+                <a:solidFill>
+                  <a:schemeClr val="tx1"/>
+                </a:solidFill>
+                <a:effectLst/>
+                <a:latin typeface="+mn-lt"/>
+                <a:ea typeface="+mn-ea"/>
+                <a:cs typeface="+mn-cs"/>
+              </a:rPr>
+              <a:t>300</a:t>
+            </a:r>
+            <a:r>
+              <a:rPr lang="zh-CN" altLang="en-US" sz="1200" b="0" i="0" kern="1200" dirty="0" smtClean="0">
+                <a:solidFill>
+                  <a:schemeClr val="tx1"/>
+                </a:solidFill>
+                <a:effectLst/>
+                <a:latin typeface="+mn-lt"/>
+                <a:ea typeface="+mn-ea"/>
+                <a:cs typeface="+mn-cs"/>
+              </a:rPr>
+              <a:t>个特征来表示一个单词（即每个词可以被表示为</a:t>
+            </a:r>
+            <a:r>
+              <a:rPr lang="en-US" altLang="zh-CN" sz="1200" b="0" i="0" kern="1200" dirty="0" smtClean="0">
+                <a:solidFill>
+                  <a:schemeClr val="tx1"/>
+                </a:solidFill>
+                <a:effectLst/>
+                <a:latin typeface="+mn-lt"/>
+                <a:ea typeface="+mn-ea"/>
+                <a:cs typeface="+mn-cs"/>
+              </a:rPr>
+              <a:t>300</a:t>
+            </a:r>
+            <a:r>
+              <a:rPr lang="zh-CN" altLang="en-US" sz="1200" b="0" i="0" kern="1200" dirty="0" smtClean="0">
+                <a:solidFill>
+                  <a:schemeClr val="tx1"/>
+                </a:solidFill>
+                <a:effectLst/>
+                <a:latin typeface="+mn-lt"/>
+                <a:ea typeface="+mn-ea"/>
+                <a:cs typeface="+mn-cs"/>
+              </a:rPr>
+              <a:t>维的向量）。那么隐层的权重矩阵应该为</a:t>
+            </a:r>
+            <a:r>
+              <a:rPr lang="en-US" altLang="zh-CN" sz="1200" b="0" i="0" kern="1200" dirty="0" smtClean="0">
+                <a:solidFill>
+                  <a:schemeClr val="tx1"/>
+                </a:solidFill>
+                <a:effectLst/>
+                <a:latin typeface="+mn-lt"/>
+                <a:ea typeface="+mn-ea"/>
+                <a:cs typeface="+mn-cs"/>
+              </a:rPr>
+              <a:t>10000</a:t>
+            </a:r>
+            <a:r>
+              <a:rPr lang="zh-CN" altLang="en-US" sz="1200" b="0" i="0" kern="1200" dirty="0" smtClean="0">
+                <a:solidFill>
+                  <a:schemeClr val="tx1"/>
+                </a:solidFill>
+                <a:effectLst/>
+                <a:latin typeface="+mn-lt"/>
+                <a:ea typeface="+mn-ea"/>
+                <a:cs typeface="+mn-cs"/>
+              </a:rPr>
+              <a:t>行，</a:t>
+            </a:r>
+            <a:r>
+              <a:rPr lang="en-US" altLang="zh-CN" sz="1200" b="0" i="0" kern="1200" dirty="0" smtClean="0">
+                <a:solidFill>
+                  <a:schemeClr val="tx1"/>
+                </a:solidFill>
+                <a:effectLst/>
+                <a:latin typeface="+mn-lt"/>
+                <a:ea typeface="+mn-ea"/>
+                <a:cs typeface="+mn-cs"/>
+              </a:rPr>
+              <a:t>300</a:t>
+            </a:r>
+            <a:r>
+              <a:rPr lang="zh-CN" altLang="en-US" sz="1200" b="0" i="0" kern="1200" dirty="0" smtClean="0">
+                <a:solidFill>
+                  <a:schemeClr val="tx1"/>
+                </a:solidFill>
+                <a:effectLst/>
+                <a:latin typeface="+mn-lt"/>
+                <a:ea typeface="+mn-ea"/>
+                <a:cs typeface="+mn-cs"/>
+              </a:rPr>
+              <a:t>列（隐层有</a:t>
+            </a:r>
+            <a:r>
+              <a:rPr lang="en-US" altLang="zh-CN" sz="1200" b="0" i="0" kern="1200" dirty="0" smtClean="0">
+                <a:solidFill>
+                  <a:schemeClr val="tx1"/>
+                </a:solidFill>
+                <a:effectLst/>
+                <a:latin typeface="+mn-lt"/>
+                <a:ea typeface="+mn-ea"/>
+                <a:cs typeface="+mn-cs"/>
+              </a:rPr>
+              <a:t>300</a:t>
+            </a:r>
+            <a:r>
+              <a:rPr lang="zh-CN" altLang="en-US" sz="1200" b="0" i="0" kern="1200" dirty="0" smtClean="0">
+                <a:solidFill>
+                  <a:schemeClr val="tx1"/>
+                </a:solidFill>
+                <a:effectLst/>
+                <a:latin typeface="+mn-lt"/>
+                <a:ea typeface="+mn-ea"/>
+                <a:cs typeface="+mn-cs"/>
+              </a:rPr>
+              <a:t>个结点）。</a:t>
+            </a:r>
+            <a:endParaRPr lang="en-US" altLang="zh-CN" sz="1200" b="0" i="0" kern="1200" dirty="0" smtClean="0">
+              <a:solidFill>
+                <a:schemeClr val="tx1"/>
+              </a:solidFill>
+              <a:effectLst/>
+              <a:latin typeface="+mn-lt"/>
+              <a:ea typeface="+mn-ea"/>
+              <a:cs typeface="+mn-cs"/>
+            </a:endParaRPr>
+          </a:p>
+          <a:p>
+            <a:pPr marL="0" marR="0" lvl="0" indent="0" algn="l" defTabSz="914400" rtl="0" eaLnBrk="1" fontAlgn="auto" latinLnBrk="0" hangingPunct="1">
+              <a:lnSpc>
+                <a:spcPct val="100000"/>
+              </a:lnSpc>
+              <a:spcBef>
+                <a:spcPts val="0"/>
+              </a:spcBef>
+              <a:spcAft>
+                <a:spcPts val="0"/>
+              </a:spcAft>
+              <a:buClrTx/>
+              <a:buSzTx/>
+              <a:buFontTx/>
+              <a:buNone/>
+              <a:tabLst/>
+              <a:defRPr/>
+            </a:pPr>
+            <a:endParaRPr lang="en-US" altLang="zh-CN" sz="1200" b="0" i="0" kern="1200" dirty="0" smtClean="0">
+              <a:solidFill>
+                <a:schemeClr val="tx1"/>
+              </a:solidFill>
+              <a:effectLst/>
+              <a:latin typeface="+mn-lt"/>
+              <a:ea typeface="+mn-ea"/>
+              <a:cs typeface="+mn-cs"/>
+            </a:endParaRPr>
+          </a:p>
+          <a:p>
+            <a:pPr marL="0" marR="0" lvl="0" indent="0" algn="l" defTabSz="914400" rtl="0" eaLnBrk="1" fontAlgn="auto" latinLnBrk="0" hangingPunct="1">
+              <a:lnSpc>
+                <a:spcPct val="100000"/>
+              </a:lnSpc>
+              <a:spcBef>
+                <a:spcPts val="0"/>
+              </a:spcBef>
+              <a:spcAft>
+                <a:spcPts val="0"/>
+              </a:spcAft>
+              <a:buClrTx/>
+              <a:buSzTx/>
+              <a:buFontTx/>
+              <a:buNone/>
+              <a:tabLst/>
+              <a:defRPr/>
+            </a:pPr>
+            <a:r>
+              <a:rPr lang="zh-CN" altLang="en-US" sz="1200" dirty="0" smtClean="0"/>
+              <a:t>如果两个不同的单词有着非常相似的“上下文”（也就是窗口单词很相似，比如“</a:t>
+            </a:r>
+            <a:r>
+              <a:rPr lang="en-US" sz="1200" dirty="0" smtClean="0"/>
+              <a:t>Kitty climbed the tree”</a:t>
+            </a:r>
+            <a:r>
+              <a:rPr lang="zh-CN" altLang="en-US" sz="1200" dirty="0" smtClean="0"/>
+              <a:t>和“</a:t>
+            </a:r>
+            <a:r>
+              <a:rPr lang="en-US" sz="1200" dirty="0" smtClean="0"/>
+              <a:t>Cat climbed the tree”），</a:t>
+            </a:r>
+            <a:r>
+              <a:rPr lang="zh-CN" altLang="en-US" sz="1200" dirty="0" smtClean="0"/>
+              <a:t>那么通过我们的模型训练，这两个单词的嵌入向量将非常相似。</a:t>
+            </a:r>
+            <a:endParaRPr lang="en-US" sz="1200" dirty="0" smtClean="0"/>
+          </a:p>
+          <a:p>
+            <a:endParaRPr lang="en-US" dirty="0"/>
+          </a:p>
+        </p:txBody>
+      </p:sp>
+      <p:sp>
+        <p:nvSpPr>
+          <p:cNvPr id="4" name="Slide Number Placeholder 3"/>
+          <p:cNvSpPr>
+            <a:spLocks noGrp="1"/>
+          </p:cNvSpPr>
+          <p:nvPr>
+            <p:ph type="sldNum" sz="quarter" idx="10"/>
+          </p:nvPr>
+        </p:nvSpPr>
+        <p:spPr/>
+        <p:txBody>
+          <a:bodyPr/>
+          <a:lstStyle/>
+          <a:p>
+            <a:fld id="{54FE5736-E147-4D4C-A630-9DA628E6AE84}" type="slidenum">
+              <a:rPr lang="en-US" smtClean="0"/>
+              <a:t>8</a:t>
+            </a:fld>
+            <a:endParaRPr lang="en-US"/>
+          </a:p>
+        </p:txBody>
+      </p:sp>
+    </p:spTree>
+    <p:extLst>
+      <p:ext uri="{BB962C8B-B14F-4D97-AF65-F5344CB8AC3E}">
+        <p14:creationId xmlns:p14="http://schemas.microsoft.com/office/powerpoint/2010/main" val="2057091428"/>
+      </p:ext>
+    </p:extLst>
+  </p:cSld>
+  <p:clrMapOvr>
+    <a:masterClrMapping/>
+  </p:clrMapOvr>
+</p:notes>
+</file>
+
+<file path=ppt/notesSlides/notesSlide9.xml><?xml version="1.0" encoding="utf-8"?>
+<p:notes xmlns:a="http://schemas.openxmlformats.org/drawingml/2006/main" xmlns:r="http://schemas.openxmlformats.org/officeDocument/2006/relationships" xmlns:p="http://schemas.openxmlformats.org/presentationml/2006/main">
+  <p:cSld>
+    <p:spTree>
+      <p:nvGrpSpPr>
+        <p:cNvPr id="1" name=""/>
+        <p:cNvGrpSpPr/>
+        <p:nvPr/>
+      </p:nvGrpSpPr>
+      <p:grpSpPr>
+        <a:xfrm>
+          <a:off x="0" y="0"/>
+          <a:ext cx="0" cy="0"/>
+          <a:chOff x="0" y="0"/>
+          <a:chExt cx="0" cy="0"/>
+        </a:xfrm>
+      </p:grpSpPr>
+      <p:sp>
+        <p:nvSpPr>
+          <p:cNvPr id="2" name="Slide Image Placeholder 1"/>
+          <p:cNvSpPr>
+            <a:spLocks noGrp="1" noRot="1" noChangeAspect="1"/>
+          </p:cNvSpPr>
+          <p:nvPr>
+            <p:ph type="sldImg"/>
+          </p:nvPr>
+        </p:nvSpPr>
+        <p:spPr/>
+      </p:sp>
+      <p:sp>
+        <p:nvSpPr>
+          <p:cNvPr id="3" name="Notes Placeholder 2"/>
+          <p:cNvSpPr>
+            <a:spLocks noGrp="1"/>
+          </p:cNvSpPr>
+          <p:nvPr>
+            <p:ph type="body" idx="1"/>
+          </p:nvPr>
+        </p:nvSpPr>
+        <p:spPr/>
+        <p:txBody>
+          <a:bodyPr/>
+          <a:lstStyle/>
+          <a:p>
+            <a:r>
+              <a:rPr lang="zh-CN" altLang="en-US" dirty="0" smtClean="0"/>
+              <a:t>语料：</a:t>
+            </a:r>
+            <a:r>
+              <a:rPr lang="en-US" altLang="zh-CN" dirty="0" smtClean="0"/>
+              <a:t>《</a:t>
+            </a:r>
+            <a:r>
+              <a:rPr lang="zh-CN" altLang="en-US" dirty="0" smtClean="0"/>
+              <a:t>刘慈欣作品全集</a:t>
+            </a:r>
+            <a:r>
+              <a:rPr lang="en-US" altLang="zh-CN" dirty="0" smtClean="0"/>
+              <a:t>》</a:t>
+            </a:r>
+          </a:p>
+          <a:p>
+            <a:r>
+              <a:rPr lang="en-US" altLang="zh-CN" dirty="0" err="1" smtClean="0"/>
+              <a:t>embedding_size</a:t>
+            </a:r>
+            <a:r>
+              <a:rPr lang="en-US" altLang="zh-CN" dirty="0" smtClean="0"/>
+              <a:t> = 128</a:t>
+            </a:r>
+          </a:p>
+          <a:p>
+            <a:endParaRPr lang="en-US" dirty="0"/>
+          </a:p>
+        </p:txBody>
+      </p:sp>
+      <p:sp>
+        <p:nvSpPr>
+          <p:cNvPr id="4" name="Slide Number Placeholder 3"/>
+          <p:cNvSpPr>
+            <a:spLocks noGrp="1"/>
+          </p:cNvSpPr>
+          <p:nvPr>
+            <p:ph type="sldNum" sz="quarter" idx="10"/>
+          </p:nvPr>
+        </p:nvSpPr>
+        <p:spPr/>
+        <p:txBody>
+          <a:bodyPr/>
+          <a:lstStyle/>
+          <a:p>
+            <a:fld id="{54FE5736-E147-4D4C-A630-9DA628E6AE84}" type="slidenum">
+              <a:rPr lang="en-US" smtClean="0"/>
+              <a:t>9</a:t>
+            </a:fld>
+            <a:endParaRPr lang="en-US"/>
+          </a:p>
+        </p:txBody>
+      </p:sp>
+    </p:spTree>
+    <p:extLst>
+      <p:ext uri="{BB962C8B-B14F-4D97-AF65-F5344CB8AC3E}">
+        <p14:creationId xmlns:p14="http://schemas.microsoft.com/office/powerpoint/2010/main" val="255338048"/>
+      </p:ext>
+    </p:extLst>
+  </p:cSld>
+  <p:clrMapOvr>
+    <a:masterClrMapping/>
+  </p:clrMapOvr>
+</p:notes>
 </file>
 
 <file path=ppt/slideLayouts/slideLayout1.xml><?xml version="1.0" encoding="utf-8"?>
@@ -238,7 +2518,7 @@
           <a:p>
             <a:fld id="{D2B33C5E-802F-4E1E-BA6D-79BEA44A06DA}" type="datetimeFigureOut">
               <a:rPr lang="en-US" smtClean="0"/>
-              <a:t>11/3/2017</a:t>
+              <a:t>11/6/2017</a:t>
             </a:fld>
             <a:endParaRPr lang="en-US"/>
           </a:p>
@@ -408,7 +2688,7 @@
           <a:p>
             <a:fld id="{D2B33C5E-802F-4E1E-BA6D-79BEA44A06DA}" type="datetimeFigureOut">
               <a:rPr lang="en-US" smtClean="0"/>
-              <a:t>11/3/2017</a:t>
+              <a:t>11/6/2017</a:t>
             </a:fld>
             <a:endParaRPr lang="en-US"/>
           </a:p>
@@ -588,7 +2868,7 @@
           <a:p>
             <a:fld id="{D2B33C5E-802F-4E1E-BA6D-79BEA44A06DA}" type="datetimeFigureOut">
               <a:rPr lang="en-US" smtClean="0"/>
-              <a:t>11/3/2017</a:t>
+              <a:t>11/6/2017</a:t>
             </a:fld>
             <a:endParaRPr lang="en-US"/>
           </a:p>
@@ -758,7 +3038,7 @@
           <a:p>
             <a:fld id="{D2B33C5E-802F-4E1E-BA6D-79BEA44A06DA}" type="datetimeFigureOut">
               <a:rPr lang="en-US" smtClean="0"/>
-              <a:t>11/3/2017</a:t>
+              <a:t>11/6/2017</a:t>
             </a:fld>
             <a:endParaRPr lang="en-US"/>
           </a:p>
@@ -1004,7 +3284,7 @@
           <a:p>
             <a:fld id="{D2B33C5E-802F-4E1E-BA6D-79BEA44A06DA}" type="datetimeFigureOut">
               <a:rPr lang="en-US" smtClean="0"/>
-              <a:t>11/3/2017</a:t>
+              <a:t>11/6/2017</a:t>
             </a:fld>
             <a:endParaRPr lang="en-US"/>
           </a:p>
@@ -1236,7 +3516,7 @@
           <a:p>
             <a:fld id="{D2B33C5E-802F-4E1E-BA6D-79BEA44A06DA}" type="datetimeFigureOut">
               <a:rPr lang="en-US" smtClean="0"/>
-              <a:t>11/3/2017</a:t>
+              <a:t>11/6/2017</a:t>
             </a:fld>
             <a:endParaRPr lang="en-US"/>
           </a:p>
@@ -1603,7 +3883,7 @@
           <a:p>
             <a:fld id="{D2B33C5E-802F-4E1E-BA6D-79BEA44A06DA}" type="datetimeFigureOut">
               <a:rPr lang="en-US" smtClean="0"/>
-              <a:t>11/3/2017</a:t>
+              <a:t>11/6/2017</a:t>
             </a:fld>
             <a:endParaRPr lang="en-US"/>
           </a:p>
@@ -1721,7 +4001,7 @@
           <a:p>
             <a:fld id="{D2B33C5E-802F-4E1E-BA6D-79BEA44A06DA}" type="datetimeFigureOut">
               <a:rPr lang="en-US" smtClean="0"/>
-              <a:t>11/3/2017</a:t>
+              <a:t>11/6/2017</a:t>
             </a:fld>
             <a:endParaRPr lang="en-US"/>
           </a:p>
@@ -1816,7 +4096,7 @@
           <a:p>
             <a:fld id="{D2B33C5E-802F-4E1E-BA6D-79BEA44A06DA}" type="datetimeFigureOut">
               <a:rPr lang="en-US" smtClean="0"/>
-              <a:t>11/3/2017</a:t>
+              <a:t>11/6/2017</a:t>
             </a:fld>
             <a:endParaRPr lang="en-US"/>
           </a:p>
@@ -2093,7 +4373,7 @@
           <a:p>
             <a:fld id="{D2B33C5E-802F-4E1E-BA6D-79BEA44A06DA}" type="datetimeFigureOut">
               <a:rPr lang="en-US" smtClean="0"/>
-              <a:t>11/3/2017</a:t>
+              <a:t>11/6/2017</a:t>
             </a:fld>
             <a:endParaRPr lang="en-US"/>
           </a:p>
@@ -2346,7 +4626,7 @@
           <a:p>
             <a:fld id="{D2B33C5E-802F-4E1E-BA6D-79BEA44A06DA}" type="datetimeFigureOut">
               <a:rPr lang="en-US" smtClean="0"/>
-              <a:t>11/3/2017</a:t>
+              <a:t>11/6/2017</a:t>
             </a:fld>
             <a:endParaRPr lang="en-US"/>
           </a:p>
@@ -2559,7 +4839,7 @@
           <a:p>
             <a:fld id="{D2B33C5E-802F-4E1E-BA6D-79BEA44A06DA}" type="datetimeFigureOut">
               <a:rPr lang="en-US" smtClean="0"/>
-              <a:t>11/3/2017</a:t>
+              <a:t>11/6/2017</a:t>
             </a:fld>
             <a:endParaRPr lang="en-US"/>
           </a:p>
@@ -2980,10 +5260,10 @@
           <a:lstStyle/>
           <a:p>
             <a:r>
-              <a:rPr lang="en-US" altLang="zh-CN" smtClean="0"/>
-              <a:t>RNN</a:t>
-            </a:r>
-            <a:endParaRPr lang="en-US"/>
+              <a:rPr lang="en-US" altLang="zh-CN" dirty="0"/>
+              <a:t>The Skip-Gram Model</a:t>
+            </a:r>
+            <a:endParaRPr lang="en-US" dirty="0"/>
           </a:p>
         </p:txBody>
       </p:sp>
@@ -3016,6 +5296,2691 @@
   <p:clrMapOvr>
     <a:masterClrMapping/>
   </p:clrMapOvr>
+  <p:timing>
+    <p:tnLst>
+      <p:par>
+        <p:cTn id="1" dur="indefinite" restart="never" nodeType="tmRoot"/>
+      </p:par>
+    </p:tnLst>
+  </p:timing>
+</p:sld>
+</file>
+
+<file path=ppt/slides/slide10.xml><?xml version="1.0" encoding="utf-8"?>
+<p:sld xmlns:a="http://schemas.openxmlformats.org/drawingml/2006/main" xmlns:r="http://schemas.openxmlformats.org/officeDocument/2006/relationships" xmlns:p="http://schemas.openxmlformats.org/presentationml/2006/main">
+  <p:cSld>
+    <p:spTree>
+      <p:nvGrpSpPr>
+        <p:cNvPr id="1" name=""/>
+        <p:cNvGrpSpPr/>
+        <p:nvPr/>
+      </p:nvGrpSpPr>
+      <p:grpSpPr>
+        <a:xfrm>
+          <a:off x="0" y="0"/>
+          <a:ext cx="0" cy="0"/>
+          <a:chOff x="0" y="0"/>
+          <a:chExt cx="0" cy="0"/>
+        </a:xfrm>
+      </p:grpSpPr>
+      <p:sp>
+        <p:nvSpPr>
+          <p:cNvPr id="2" name="Title 1"/>
+          <p:cNvSpPr>
+            <a:spLocks noGrp="1"/>
+          </p:cNvSpPr>
+          <p:nvPr>
+            <p:ph type="title"/>
+          </p:nvPr>
+        </p:nvSpPr>
+        <p:spPr/>
+        <p:txBody>
+          <a:bodyPr/>
+          <a:lstStyle/>
+          <a:p>
+            <a:r>
+              <a:rPr lang="en-US" altLang="zh-CN" dirty="0" smtClean="0"/>
+              <a:t>Reference</a:t>
+            </a:r>
+            <a:endParaRPr lang="en-US" dirty="0"/>
+          </a:p>
+        </p:txBody>
+      </p:sp>
+      <p:sp>
+        <p:nvSpPr>
+          <p:cNvPr id="3" name="Content Placeholder 2"/>
+          <p:cNvSpPr>
+            <a:spLocks noGrp="1"/>
+          </p:cNvSpPr>
+          <p:nvPr>
+            <p:ph idx="1"/>
+          </p:nvPr>
+        </p:nvSpPr>
+        <p:spPr/>
+        <p:txBody>
+          <a:bodyPr/>
+          <a:lstStyle/>
+          <a:p>
+            <a:r>
+              <a:rPr lang="en-US" dirty="0" smtClean="0">
+                <a:hlinkClick r:id="rId3"/>
+              </a:rPr>
+              <a:t>http</a:t>
+            </a:r>
+            <a:r>
+              <a:rPr lang="en-US" dirty="0">
+                <a:hlinkClick r:id="rId3"/>
+              </a:rPr>
+              <a:t>://mccormickml.com/2016/04/19/word2vec-tutorial-the-skip-gram-model</a:t>
+            </a:r>
+            <a:r>
+              <a:rPr lang="en-US" dirty="0" smtClean="0">
+                <a:hlinkClick r:id="rId3"/>
+              </a:rPr>
+              <a:t>/</a:t>
+            </a:r>
+            <a:endParaRPr lang="en-US" dirty="0" smtClean="0"/>
+          </a:p>
+          <a:p>
+            <a:r>
+              <a:rPr lang="en-US" dirty="0">
+                <a:hlinkClick r:id="rId4"/>
+              </a:rPr>
+              <a:t>http://www.thushv.com/natural_language_processing/word2vec-part-1-nlp-with-deep-learning-with-tensorflow-skip-gram</a:t>
+            </a:r>
+            <a:r>
+              <a:rPr lang="en-US" dirty="0" smtClean="0">
+                <a:hlinkClick r:id="rId4"/>
+              </a:rPr>
+              <a:t>/</a:t>
+            </a:r>
+            <a:endParaRPr lang="en-US" dirty="0" smtClean="0"/>
+          </a:p>
+          <a:p>
+            <a:r>
+              <a:rPr lang="en-US" dirty="0" smtClean="0">
+                <a:hlinkClick r:id="rId5"/>
+              </a:rPr>
+              <a:t>https</a:t>
+            </a:r>
+            <a:r>
+              <a:rPr lang="en-US" dirty="0">
+                <a:hlinkClick r:id="rId5"/>
+              </a:rPr>
+              <a:t>://</a:t>
+            </a:r>
+            <a:r>
+              <a:rPr lang="en-US" dirty="0" smtClean="0">
+                <a:hlinkClick r:id="rId5"/>
+              </a:rPr>
+              <a:t>becominghuman.ai/how-does-word2vecs-skip-gram-work-f92e0525def4</a:t>
+            </a:r>
+            <a:endParaRPr lang="en-US" dirty="0" smtClean="0"/>
+          </a:p>
+          <a:p>
+            <a:r>
+              <a:rPr lang="en-US" dirty="0">
+                <a:hlinkClick r:id="rId6"/>
+              </a:rPr>
+              <a:t>https://zhuanlan.zhihu.com/p/27234078</a:t>
+            </a:r>
+            <a:endParaRPr lang="en-US" dirty="0"/>
+          </a:p>
+          <a:p>
+            <a:endParaRPr lang="en-US" dirty="0"/>
+          </a:p>
+        </p:txBody>
+      </p:sp>
+    </p:spTree>
+    <p:extLst>
+      <p:ext uri="{BB962C8B-B14F-4D97-AF65-F5344CB8AC3E}">
+        <p14:creationId xmlns:p14="http://schemas.microsoft.com/office/powerpoint/2010/main" val="3427607345"/>
+      </p:ext>
+    </p:extLst>
+  </p:cSld>
+  <p:clrMapOvr>
+    <a:masterClrMapping/>
+  </p:clrMapOvr>
+  <p:timing>
+    <p:tnLst>
+      <p:par>
+        <p:cTn id="1" dur="indefinite" restart="never" nodeType="tmRoot"/>
+      </p:par>
+    </p:tnLst>
+  </p:timing>
+</p:sld>
+</file>
+
+<file path=ppt/slides/slide2.xml><?xml version="1.0" encoding="utf-8"?>
+<p:sld xmlns:a="http://schemas.openxmlformats.org/drawingml/2006/main" xmlns:r="http://schemas.openxmlformats.org/officeDocument/2006/relationships" xmlns:p="http://schemas.openxmlformats.org/presentationml/2006/main">
+  <p:cSld>
+    <p:spTree>
+      <p:nvGrpSpPr>
+        <p:cNvPr id="1" name=""/>
+        <p:cNvGrpSpPr/>
+        <p:nvPr/>
+      </p:nvGrpSpPr>
+      <p:grpSpPr>
+        <a:xfrm>
+          <a:off x="0" y="0"/>
+          <a:ext cx="0" cy="0"/>
+          <a:chOff x="0" y="0"/>
+          <a:chExt cx="0" cy="0"/>
+        </a:xfrm>
+      </p:grpSpPr>
+      <p:sp>
+        <p:nvSpPr>
+          <p:cNvPr id="2" name="Title 1"/>
+          <p:cNvSpPr>
+            <a:spLocks noGrp="1"/>
+          </p:cNvSpPr>
+          <p:nvPr>
+            <p:ph type="title"/>
+          </p:nvPr>
+        </p:nvSpPr>
+        <p:spPr/>
+        <p:txBody>
+          <a:bodyPr/>
+          <a:lstStyle/>
+          <a:p>
+            <a:r>
+              <a:rPr lang="en-US" altLang="zh-CN" dirty="0" smtClean="0"/>
+              <a:t>Flatland</a:t>
+            </a:r>
+            <a:endParaRPr lang="en-US" dirty="0"/>
+          </a:p>
+        </p:txBody>
+      </p:sp>
+      <p:sp>
+        <p:nvSpPr>
+          <p:cNvPr id="3" name="Content Placeholder 2"/>
+          <p:cNvSpPr>
+            <a:spLocks noGrp="1"/>
+          </p:cNvSpPr>
+          <p:nvPr>
+            <p:ph idx="1"/>
+          </p:nvPr>
+        </p:nvSpPr>
+        <p:spPr/>
+        <p:txBody>
+          <a:bodyPr/>
+          <a:lstStyle/>
+          <a:p>
+            <a:r>
+              <a:rPr lang="en-US" altLang="zh-CN" dirty="0" smtClean="0"/>
+              <a:t>《</a:t>
+            </a:r>
+            <a:r>
+              <a:rPr lang="zh-CN" altLang="en-US" dirty="0" smtClean="0"/>
+              <a:t>平面国</a:t>
+            </a:r>
+            <a:r>
+              <a:rPr lang="en-US" altLang="zh-CN" dirty="0" smtClean="0"/>
+              <a:t>》</a:t>
+            </a:r>
+            <a:r>
+              <a:rPr lang="zh-CN" altLang="en-US" dirty="0" smtClean="0"/>
+              <a:t>：</a:t>
+            </a:r>
+            <a:r>
+              <a:rPr lang="en-US" altLang="zh-CN" dirty="0" smtClean="0">
+                <a:hlinkClick r:id="rId3"/>
+              </a:rPr>
+              <a:t>https</a:t>
+            </a:r>
+            <a:r>
+              <a:rPr lang="en-US" altLang="zh-CN" dirty="0">
+                <a:hlinkClick r:id="rId3"/>
+              </a:rPr>
+              <a:t>://book.douban.com/subject/21771587</a:t>
+            </a:r>
+            <a:r>
+              <a:rPr lang="en-US" altLang="zh-CN" dirty="0" smtClean="0">
+                <a:hlinkClick r:id="rId3"/>
+              </a:rPr>
+              <a:t>/</a:t>
+            </a:r>
+            <a:endParaRPr lang="en-US" altLang="zh-CN" dirty="0" smtClean="0"/>
+          </a:p>
+          <a:p>
+            <a:endParaRPr lang="en-US" dirty="0"/>
+          </a:p>
+        </p:txBody>
+      </p:sp>
+      <p:pic>
+        <p:nvPicPr>
+          <p:cNvPr id="4" name="Picture 3"/>
+          <p:cNvPicPr>
+            <a:picLocks noChangeAspect="1"/>
+          </p:cNvPicPr>
+          <p:nvPr/>
+        </p:nvPicPr>
+        <p:blipFill>
+          <a:blip r:embed="rId4"/>
+          <a:stretch>
+            <a:fillRect/>
+          </a:stretch>
+        </p:blipFill>
+        <p:spPr>
+          <a:xfrm>
+            <a:off x="1119921" y="2572117"/>
+            <a:ext cx="2264294" cy="3604846"/>
+          </a:xfrm>
+          <a:prstGeom prst="rect">
+            <a:avLst/>
+          </a:prstGeom>
+        </p:spPr>
+      </p:pic>
+      <p:pic>
+        <p:nvPicPr>
+          <p:cNvPr id="2050" name="Picture 2" descr="http://payload231.cargocollective.com/1/11/377281/6932652/flatland_600.png"/>
+          <p:cNvPicPr>
+            <a:picLocks noChangeAspect="1" noChangeArrowheads="1"/>
+          </p:cNvPicPr>
+          <p:nvPr/>
+        </p:nvPicPr>
+        <p:blipFill>
+          <a:blip r:embed="rId5">
+            <a:extLst>
+              <a:ext uri="{28A0092B-C50C-407E-A947-70E740481C1C}">
+                <a14:useLocalDpi xmlns:a14="http://schemas.microsoft.com/office/drawing/2010/main" val="0"/>
+              </a:ext>
+            </a:extLst>
+          </a:blip>
+          <a:srcRect/>
+          <a:stretch>
+            <a:fillRect/>
+          </a:stretch>
+        </p:blipFill>
+        <p:spPr bwMode="auto">
+          <a:xfrm>
+            <a:off x="3520098" y="2572117"/>
+            <a:ext cx="4441288" cy="3604846"/>
+          </a:xfrm>
+          <a:prstGeom prst="rect">
+            <a:avLst/>
+          </a:prstGeom>
+          <a:noFill/>
+          <a:extLst>
+            <a:ext uri="{909E8E84-426E-40DD-AFC4-6F175D3DCCD1}">
+              <a14:hiddenFill xmlns:a14="http://schemas.microsoft.com/office/drawing/2010/main">
+                <a:solidFill>
+                  <a:srgbClr val="FFFFFF"/>
+                </a:solidFill>
+              </a14:hiddenFill>
+            </a:ext>
+          </a:extLst>
+        </p:spPr>
+      </p:pic>
+      <p:pic>
+        <p:nvPicPr>
+          <p:cNvPr id="2052" name="Picture 4" descr="https://www.wired.com/wp-content/uploads/2014/10/2d_flatland_f.png"/>
+          <p:cNvPicPr>
+            <a:picLocks noChangeAspect="1" noChangeArrowheads="1"/>
+          </p:cNvPicPr>
+          <p:nvPr/>
+        </p:nvPicPr>
+        <p:blipFill>
+          <a:blip r:embed="rId6">
+            <a:extLst>
+              <a:ext uri="{28A0092B-C50C-407E-A947-70E740481C1C}">
+                <a14:useLocalDpi xmlns:a14="http://schemas.microsoft.com/office/drawing/2010/main" val="0"/>
+              </a:ext>
+            </a:extLst>
+          </a:blip>
+          <a:srcRect/>
+          <a:stretch>
+            <a:fillRect/>
+          </a:stretch>
+        </p:blipFill>
+        <p:spPr bwMode="auto">
+          <a:xfrm>
+            <a:off x="8187411" y="2572117"/>
+            <a:ext cx="3299859" cy="3604846"/>
+          </a:xfrm>
+          <a:prstGeom prst="rect">
+            <a:avLst/>
+          </a:prstGeom>
+          <a:noFill/>
+          <a:extLst>
+            <a:ext uri="{909E8E84-426E-40DD-AFC4-6F175D3DCCD1}">
+              <a14:hiddenFill xmlns:a14="http://schemas.microsoft.com/office/drawing/2010/main">
+                <a:solidFill>
+                  <a:srgbClr val="FFFFFF"/>
+                </a:solidFill>
+              </a14:hiddenFill>
+            </a:ext>
+          </a:extLst>
+        </p:spPr>
+      </p:pic>
+      <p:pic>
+        <p:nvPicPr>
+          <p:cNvPr id="2054" name="Picture 6" descr="8-cell-orig.gif"/>
+          <p:cNvPicPr>
+            <a:picLocks noChangeAspect="1" noChangeArrowheads="1" noCrop="1"/>
+          </p:cNvPicPr>
+          <p:nvPr/>
+        </p:nvPicPr>
+        <p:blipFill>
+          <a:blip r:embed="rId7">
+            <a:extLst>
+              <a:ext uri="{28A0092B-C50C-407E-A947-70E740481C1C}">
+                <a14:useLocalDpi xmlns:a14="http://schemas.microsoft.com/office/drawing/2010/main" val="0"/>
+              </a:ext>
+            </a:extLst>
+          </a:blip>
+          <a:srcRect/>
+          <a:stretch>
+            <a:fillRect/>
+          </a:stretch>
+        </p:blipFill>
+        <p:spPr bwMode="auto">
+          <a:xfrm>
+            <a:off x="10128738" y="410309"/>
+            <a:ext cx="1852249" cy="1852250"/>
+          </a:xfrm>
+          <a:prstGeom prst="rect">
+            <a:avLst/>
+          </a:prstGeom>
+          <a:noFill/>
+          <a:extLst>
+            <a:ext uri="{909E8E84-426E-40DD-AFC4-6F175D3DCCD1}">
+              <a14:hiddenFill xmlns:a14="http://schemas.microsoft.com/office/drawing/2010/main">
+                <a:solidFill>
+                  <a:srgbClr val="FFFFFF"/>
+                </a:solidFill>
+              </a14:hiddenFill>
+            </a:ext>
+          </a:extLst>
+        </p:spPr>
+      </p:pic>
+      <p:sp>
+        <p:nvSpPr>
+          <p:cNvPr id="5" name="TextBox 4"/>
+          <p:cNvSpPr txBox="1"/>
+          <p:nvPr/>
+        </p:nvSpPr>
+        <p:spPr>
+          <a:xfrm>
+            <a:off x="8711362" y="365125"/>
+            <a:ext cx="1417376" cy="646331"/>
+          </a:xfrm>
+          <a:prstGeom prst="rect">
+            <a:avLst/>
+          </a:prstGeom>
+          <a:noFill/>
+        </p:spPr>
+        <p:txBody>
+          <a:bodyPr wrap="none" rtlCol="0">
+            <a:spAutoFit/>
+          </a:bodyPr>
+          <a:lstStyle/>
+          <a:p>
+            <a:r>
+              <a:rPr lang="en-US" dirty="0" smtClean="0"/>
+              <a:t>Tesseract in </a:t>
+            </a:r>
+          </a:p>
+          <a:p>
+            <a:r>
+              <a:rPr lang="zh-CN" altLang="en-US" dirty="0" smtClean="0"/>
+              <a:t>三维空间 </a:t>
+            </a:r>
+            <a:r>
+              <a:rPr lang="en-US" altLang="zh-CN" dirty="0" smtClean="0"/>
+              <a:t>--&gt;</a:t>
+            </a:r>
+            <a:endParaRPr lang="en-US" dirty="0"/>
+          </a:p>
+        </p:txBody>
+      </p:sp>
+      <p:sp>
+        <p:nvSpPr>
+          <p:cNvPr id="6" name="TextBox 5"/>
+          <p:cNvSpPr txBox="1"/>
+          <p:nvPr/>
+        </p:nvSpPr>
+        <p:spPr>
+          <a:xfrm>
+            <a:off x="9712569" y="2250733"/>
+            <a:ext cx="2353529" cy="253916"/>
+          </a:xfrm>
+          <a:prstGeom prst="rect">
+            <a:avLst/>
+          </a:prstGeom>
+          <a:noFill/>
+        </p:spPr>
+        <p:txBody>
+          <a:bodyPr wrap="none" rtlCol="0">
+            <a:spAutoFit/>
+          </a:bodyPr>
+          <a:lstStyle/>
+          <a:p>
+            <a:r>
+              <a:rPr lang="en-US" sz="1050" dirty="0">
+                <a:solidFill>
+                  <a:schemeClr val="bg1">
+                    <a:lumMod val="50000"/>
+                  </a:schemeClr>
+                </a:solidFill>
+              </a:rPr>
+              <a:t>https://en.wikipedia.org/wiki/Tesseract</a:t>
+            </a:r>
+          </a:p>
+        </p:txBody>
+      </p:sp>
+    </p:spTree>
+    <p:extLst>
+      <p:ext uri="{BB962C8B-B14F-4D97-AF65-F5344CB8AC3E}">
+        <p14:creationId xmlns:p14="http://schemas.microsoft.com/office/powerpoint/2010/main" val="765514870"/>
+      </p:ext>
+    </p:extLst>
+  </p:cSld>
+  <p:clrMapOvr>
+    <a:masterClrMapping/>
+  </p:clrMapOvr>
+  <p:timing>
+    <p:tnLst>
+      <p:par>
+        <p:cTn id="1" dur="indefinite" restart="never" nodeType="tmRoot">
+          <p:childTnLst>
+            <p:seq concurrent="1" nextAc="seek">
+              <p:cTn id="2" dur="indefinite" nodeType="mainSeq">
+                <p:childTnLst>
+                  <p:par>
+                    <p:cTn id="3" fill="hold">
+                      <p:stCondLst>
+                        <p:cond delay="indefinite"/>
+                      </p:stCondLst>
+                      <p:childTnLst>
+                        <p:par>
+                          <p:cTn id="4" fill="hold">
+                            <p:stCondLst>
+                              <p:cond delay="0"/>
+                            </p:stCondLst>
+                            <p:childTnLst>
+                              <p:par>
+                                <p:cTn id="5" presetID="1" presetClass="entr" presetSubtype="0" fill="hold" grpId="0" nodeType="clickEffect">
+                                  <p:stCondLst>
+                                    <p:cond delay="0"/>
+                                  </p:stCondLst>
+                                  <p:childTnLst>
+                                    <p:set>
+                                      <p:cBhvr>
+                                        <p:cTn id="6" dur="1" fill="hold">
+                                          <p:stCondLst>
+                                            <p:cond delay="0"/>
+                                          </p:stCondLst>
+                                        </p:cTn>
+                                        <p:tgtEl>
+                                          <p:spTgt spid="5"/>
+                                        </p:tgtEl>
+                                        <p:attrNameLst>
+                                          <p:attrName>style.visibility</p:attrName>
+                                        </p:attrNameLst>
+                                      </p:cBhvr>
+                                      <p:to>
+                                        <p:strVal val="visible"/>
+                                      </p:to>
+                                    </p:set>
+                                  </p:childTnLst>
+                                </p:cTn>
+                              </p:par>
+                              <p:par>
+                                <p:cTn id="7" presetID="1" presetClass="entr" presetSubtype="0" fill="hold" nodeType="withEffect">
+                                  <p:stCondLst>
+                                    <p:cond delay="0"/>
+                                  </p:stCondLst>
+                                  <p:childTnLst>
+                                    <p:set>
+                                      <p:cBhvr>
+                                        <p:cTn id="8" dur="1" fill="hold">
+                                          <p:stCondLst>
+                                            <p:cond delay="0"/>
+                                          </p:stCondLst>
+                                        </p:cTn>
+                                        <p:tgtEl>
+                                          <p:spTgt spid="2054"/>
+                                        </p:tgtEl>
+                                        <p:attrNameLst>
+                                          <p:attrName>style.visibility</p:attrName>
+                                        </p:attrNameLst>
+                                      </p:cBhvr>
+                                      <p:to>
+                                        <p:strVal val="visible"/>
+                                      </p:to>
+                                    </p:set>
+                                  </p:childTnLst>
+                                </p:cTn>
+                              </p:par>
+                              <p:par>
+                                <p:cTn id="9" presetID="1" presetClass="entr" presetSubtype="0" fill="hold" grpId="0" nodeType="withEffect">
+                                  <p:stCondLst>
+                                    <p:cond delay="0"/>
+                                  </p:stCondLst>
+                                  <p:childTnLst>
+                                    <p:set>
+                                      <p:cBhvr>
+                                        <p:cTn id="10" dur="1" fill="hold">
+                                          <p:stCondLst>
+                                            <p:cond delay="0"/>
+                                          </p:stCondLst>
+                                        </p:cTn>
+                                        <p:tgtEl>
+                                          <p:spTgt spid="6"/>
+                                        </p:tgtEl>
+                                        <p:attrNameLst>
+                                          <p:attrName>style.visibility</p:attrName>
+                                        </p:attrNameLst>
+                                      </p:cBhvr>
+                                      <p:to>
+                                        <p:strVal val="visible"/>
+                                      </p:to>
+                                    </p:set>
+                                  </p:childTnLst>
+                                </p:cTn>
+                              </p:par>
+                            </p:childTnLst>
+                          </p:cTn>
+                        </p:par>
+                      </p:childTnLst>
+                    </p:cTn>
+                  </p:par>
+                </p:childTnLst>
+              </p:cTn>
+              <p:prevCondLst>
+                <p:cond evt="onPrev" delay="0">
+                  <p:tgtEl>
+                    <p:sldTgt/>
+                  </p:tgtEl>
+                </p:cond>
+              </p:prevCondLst>
+              <p:nextCondLst>
+                <p:cond evt="onNext" delay="0">
+                  <p:tgtEl>
+                    <p:sldTgt/>
+                  </p:tgtEl>
+                </p:cond>
+              </p:nextCondLst>
+            </p:seq>
+          </p:childTnLst>
+        </p:cTn>
+      </p:par>
+    </p:tnLst>
+    <p:bldLst>
+      <p:bldP spid="5" grpId="0"/>
+      <p:bldP spid="6" grpId="0"/>
+    </p:bldLst>
+  </p:timing>
+</p:sld>
+</file>
+
+<file path=ppt/slides/slide3.xml><?xml version="1.0" encoding="utf-8"?>
+<p:sld xmlns:a="http://schemas.openxmlformats.org/drawingml/2006/main" xmlns:r="http://schemas.openxmlformats.org/officeDocument/2006/relationships" xmlns:p="http://schemas.openxmlformats.org/presentationml/2006/main">
+  <p:cSld>
+    <p:spTree>
+      <p:nvGrpSpPr>
+        <p:cNvPr id="1" name=""/>
+        <p:cNvGrpSpPr/>
+        <p:nvPr/>
+      </p:nvGrpSpPr>
+      <p:grpSpPr>
+        <a:xfrm>
+          <a:off x="0" y="0"/>
+          <a:ext cx="0" cy="0"/>
+          <a:chOff x="0" y="0"/>
+          <a:chExt cx="0" cy="0"/>
+        </a:xfrm>
+      </p:grpSpPr>
+      <p:sp>
+        <p:nvSpPr>
+          <p:cNvPr id="2" name="Title 1"/>
+          <p:cNvSpPr>
+            <a:spLocks noGrp="1"/>
+          </p:cNvSpPr>
+          <p:nvPr>
+            <p:ph type="title"/>
+          </p:nvPr>
+        </p:nvSpPr>
+        <p:spPr/>
+        <p:txBody>
+          <a:bodyPr/>
+          <a:lstStyle/>
+          <a:p>
+            <a:r>
+              <a:rPr lang="en-US" dirty="0"/>
+              <a:t>Word2Vec</a:t>
+            </a:r>
+          </a:p>
+        </p:txBody>
+      </p:sp>
+      <p:sp>
+        <p:nvSpPr>
+          <p:cNvPr id="3" name="Content Placeholder 2"/>
+          <p:cNvSpPr>
+            <a:spLocks noGrp="1"/>
+          </p:cNvSpPr>
+          <p:nvPr>
+            <p:ph idx="1"/>
+          </p:nvPr>
+        </p:nvSpPr>
+        <p:spPr/>
+        <p:txBody>
+          <a:bodyPr/>
+          <a:lstStyle/>
+          <a:p>
+            <a:r>
+              <a:rPr lang="zh-CN" altLang="en-US" dirty="0"/>
+              <a:t>嵌入（</a:t>
+            </a:r>
+            <a:r>
+              <a:rPr lang="en-US" altLang="zh-CN" dirty="0"/>
+              <a:t>embedding</a:t>
+            </a:r>
+            <a:r>
+              <a:rPr lang="zh-CN" altLang="en-US" dirty="0"/>
+              <a:t>）</a:t>
+            </a:r>
+            <a:endParaRPr lang="en-US" dirty="0"/>
+          </a:p>
+          <a:p>
+            <a:pPr marL="514350" indent="-514350">
+              <a:buFont typeface="+mj-lt"/>
+              <a:buAutoNum type="arabicPeriod"/>
+            </a:pPr>
+            <a:endParaRPr lang="en-US" altLang="zh-CN" dirty="0" smtClean="0"/>
+          </a:p>
+          <a:p>
+            <a:pPr marL="514350" indent="-514350">
+              <a:buFont typeface="+mj-lt"/>
+              <a:buAutoNum type="arabicPeriod"/>
+            </a:pPr>
+            <a:r>
+              <a:rPr lang="zh-CN" altLang="en-US" dirty="0" smtClean="0"/>
+              <a:t>从</a:t>
+            </a:r>
+            <a:r>
+              <a:rPr lang="zh-CN" altLang="en-US" dirty="0"/>
+              <a:t>大量文本语料中以无监督的方</a:t>
+            </a:r>
+            <a:r>
+              <a:rPr lang="zh-CN" altLang="en-US" dirty="0" smtClean="0"/>
+              <a:t>式提取语义</a:t>
+            </a:r>
+            <a:r>
+              <a:rPr lang="zh-CN" altLang="en-US" dirty="0"/>
+              <a:t>信</a:t>
+            </a:r>
+            <a:r>
+              <a:rPr lang="zh-CN" altLang="en-US" dirty="0" smtClean="0"/>
+              <a:t>息</a:t>
+            </a:r>
+            <a:endParaRPr lang="en-US" altLang="zh-CN" dirty="0" smtClean="0"/>
+          </a:p>
+          <a:p>
+            <a:pPr marL="514350" indent="-514350">
+              <a:buFont typeface="+mj-lt"/>
+              <a:buAutoNum type="arabicPeriod"/>
+            </a:pPr>
+            <a:r>
+              <a:rPr lang="zh-CN" altLang="en-US" dirty="0"/>
+              <a:t>用词向量的方式表征词的语义信</a:t>
+            </a:r>
+            <a:r>
+              <a:rPr lang="zh-CN" altLang="en-US" dirty="0" smtClean="0"/>
+              <a:t>息</a:t>
+            </a:r>
+            <a:endParaRPr lang="en-US" altLang="zh-CN" dirty="0" smtClean="0"/>
+          </a:p>
+          <a:p>
+            <a:pPr marL="514350" indent="-514350">
+              <a:buFont typeface="+mj-lt"/>
+              <a:buAutoNum type="arabicPeriod"/>
+            </a:pPr>
+            <a:r>
+              <a:rPr lang="zh-CN" altLang="en-US" dirty="0" smtClean="0"/>
+              <a:t>语</a:t>
+            </a:r>
+            <a:r>
+              <a:rPr lang="zh-CN" altLang="en-US" dirty="0"/>
+              <a:t>义上相似</a:t>
+            </a:r>
+            <a:r>
+              <a:rPr lang="zh-CN" altLang="en-US" dirty="0" smtClean="0"/>
+              <a:t>的词在</a:t>
+            </a:r>
+            <a:r>
+              <a:rPr lang="zh-CN" altLang="en-US" dirty="0"/>
+              <a:t>嵌入空</a:t>
+            </a:r>
+            <a:r>
+              <a:rPr lang="zh-CN" altLang="en-US" dirty="0" smtClean="0"/>
+              <a:t>间内</a:t>
+            </a:r>
+            <a:r>
+              <a:rPr lang="zh-CN" altLang="en-US" dirty="0"/>
+              <a:t>距</a:t>
+            </a:r>
+            <a:r>
+              <a:rPr lang="zh-CN" altLang="en-US" dirty="0" smtClean="0"/>
+              <a:t>离相近</a:t>
+            </a:r>
+            <a:endParaRPr lang="en-US" altLang="zh-CN" dirty="0" smtClean="0"/>
+          </a:p>
+          <a:p>
+            <a:pPr marL="514350" indent="-514350">
+              <a:buFont typeface="+mj-lt"/>
+              <a:buAutoNum type="arabicPeriod"/>
+            </a:pPr>
+            <a:endParaRPr lang="en-US" altLang="zh-CN" dirty="0"/>
+          </a:p>
+          <a:p>
+            <a:pPr marL="0" indent="0">
+              <a:buNone/>
+            </a:pPr>
+            <a:r>
+              <a:rPr lang="zh-CN" altLang="en-US" dirty="0" smtClean="0"/>
+              <a:t>流行学习</a:t>
+            </a:r>
+            <a:r>
+              <a:rPr lang="en-US" altLang="zh-CN" dirty="0" smtClean="0"/>
+              <a:t>: One Good Read @</a:t>
+            </a:r>
+            <a:r>
+              <a:rPr lang="en-US" altLang="zh-CN" dirty="0" smtClean="0">
+                <a:hlinkClick r:id="rId3"/>
+              </a:rPr>
+              <a:t>HERE</a:t>
+            </a:r>
+            <a:endParaRPr lang="en-US" altLang="zh-CN" dirty="0" smtClean="0"/>
+          </a:p>
+          <a:p>
+            <a:endParaRPr lang="en-US" altLang="zh-CN" dirty="0" smtClean="0"/>
+          </a:p>
+        </p:txBody>
+      </p:sp>
+    </p:spTree>
+    <p:extLst>
+      <p:ext uri="{BB962C8B-B14F-4D97-AF65-F5344CB8AC3E}">
+        <p14:creationId xmlns:p14="http://schemas.microsoft.com/office/powerpoint/2010/main" val="3451956806"/>
+      </p:ext>
+    </p:extLst>
+  </p:cSld>
+  <p:clrMapOvr>
+    <a:masterClrMapping/>
+  </p:clrMapOvr>
+  <p:timing>
+    <p:tnLst>
+      <p:par>
+        <p:cTn id="1" dur="indefinite" restart="never" nodeType="tmRoot"/>
+      </p:par>
+    </p:tnLst>
+  </p:timing>
+</p:sld>
+</file>
+
+<file path=ppt/slides/slide4.xml><?xml version="1.0" encoding="utf-8"?>
+<p:sld xmlns:a="http://schemas.openxmlformats.org/drawingml/2006/main" xmlns:r="http://schemas.openxmlformats.org/officeDocument/2006/relationships" xmlns:p="http://schemas.openxmlformats.org/presentationml/2006/main">
+  <p:cSld>
+    <p:spTree>
+      <p:nvGrpSpPr>
+        <p:cNvPr id="1" name=""/>
+        <p:cNvGrpSpPr/>
+        <p:nvPr/>
+      </p:nvGrpSpPr>
+      <p:grpSpPr>
+        <a:xfrm>
+          <a:off x="0" y="0"/>
+          <a:ext cx="0" cy="0"/>
+          <a:chOff x="0" y="0"/>
+          <a:chExt cx="0" cy="0"/>
+        </a:xfrm>
+      </p:grpSpPr>
+      <p:sp>
+        <p:nvSpPr>
+          <p:cNvPr id="2" name="Title 1"/>
+          <p:cNvSpPr>
+            <a:spLocks noGrp="1"/>
+          </p:cNvSpPr>
+          <p:nvPr>
+            <p:ph type="title"/>
+          </p:nvPr>
+        </p:nvSpPr>
+        <p:spPr>
+          <a:xfrm>
+            <a:off x="89460" y="-150687"/>
+            <a:ext cx="10515600" cy="1325563"/>
+          </a:xfrm>
+        </p:spPr>
+        <p:txBody>
+          <a:bodyPr/>
+          <a:lstStyle/>
+          <a:p>
+            <a:r>
+              <a:rPr lang="en-US" dirty="0"/>
+              <a:t>Skip-Gram</a:t>
+            </a:r>
+            <a:r>
+              <a:rPr lang="zh-CN" altLang="en-US" dirty="0"/>
+              <a:t>和</a:t>
+            </a:r>
+            <a:r>
+              <a:rPr lang="en-US" dirty="0"/>
+              <a:t>CBOW</a:t>
+            </a:r>
+            <a:endParaRPr lang="en-US" dirty="0"/>
+          </a:p>
+        </p:txBody>
+      </p:sp>
+      <p:sp>
+        <p:nvSpPr>
+          <p:cNvPr id="3" name="Content Placeholder 2"/>
+          <p:cNvSpPr>
+            <a:spLocks noGrp="1"/>
+          </p:cNvSpPr>
+          <p:nvPr>
+            <p:ph idx="1"/>
+          </p:nvPr>
+        </p:nvSpPr>
+        <p:spPr>
+          <a:xfrm>
+            <a:off x="170752" y="1485656"/>
+            <a:ext cx="2425910" cy="4351338"/>
+          </a:xfrm>
+        </p:spPr>
+        <p:txBody>
+          <a:bodyPr>
+            <a:normAutofit/>
+          </a:bodyPr>
+          <a:lstStyle/>
+          <a:p>
+            <a:r>
+              <a:rPr lang="en-US" sz="1600" dirty="0"/>
+              <a:t>Skip-Gram</a:t>
+            </a:r>
+            <a:r>
+              <a:rPr lang="zh-CN" altLang="en-US" sz="1600" dirty="0"/>
+              <a:t>是给定</a:t>
+            </a:r>
+            <a:r>
+              <a:rPr lang="en-US" sz="1600" dirty="0"/>
+              <a:t>input word</a:t>
+            </a:r>
+            <a:r>
+              <a:rPr lang="zh-CN" altLang="en-US" sz="1600" dirty="0"/>
+              <a:t>来预测上下文。而</a:t>
+            </a:r>
+            <a:r>
+              <a:rPr lang="en-US" sz="1600" dirty="0"/>
+              <a:t>CBOW</a:t>
+            </a:r>
+            <a:r>
+              <a:rPr lang="zh-CN" altLang="en-US" sz="1600" dirty="0"/>
+              <a:t>是给定上下文，来预测</a:t>
+            </a:r>
+            <a:r>
+              <a:rPr lang="en-US" sz="1600" dirty="0"/>
+              <a:t>input word</a:t>
+            </a:r>
+            <a:r>
+              <a:rPr lang="en-US" sz="1600" dirty="0" smtClean="0"/>
+              <a:t>。</a:t>
+            </a:r>
+          </a:p>
+          <a:p>
+            <a:endParaRPr lang="en-US" sz="1600" dirty="0"/>
+          </a:p>
+          <a:p>
+            <a:r>
+              <a:rPr lang="en-US" sz="1600" dirty="0" smtClean="0"/>
+              <a:t>Word2Vec</a:t>
+            </a:r>
+            <a:r>
+              <a:rPr lang="zh-CN" altLang="en-US" sz="1600" dirty="0" smtClean="0"/>
+              <a:t>分两步：</a:t>
+            </a:r>
+            <a:endParaRPr lang="en-US" altLang="zh-CN" sz="1600" dirty="0" smtClean="0"/>
+          </a:p>
+          <a:p>
+            <a:pPr lvl="1">
+              <a:buFont typeface="+mj-lt"/>
+              <a:buAutoNum type="arabicPeriod"/>
+            </a:pPr>
+            <a:r>
+              <a:rPr lang="zh-CN" altLang="en-US" sz="1050" dirty="0"/>
+              <a:t>建立模</a:t>
+            </a:r>
+            <a:r>
+              <a:rPr lang="zh-CN" altLang="en-US" sz="1050" dirty="0" smtClean="0"/>
+              <a:t>型</a:t>
+            </a:r>
+            <a:endParaRPr lang="en-US" altLang="zh-CN" sz="1050" dirty="0" smtClean="0"/>
+          </a:p>
+          <a:p>
+            <a:pPr lvl="1">
+              <a:buFont typeface="+mj-lt"/>
+              <a:buAutoNum type="arabicPeriod"/>
+            </a:pPr>
+            <a:r>
+              <a:rPr lang="zh-CN" altLang="en-US" sz="1050" dirty="0"/>
+              <a:t>通过模型获取嵌入词向量</a:t>
+            </a:r>
+            <a:endParaRPr lang="en-US" altLang="zh-CN" sz="1050" dirty="0" smtClean="0"/>
+          </a:p>
+          <a:p>
+            <a:pPr lvl="1"/>
+            <a:endParaRPr lang="en-US" sz="650" dirty="0"/>
+          </a:p>
+        </p:txBody>
+      </p:sp>
+      <p:pic>
+        <p:nvPicPr>
+          <p:cNvPr id="4" name="Picture 3"/>
+          <p:cNvPicPr>
+            <a:picLocks noChangeAspect="1"/>
+          </p:cNvPicPr>
+          <p:nvPr/>
+        </p:nvPicPr>
+        <p:blipFill>
+          <a:blip r:embed="rId3"/>
+          <a:stretch>
+            <a:fillRect/>
+          </a:stretch>
+        </p:blipFill>
+        <p:spPr>
+          <a:xfrm>
+            <a:off x="2726384" y="1200960"/>
+            <a:ext cx="9294864" cy="5657040"/>
+          </a:xfrm>
+          <a:prstGeom prst="rect">
+            <a:avLst/>
+          </a:prstGeom>
+        </p:spPr>
+      </p:pic>
+    </p:spTree>
+    <p:extLst>
+      <p:ext uri="{BB962C8B-B14F-4D97-AF65-F5344CB8AC3E}">
+        <p14:creationId xmlns:p14="http://schemas.microsoft.com/office/powerpoint/2010/main" val="565325454"/>
+      </p:ext>
+    </p:extLst>
+  </p:cSld>
+  <p:clrMapOvr>
+    <a:masterClrMapping/>
+  </p:clrMapOvr>
+  <p:timing>
+    <p:tnLst>
+      <p:par>
+        <p:cTn id="1" dur="indefinite" restart="never" nodeType="tmRoot"/>
+      </p:par>
+    </p:tnLst>
+  </p:timing>
+</p:sld>
+</file>
+
+<file path=ppt/slides/slide5.xml><?xml version="1.0" encoding="utf-8"?>
+<p:sld xmlns:a="http://schemas.openxmlformats.org/drawingml/2006/main" xmlns:r="http://schemas.openxmlformats.org/officeDocument/2006/relationships" xmlns:p="http://schemas.openxmlformats.org/presentationml/2006/main">
+  <p:cSld>
+    <p:spTree>
+      <p:nvGrpSpPr>
+        <p:cNvPr id="1" name=""/>
+        <p:cNvGrpSpPr/>
+        <p:nvPr/>
+      </p:nvGrpSpPr>
+      <p:grpSpPr>
+        <a:xfrm>
+          <a:off x="0" y="0"/>
+          <a:ext cx="0" cy="0"/>
+          <a:chOff x="0" y="0"/>
+          <a:chExt cx="0" cy="0"/>
+        </a:xfrm>
+      </p:grpSpPr>
+      <p:sp>
+        <p:nvSpPr>
+          <p:cNvPr id="2" name="Title 1"/>
+          <p:cNvSpPr>
+            <a:spLocks noGrp="1"/>
+          </p:cNvSpPr>
+          <p:nvPr>
+            <p:ph type="title"/>
+          </p:nvPr>
+        </p:nvSpPr>
+        <p:spPr/>
+        <p:txBody>
+          <a:bodyPr/>
+          <a:lstStyle/>
+          <a:p>
+            <a:r>
+              <a:rPr lang="zh-CN" altLang="en-US" dirty="0"/>
+              <a:t>自编码</a:t>
+            </a:r>
+            <a:r>
+              <a:rPr lang="zh-CN" altLang="en-US" dirty="0" smtClean="0"/>
+              <a:t>器（</a:t>
+            </a:r>
+            <a:r>
+              <a:rPr lang="en-US" dirty="0" smtClean="0"/>
+              <a:t>auto-encoder</a:t>
+            </a:r>
+            <a:r>
+              <a:rPr lang="zh-CN" altLang="en-US" dirty="0"/>
+              <a:t>）</a:t>
+            </a:r>
+            <a:endParaRPr lang="en-US" dirty="0"/>
+          </a:p>
+        </p:txBody>
+      </p:sp>
+      <p:sp>
+        <p:nvSpPr>
+          <p:cNvPr id="3" name="Content Placeholder 2"/>
+          <p:cNvSpPr>
+            <a:spLocks noGrp="1"/>
+          </p:cNvSpPr>
+          <p:nvPr>
+            <p:ph idx="1"/>
+          </p:nvPr>
+        </p:nvSpPr>
+        <p:spPr/>
+        <p:txBody>
+          <a:bodyPr>
+            <a:normAutofit lnSpcReduction="10000"/>
+          </a:bodyPr>
+          <a:lstStyle/>
+          <a:p>
+            <a:endParaRPr lang="en-US" dirty="0" smtClean="0"/>
+          </a:p>
+          <a:p>
+            <a:endParaRPr lang="en-US" dirty="0"/>
+          </a:p>
+          <a:p>
+            <a:endParaRPr lang="en-US" altLang="zh-CN" dirty="0" smtClean="0"/>
+          </a:p>
+          <a:p>
+            <a:endParaRPr lang="en-US" altLang="zh-CN" dirty="0"/>
+          </a:p>
+          <a:p>
+            <a:endParaRPr lang="en-US" altLang="zh-CN" dirty="0" smtClean="0"/>
+          </a:p>
+          <a:p>
+            <a:endParaRPr lang="en-US" altLang="zh-CN" dirty="0"/>
+          </a:p>
+          <a:p>
+            <a:endParaRPr lang="en-US" altLang="zh-CN" dirty="0" smtClean="0"/>
+          </a:p>
+          <a:p>
+            <a:endParaRPr lang="en-US" altLang="zh-CN" dirty="0"/>
+          </a:p>
+          <a:p>
+            <a:r>
+              <a:rPr lang="en-US" altLang="zh-CN" dirty="0" smtClean="0"/>
+              <a:t>One </a:t>
+            </a:r>
+            <a:r>
+              <a:rPr lang="en-US" altLang="zh-CN" dirty="0"/>
+              <a:t>Good Read @</a:t>
+            </a:r>
+            <a:r>
+              <a:rPr lang="en-US" altLang="zh-CN" dirty="0" smtClean="0">
+                <a:hlinkClick r:id="rId3"/>
+              </a:rPr>
+              <a:t>HERE</a:t>
+            </a:r>
+            <a:r>
+              <a:rPr lang="en-US" altLang="zh-CN" dirty="0" smtClean="0"/>
+              <a:t> &amp; </a:t>
+            </a:r>
+            <a:r>
+              <a:rPr lang="en-US" altLang="zh-CN" dirty="0" smtClean="0">
+                <a:hlinkClick r:id="rId4"/>
+              </a:rPr>
+              <a:t>HERE</a:t>
+            </a:r>
+            <a:endParaRPr lang="en-US" dirty="0"/>
+          </a:p>
+        </p:txBody>
+      </p:sp>
+      <p:pic>
+        <p:nvPicPr>
+          <p:cNvPr id="4" name="Picture 3"/>
+          <p:cNvPicPr>
+            <a:picLocks noChangeAspect="1"/>
+          </p:cNvPicPr>
+          <p:nvPr/>
+        </p:nvPicPr>
+        <p:blipFill>
+          <a:blip r:embed="rId5"/>
+          <a:stretch>
+            <a:fillRect/>
+          </a:stretch>
+        </p:blipFill>
+        <p:spPr>
+          <a:xfrm>
+            <a:off x="838200" y="1418492"/>
+            <a:ext cx="4277783" cy="3985846"/>
+          </a:xfrm>
+          <a:prstGeom prst="rect">
+            <a:avLst/>
+          </a:prstGeom>
+        </p:spPr>
+      </p:pic>
+      <p:pic>
+        <p:nvPicPr>
+          <p:cNvPr id="3074" name="Picture 2" descr="这里写图片描述"/>
+          <p:cNvPicPr>
+            <a:picLocks noChangeAspect="1" noChangeArrowheads="1"/>
+          </p:cNvPicPr>
+          <p:nvPr/>
+        </p:nvPicPr>
+        <p:blipFill>
+          <a:blip r:embed="rId6">
+            <a:extLst>
+              <a:ext uri="{28A0092B-C50C-407E-A947-70E740481C1C}">
+                <a14:useLocalDpi xmlns:a14="http://schemas.microsoft.com/office/drawing/2010/main" val="0"/>
+              </a:ext>
+            </a:extLst>
+          </a:blip>
+          <a:srcRect/>
+          <a:stretch>
+            <a:fillRect/>
+          </a:stretch>
+        </p:blipFill>
+        <p:spPr bwMode="auto">
+          <a:xfrm>
+            <a:off x="7326923" y="189119"/>
+            <a:ext cx="3798277" cy="1677573"/>
+          </a:xfrm>
+          <a:prstGeom prst="rect">
+            <a:avLst/>
+          </a:prstGeom>
+          <a:noFill/>
+          <a:extLst>
+            <a:ext uri="{909E8E84-426E-40DD-AFC4-6F175D3DCCD1}">
+              <a14:hiddenFill xmlns:a14="http://schemas.microsoft.com/office/drawing/2010/main">
+                <a:solidFill>
+                  <a:srgbClr val="FFFFFF"/>
+                </a:solidFill>
+              </a14:hiddenFill>
+            </a:ext>
+          </a:extLst>
+        </p:spPr>
+      </p:pic>
+      <p:sp>
+        <p:nvSpPr>
+          <p:cNvPr id="5" name="Up Arrow 4"/>
+          <p:cNvSpPr/>
+          <p:nvPr/>
+        </p:nvSpPr>
+        <p:spPr>
+          <a:xfrm rot="18594738">
+            <a:off x="10331815" y="1637725"/>
+            <a:ext cx="239277" cy="381584"/>
+          </a:xfrm>
+          <a:prstGeom prst="upArrow">
+            <a:avLst/>
+          </a:prstGeom>
+        </p:spPr>
+        <p:style>
+          <a:lnRef idx="1">
+            <a:schemeClr val="accent6"/>
+          </a:lnRef>
+          <a:fillRef idx="3">
+            <a:schemeClr val="accent6"/>
+          </a:fillRef>
+          <a:effectRef idx="2">
+            <a:schemeClr val="accent6"/>
+          </a:effectRef>
+          <a:fontRef idx="minor">
+            <a:schemeClr val="lt1"/>
+          </a:fontRef>
+        </p:style>
+        <p:txBody>
+          <a:bodyPr rtlCol="0" anchor="ctr"/>
+          <a:lstStyle/>
+          <a:p>
+            <a:pPr algn="ctr"/>
+            <a:endParaRPr lang="en-US"/>
+          </a:p>
+        </p:txBody>
+      </p:sp>
+      <p:pic>
+        <p:nvPicPr>
+          <p:cNvPr id="6" name="Picture 5"/>
+          <p:cNvPicPr>
+            <a:picLocks noChangeAspect="1"/>
+          </p:cNvPicPr>
+          <p:nvPr/>
+        </p:nvPicPr>
+        <p:blipFill>
+          <a:blip r:embed="rId7"/>
+          <a:stretch>
+            <a:fillRect/>
+          </a:stretch>
+        </p:blipFill>
+        <p:spPr>
+          <a:xfrm>
+            <a:off x="5779913" y="2001629"/>
+            <a:ext cx="5016808" cy="2365339"/>
+          </a:xfrm>
+          <a:prstGeom prst="rect">
+            <a:avLst/>
+          </a:prstGeom>
+        </p:spPr>
+      </p:pic>
+      <p:sp>
+        <p:nvSpPr>
+          <p:cNvPr id="8" name="Up Arrow 7"/>
+          <p:cNvSpPr/>
+          <p:nvPr/>
+        </p:nvSpPr>
+        <p:spPr>
+          <a:xfrm rot="16200000">
+            <a:off x="10913660" y="2012863"/>
+            <a:ext cx="239277" cy="381584"/>
+          </a:xfrm>
+          <a:prstGeom prst="upArrow">
+            <a:avLst/>
+          </a:prstGeom>
+        </p:spPr>
+        <p:style>
+          <a:lnRef idx="1">
+            <a:schemeClr val="accent5"/>
+          </a:lnRef>
+          <a:fillRef idx="3">
+            <a:schemeClr val="accent5"/>
+          </a:fillRef>
+          <a:effectRef idx="2">
+            <a:schemeClr val="accent5"/>
+          </a:effectRef>
+          <a:fontRef idx="minor">
+            <a:schemeClr val="lt1"/>
+          </a:fontRef>
+        </p:style>
+        <p:txBody>
+          <a:bodyPr rtlCol="0" anchor="ctr"/>
+          <a:lstStyle/>
+          <a:p>
+            <a:pPr algn="ctr"/>
+            <a:endParaRPr lang="en-US" dirty="0"/>
+          </a:p>
+        </p:txBody>
+      </p:sp>
+      <p:sp>
+        <p:nvSpPr>
+          <p:cNvPr id="9" name="Up Arrow 8"/>
+          <p:cNvSpPr/>
+          <p:nvPr/>
+        </p:nvSpPr>
+        <p:spPr>
+          <a:xfrm rot="16200000">
+            <a:off x="10919522" y="2253635"/>
+            <a:ext cx="239277" cy="381584"/>
+          </a:xfrm>
+          <a:prstGeom prst="upArrow">
+            <a:avLst/>
+          </a:prstGeom>
+        </p:spPr>
+        <p:style>
+          <a:lnRef idx="1">
+            <a:schemeClr val="accent5"/>
+          </a:lnRef>
+          <a:fillRef idx="3">
+            <a:schemeClr val="accent5"/>
+          </a:fillRef>
+          <a:effectRef idx="2">
+            <a:schemeClr val="accent5"/>
+          </a:effectRef>
+          <a:fontRef idx="minor">
+            <a:schemeClr val="lt1"/>
+          </a:fontRef>
+        </p:style>
+        <p:txBody>
+          <a:bodyPr rtlCol="0" anchor="ctr"/>
+          <a:lstStyle/>
+          <a:p>
+            <a:pPr algn="ctr"/>
+            <a:endParaRPr lang="en-US" dirty="0"/>
+          </a:p>
+        </p:txBody>
+      </p:sp>
+      <p:sp>
+        <p:nvSpPr>
+          <p:cNvPr id="7" name="TextBox 6"/>
+          <p:cNvSpPr txBox="1"/>
+          <p:nvPr/>
+        </p:nvSpPr>
+        <p:spPr>
+          <a:xfrm>
+            <a:off x="11224091" y="2046295"/>
+            <a:ext cx="562975" cy="276999"/>
+          </a:xfrm>
+          <a:prstGeom prst="rect">
+            <a:avLst/>
+          </a:prstGeom>
+          <a:noFill/>
+        </p:spPr>
+        <p:txBody>
+          <a:bodyPr wrap="none" rtlCol="0">
+            <a:spAutoFit/>
+          </a:bodyPr>
+          <a:lstStyle/>
+          <a:p>
+            <a:r>
+              <a:rPr lang="en-US" sz="1200" dirty="0" smtClean="0"/>
+              <a:t>Origin</a:t>
+            </a:r>
+            <a:endParaRPr lang="en-US" sz="1200" dirty="0"/>
+          </a:p>
+        </p:txBody>
+      </p:sp>
+      <p:sp>
+        <p:nvSpPr>
+          <p:cNvPr id="11" name="TextBox 10"/>
+          <p:cNvSpPr txBox="1"/>
+          <p:nvPr/>
+        </p:nvSpPr>
+        <p:spPr>
+          <a:xfrm>
+            <a:off x="11218195" y="2304686"/>
+            <a:ext cx="983411" cy="276999"/>
+          </a:xfrm>
+          <a:prstGeom prst="rect">
+            <a:avLst/>
+          </a:prstGeom>
+          <a:noFill/>
+        </p:spPr>
+        <p:txBody>
+          <a:bodyPr wrap="none" rtlCol="0">
+            <a:spAutoFit/>
+          </a:bodyPr>
+          <a:lstStyle/>
+          <a:p>
+            <a:r>
+              <a:rPr lang="en-US" sz="1200" dirty="0" err="1" smtClean="0"/>
+              <a:t>autoencoder</a:t>
+            </a:r>
+            <a:endParaRPr lang="en-US" sz="1200" dirty="0"/>
+          </a:p>
+        </p:txBody>
+      </p:sp>
+      <p:sp>
+        <p:nvSpPr>
+          <p:cNvPr id="12" name="Up Arrow 11"/>
+          <p:cNvSpPr/>
+          <p:nvPr/>
+        </p:nvSpPr>
+        <p:spPr>
+          <a:xfrm rot="16200000">
+            <a:off x="10907765" y="2607747"/>
+            <a:ext cx="239277" cy="381584"/>
+          </a:xfrm>
+          <a:prstGeom prst="upArrow">
+            <a:avLst/>
+          </a:prstGeom>
+        </p:spPr>
+        <p:style>
+          <a:lnRef idx="1">
+            <a:schemeClr val="accent5"/>
+          </a:lnRef>
+          <a:fillRef idx="3">
+            <a:schemeClr val="accent5"/>
+          </a:fillRef>
+          <a:effectRef idx="2">
+            <a:schemeClr val="accent5"/>
+          </a:effectRef>
+          <a:fontRef idx="minor">
+            <a:schemeClr val="lt1"/>
+          </a:fontRef>
+        </p:style>
+        <p:txBody>
+          <a:bodyPr rtlCol="0" anchor="ctr"/>
+          <a:lstStyle/>
+          <a:p>
+            <a:pPr algn="ctr"/>
+            <a:endParaRPr lang="en-US" dirty="0"/>
+          </a:p>
+        </p:txBody>
+      </p:sp>
+      <p:sp>
+        <p:nvSpPr>
+          <p:cNvPr id="13" name="TextBox 12"/>
+          <p:cNvSpPr txBox="1"/>
+          <p:nvPr/>
+        </p:nvSpPr>
+        <p:spPr>
+          <a:xfrm>
+            <a:off x="11206438" y="2658798"/>
+            <a:ext cx="436338" cy="276999"/>
+          </a:xfrm>
+          <a:prstGeom prst="rect">
+            <a:avLst/>
+          </a:prstGeom>
+          <a:noFill/>
+        </p:spPr>
+        <p:txBody>
+          <a:bodyPr wrap="none" rtlCol="0">
+            <a:spAutoFit/>
+          </a:bodyPr>
+          <a:lstStyle/>
+          <a:p>
+            <a:r>
+              <a:rPr lang="en-US" sz="1200" dirty="0" smtClean="0"/>
+              <a:t>PCA</a:t>
+            </a:r>
+            <a:endParaRPr lang="en-US" sz="1200" dirty="0"/>
+          </a:p>
+        </p:txBody>
+      </p:sp>
+      <p:sp>
+        <p:nvSpPr>
+          <p:cNvPr id="14" name="Up Arrow 13"/>
+          <p:cNvSpPr/>
+          <p:nvPr/>
+        </p:nvSpPr>
+        <p:spPr>
+          <a:xfrm rot="16200000">
+            <a:off x="10913661" y="3036533"/>
+            <a:ext cx="239277" cy="381584"/>
+          </a:xfrm>
+          <a:prstGeom prst="upArrow">
+            <a:avLst/>
+          </a:prstGeom>
+        </p:spPr>
+        <p:style>
+          <a:lnRef idx="1">
+            <a:schemeClr val="accent5"/>
+          </a:lnRef>
+          <a:fillRef idx="3">
+            <a:schemeClr val="accent5"/>
+          </a:fillRef>
+          <a:effectRef idx="2">
+            <a:schemeClr val="accent5"/>
+          </a:effectRef>
+          <a:fontRef idx="minor">
+            <a:schemeClr val="lt1"/>
+          </a:fontRef>
+        </p:style>
+        <p:txBody>
+          <a:bodyPr rtlCol="0" anchor="ctr"/>
+          <a:lstStyle/>
+          <a:p>
+            <a:pPr algn="ctr"/>
+            <a:endParaRPr lang="en-US" dirty="0"/>
+          </a:p>
+        </p:txBody>
+      </p:sp>
+      <p:sp>
+        <p:nvSpPr>
+          <p:cNvPr id="15" name="Up Arrow 14"/>
+          <p:cNvSpPr/>
+          <p:nvPr/>
+        </p:nvSpPr>
+        <p:spPr>
+          <a:xfrm rot="16200000">
+            <a:off x="10919523" y="3388679"/>
+            <a:ext cx="239277" cy="381584"/>
+          </a:xfrm>
+          <a:prstGeom prst="upArrow">
+            <a:avLst/>
+          </a:prstGeom>
+        </p:spPr>
+        <p:style>
+          <a:lnRef idx="1">
+            <a:schemeClr val="accent5"/>
+          </a:lnRef>
+          <a:fillRef idx="3">
+            <a:schemeClr val="accent5"/>
+          </a:fillRef>
+          <a:effectRef idx="2">
+            <a:schemeClr val="accent5"/>
+          </a:effectRef>
+          <a:fontRef idx="minor">
+            <a:schemeClr val="lt1"/>
+          </a:fontRef>
+        </p:style>
+        <p:txBody>
+          <a:bodyPr rtlCol="0" anchor="ctr"/>
+          <a:lstStyle/>
+          <a:p>
+            <a:pPr algn="ctr"/>
+            <a:endParaRPr lang="en-US" dirty="0"/>
+          </a:p>
+        </p:txBody>
+      </p:sp>
+      <p:sp>
+        <p:nvSpPr>
+          <p:cNvPr id="16" name="TextBox 15"/>
+          <p:cNvSpPr txBox="1"/>
+          <p:nvPr/>
+        </p:nvSpPr>
+        <p:spPr>
+          <a:xfrm>
+            <a:off x="11224092" y="3069965"/>
+            <a:ext cx="562975" cy="276999"/>
+          </a:xfrm>
+          <a:prstGeom prst="rect">
+            <a:avLst/>
+          </a:prstGeom>
+          <a:noFill/>
+        </p:spPr>
+        <p:txBody>
+          <a:bodyPr wrap="none" rtlCol="0">
+            <a:spAutoFit/>
+          </a:bodyPr>
+          <a:lstStyle/>
+          <a:p>
+            <a:r>
+              <a:rPr lang="en-US" sz="1200" dirty="0" smtClean="0"/>
+              <a:t>Origin</a:t>
+            </a:r>
+            <a:endParaRPr lang="en-US" sz="1200" dirty="0"/>
+          </a:p>
+        </p:txBody>
+      </p:sp>
+      <p:sp>
+        <p:nvSpPr>
+          <p:cNvPr id="17" name="TextBox 16"/>
+          <p:cNvSpPr txBox="1"/>
+          <p:nvPr/>
+        </p:nvSpPr>
+        <p:spPr>
+          <a:xfrm>
+            <a:off x="11218196" y="3439730"/>
+            <a:ext cx="983411" cy="276999"/>
+          </a:xfrm>
+          <a:prstGeom prst="rect">
+            <a:avLst/>
+          </a:prstGeom>
+          <a:noFill/>
+        </p:spPr>
+        <p:txBody>
+          <a:bodyPr wrap="none" rtlCol="0">
+            <a:spAutoFit/>
+          </a:bodyPr>
+          <a:lstStyle/>
+          <a:p>
+            <a:r>
+              <a:rPr lang="en-US" sz="1200" dirty="0" err="1" smtClean="0"/>
+              <a:t>autoencoder</a:t>
+            </a:r>
+            <a:endParaRPr lang="en-US" sz="1200" dirty="0"/>
+          </a:p>
+        </p:txBody>
+      </p:sp>
+      <p:sp>
+        <p:nvSpPr>
+          <p:cNvPr id="18" name="Up Arrow 17"/>
+          <p:cNvSpPr/>
+          <p:nvPr/>
+        </p:nvSpPr>
+        <p:spPr>
+          <a:xfrm rot="16200000">
+            <a:off x="10907766" y="3754513"/>
+            <a:ext cx="239277" cy="381584"/>
+          </a:xfrm>
+          <a:prstGeom prst="upArrow">
+            <a:avLst/>
+          </a:prstGeom>
+        </p:spPr>
+        <p:style>
+          <a:lnRef idx="1">
+            <a:schemeClr val="accent5"/>
+          </a:lnRef>
+          <a:fillRef idx="3">
+            <a:schemeClr val="accent5"/>
+          </a:fillRef>
+          <a:effectRef idx="2">
+            <a:schemeClr val="accent5"/>
+          </a:effectRef>
+          <a:fontRef idx="minor">
+            <a:schemeClr val="lt1"/>
+          </a:fontRef>
+        </p:style>
+        <p:txBody>
+          <a:bodyPr rtlCol="0" anchor="ctr"/>
+          <a:lstStyle/>
+          <a:p>
+            <a:pPr algn="ctr"/>
+            <a:endParaRPr lang="en-US" dirty="0"/>
+          </a:p>
+        </p:txBody>
+      </p:sp>
+      <p:sp>
+        <p:nvSpPr>
+          <p:cNvPr id="19" name="TextBox 18"/>
+          <p:cNvSpPr txBox="1"/>
+          <p:nvPr/>
+        </p:nvSpPr>
+        <p:spPr>
+          <a:xfrm>
+            <a:off x="11206439" y="3805564"/>
+            <a:ext cx="436338" cy="276999"/>
+          </a:xfrm>
+          <a:prstGeom prst="rect">
+            <a:avLst/>
+          </a:prstGeom>
+          <a:noFill/>
+        </p:spPr>
+        <p:txBody>
+          <a:bodyPr wrap="none" rtlCol="0">
+            <a:spAutoFit/>
+          </a:bodyPr>
+          <a:lstStyle/>
+          <a:p>
+            <a:r>
+              <a:rPr lang="en-US" sz="1200" dirty="0" smtClean="0"/>
+              <a:t>PCA</a:t>
+            </a:r>
+            <a:endParaRPr lang="en-US" sz="1200" dirty="0"/>
+          </a:p>
+        </p:txBody>
+      </p:sp>
+      <p:pic>
+        <p:nvPicPr>
+          <p:cNvPr id="10" name="Picture 9"/>
+          <p:cNvPicPr>
+            <a:picLocks noChangeAspect="1"/>
+          </p:cNvPicPr>
+          <p:nvPr/>
+        </p:nvPicPr>
+        <p:blipFill>
+          <a:blip r:embed="rId8"/>
+          <a:stretch>
+            <a:fillRect/>
+          </a:stretch>
+        </p:blipFill>
+        <p:spPr>
+          <a:xfrm>
+            <a:off x="7429865" y="4722574"/>
+            <a:ext cx="4622973" cy="1981898"/>
+          </a:xfrm>
+          <a:prstGeom prst="rect">
+            <a:avLst/>
+          </a:prstGeom>
+        </p:spPr>
+      </p:pic>
+      <p:sp>
+        <p:nvSpPr>
+          <p:cNvPr id="21" name="TextBox 20"/>
+          <p:cNvSpPr txBox="1"/>
+          <p:nvPr/>
+        </p:nvSpPr>
+        <p:spPr>
+          <a:xfrm>
+            <a:off x="10451453" y="4518991"/>
+            <a:ext cx="983411" cy="276999"/>
+          </a:xfrm>
+          <a:prstGeom prst="rect">
+            <a:avLst/>
+          </a:prstGeom>
+          <a:noFill/>
+        </p:spPr>
+        <p:txBody>
+          <a:bodyPr wrap="none" rtlCol="0">
+            <a:spAutoFit/>
+          </a:bodyPr>
+          <a:lstStyle/>
+          <a:p>
+            <a:r>
+              <a:rPr lang="en-US" sz="1200" dirty="0" err="1" smtClean="0"/>
+              <a:t>autoencoder</a:t>
+            </a:r>
+            <a:endParaRPr lang="en-US" sz="1200" dirty="0"/>
+          </a:p>
+        </p:txBody>
+      </p:sp>
+      <p:sp>
+        <p:nvSpPr>
+          <p:cNvPr id="22" name="TextBox 21"/>
+          <p:cNvSpPr txBox="1"/>
+          <p:nvPr/>
+        </p:nvSpPr>
+        <p:spPr>
+          <a:xfrm>
+            <a:off x="8282045" y="4518991"/>
+            <a:ext cx="436338" cy="276999"/>
+          </a:xfrm>
+          <a:prstGeom prst="rect">
+            <a:avLst/>
+          </a:prstGeom>
+          <a:noFill/>
+        </p:spPr>
+        <p:txBody>
+          <a:bodyPr wrap="none" rtlCol="0">
+            <a:spAutoFit/>
+          </a:bodyPr>
+          <a:lstStyle/>
+          <a:p>
+            <a:r>
+              <a:rPr lang="en-US" sz="1200" dirty="0" smtClean="0"/>
+              <a:t>PCA</a:t>
+            </a:r>
+            <a:endParaRPr lang="en-US" sz="1200" dirty="0"/>
+          </a:p>
+        </p:txBody>
+      </p:sp>
+    </p:spTree>
+    <p:extLst>
+      <p:ext uri="{BB962C8B-B14F-4D97-AF65-F5344CB8AC3E}">
+        <p14:creationId xmlns:p14="http://schemas.microsoft.com/office/powerpoint/2010/main" val="54174334"/>
+      </p:ext>
+    </p:extLst>
+  </p:cSld>
+  <p:clrMapOvr>
+    <a:masterClrMapping/>
+  </p:clrMapOvr>
+  <p:timing>
+    <p:tnLst>
+      <p:par>
+        <p:cTn id="1" dur="indefinite" restart="never" nodeType="tmRoot"/>
+      </p:par>
+    </p:tnLst>
+  </p:timing>
+</p:sld>
+</file>
+
+<file path=ppt/slides/slide6.xml><?xml version="1.0" encoding="utf-8"?>
+<p:sld xmlns:a="http://schemas.openxmlformats.org/drawingml/2006/main" xmlns:r="http://schemas.openxmlformats.org/officeDocument/2006/relationships" xmlns:p="http://schemas.openxmlformats.org/presentationml/2006/main">
+  <p:cSld>
+    <p:spTree>
+      <p:nvGrpSpPr>
+        <p:cNvPr id="1" name=""/>
+        <p:cNvGrpSpPr/>
+        <p:nvPr/>
+      </p:nvGrpSpPr>
+      <p:grpSpPr>
+        <a:xfrm>
+          <a:off x="0" y="0"/>
+          <a:ext cx="0" cy="0"/>
+          <a:chOff x="0" y="0"/>
+          <a:chExt cx="0" cy="0"/>
+        </a:xfrm>
+      </p:grpSpPr>
+      <p:sp>
+        <p:nvSpPr>
+          <p:cNvPr id="2" name="Title 1"/>
+          <p:cNvSpPr>
+            <a:spLocks noGrp="1"/>
+          </p:cNvSpPr>
+          <p:nvPr>
+            <p:ph type="title"/>
+          </p:nvPr>
+        </p:nvSpPr>
+        <p:spPr/>
+        <p:txBody>
+          <a:bodyPr/>
+          <a:lstStyle/>
+          <a:p>
+            <a:r>
+              <a:rPr lang="en-US" dirty="0"/>
+              <a:t>The Fake Task</a:t>
+            </a:r>
+          </a:p>
+        </p:txBody>
+      </p:sp>
+      <p:sp>
+        <p:nvSpPr>
+          <p:cNvPr id="3" name="Content Placeholder 2"/>
+          <p:cNvSpPr>
+            <a:spLocks noGrp="1"/>
+          </p:cNvSpPr>
+          <p:nvPr>
+            <p:ph idx="1"/>
+          </p:nvPr>
+        </p:nvSpPr>
+        <p:spPr>
+          <a:xfrm>
+            <a:off x="838200" y="1825625"/>
+            <a:ext cx="3264877" cy="4351338"/>
+          </a:xfrm>
+        </p:spPr>
+        <p:txBody>
+          <a:bodyPr>
+            <a:normAutofit/>
+          </a:bodyPr>
+          <a:lstStyle/>
+          <a:p>
+            <a:r>
+              <a:rPr lang="zh-CN" altLang="en-US" sz="2000" dirty="0"/>
+              <a:t>构建一个完整的神经网络作为我们的“</a:t>
+            </a:r>
+            <a:r>
+              <a:rPr lang="en-US" altLang="zh-CN" sz="2000" dirty="0"/>
+              <a:t>Fake Task</a:t>
+            </a:r>
+            <a:r>
+              <a:rPr lang="en-US" altLang="zh-CN" sz="2000" dirty="0" smtClean="0"/>
+              <a:t>”</a:t>
+            </a:r>
+          </a:p>
+          <a:p>
+            <a:pPr lvl="1"/>
+            <a:r>
+              <a:rPr lang="en-US" altLang="zh-CN" sz="1600" dirty="0"/>
+              <a:t>input </a:t>
+            </a:r>
+            <a:r>
+              <a:rPr lang="en-US" altLang="zh-CN" sz="1600" dirty="0" smtClean="0"/>
+              <a:t>word </a:t>
+            </a:r>
+            <a:r>
+              <a:rPr lang="zh-CN" altLang="en-US" sz="1600" dirty="0" smtClean="0"/>
+              <a:t>输</a:t>
+            </a:r>
+            <a:r>
+              <a:rPr lang="zh-CN" altLang="en-US" sz="1600" dirty="0"/>
+              <a:t>入</a:t>
+            </a:r>
+            <a:r>
+              <a:rPr lang="zh-CN" altLang="en-US" sz="1600" dirty="0" smtClean="0"/>
+              <a:t>词</a:t>
+            </a:r>
+            <a:endParaRPr lang="en-US" altLang="zh-CN" sz="1600" dirty="0" smtClean="0"/>
+          </a:p>
+          <a:p>
+            <a:pPr lvl="1"/>
+            <a:r>
+              <a:rPr lang="en-US" sz="1600" dirty="0" err="1" smtClean="0"/>
+              <a:t>skip_window</a:t>
+            </a:r>
+            <a:endParaRPr lang="en-US" sz="1600" dirty="0" smtClean="0"/>
+          </a:p>
+          <a:p>
+            <a:pPr lvl="1"/>
+            <a:r>
+              <a:rPr lang="en-US" sz="1600" dirty="0" err="1" smtClean="0"/>
+              <a:t>num_skips</a:t>
+            </a:r>
+            <a:r>
+              <a:rPr lang="en-US" sz="1600" dirty="0" smtClean="0"/>
+              <a:t> </a:t>
+            </a:r>
+          </a:p>
+          <a:p>
+            <a:pPr lvl="1"/>
+            <a:r>
+              <a:rPr lang="zh-CN" altLang="en-US" sz="1600" dirty="0"/>
+              <a:t>输</a:t>
+            </a:r>
+            <a:r>
+              <a:rPr lang="zh-CN" altLang="en-US" sz="1600" dirty="0" smtClean="0"/>
+              <a:t>出</a:t>
+            </a:r>
+            <a:r>
+              <a:rPr lang="en-US" altLang="zh-CN" sz="1600" dirty="0" smtClean="0"/>
+              <a:t>: </a:t>
+            </a:r>
+            <a:r>
+              <a:rPr lang="zh-CN" altLang="en-US" sz="1600" dirty="0" smtClean="0"/>
+              <a:t>概</a:t>
+            </a:r>
+            <a:r>
+              <a:rPr lang="zh-CN" altLang="en-US" sz="1600" dirty="0"/>
+              <a:t>率分布</a:t>
+            </a:r>
+            <a:endParaRPr lang="en-US" sz="1600" dirty="0"/>
+          </a:p>
+        </p:txBody>
+      </p:sp>
+      <p:pic>
+        <p:nvPicPr>
+          <p:cNvPr id="1026" name="Picture 2" descr="Training Data"/>
+          <p:cNvPicPr>
+            <a:picLocks noChangeAspect="1" noChangeArrowheads="1"/>
+          </p:cNvPicPr>
+          <p:nvPr/>
+        </p:nvPicPr>
+        <p:blipFill>
+          <a:blip r:embed="rId3">
+            <a:extLst>
+              <a:ext uri="{28A0092B-C50C-407E-A947-70E740481C1C}">
+                <a14:useLocalDpi xmlns:a14="http://schemas.microsoft.com/office/drawing/2010/main" val="0"/>
+              </a:ext>
+            </a:extLst>
+          </a:blip>
+          <a:srcRect/>
+          <a:stretch>
+            <a:fillRect/>
+          </a:stretch>
+        </p:blipFill>
+        <p:spPr bwMode="auto">
+          <a:xfrm>
+            <a:off x="4200037" y="1600565"/>
+            <a:ext cx="8439150" cy="5038726"/>
+          </a:xfrm>
+          <a:prstGeom prst="rect">
+            <a:avLst/>
+          </a:prstGeom>
+          <a:noFill/>
+          <a:extLst>
+            <a:ext uri="{909E8E84-426E-40DD-AFC4-6F175D3DCCD1}">
+              <a14:hiddenFill xmlns:a14="http://schemas.microsoft.com/office/drawing/2010/main">
+                <a:solidFill>
+                  <a:srgbClr val="FFFFFF"/>
+                </a:solidFill>
+              </a14:hiddenFill>
+            </a:ext>
+          </a:extLst>
+        </p:spPr>
+      </p:pic>
+    </p:spTree>
+    <p:extLst>
+      <p:ext uri="{BB962C8B-B14F-4D97-AF65-F5344CB8AC3E}">
+        <p14:creationId xmlns:p14="http://schemas.microsoft.com/office/powerpoint/2010/main" val="246092160"/>
+      </p:ext>
+    </p:extLst>
+  </p:cSld>
+  <p:clrMapOvr>
+    <a:masterClrMapping/>
+  </p:clrMapOvr>
+  <p:timing>
+    <p:tnLst>
+      <p:par>
+        <p:cTn id="1" dur="indefinite" restart="never" nodeType="tmRoot"/>
+      </p:par>
+    </p:tnLst>
+  </p:timing>
+</p:sld>
+</file>
+
+<file path=ppt/slides/slide7.xml><?xml version="1.0" encoding="utf-8"?>
+<p:sld xmlns:a="http://schemas.openxmlformats.org/drawingml/2006/main" xmlns:r="http://schemas.openxmlformats.org/officeDocument/2006/relationships" xmlns:p="http://schemas.openxmlformats.org/presentationml/2006/main">
+  <p:cSld>
+    <p:spTree>
+      <p:nvGrpSpPr>
+        <p:cNvPr id="1" name=""/>
+        <p:cNvGrpSpPr/>
+        <p:nvPr/>
+      </p:nvGrpSpPr>
+      <p:grpSpPr>
+        <a:xfrm>
+          <a:off x="0" y="0"/>
+          <a:ext cx="0" cy="0"/>
+          <a:chOff x="0" y="0"/>
+          <a:chExt cx="0" cy="0"/>
+        </a:xfrm>
+      </p:grpSpPr>
+      <p:sp>
+        <p:nvSpPr>
+          <p:cNvPr id="2" name="Title 1"/>
+          <p:cNvSpPr>
+            <a:spLocks noGrp="1"/>
+          </p:cNvSpPr>
+          <p:nvPr>
+            <p:ph type="title"/>
+          </p:nvPr>
+        </p:nvSpPr>
+        <p:spPr/>
+        <p:txBody>
+          <a:bodyPr/>
+          <a:lstStyle/>
+          <a:p>
+            <a:r>
+              <a:rPr lang="zh-CN" altLang="en-US" dirty="0"/>
+              <a:t>凑近点看</a:t>
+            </a:r>
+            <a:endParaRPr lang="en-US" dirty="0"/>
+          </a:p>
+        </p:txBody>
+      </p:sp>
+      <p:sp>
+        <p:nvSpPr>
+          <p:cNvPr id="3" name="Content Placeholder 2"/>
+          <p:cNvSpPr>
+            <a:spLocks noGrp="1"/>
+          </p:cNvSpPr>
+          <p:nvPr>
+            <p:ph idx="1"/>
+          </p:nvPr>
+        </p:nvSpPr>
+        <p:spPr/>
+        <p:txBody>
+          <a:bodyPr/>
+          <a:lstStyle/>
+          <a:p>
+            <a:r>
+              <a:rPr lang="zh-CN" altLang="en-US" sz="2000" dirty="0"/>
+              <a:t>输</a:t>
+            </a:r>
+            <a:r>
+              <a:rPr lang="zh-CN" altLang="en-US" sz="2000" dirty="0" smtClean="0"/>
+              <a:t>入编码：</a:t>
+            </a:r>
+            <a:endParaRPr lang="en-US" altLang="zh-CN" sz="2000" dirty="0" smtClean="0"/>
+          </a:p>
+          <a:p>
+            <a:pPr lvl="1"/>
+            <a:r>
+              <a:rPr lang="zh-CN" altLang="en-US" sz="1600" dirty="0" smtClean="0"/>
+              <a:t>语料 </a:t>
+            </a:r>
+            <a:r>
+              <a:rPr lang="en-US" altLang="zh-CN" sz="1600" dirty="0" smtClean="0"/>
+              <a:t>-&gt; </a:t>
+            </a:r>
+            <a:r>
+              <a:rPr lang="zh-CN" altLang="en-US" sz="1600" dirty="0"/>
+              <a:t>词汇表（</a:t>
+            </a:r>
+            <a:r>
+              <a:rPr lang="en-US" altLang="zh-CN" sz="1600" dirty="0"/>
+              <a:t>vocabulary</a:t>
+            </a:r>
+            <a:r>
+              <a:rPr lang="zh-CN" altLang="en-US" sz="1600" dirty="0" smtClean="0"/>
+              <a:t>）</a:t>
+            </a:r>
+            <a:endParaRPr lang="en-US" altLang="zh-CN" sz="1600" dirty="0" smtClean="0"/>
+          </a:p>
+          <a:p>
+            <a:pPr lvl="1"/>
+            <a:r>
+              <a:rPr lang="en-US" altLang="zh-CN" sz="1600" dirty="0" smtClean="0"/>
+              <a:t>One-hot</a:t>
+            </a:r>
+            <a:r>
+              <a:rPr lang="zh-CN" altLang="en-US" sz="1600" dirty="0"/>
+              <a:t>编</a:t>
+            </a:r>
+            <a:r>
+              <a:rPr lang="zh-CN" altLang="en-US" sz="1600" dirty="0" smtClean="0"/>
+              <a:t>码</a:t>
+            </a:r>
+            <a:endParaRPr lang="en-US" altLang="zh-CN" sz="1600" dirty="0" smtClean="0"/>
+          </a:p>
+          <a:p>
+            <a:pPr lvl="1"/>
+            <a:r>
+              <a:rPr lang="en-US" altLang="zh-CN" sz="1600" dirty="0"/>
+              <a:t>10000</a:t>
+            </a:r>
+            <a:r>
+              <a:rPr lang="zh-CN" altLang="en-US" sz="1600" dirty="0"/>
+              <a:t>维的向</a:t>
+            </a:r>
+            <a:r>
+              <a:rPr lang="zh-CN" altLang="en-US" sz="1600" dirty="0" smtClean="0"/>
+              <a:t>量</a:t>
+            </a:r>
+            <a:endParaRPr lang="en-US" altLang="zh-CN" sz="1600" dirty="0"/>
+          </a:p>
+          <a:p>
+            <a:pPr marL="457200" lvl="1" indent="0">
+              <a:buNone/>
+            </a:pPr>
+            <a:r>
+              <a:rPr lang="zh-CN" altLang="en-US" sz="1600" dirty="0" smtClean="0">
+                <a:solidFill>
+                  <a:schemeClr val="bg1">
+                    <a:lumMod val="50000"/>
+                  </a:schemeClr>
+                </a:solidFill>
+              </a:rPr>
+              <a:t>假设词</a:t>
+            </a:r>
+            <a:r>
+              <a:rPr lang="zh-CN" altLang="en-US" sz="1600" dirty="0">
+                <a:solidFill>
+                  <a:schemeClr val="bg1">
+                    <a:lumMod val="50000"/>
+                  </a:schemeClr>
+                </a:solidFill>
+              </a:rPr>
+              <a:t>汇表的大</a:t>
+            </a:r>
+            <a:r>
+              <a:rPr lang="zh-CN" altLang="en-US" sz="1600" dirty="0" smtClean="0">
+                <a:solidFill>
+                  <a:schemeClr val="bg1">
+                    <a:lumMod val="50000"/>
+                  </a:schemeClr>
+                </a:solidFill>
+              </a:rPr>
+              <a:t>小为</a:t>
+            </a:r>
+            <a:r>
+              <a:rPr lang="en-US" altLang="zh-CN" sz="1600" dirty="0" smtClean="0">
+                <a:solidFill>
+                  <a:schemeClr val="bg1">
+                    <a:lumMod val="50000"/>
+                  </a:schemeClr>
+                </a:solidFill>
+              </a:rPr>
+              <a:t>10000</a:t>
+            </a:r>
+          </a:p>
+          <a:p>
+            <a:pPr lvl="1"/>
+            <a:endParaRPr lang="en-US" altLang="zh-CN" sz="1600" dirty="0"/>
+          </a:p>
+          <a:p>
+            <a:r>
+              <a:rPr lang="zh-CN" altLang="en-US" sz="2000" dirty="0"/>
+              <a:t>输</a:t>
+            </a:r>
+            <a:r>
+              <a:rPr lang="zh-CN" altLang="en-US" sz="2000" dirty="0" smtClean="0"/>
+              <a:t>出编码：</a:t>
+            </a:r>
+            <a:endParaRPr lang="en-US" altLang="zh-CN" dirty="0"/>
+          </a:p>
+          <a:p>
+            <a:pPr lvl="1"/>
+            <a:r>
+              <a:rPr lang="zh-CN" altLang="en-US" sz="1600" dirty="0"/>
+              <a:t>也是一个</a:t>
+            </a:r>
+            <a:r>
+              <a:rPr lang="en-US" altLang="zh-CN" sz="1600" dirty="0"/>
+              <a:t>10000</a:t>
+            </a:r>
+            <a:r>
+              <a:rPr lang="zh-CN" altLang="en-US" sz="1600" dirty="0"/>
+              <a:t>维</a:t>
+            </a:r>
+            <a:r>
+              <a:rPr lang="zh-CN" altLang="en-US" sz="1600" dirty="0" smtClean="0"/>
+              <a:t>度的</a:t>
+            </a:r>
+            <a:r>
+              <a:rPr lang="zh-CN" altLang="en-US" sz="1600" dirty="0"/>
+              <a:t>向</a:t>
+            </a:r>
+            <a:r>
+              <a:rPr lang="zh-CN" altLang="en-US" sz="1600" dirty="0" smtClean="0"/>
+              <a:t>量</a:t>
+            </a:r>
+            <a:endParaRPr lang="en-US" altLang="zh-CN" sz="1600" dirty="0" smtClean="0"/>
+          </a:p>
+          <a:p>
+            <a:pPr lvl="1"/>
+            <a:r>
+              <a:rPr lang="zh-CN" altLang="en-US" sz="1600" dirty="0"/>
+              <a:t>包含了</a:t>
+            </a:r>
+            <a:r>
+              <a:rPr lang="en-US" altLang="zh-CN" sz="1600" dirty="0"/>
+              <a:t>10000</a:t>
+            </a:r>
+            <a:r>
+              <a:rPr lang="zh-CN" altLang="en-US" sz="1600" dirty="0"/>
+              <a:t>个概率</a:t>
+            </a:r>
+            <a:endParaRPr lang="en-US" altLang="zh-CN" sz="1600" dirty="0" smtClean="0"/>
+          </a:p>
+          <a:p>
+            <a:pPr lvl="1"/>
+            <a:endParaRPr lang="en-US" dirty="0"/>
+          </a:p>
+        </p:txBody>
+      </p:sp>
+      <p:pic>
+        <p:nvPicPr>
+          <p:cNvPr id="4098" name="Picture 2" descr="Skip-gram Neural Network Architecture"/>
+          <p:cNvPicPr>
+            <a:picLocks noChangeAspect="1" noChangeArrowheads="1"/>
+          </p:cNvPicPr>
+          <p:nvPr/>
+        </p:nvPicPr>
+        <p:blipFill>
+          <a:blip r:embed="rId3">
+            <a:extLst>
+              <a:ext uri="{28A0092B-C50C-407E-A947-70E740481C1C}">
+                <a14:useLocalDpi xmlns:a14="http://schemas.microsoft.com/office/drawing/2010/main" val="0"/>
+              </a:ext>
+            </a:extLst>
+          </a:blip>
+          <a:srcRect/>
+          <a:stretch>
+            <a:fillRect/>
+          </a:stretch>
+        </p:blipFill>
+        <p:spPr bwMode="auto">
+          <a:xfrm>
+            <a:off x="4491034" y="1858046"/>
+            <a:ext cx="6862766" cy="4286495"/>
+          </a:xfrm>
+          <a:prstGeom prst="rect">
+            <a:avLst/>
+          </a:prstGeom>
+          <a:noFill/>
+          <a:extLst>
+            <a:ext uri="{909E8E84-426E-40DD-AFC4-6F175D3DCCD1}">
+              <a14:hiddenFill xmlns:a14="http://schemas.microsoft.com/office/drawing/2010/main">
+                <a:solidFill>
+                  <a:srgbClr val="FFFFFF"/>
+                </a:solidFill>
+              </a14:hiddenFill>
+            </a:ext>
+          </a:extLst>
+        </p:spPr>
+      </p:pic>
+    </p:spTree>
+    <p:extLst>
+      <p:ext uri="{BB962C8B-B14F-4D97-AF65-F5344CB8AC3E}">
+        <p14:creationId xmlns:p14="http://schemas.microsoft.com/office/powerpoint/2010/main" val="1707017821"/>
+      </p:ext>
+    </p:extLst>
+  </p:cSld>
+  <p:clrMapOvr>
+    <a:masterClrMapping/>
+  </p:clrMapOvr>
+  <p:timing>
+    <p:tnLst>
+      <p:par>
+        <p:cTn id="1" dur="indefinite" restart="never" nodeType="tmRoot"/>
+      </p:par>
+    </p:tnLst>
+  </p:timing>
+</p:sld>
+</file>
+
+<file path=ppt/slides/slide8.xml><?xml version="1.0" encoding="utf-8"?>
+<p:sld xmlns:a="http://schemas.openxmlformats.org/drawingml/2006/main" xmlns:r="http://schemas.openxmlformats.org/officeDocument/2006/relationships" xmlns:p="http://schemas.openxmlformats.org/presentationml/2006/main">
+  <p:cSld>
+    <p:spTree>
+      <p:nvGrpSpPr>
+        <p:cNvPr id="1" name=""/>
+        <p:cNvGrpSpPr/>
+        <p:nvPr/>
+      </p:nvGrpSpPr>
+      <p:grpSpPr>
+        <a:xfrm>
+          <a:off x="0" y="0"/>
+          <a:ext cx="0" cy="0"/>
+          <a:chOff x="0" y="0"/>
+          <a:chExt cx="0" cy="0"/>
+        </a:xfrm>
+      </p:grpSpPr>
+      <p:sp>
+        <p:nvSpPr>
+          <p:cNvPr id="2" name="Title 1"/>
+          <p:cNvSpPr>
+            <a:spLocks noGrp="1"/>
+          </p:cNvSpPr>
+          <p:nvPr>
+            <p:ph type="title"/>
+          </p:nvPr>
+        </p:nvSpPr>
+        <p:spPr/>
+        <p:txBody>
+          <a:bodyPr/>
+          <a:lstStyle/>
+          <a:p>
+            <a:r>
+              <a:rPr lang="zh-CN" altLang="en-US" dirty="0" smtClean="0"/>
+              <a:t>隐藏层 </a:t>
+            </a:r>
+            <a:r>
+              <a:rPr lang="en-US" altLang="zh-CN" dirty="0" smtClean="0"/>
+              <a:t>&amp; </a:t>
+            </a:r>
+            <a:r>
+              <a:rPr lang="zh-CN" altLang="en-US" dirty="0" smtClean="0"/>
+              <a:t>输出层</a:t>
+            </a:r>
+            <a:endParaRPr lang="en-US" dirty="0"/>
+          </a:p>
+        </p:txBody>
+      </p:sp>
+      <p:sp>
+        <p:nvSpPr>
+          <p:cNvPr id="3" name="Content Placeholder 2"/>
+          <p:cNvSpPr>
+            <a:spLocks noGrp="1"/>
+          </p:cNvSpPr>
+          <p:nvPr>
+            <p:ph idx="1"/>
+          </p:nvPr>
+        </p:nvSpPr>
+        <p:spPr>
+          <a:xfrm>
+            <a:off x="838200" y="1825625"/>
+            <a:ext cx="5492262" cy="4351338"/>
+          </a:xfrm>
+        </p:spPr>
+        <p:txBody>
+          <a:bodyPr>
+            <a:normAutofit/>
+          </a:bodyPr>
+          <a:lstStyle/>
+          <a:p>
+            <a:r>
+              <a:rPr lang="en-US" altLang="zh-CN" sz="1600" dirty="0" err="1" smtClean="0"/>
+              <a:t>embedding_size</a:t>
+            </a:r>
+            <a:r>
+              <a:rPr lang="en-US" altLang="zh-CN" sz="1600" dirty="0" smtClean="0"/>
+              <a:t> = 300</a:t>
+            </a:r>
+          </a:p>
+          <a:p>
+            <a:endParaRPr lang="en-US" sz="1600" dirty="0" smtClean="0"/>
+          </a:p>
+          <a:p>
+            <a:endParaRPr lang="zh-CN" altLang="en-US" sz="1600" dirty="0" smtClean="0"/>
+          </a:p>
+          <a:p>
+            <a:r>
+              <a:rPr lang="zh-CN" altLang="en-US" sz="1600" dirty="0" smtClean="0"/>
+              <a:t>直觉上的理解</a:t>
+            </a:r>
+            <a:endParaRPr lang="en-US" altLang="zh-CN" sz="1600" dirty="0" smtClean="0"/>
+          </a:p>
+          <a:p>
+            <a:pPr lvl="1"/>
+            <a:r>
+              <a:rPr lang="zh-CN" altLang="en-US" sz="1200" dirty="0"/>
+              <a:t>“</a:t>
+            </a:r>
+            <a:r>
+              <a:rPr lang="en-US" sz="1200" dirty="0"/>
+              <a:t>Kitty climbed the tree”</a:t>
+            </a:r>
+            <a:r>
+              <a:rPr lang="zh-CN" altLang="en-US" sz="1200" dirty="0"/>
+              <a:t>和“</a:t>
+            </a:r>
+            <a:r>
+              <a:rPr lang="en-US" sz="1200" dirty="0"/>
+              <a:t>Cat climbed the tree</a:t>
+            </a:r>
+            <a:r>
+              <a:rPr lang="en-US" sz="1200" dirty="0" smtClean="0"/>
+              <a:t>”</a:t>
+            </a:r>
+          </a:p>
+          <a:p>
+            <a:pPr lvl="1"/>
+            <a:r>
+              <a:rPr lang="zh-CN" altLang="en-US" sz="1200" dirty="0"/>
+              <a:t>词干化（</a:t>
+            </a:r>
+            <a:r>
+              <a:rPr lang="en-US" sz="1200" dirty="0"/>
+              <a:t>stemming），</a:t>
+            </a:r>
+            <a:r>
+              <a:rPr lang="zh-CN" altLang="en-US" sz="1200" dirty="0"/>
+              <a:t>例如</a:t>
+            </a:r>
+            <a:r>
+              <a:rPr lang="zh-CN" altLang="en-US" sz="1200" dirty="0" smtClean="0"/>
+              <a:t>，“</a:t>
+            </a:r>
+            <a:r>
+              <a:rPr lang="en-US" sz="1200" dirty="0" smtClean="0"/>
+              <a:t>ant</a:t>
+            </a:r>
+            <a:r>
+              <a:rPr lang="zh-CN" altLang="en-US" sz="1200" dirty="0" smtClean="0"/>
+              <a:t>”和“</a:t>
+            </a:r>
+            <a:r>
+              <a:rPr lang="en-US" sz="1200" dirty="0" smtClean="0"/>
+              <a:t>ants</a:t>
+            </a:r>
+            <a:r>
+              <a:rPr lang="zh-CN" altLang="en-US" sz="1200" dirty="0" smtClean="0"/>
+              <a:t>”</a:t>
+            </a:r>
+            <a:endParaRPr lang="en-US" sz="1200" dirty="0" smtClean="0"/>
+          </a:p>
+          <a:p>
+            <a:pPr lvl="1"/>
+            <a:r>
+              <a:rPr lang="zh-CN" altLang="en-US" sz="1200" dirty="0"/>
+              <a:t>两个单词的嵌入向量将非常相似</a:t>
+            </a:r>
+            <a:endParaRPr lang="en-US" altLang="zh-CN" sz="1200" dirty="0" smtClean="0"/>
+          </a:p>
+          <a:p>
+            <a:endParaRPr lang="en-US" altLang="zh-CN" sz="1600" dirty="0" smtClean="0"/>
+          </a:p>
+          <a:p>
+            <a:pPr lvl="1"/>
+            <a:endParaRPr lang="en-US" sz="1200" dirty="0"/>
+          </a:p>
+        </p:txBody>
+      </p:sp>
+      <p:pic>
+        <p:nvPicPr>
+          <p:cNvPr id="5122" name="Picture 2" descr="Hidden Layer Weight Matrix"/>
+          <p:cNvPicPr>
+            <a:picLocks noChangeAspect="1" noChangeArrowheads="1"/>
+          </p:cNvPicPr>
+          <p:nvPr/>
+        </p:nvPicPr>
+        <p:blipFill>
+          <a:blip r:embed="rId3">
+            <a:extLst>
+              <a:ext uri="{28A0092B-C50C-407E-A947-70E740481C1C}">
+                <a14:useLocalDpi xmlns:a14="http://schemas.microsoft.com/office/drawing/2010/main" val="0"/>
+              </a:ext>
+            </a:extLst>
+          </a:blip>
+          <a:srcRect/>
+          <a:stretch>
+            <a:fillRect/>
+          </a:stretch>
+        </p:blipFill>
+        <p:spPr bwMode="auto">
+          <a:xfrm>
+            <a:off x="6377354" y="210853"/>
+            <a:ext cx="5143256" cy="4413204"/>
+          </a:xfrm>
+          <a:prstGeom prst="rect">
+            <a:avLst/>
+          </a:prstGeom>
+          <a:noFill/>
+          <a:extLst>
+            <a:ext uri="{909E8E84-426E-40DD-AFC4-6F175D3DCCD1}">
+              <a14:hiddenFill xmlns:a14="http://schemas.microsoft.com/office/drawing/2010/main">
+                <a:solidFill>
+                  <a:srgbClr val="FFFFFF"/>
+                </a:solidFill>
+              </a14:hiddenFill>
+            </a:ext>
+          </a:extLst>
+        </p:spPr>
+      </p:pic>
+      <p:pic>
+        <p:nvPicPr>
+          <p:cNvPr id="5126" name="Picture 6" descr="Behavior of the output neuron"/>
+          <p:cNvPicPr>
+            <a:picLocks noChangeAspect="1" noChangeArrowheads="1"/>
+          </p:cNvPicPr>
+          <p:nvPr/>
+        </p:nvPicPr>
+        <p:blipFill>
+          <a:blip r:embed="rId4">
+            <a:extLst>
+              <a:ext uri="{28A0092B-C50C-407E-A947-70E740481C1C}">
+                <a14:useLocalDpi xmlns:a14="http://schemas.microsoft.com/office/drawing/2010/main" val="0"/>
+              </a:ext>
+            </a:extLst>
+          </a:blip>
+          <a:srcRect/>
+          <a:stretch>
+            <a:fillRect/>
+          </a:stretch>
+        </p:blipFill>
+        <p:spPr bwMode="auto">
+          <a:xfrm>
+            <a:off x="5647837" y="5060802"/>
+            <a:ext cx="6350733" cy="1572242"/>
+          </a:xfrm>
+          <a:prstGeom prst="rect">
+            <a:avLst/>
+          </a:prstGeom>
+          <a:noFill/>
+          <a:extLst>
+            <a:ext uri="{909E8E84-426E-40DD-AFC4-6F175D3DCCD1}">
+              <a14:hiddenFill xmlns:a14="http://schemas.microsoft.com/office/drawing/2010/main">
+                <a:solidFill>
+                  <a:srgbClr val="FFFFFF"/>
+                </a:solidFill>
+              </a14:hiddenFill>
+            </a:ext>
+          </a:extLst>
+        </p:spPr>
+      </p:pic>
+    </p:spTree>
+    <p:extLst>
+      <p:ext uri="{BB962C8B-B14F-4D97-AF65-F5344CB8AC3E}">
+        <p14:creationId xmlns:p14="http://schemas.microsoft.com/office/powerpoint/2010/main" val="2865726831"/>
+      </p:ext>
+    </p:extLst>
+  </p:cSld>
+  <p:clrMapOvr>
+    <a:masterClrMapping/>
+  </p:clrMapOvr>
+  <p:timing>
+    <p:tnLst>
+      <p:par>
+        <p:cTn id="1" dur="indefinite" restart="never" nodeType="tmRoot"/>
+      </p:par>
+    </p:tnLst>
+  </p:timing>
+</p:sld>
+</file>
+
+<file path=ppt/slides/slide9.xml><?xml version="1.0" encoding="utf-8"?>
+<p:sld xmlns:a="http://schemas.openxmlformats.org/drawingml/2006/main" xmlns:r="http://schemas.openxmlformats.org/officeDocument/2006/relationships" xmlns:p="http://schemas.openxmlformats.org/presentationml/2006/main">
+  <p:cSld>
+    <p:spTree>
+      <p:nvGrpSpPr>
+        <p:cNvPr id="1" name=""/>
+        <p:cNvGrpSpPr/>
+        <p:nvPr/>
+      </p:nvGrpSpPr>
+      <p:grpSpPr>
+        <a:xfrm>
+          <a:off x="0" y="0"/>
+          <a:ext cx="0" cy="0"/>
+          <a:chOff x="0" y="0"/>
+          <a:chExt cx="0" cy="0"/>
+        </a:xfrm>
+      </p:grpSpPr>
+      <p:sp>
+        <p:nvSpPr>
+          <p:cNvPr id="2" name="Title 1"/>
+          <p:cNvSpPr>
+            <a:spLocks noGrp="1"/>
+          </p:cNvSpPr>
+          <p:nvPr>
+            <p:ph type="title"/>
+          </p:nvPr>
+        </p:nvSpPr>
+        <p:spPr/>
+        <p:txBody>
+          <a:bodyPr/>
+          <a:lstStyle/>
+          <a:p>
+            <a:r>
+              <a:rPr lang="en-US" altLang="zh-CN" dirty="0" smtClean="0"/>
+              <a:t>DEMO</a:t>
+            </a:r>
+            <a:endParaRPr lang="en-US" dirty="0"/>
+          </a:p>
+        </p:txBody>
+      </p:sp>
+      <p:sp>
+        <p:nvSpPr>
+          <p:cNvPr id="4" name="Text Placeholder 3"/>
+          <p:cNvSpPr>
+            <a:spLocks noGrp="1"/>
+          </p:cNvSpPr>
+          <p:nvPr>
+            <p:ph type="body" idx="1"/>
+          </p:nvPr>
+        </p:nvSpPr>
+        <p:spPr/>
+        <p:txBody>
+          <a:bodyPr/>
+          <a:lstStyle/>
+          <a:p>
+            <a:r>
+              <a:rPr lang="en-US" dirty="0" smtClean="0"/>
+              <a:t>WHAT IF:</a:t>
+            </a:r>
+          </a:p>
+          <a:p>
+            <a:pPr marL="914400" lvl="1" indent="-457200">
+              <a:buFont typeface="Arial" panose="020B0604020202020204" pitchFamily="34" charset="0"/>
+              <a:buChar char="•"/>
+            </a:pPr>
+            <a:r>
+              <a:rPr lang="zh-CN" altLang="en-US" sz="1200" dirty="0"/>
+              <a:t>其</a:t>
+            </a:r>
+            <a:r>
+              <a:rPr lang="zh-CN" altLang="en-US" sz="1200" dirty="0" smtClean="0"/>
+              <a:t>它语料</a:t>
+            </a:r>
+            <a:endParaRPr lang="en-US" altLang="zh-CN" sz="1200" dirty="0" smtClean="0"/>
+          </a:p>
+          <a:p>
+            <a:pPr marL="914400" lvl="1" indent="-457200">
+              <a:buFont typeface="Arial" panose="020B0604020202020204" pitchFamily="34" charset="0"/>
+              <a:buChar char="•"/>
+            </a:pPr>
+            <a:r>
+              <a:rPr lang="zh-CN" altLang="en-US" sz="1200" dirty="0"/>
+              <a:t>输</a:t>
+            </a:r>
+            <a:r>
+              <a:rPr lang="zh-CN" altLang="en-US" sz="1200" dirty="0" smtClean="0"/>
+              <a:t>出层权重</a:t>
+            </a:r>
+            <a:endParaRPr lang="en-US" altLang="zh-CN" sz="1200" dirty="0" smtClean="0"/>
+          </a:p>
+          <a:p>
+            <a:pPr marL="914400" lvl="1" indent="-457200">
+              <a:buFont typeface="Arial" panose="020B0604020202020204" pitchFamily="34" charset="0"/>
+              <a:buChar char="•"/>
+            </a:pPr>
+            <a:r>
+              <a:rPr lang="zh-CN" altLang="en-US" sz="1200" dirty="0" smtClean="0"/>
+              <a:t>可视化更多点</a:t>
+            </a:r>
+            <a:endParaRPr lang="en-US" altLang="zh-CN" sz="1200" dirty="0" smtClean="0"/>
+          </a:p>
+          <a:p>
+            <a:pPr marL="914400" lvl="1" indent="-457200">
+              <a:buFont typeface="Arial" panose="020B0604020202020204" pitchFamily="34" charset="0"/>
+              <a:buChar char="•"/>
+            </a:pPr>
+            <a:r>
+              <a:rPr lang="en-US" altLang="zh-CN" sz="1200" dirty="0"/>
+              <a:t>MORE</a:t>
+            </a:r>
+            <a:endParaRPr lang="en-US" altLang="zh-CN" sz="1200" dirty="0" smtClean="0"/>
+          </a:p>
+          <a:p>
+            <a:pPr marL="914400" lvl="1" indent="-457200">
+              <a:buFont typeface="Arial" panose="020B0604020202020204" pitchFamily="34" charset="0"/>
+              <a:buChar char="•"/>
+            </a:pPr>
+            <a:endParaRPr lang="en-US" sz="1200" dirty="0"/>
+          </a:p>
+        </p:txBody>
+      </p:sp>
+    </p:spTree>
+    <p:extLst>
+      <p:ext uri="{BB962C8B-B14F-4D97-AF65-F5344CB8AC3E}">
+        <p14:creationId xmlns:p14="http://schemas.microsoft.com/office/powerpoint/2010/main" val="599600741"/>
+      </p:ext>
+    </p:extLst>
+  </p:cSld>
+  <p:clrMapOvr>
+    <a:masterClrMapping/>
+  </p:clrMapOvr>
+  <p:timing>
+    <p:tnLst>
+      <p:par>
+        <p:cTn id="1" dur="indefinite" restart="never" nodeType="tmRoot"/>
+      </p:par>
+    </p:tnLst>
+  </p:timing>
 </p:sld>
 </file>
 
@@ -3278,4 +8243,265 @@
     </a:ext>
   </a:extLst>
 </a:theme>
+</file>
+
+<file path=ppt/theme/theme2.xml><?xml version="1.0" encoding="utf-8"?>
+<a:theme xmlns:a="http://schemas.openxmlformats.org/drawingml/2006/main" name="Office Theme">
+  <a:themeElements>
+    <a:clrScheme name="Office">
+      <a:dk1>
+        <a:sysClr val="windowText" lastClr="000000"/>
+      </a:dk1>
+      <a:lt1>
+        <a:sysClr val="window" lastClr="FFFFFF"/>
+      </a:lt1>
+      <a:dk2>
+        <a:srgbClr val="44546A"/>
+      </a:dk2>
+      <a:lt2>
+        <a:srgbClr val="E7E6E6"/>
+      </a:lt2>
+      <a:accent1>
+        <a:srgbClr val="5B9BD5"/>
+      </a:accent1>
+      <a:accent2>
+        <a:srgbClr val="ED7D31"/>
+      </a:accent2>
+      <a:accent3>
+        <a:srgbClr val="A5A5A5"/>
+      </a:accent3>
+      <a:accent4>
+        <a:srgbClr val="FFC000"/>
+      </a:accent4>
+      <a:accent5>
+        <a:srgbClr val="4472C4"/>
+      </a:accent5>
+      <a:accent6>
+        <a:srgbClr val="70AD47"/>
+      </a:accent6>
+      <a:hlink>
+        <a:srgbClr val="0563C1"/>
+      </a:hlink>
+      <a:folHlink>
+        <a:srgbClr val="954F72"/>
+      </a:folHlink>
+    </a:clrScheme>
+    <a:fontScheme name="Office">
+      <a:majorFont>
+        <a:latin typeface="Calibri Light" panose="020F0302020204030204"/>
+        <a:ea typeface=""/>
+        <a:cs typeface=""/>
+        <a:font script="Jpan" typeface="游ゴシック Light"/>
+        <a:font script="Hang" typeface="맑은 고딕"/>
+        <a:font script="Hans" typeface="等线 Light"/>
+        <a:font script="Hant" typeface="新細明體"/>
+        <a:font script="Arab" typeface="Times New Roman"/>
+        <a:font script="Hebr" typeface="Times New Roman"/>
+        <a:font script="Thai" typeface="Angsana New"/>
+        <a:font script="Ethi" typeface="Nyala"/>
+        <a:font script="Beng" typeface="Vrinda"/>
+        <a:font script="Gujr" typeface="Shruti"/>
+        <a:font script="Khmr" typeface="MoolBoran"/>
+        <a:font script="Knda" typeface="Tunga"/>
+        <a:font script="Guru" typeface="Raavi"/>
+        <a:font script="Cans" typeface="Euphemia"/>
+        <a:font script="Cher" typeface="Plantagenet Cherokee"/>
+        <a:font script="Yiii" typeface="Microsoft Yi Baiti"/>
+        <a:font script="Tibt" typeface="Microsoft Himalaya"/>
+        <a:font script="Thaa" typeface="MV Boli"/>
+        <a:font script="Deva" typeface="Mangal"/>
+        <a:font script="Telu" typeface="Gautami"/>
+        <a:font script="Taml" typeface="Latha"/>
+        <a:font script="Syrc" typeface="Estrangelo Edessa"/>
+        <a:font script="Orya" typeface="Kalinga"/>
+        <a:font script="Mlym" typeface="Kartika"/>
+        <a:font script="Laoo" typeface="DokChampa"/>
+        <a:font script="Sinh" typeface="Iskoola Pota"/>
+        <a:font script="Mong" typeface="Mongolian Baiti"/>
+        <a:font script="Viet" typeface="Times New Roman"/>
+        <a:font script="Uigh" typeface="Microsoft Uighur"/>
+        <a:font script="Geor" typeface="Sylfaen"/>
+      </a:majorFont>
+      <a:minorFont>
+        <a:latin typeface="Calibri" panose="020F0502020204030204"/>
+        <a:ea typeface=""/>
+        <a:cs typeface=""/>
+        <a:font script="Jpan" typeface="游ゴシック"/>
+        <a:font script="Hang" typeface="맑은 고딕"/>
+        <a:font script="Hans" typeface="等线"/>
+        <a:font script="Hant" typeface="新細明體"/>
+        <a:font script="Arab" typeface="Arial"/>
+        <a:font script="Hebr" typeface="Arial"/>
+        <a:font script="Thai" typeface="Cordia New"/>
+        <a:font script="Ethi" typeface="Nyala"/>
+        <a:font script="Beng" typeface="Vrinda"/>
+        <a:font script="Gujr" typeface="Shruti"/>
+        <a:font script="Khmr" typeface="DaunPenh"/>
+        <a:font script="Knda" typeface="Tunga"/>
+        <a:font script="Guru" typeface="Raavi"/>
+        <a:font script="Cans" typeface="Euphemia"/>
+        <a:font script="Cher" typeface="Plantagenet Cherokee"/>
+        <a:font script="Yiii" typeface="Microsoft Yi Baiti"/>
+        <a:font script="Tibt" typeface="Microsoft Himalaya"/>
+        <a:font script="Thaa" typeface="MV Boli"/>
+        <a:font script="Deva" typeface="Mangal"/>
+        <a:font script="Telu" typeface="Gautami"/>
+        <a:font script="Taml" typeface="Latha"/>
+        <a:font script="Syrc" typeface="Estrangelo Edessa"/>
+        <a:font script="Orya" typeface="Kalinga"/>
+        <a:font script="Mlym" typeface="Kartika"/>
+        <a:font script="Laoo" typeface="DokChampa"/>
+        <a:font script="Sinh" typeface="Iskoola Pota"/>
+        <a:font script="Mong" typeface="Mongolian Baiti"/>
+        <a:font script="Viet" typeface="Arial"/>
+        <a:font script="Uigh" typeface="Microsoft Uighur"/>
+        <a:font script="Geor" typeface="Sylfaen"/>
+      </a:minorFont>
+    </a:fontScheme>
+    <a:fmtScheme name="Office">
+      <a:fillStyleLst>
+        <a:solidFill>
+          <a:schemeClr val="phClr"/>
+        </a:solidFill>
+        <a:gradFill rotWithShape="1">
+          <a:gsLst>
+            <a:gs pos="0">
+              <a:schemeClr val="phClr">
+                <a:lumMod val="110000"/>
+                <a:satMod val="105000"/>
+                <a:tint val="67000"/>
+              </a:schemeClr>
+            </a:gs>
+            <a:gs pos="50000">
+              <a:schemeClr val="phClr">
+                <a:lumMod val="105000"/>
+                <a:satMod val="103000"/>
+                <a:tint val="73000"/>
+              </a:schemeClr>
+            </a:gs>
+            <a:gs pos="100000">
+              <a:schemeClr val="phClr">
+                <a:lumMod val="105000"/>
+                <a:satMod val="109000"/>
+                <a:tint val="81000"/>
+              </a:schemeClr>
+            </a:gs>
+          </a:gsLst>
+          <a:lin ang="5400000" scaled="0"/>
+        </a:gradFill>
+        <a:gradFill rotWithShape="1">
+          <a:gsLst>
+            <a:gs pos="0">
+              <a:schemeClr val="phClr">
+                <a:satMod val="103000"/>
+                <a:lumMod val="102000"/>
+                <a:tint val="94000"/>
+              </a:schemeClr>
+            </a:gs>
+            <a:gs pos="50000">
+              <a:schemeClr val="phClr">
+                <a:satMod val="110000"/>
+                <a:lumMod val="100000"/>
+                <a:shade val="100000"/>
+              </a:schemeClr>
+            </a:gs>
+            <a:gs pos="100000">
+              <a:schemeClr val="phClr">
+                <a:lumMod val="99000"/>
+                <a:satMod val="120000"/>
+                <a:shade val="78000"/>
+              </a:schemeClr>
+            </a:gs>
+          </a:gsLst>
+          <a:lin ang="5400000" scaled="0"/>
+        </a:gradFill>
+      </a:fillStyleLst>
+      <a:lnStyleLst>
+        <a:ln w="6350" cap="flat" cmpd="sng" algn="ctr">
+          <a:solidFill>
+            <a:schemeClr val="phClr"/>
+          </a:solidFill>
+          <a:prstDash val="solid"/>
+          <a:miter lim="800000"/>
+        </a:ln>
+        <a:ln w="12700" cap="flat" cmpd="sng" algn="ctr">
+          <a:solidFill>
+            <a:schemeClr val="phClr"/>
+          </a:solidFill>
+          <a:prstDash val="solid"/>
+          <a:miter lim="800000"/>
+        </a:ln>
+        <a:ln w="19050" cap="flat" cmpd="sng" algn="ctr">
+          <a:solidFill>
+            <a:schemeClr val="phClr"/>
+          </a:solidFill>
+          <a:prstDash val="solid"/>
+          <a:miter lim="800000"/>
+        </a:ln>
+      </a:lnStyleLst>
+      <a:effectStyleLst>
+        <a:effectStyle>
+          <a:effectLst/>
+        </a:effectStyle>
+        <a:effectStyle>
+          <a:effectLst/>
+        </a:effectStyle>
+        <a:effectStyle>
+          <a:effectLst>
+            <a:outerShdw blurRad="57150" dist="19050" dir="5400000" algn="ctr" rotWithShape="0">
+              <a:srgbClr val="000000">
+                <a:alpha val="63000"/>
+              </a:srgbClr>
+            </a:outerShdw>
+          </a:effectLst>
+        </a:effectStyle>
+      </a:effectStyleLst>
+      <a:bgFillStyleLst>
+        <a:solidFill>
+          <a:schemeClr val="phClr"/>
+        </a:solidFill>
+        <a:solidFill>
+          <a:schemeClr val="phClr">
+            <a:tint val="95000"/>
+            <a:satMod val="170000"/>
+          </a:schemeClr>
+        </a:solidFill>
+        <a:gradFill rotWithShape="1">
+          <a:gsLst>
+            <a:gs pos="0">
+              <a:schemeClr val="phClr">
+                <a:tint val="93000"/>
+                <a:satMod val="150000"/>
+                <a:shade val="98000"/>
+                <a:lumMod val="102000"/>
+              </a:schemeClr>
+            </a:gs>
+            <a:gs pos="50000">
+              <a:schemeClr val="phClr">
+                <a:tint val="98000"/>
+                <a:satMod val="130000"/>
+                <a:shade val="90000"/>
+                <a:lumMod val="103000"/>
+              </a:schemeClr>
+            </a:gs>
+            <a:gs pos="100000">
+              <a:schemeClr val="phClr">
+                <a:shade val="63000"/>
+                <a:satMod val="120000"/>
+              </a:schemeClr>
+            </a:gs>
+          </a:gsLst>
+          <a:lin ang="5400000" scaled="0"/>
+        </a:gradFill>
+      </a:bgFillStyleLst>
+    </a:fmtScheme>
+  </a:themeElements>
+  <a:objectDefaults/>
+  <a:extraClrSchemeLst/>
+  <a:extLst>
+    <a:ext uri="{05A4C25C-085E-4340-85A3-A5531E510DB2}">
+      <thm15:themeFamily xmlns:thm15="http://schemas.microsoft.com/office/thememl/2012/main" name="Office Theme" id="{62F939B6-93AF-4DB8-9C6B-D6C7DFDC589F}" vid="{4A3C46E8-61CC-4603-A589-7422A47A8E4A}"/>
+    </a:ext>
+  </a:extLst>
+</a:theme>
 </file>
--- a/rnn/RNN.pptx
+++ b/rnn/RNN.pptx
@@ -996,19 +996,7 @@
                 <a:ea typeface="+mn-ea"/>
                 <a:cs typeface="+mn-cs"/>
               </a:rPr>
-              <a:t>思想与</a:t>
-            </a:r>
-            <a:r>
-              <a:rPr lang="zh-CN" altLang="en-US" sz="1200" b="0" i="0" kern="1200" dirty="0" smtClean="0">
-                <a:solidFill>
-                  <a:schemeClr val="tx1"/>
-                </a:solidFill>
-                <a:effectLst/>
-                <a:latin typeface="+mn-lt"/>
-                <a:ea typeface="+mn-ea"/>
-                <a:cs typeface="+mn-cs"/>
-              </a:rPr>
-              <a:t>自编码器（</a:t>
+              <a:t>思想与自编码器（</a:t>
             </a:r>
             <a:r>
               <a:rPr lang="en-US" sz="1200" b="0" i="0" kern="1200" dirty="0" smtClean="0">
@@ -6168,7 +6156,6 @@
               <a:rPr lang="en-US" dirty="0"/>
               <a:t>CBOW</a:t>
             </a:r>
-            <a:endParaRPr lang="en-US" dirty="0"/>
           </a:p>
         </p:txBody>
       </p:sp>
@@ -7807,6 +7794,47 @@
           <a:xfrm>
             <a:off x="5647837" y="5060802"/>
             <a:ext cx="6350733" cy="1572242"/>
+          </a:xfrm>
+          <a:prstGeom prst="rect">
+            <a:avLst/>
+          </a:prstGeom>
+          <a:noFill/>
+          <a:extLst>
+            <a:ext uri="{909E8E84-426E-40DD-AFC4-6F175D3DCCD1}">
+              <a14:hiddenFill xmlns:a14="http://schemas.microsoft.com/office/drawing/2010/main">
+                <a:solidFill>
+                  <a:srgbClr val="FFFFFF"/>
+                </a:solidFill>
+              </a14:hiddenFill>
+            </a:ext>
+          </a:extLst>
+        </p:spPr>
+      </p:pic>
+      <p:pic>
+        <p:nvPicPr>
+          <p:cNvPr id="1026" name="Picture 2" descr="Conceptual and Implemented Diagrams of Skip-gram"/>
+          <p:cNvPicPr>
+            <a:picLocks noChangeAspect="1" noChangeArrowheads="1"/>
+          </p:cNvPicPr>
+          <p:nvPr/>
+        </p:nvPicPr>
+        <p:blipFill>
+          <a:blip r:embed="rId5">
+            <a:extLst>
+              <a:ext uri="{28A0092B-C50C-407E-A947-70E740481C1C}">
+                <a14:useLocalDpi xmlns:a14="http://schemas.microsoft.com/office/drawing/2010/main" val="0"/>
+              </a:ext>
+            </a:extLst>
+          </a:blip>
+          <a:srcRect/>
+          <a:stretch>
+            <a:fillRect/>
+          </a:stretch>
+        </p:blipFill>
+        <p:spPr bwMode="auto">
+          <a:xfrm>
+            <a:off x="339970" y="4144973"/>
+            <a:ext cx="4994031" cy="2446469"/>
           </a:xfrm>
           <a:prstGeom prst="rect">
             <a:avLst/>

--- a/rnn/RNN.pptx
+++ b/rnn/RNN.pptx
@@ -5,19 +5,20 @@
     <p:sldMasterId id="2147483648" r:id="rId1"/>
   </p:sldMasterIdLst>
   <p:notesMasterIdLst>
-    <p:notesMasterId r:id="rId12"/>
+    <p:notesMasterId r:id="rId13"/>
   </p:notesMasterIdLst>
   <p:sldIdLst>
     <p:sldId id="256" r:id="rId2"/>
     <p:sldId id="261" r:id="rId3"/>
-    <p:sldId id="257" r:id="rId4"/>
-    <p:sldId id="260" r:id="rId5"/>
-    <p:sldId id="262" r:id="rId6"/>
-    <p:sldId id="259" r:id="rId7"/>
-    <p:sldId id="263" r:id="rId8"/>
-    <p:sldId id="264" r:id="rId9"/>
-    <p:sldId id="265" r:id="rId10"/>
-    <p:sldId id="258" r:id="rId11"/>
+    <p:sldId id="266" r:id="rId4"/>
+    <p:sldId id="257" r:id="rId5"/>
+    <p:sldId id="260" r:id="rId6"/>
+    <p:sldId id="262" r:id="rId7"/>
+    <p:sldId id="259" r:id="rId8"/>
+    <p:sldId id="263" r:id="rId9"/>
+    <p:sldId id="264" r:id="rId10"/>
+    <p:sldId id="265" r:id="rId11"/>
+    <p:sldId id="258" r:id="rId12"/>
   </p:sldIdLst>
   <p:sldSz cx="12192000" cy="6858000"/>
   <p:notesSz cx="6858000" cy="9144000"/>
@@ -206,7 +207,7 @@
           <a:p>
             <a:fld id="{E338D3E2-78B9-46B1-B41D-5D49C5D26275}" type="datetimeFigureOut">
               <a:rPr lang="en-US" smtClean="0"/>
-              <a:t>11/6/2017</a:t>
+              <a:t>11/7/2017</a:t>
             </a:fld>
             <a:endParaRPr lang="en-US"/>
           </a:p>
@@ -602,10 +603,122 @@
           <a:bodyPr/>
           <a:lstStyle/>
           <a:p>
+            <a:r>
+              <a:rPr lang="zh-CN" altLang="en-US" dirty="0" smtClean="0"/>
+              <a:t>语料：</a:t>
+            </a:r>
+            <a:r>
+              <a:rPr lang="en-US" altLang="zh-CN" dirty="0" smtClean="0"/>
+              <a:t>《</a:t>
+            </a:r>
+            <a:r>
+              <a:rPr lang="zh-CN" altLang="en-US" dirty="0" smtClean="0"/>
+              <a:t>刘慈欣作品全集</a:t>
+            </a:r>
+            <a:r>
+              <a:rPr lang="en-US" altLang="zh-CN" dirty="0" smtClean="0"/>
+              <a:t>》</a:t>
+            </a:r>
+          </a:p>
+          <a:p>
+            <a:r>
+              <a:rPr lang="en-US" altLang="zh-CN" dirty="0" err="1" smtClean="0"/>
+              <a:t>embedding_size</a:t>
+            </a:r>
+            <a:r>
+              <a:rPr lang="en-US" altLang="zh-CN" dirty="0" smtClean="0"/>
+              <a:t> = 128</a:t>
+            </a:r>
+          </a:p>
+          <a:p>
+            <a:endParaRPr lang="en-US" dirty="0"/>
+          </a:p>
+        </p:txBody>
+      </p:sp>
+      <p:sp>
+        <p:nvSpPr>
+          <p:cNvPr id="4" name="Slide Number Placeholder 3"/>
+          <p:cNvSpPr>
+            <a:spLocks noGrp="1"/>
+          </p:cNvSpPr>
+          <p:nvPr>
+            <p:ph type="sldNum" sz="quarter" idx="10"/>
+          </p:nvPr>
+        </p:nvSpPr>
+        <p:spPr/>
+        <p:txBody>
+          <a:bodyPr/>
+          <a:lstStyle/>
+          <a:p>
+            <a:fld id="{54FE5736-E147-4D4C-A630-9DA628E6AE84}" type="slidenum">
+              <a:rPr lang="en-US" smtClean="0"/>
+              <a:t>10</a:t>
+            </a:fld>
             <a:endParaRPr lang="en-US"/>
           </a:p>
         </p:txBody>
       </p:sp>
+    </p:spTree>
+    <p:extLst>
+      <p:ext uri="{BB962C8B-B14F-4D97-AF65-F5344CB8AC3E}">
+        <p14:creationId xmlns:p14="http://schemas.microsoft.com/office/powerpoint/2010/main" val="255338048"/>
+      </p:ext>
+    </p:extLst>
+  </p:cSld>
+  <p:clrMapOvr>
+    <a:masterClrMapping/>
+  </p:clrMapOvr>
+</p:notes>
+</file>
+
+<file path=ppt/notesSlides/notesSlide11.xml><?xml version="1.0" encoding="utf-8"?>
+<p:notes xmlns:a="http://schemas.openxmlformats.org/drawingml/2006/main" xmlns:r="http://schemas.openxmlformats.org/officeDocument/2006/relationships" xmlns:p="http://schemas.openxmlformats.org/presentationml/2006/main">
+  <p:cSld>
+    <p:spTree>
+      <p:nvGrpSpPr>
+        <p:cNvPr id="1" name=""/>
+        <p:cNvGrpSpPr/>
+        <p:nvPr/>
+      </p:nvGrpSpPr>
+      <p:grpSpPr>
+        <a:xfrm>
+          <a:off x="0" y="0"/>
+          <a:ext cx="0" cy="0"/>
+          <a:chOff x="0" y="0"/>
+          <a:chExt cx="0" cy="0"/>
+        </a:xfrm>
+      </p:grpSpPr>
+      <p:sp>
+        <p:nvSpPr>
+          <p:cNvPr id="2" name="Slide Image Placeholder 1"/>
+          <p:cNvSpPr>
+            <a:spLocks noGrp="1" noRot="1" noChangeAspect="1"/>
+          </p:cNvSpPr>
+          <p:nvPr>
+            <p:ph type="sldImg"/>
+          </p:nvPr>
+        </p:nvSpPr>
+        <p:spPr/>
+      </p:sp>
+      <p:sp>
+        <p:nvSpPr>
+          <p:cNvPr id="3" name="Notes Placeholder 2"/>
+          <p:cNvSpPr>
+            <a:spLocks noGrp="1"/>
+          </p:cNvSpPr>
+          <p:nvPr>
+            <p:ph type="body" idx="1"/>
+          </p:nvPr>
+        </p:nvSpPr>
+        <p:spPr/>
+        <p:txBody>
+          <a:bodyPr/>
+          <a:lstStyle/>
+          <a:p>
+            <a:endParaRPr lang="en-US"/>
+          </a:p>
+        </p:txBody>
+      </p:sp>
       <p:sp>
         <p:nvSpPr>
           <p:cNvPr id="4" name="Slide Number Placeholder 3"/>
@@ -623,7 +736,7 @@
           <a:p>
             <a:fld id="{54FE5736-E147-4D4C-A630-9DA628E6AE84}" type="slidenum">
               <a:rPr lang="en-US" smtClean="0"/>
-              <a:t>10</a:t>
+              <a:t>11</a:t>
             </a:fld>
             <a:endParaRPr lang="en-US"/>
           </a:p>
@@ -770,139 +883,7 @@
           <a:bodyPr/>
           <a:lstStyle/>
           <a:p>
-            <a:r>
-              <a:rPr lang="zh-CN" altLang="en-US" sz="1200" b="0" i="0" kern="1200" dirty="0" smtClean="0">
-                <a:solidFill>
-                  <a:schemeClr val="tx1"/>
-                </a:solidFill>
-                <a:effectLst/>
-                <a:latin typeface="+mn-lt"/>
-                <a:ea typeface="+mn-ea"/>
-                <a:cs typeface="+mn-cs"/>
-              </a:rPr>
-              <a:t>如果我们对词向量</a:t>
-            </a:r>
-            <a:r>
-              <a:rPr lang="en-US" sz="1200" b="0" i="0" kern="1200" dirty="0" err="1" smtClean="0">
-                <a:solidFill>
-                  <a:schemeClr val="tx1"/>
-                </a:solidFill>
-                <a:effectLst/>
-                <a:latin typeface="+mn-lt"/>
-                <a:ea typeface="+mn-ea"/>
-                <a:cs typeface="+mn-cs"/>
-              </a:rPr>
-              <a:t>kitten、cat</a:t>
-            </a:r>
-            <a:r>
-              <a:rPr lang="zh-CN" altLang="en-US" sz="1200" b="0" i="0" kern="1200" dirty="0" smtClean="0">
-                <a:solidFill>
-                  <a:schemeClr val="tx1"/>
-                </a:solidFill>
-                <a:effectLst/>
-                <a:latin typeface="+mn-lt"/>
-                <a:ea typeface="+mn-ea"/>
-                <a:cs typeface="+mn-cs"/>
-              </a:rPr>
-              <a:t>以及</a:t>
-            </a:r>
-            <a:r>
-              <a:rPr lang="en-US" sz="1200" b="0" i="0" kern="1200" dirty="0" smtClean="0">
-                <a:solidFill>
-                  <a:schemeClr val="tx1"/>
-                </a:solidFill>
-                <a:effectLst/>
-                <a:latin typeface="+mn-lt"/>
-                <a:ea typeface="+mn-ea"/>
-                <a:cs typeface="+mn-cs"/>
-              </a:rPr>
-              <a:t>dog</a:t>
-            </a:r>
-            <a:r>
-              <a:rPr lang="zh-CN" altLang="en-US" sz="1200" b="0" i="0" kern="1200" dirty="0" smtClean="0">
-                <a:solidFill>
-                  <a:schemeClr val="tx1"/>
-                </a:solidFill>
-                <a:effectLst/>
-                <a:latin typeface="+mn-lt"/>
-                <a:ea typeface="+mn-ea"/>
-                <a:cs typeface="+mn-cs"/>
-              </a:rPr>
-              <a:t>执行这样的操作：</a:t>
-            </a:r>
-            <a:r>
-              <a:rPr lang="en-US" sz="1200" b="0" i="0" kern="1200" dirty="0" smtClean="0">
-                <a:solidFill>
-                  <a:schemeClr val="tx1"/>
-                </a:solidFill>
-                <a:effectLst/>
-                <a:latin typeface="+mn-lt"/>
-                <a:ea typeface="+mn-ea"/>
-                <a:cs typeface="+mn-cs"/>
-              </a:rPr>
-              <a:t>kitten - cat + dog，</a:t>
-            </a:r>
-            <a:r>
-              <a:rPr lang="zh-CN" altLang="en-US" sz="1200" b="0" i="0" kern="1200" dirty="0" smtClean="0">
-                <a:solidFill>
-                  <a:schemeClr val="tx1"/>
-                </a:solidFill>
-                <a:effectLst/>
-                <a:latin typeface="+mn-lt"/>
-                <a:ea typeface="+mn-ea"/>
-                <a:cs typeface="+mn-cs"/>
-              </a:rPr>
-              <a:t>那么最终得到的嵌入向量（</a:t>
-            </a:r>
-            <a:r>
-              <a:rPr lang="en-US" sz="1200" b="0" i="0" kern="1200" dirty="0" smtClean="0">
-                <a:solidFill>
-                  <a:schemeClr val="tx1"/>
-                </a:solidFill>
-                <a:effectLst/>
-                <a:latin typeface="+mn-lt"/>
-                <a:ea typeface="+mn-ea"/>
-                <a:cs typeface="+mn-cs"/>
-              </a:rPr>
-              <a:t>embedded vector）</a:t>
-            </a:r>
-            <a:r>
-              <a:rPr lang="zh-CN" altLang="en-US" sz="1200" b="0" i="0" kern="1200" dirty="0" smtClean="0">
-                <a:solidFill>
-                  <a:schemeClr val="tx1"/>
-                </a:solidFill>
-                <a:effectLst/>
-                <a:latin typeface="+mn-lt"/>
-                <a:ea typeface="+mn-ea"/>
-                <a:cs typeface="+mn-cs"/>
-              </a:rPr>
-              <a:t>将与</a:t>
-            </a:r>
-            <a:r>
-              <a:rPr lang="en-US" sz="1200" b="0" i="0" kern="1200" dirty="0" smtClean="0">
-                <a:solidFill>
-                  <a:schemeClr val="tx1"/>
-                </a:solidFill>
-                <a:effectLst/>
-                <a:latin typeface="+mn-lt"/>
-                <a:ea typeface="+mn-ea"/>
-                <a:cs typeface="+mn-cs"/>
-              </a:rPr>
-              <a:t>puppy</a:t>
-            </a:r>
-            <a:r>
-              <a:rPr lang="zh-CN" altLang="en-US" sz="1200" b="0" i="0" kern="1200" dirty="0" smtClean="0">
-                <a:solidFill>
-                  <a:schemeClr val="tx1"/>
-                </a:solidFill>
-                <a:effectLst/>
-                <a:latin typeface="+mn-lt"/>
-                <a:ea typeface="+mn-ea"/>
-                <a:cs typeface="+mn-cs"/>
-              </a:rPr>
-              <a:t>这个词向量十分相近。</a:t>
-            </a:r>
-            <a:endParaRPr lang="en-US" dirty="0"/>
+            <a:endParaRPr lang="en-US"/>
           </a:p>
         </p:txBody>
       </p:sp>
@@ -932,7 +913,7 @@
     </p:spTree>
     <p:extLst>
       <p:ext uri="{BB962C8B-B14F-4D97-AF65-F5344CB8AC3E}">
-        <p14:creationId xmlns:p14="http://schemas.microsoft.com/office/powerpoint/2010/main" val="3297004920"/>
+        <p14:creationId xmlns:p14="http://schemas.microsoft.com/office/powerpoint/2010/main" val="2027559161"/>
       </p:ext>
     </p:extLst>
   </p:cSld>
@@ -996,10 +977,10 @@
                 <a:ea typeface="+mn-ea"/>
                 <a:cs typeface="+mn-cs"/>
               </a:rPr>
-              <a:t>思想与自编码器（</a:t>
-            </a:r>
-            <a:r>
-              <a:rPr lang="en-US" sz="1200" b="0" i="0" kern="1200" dirty="0" smtClean="0">
+              <a:t>如果我们对词向量</a:t>
+            </a:r>
+            <a:r>
+              <a:rPr lang="en-US" sz="1200" b="0" i="0" kern="1200" dirty="0" err="1" smtClean="0">
                 <a:solidFill>
                   <a:schemeClr val="tx1"/>
                 </a:solidFill>
@@ -1008,7 +989,7 @@
                 <a:ea typeface="+mn-ea"/>
                 <a:cs typeface="+mn-cs"/>
               </a:rPr>
-              <a:t>auto-encoder）</a:t>
+              <a:t>kitten、cat</a:t>
             </a:r>
             <a:r>
               <a:rPr lang="zh-CN" altLang="en-US" sz="1200" b="0" i="0" kern="1200" dirty="0" smtClean="0">
@@ -1020,7 +1001,103 @@
                 <a:ea typeface="+mn-ea"/>
                 <a:cs typeface="+mn-cs"/>
               </a:rPr>
-              <a:t>的很相似，先基于训练数据构建一个神经网络，当这个模型训练好以后，并不用这个训练好的模型做预测，真正需要的是这个模型中学到的参数。</a:t>
+              <a:t>以及</a:t>
+            </a:r>
+            <a:r>
+              <a:rPr lang="en-US" sz="1200" b="0" i="0" kern="1200" dirty="0" smtClean="0">
+                <a:solidFill>
+                  <a:schemeClr val="tx1"/>
+                </a:solidFill>
+                <a:effectLst/>
+                <a:latin typeface="+mn-lt"/>
+                <a:ea typeface="+mn-ea"/>
+                <a:cs typeface="+mn-cs"/>
+              </a:rPr>
+              <a:t>dog</a:t>
+            </a:r>
+            <a:r>
+              <a:rPr lang="zh-CN" altLang="en-US" sz="1200" b="0" i="0" kern="1200" dirty="0" smtClean="0">
+                <a:solidFill>
+                  <a:schemeClr val="tx1"/>
+                </a:solidFill>
+                <a:effectLst/>
+                <a:latin typeface="+mn-lt"/>
+                <a:ea typeface="+mn-ea"/>
+                <a:cs typeface="+mn-cs"/>
+              </a:rPr>
+              <a:t>执行这样的操作：</a:t>
+            </a:r>
+            <a:r>
+              <a:rPr lang="en-US" sz="1200" b="0" i="0" kern="1200" dirty="0" smtClean="0">
+                <a:solidFill>
+                  <a:schemeClr val="tx1"/>
+                </a:solidFill>
+                <a:effectLst/>
+                <a:latin typeface="+mn-lt"/>
+                <a:ea typeface="+mn-ea"/>
+                <a:cs typeface="+mn-cs"/>
+              </a:rPr>
+              <a:t>kitten - cat + dog，</a:t>
+            </a:r>
+            <a:r>
+              <a:rPr lang="zh-CN" altLang="en-US" sz="1200" b="0" i="0" kern="1200" dirty="0" smtClean="0">
+                <a:solidFill>
+                  <a:schemeClr val="tx1"/>
+                </a:solidFill>
+                <a:effectLst/>
+                <a:latin typeface="+mn-lt"/>
+                <a:ea typeface="+mn-ea"/>
+                <a:cs typeface="+mn-cs"/>
+              </a:rPr>
+              <a:t>那么最终得到的嵌入向量（</a:t>
+            </a:r>
+            <a:r>
+              <a:rPr lang="en-US" sz="1200" b="0" i="0" kern="1200" dirty="0" smtClean="0">
+                <a:solidFill>
+                  <a:schemeClr val="tx1"/>
+                </a:solidFill>
+                <a:effectLst/>
+                <a:latin typeface="+mn-lt"/>
+                <a:ea typeface="+mn-ea"/>
+                <a:cs typeface="+mn-cs"/>
+              </a:rPr>
+              <a:t>embedded vector）</a:t>
+            </a:r>
+            <a:r>
+              <a:rPr lang="zh-CN" altLang="en-US" sz="1200" b="0" i="0" kern="1200" dirty="0" smtClean="0">
+                <a:solidFill>
+                  <a:schemeClr val="tx1"/>
+                </a:solidFill>
+                <a:effectLst/>
+                <a:latin typeface="+mn-lt"/>
+                <a:ea typeface="+mn-ea"/>
+                <a:cs typeface="+mn-cs"/>
+              </a:rPr>
+              <a:t>将与</a:t>
+            </a:r>
+            <a:r>
+              <a:rPr lang="en-US" sz="1200" b="0" i="0" kern="1200" dirty="0" smtClean="0">
+                <a:solidFill>
+                  <a:schemeClr val="tx1"/>
+                </a:solidFill>
+                <a:effectLst/>
+                <a:latin typeface="+mn-lt"/>
+                <a:ea typeface="+mn-ea"/>
+                <a:cs typeface="+mn-cs"/>
+              </a:rPr>
+              <a:t>puppy</a:t>
+            </a:r>
+            <a:r>
+              <a:rPr lang="zh-CN" altLang="en-US" sz="1200" b="0" i="0" kern="1200" dirty="0" smtClean="0">
+                <a:solidFill>
+                  <a:schemeClr val="tx1"/>
+                </a:solidFill>
+                <a:effectLst/>
+                <a:latin typeface="+mn-lt"/>
+                <a:ea typeface="+mn-ea"/>
+                <a:cs typeface="+mn-cs"/>
+              </a:rPr>
+              <a:t>这个词向量十分相近。</a:t>
             </a:r>
             <a:endParaRPr lang="en-US" dirty="0"/>
           </a:p>
@@ -1052,7 +1129,7 @@
     </p:spTree>
     <p:extLst>
       <p:ext uri="{BB962C8B-B14F-4D97-AF65-F5344CB8AC3E}">
-        <p14:creationId xmlns:p14="http://schemas.microsoft.com/office/powerpoint/2010/main" val="4180568198"/>
+        <p14:creationId xmlns:p14="http://schemas.microsoft.com/office/powerpoint/2010/main" val="3297004920"/>
       </p:ext>
     </p:extLst>
   </p:cSld>
@@ -1106,7 +1183,43 @@
           <a:bodyPr/>
           <a:lstStyle/>
           <a:p>
-            <a:endParaRPr lang="en-US"/>
+            <a:r>
+              <a:rPr lang="zh-CN" altLang="en-US" sz="1200" b="0" i="0" kern="1200" dirty="0" smtClean="0">
+                <a:solidFill>
+                  <a:schemeClr val="tx1"/>
+                </a:solidFill>
+                <a:effectLst/>
+                <a:latin typeface="+mn-lt"/>
+                <a:ea typeface="+mn-ea"/>
+                <a:cs typeface="+mn-cs"/>
+              </a:rPr>
+              <a:t>思想与自编码器（</a:t>
+            </a:r>
+            <a:r>
+              <a:rPr lang="en-US" sz="1200" b="0" i="0" kern="1200" dirty="0" smtClean="0">
+                <a:solidFill>
+                  <a:schemeClr val="tx1"/>
+                </a:solidFill>
+                <a:effectLst/>
+                <a:latin typeface="+mn-lt"/>
+                <a:ea typeface="+mn-ea"/>
+                <a:cs typeface="+mn-cs"/>
+              </a:rPr>
+              <a:t>auto-encoder）</a:t>
+            </a:r>
+            <a:r>
+              <a:rPr lang="zh-CN" altLang="en-US" sz="1200" b="0" i="0" kern="1200" dirty="0" smtClean="0">
+                <a:solidFill>
+                  <a:schemeClr val="tx1"/>
+                </a:solidFill>
+                <a:effectLst/>
+                <a:latin typeface="+mn-lt"/>
+                <a:ea typeface="+mn-ea"/>
+                <a:cs typeface="+mn-cs"/>
+              </a:rPr>
+              <a:t>的很相似，先基于训练数据构建一个神经网络，当这个模型训练好以后，并不用这个训练好的模型做预测，真正需要的是这个模型中学到的参数。</a:t>
+            </a:r>
+            <a:endParaRPr lang="en-US" dirty="0"/>
           </a:p>
         </p:txBody>
       </p:sp>
@@ -1136,7 +1249,7 @@
     </p:spTree>
     <p:extLst>
       <p:ext uri="{BB962C8B-B14F-4D97-AF65-F5344CB8AC3E}">
-        <p14:creationId xmlns:p14="http://schemas.microsoft.com/office/powerpoint/2010/main" val="3742125218"/>
+        <p14:creationId xmlns:p14="http://schemas.microsoft.com/office/powerpoint/2010/main" val="4180568198"/>
       </p:ext>
     </p:extLst>
   </p:cSld>
@@ -1190,152 +1303,7 @@
           <a:bodyPr/>
           <a:lstStyle/>
           <a:p>
-            <a:r>
-              <a:rPr lang="en-US" altLang="zh-CN" sz="1200" b="0" i="0" kern="1200" dirty="0" err="1" smtClean="0">
-                <a:solidFill>
-                  <a:schemeClr val="tx1"/>
-                </a:solidFill>
-                <a:effectLst/>
-                <a:latin typeface="+mn-lt"/>
-                <a:ea typeface="+mn-ea"/>
-                <a:cs typeface="+mn-cs"/>
-              </a:rPr>
-              <a:t>skip_window</a:t>
-            </a:r>
-            <a:r>
-              <a:rPr lang="zh-CN" altLang="en-US" sz="1200" b="0" i="0" kern="1200" dirty="0" smtClean="0">
-                <a:solidFill>
-                  <a:schemeClr val="tx1"/>
-                </a:solidFill>
-                <a:effectLst/>
-                <a:latin typeface="+mn-lt"/>
-                <a:ea typeface="+mn-ea"/>
-                <a:cs typeface="+mn-cs"/>
-              </a:rPr>
-              <a:t>，从</a:t>
-            </a:r>
-            <a:r>
-              <a:rPr lang="en-US" altLang="zh-CN" sz="1200" b="0" i="0" kern="1200" dirty="0" smtClean="0">
-                <a:solidFill>
-                  <a:schemeClr val="tx1"/>
-                </a:solidFill>
-                <a:effectLst/>
-                <a:latin typeface="+mn-lt"/>
-                <a:ea typeface="+mn-ea"/>
-                <a:cs typeface="+mn-cs"/>
-              </a:rPr>
-              <a:t>input word</a:t>
-            </a:r>
-            <a:r>
-              <a:rPr lang="zh-CN" altLang="en-US" sz="1200" b="0" i="0" kern="1200" dirty="0" smtClean="0">
-                <a:solidFill>
-                  <a:schemeClr val="tx1"/>
-                </a:solidFill>
-                <a:effectLst/>
-                <a:latin typeface="+mn-lt"/>
-                <a:ea typeface="+mn-ea"/>
-                <a:cs typeface="+mn-cs"/>
-              </a:rPr>
-              <a:t>的一侧（左边或右边）选取词的数量</a:t>
-            </a:r>
-            <a:endParaRPr lang="en-US" sz="1200" b="0" i="0" kern="1200" dirty="0" smtClean="0">
-              <a:solidFill>
-                <a:schemeClr val="tx1"/>
-              </a:solidFill>
-              <a:effectLst/>
-              <a:latin typeface="+mn-lt"/>
-              <a:ea typeface="+mn-ea"/>
-              <a:cs typeface="+mn-cs"/>
-            </a:endParaRPr>
-          </a:p>
-          <a:p>
-            <a:r>
-              <a:rPr lang="en-US" sz="1200" b="0" i="0" kern="1200" dirty="0" err="1" smtClean="0">
-                <a:solidFill>
-                  <a:schemeClr val="tx1"/>
-                </a:solidFill>
-                <a:effectLst/>
-                <a:latin typeface="+mn-lt"/>
-                <a:ea typeface="+mn-ea"/>
-                <a:cs typeface="+mn-cs"/>
-              </a:rPr>
-              <a:t>num_skips</a:t>
-            </a:r>
-            <a:r>
-              <a:rPr lang="en-US" sz="1200" b="0" i="0" kern="1200" dirty="0" smtClean="0">
-                <a:solidFill>
-                  <a:schemeClr val="tx1"/>
-                </a:solidFill>
-                <a:effectLst/>
-                <a:latin typeface="+mn-lt"/>
-                <a:ea typeface="+mn-ea"/>
-                <a:cs typeface="+mn-cs"/>
-              </a:rPr>
-              <a:t> </a:t>
-            </a:r>
-            <a:r>
-              <a:rPr lang="zh-CN" altLang="en-US" sz="1200" b="0" i="0" kern="1200" dirty="0" smtClean="0">
-                <a:solidFill>
-                  <a:schemeClr val="tx1"/>
-                </a:solidFill>
-                <a:effectLst/>
-                <a:latin typeface="+mn-lt"/>
-                <a:ea typeface="+mn-ea"/>
-                <a:cs typeface="+mn-cs"/>
-              </a:rPr>
-              <a:t>从整个窗口中选取多少个不同的词作为我们的</a:t>
-            </a:r>
-            <a:r>
-              <a:rPr lang="en-US" altLang="zh-CN" sz="1200" b="0" i="0" kern="1200" dirty="0" smtClean="0">
-                <a:solidFill>
-                  <a:schemeClr val="tx1"/>
-                </a:solidFill>
-                <a:effectLst/>
-                <a:latin typeface="+mn-lt"/>
-                <a:ea typeface="+mn-ea"/>
-                <a:cs typeface="+mn-cs"/>
-              </a:rPr>
-              <a:t>output word</a:t>
-            </a:r>
-          </a:p>
-          <a:p>
-            <a:r>
-              <a:rPr lang="zh-CN" altLang="en-US" sz="1200" b="0" i="0" kern="1200" dirty="0" smtClean="0">
-                <a:solidFill>
-                  <a:schemeClr val="tx1"/>
-                </a:solidFill>
-                <a:effectLst/>
-                <a:latin typeface="+mn-lt"/>
-                <a:ea typeface="+mn-ea"/>
-                <a:cs typeface="+mn-cs"/>
-              </a:rPr>
-              <a:t>输出一个概率分布，这个概率代表着我们的词典中的每个词是</a:t>
-            </a:r>
-            <a:r>
-              <a:rPr lang="en-US" altLang="zh-CN" sz="1200" b="0" i="0" kern="1200" dirty="0" smtClean="0">
-                <a:solidFill>
-                  <a:schemeClr val="tx1"/>
-                </a:solidFill>
-                <a:effectLst/>
-                <a:latin typeface="+mn-lt"/>
-                <a:ea typeface="+mn-ea"/>
-                <a:cs typeface="+mn-cs"/>
-              </a:rPr>
-              <a:t>output word</a:t>
-            </a:r>
-            <a:r>
-              <a:rPr lang="zh-CN" altLang="en-US" sz="1200" b="0" i="0" kern="1200" dirty="0" smtClean="0">
-                <a:solidFill>
-                  <a:schemeClr val="tx1"/>
-                </a:solidFill>
-                <a:effectLst/>
-                <a:latin typeface="+mn-lt"/>
-                <a:ea typeface="+mn-ea"/>
-                <a:cs typeface="+mn-cs"/>
-              </a:rPr>
-              <a:t>的可能性。</a:t>
-            </a:r>
-            <a:endParaRPr lang="en-US" dirty="0"/>
+            <a:endParaRPr lang="en-US"/>
           </a:p>
         </p:txBody>
       </p:sp>
@@ -1365,7 +1333,7 @@
     </p:spTree>
     <p:extLst>
       <p:ext uri="{BB962C8B-B14F-4D97-AF65-F5344CB8AC3E}">
-        <p14:creationId xmlns:p14="http://schemas.microsoft.com/office/powerpoint/2010/main" val="4120995313"/>
+        <p14:creationId xmlns:p14="http://schemas.microsoft.com/office/powerpoint/2010/main" val="3742125218"/>
       </p:ext>
     </p:extLst>
   </p:cSld>
@@ -1420,7 +1388,7 @@
           <a:lstStyle/>
           <a:p>
             <a:r>
-              <a:rPr lang="zh-CN" altLang="en-US" sz="1200" b="0" i="0" kern="1200" dirty="0" smtClean="0">
+              <a:rPr lang="en-US" altLang="zh-CN" sz="1200" b="0" i="0" kern="1200" dirty="0" err="1" smtClean="0">
                 <a:solidFill>
                   <a:schemeClr val="tx1"/>
                 </a:solidFill>
@@ -1429,10 +1397,10 @@
                 <a:ea typeface="+mn-ea"/>
                 <a:cs typeface="+mn-cs"/>
               </a:rPr>
-              <a:t>向量每个维度的值只有</a:t>
-            </a:r>
-            <a:r>
-              <a:rPr lang="en-US" altLang="zh-CN" sz="1200" b="0" i="0" kern="1200" dirty="0" smtClean="0">
+              <a:t>skip_window</a:t>
+            </a:r>
+            <a:r>
+              <a:rPr lang="zh-CN" altLang="en-US" sz="1200" b="0" i="0" kern="1200" dirty="0" smtClean="0">
                 <a:solidFill>
                   <a:schemeClr val="tx1"/>
                 </a:solidFill>
@@ -1441,10 +1409,10 @@
                 <a:ea typeface="+mn-ea"/>
                 <a:cs typeface="+mn-cs"/>
               </a:rPr>
-              <a:t>0</a:t>
-            </a:r>
-            <a:r>
-              <a:rPr lang="zh-CN" altLang="en-US" sz="1200" b="0" i="0" kern="1200" dirty="0" smtClean="0">
+              <a:t>，从</a:t>
+            </a:r>
+            <a:r>
+              <a:rPr lang="en-US" altLang="zh-CN" sz="1200" b="0" i="0" kern="1200" dirty="0" smtClean="0">
                 <a:solidFill>
                   <a:schemeClr val="tx1"/>
                 </a:solidFill>
@@ -1453,10 +1421,10 @@
                 <a:ea typeface="+mn-ea"/>
                 <a:cs typeface="+mn-cs"/>
               </a:rPr>
-              <a:t>或者</a:t>
-            </a:r>
-            <a:r>
-              <a:rPr lang="en-US" altLang="zh-CN" sz="1200" b="0" i="0" kern="1200" dirty="0" smtClean="0">
+              <a:t>input word</a:t>
+            </a:r>
+            <a:r>
+              <a:rPr lang="zh-CN" altLang="en-US" sz="1200" b="0" i="0" kern="1200" dirty="0" smtClean="0">
                 <a:solidFill>
                   <a:schemeClr val="tx1"/>
                 </a:solidFill>
@@ -1465,165 +1433,9 @@
                 <a:ea typeface="+mn-ea"/>
                 <a:cs typeface="+mn-cs"/>
               </a:rPr>
-              <a:t>1</a:t>
-            </a:r>
-            <a:r>
-              <a:rPr lang="zh-CN" altLang="en-US" sz="1200" b="0" i="0" kern="1200" dirty="0" smtClean="0">
-                <a:solidFill>
-                  <a:schemeClr val="tx1"/>
-                </a:solidFill>
-                <a:effectLst/>
-                <a:latin typeface="+mn-lt"/>
-                <a:ea typeface="+mn-ea"/>
-                <a:cs typeface="+mn-cs"/>
-              </a:rPr>
-              <a:t>，假如单词</a:t>
-            </a:r>
-            <a:r>
-              <a:rPr lang="en-US" altLang="zh-CN" sz="1200" b="0" i="0" kern="1200" dirty="0" smtClean="0">
-                <a:solidFill>
-                  <a:schemeClr val="tx1"/>
-                </a:solidFill>
-                <a:effectLst/>
-                <a:latin typeface="+mn-lt"/>
-                <a:ea typeface="+mn-ea"/>
-                <a:cs typeface="+mn-cs"/>
-              </a:rPr>
-              <a:t>ants</a:t>
-            </a:r>
-            <a:r>
-              <a:rPr lang="zh-CN" altLang="en-US" sz="1200" b="0" i="0" kern="1200" dirty="0" smtClean="0">
-                <a:solidFill>
-                  <a:schemeClr val="tx1"/>
-                </a:solidFill>
-                <a:effectLst/>
-                <a:latin typeface="+mn-lt"/>
-                <a:ea typeface="+mn-ea"/>
-                <a:cs typeface="+mn-cs"/>
-              </a:rPr>
-              <a:t>在词汇表中的出现位置为第</a:t>
-            </a:r>
-            <a:r>
-              <a:rPr lang="en-US" altLang="zh-CN" sz="1200" b="0" i="0" kern="1200" dirty="0" smtClean="0">
-                <a:solidFill>
-                  <a:schemeClr val="tx1"/>
-                </a:solidFill>
-                <a:effectLst/>
-                <a:latin typeface="+mn-lt"/>
-                <a:ea typeface="+mn-ea"/>
-                <a:cs typeface="+mn-cs"/>
-              </a:rPr>
-              <a:t>3</a:t>
-            </a:r>
-            <a:r>
-              <a:rPr lang="zh-CN" altLang="en-US" sz="1200" b="0" i="0" kern="1200" dirty="0" smtClean="0">
-                <a:solidFill>
-                  <a:schemeClr val="tx1"/>
-                </a:solidFill>
-                <a:effectLst/>
-                <a:latin typeface="+mn-lt"/>
-                <a:ea typeface="+mn-ea"/>
-                <a:cs typeface="+mn-cs"/>
-              </a:rPr>
-              <a:t>个，那么</a:t>
-            </a:r>
-            <a:r>
-              <a:rPr lang="en-US" altLang="zh-CN" sz="1200" b="0" i="0" kern="1200" dirty="0" smtClean="0">
-                <a:solidFill>
-                  <a:schemeClr val="tx1"/>
-                </a:solidFill>
-                <a:effectLst/>
-                <a:latin typeface="+mn-lt"/>
-                <a:ea typeface="+mn-ea"/>
-                <a:cs typeface="+mn-cs"/>
-              </a:rPr>
-              <a:t>ants</a:t>
-            </a:r>
-            <a:r>
-              <a:rPr lang="zh-CN" altLang="en-US" sz="1200" b="0" i="0" kern="1200" dirty="0" smtClean="0">
-                <a:solidFill>
-                  <a:schemeClr val="tx1"/>
-                </a:solidFill>
-                <a:effectLst/>
-                <a:latin typeface="+mn-lt"/>
-                <a:ea typeface="+mn-ea"/>
-                <a:cs typeface="+mn-cs"/>
-              </a:rPr>
-              <a:t>的向量就是一个第三维度取值为</a:t>
-            </a:r>
-            <a:r>
-              <a:rPr lang="en-US" altLang="zh-CN" sz="1200" b="0" i="0" kern="1200" dirty="0" smtClean="0">
-                <a:solidFill>
-                  <a:schemeClr val="tx1"/>
-                </a:solidFill>
-                <a:effectLst/>
-                <a:latin typeface="+mn-lt"/>
-                <a:ea typeface="+mn-ea"/>
-                <a:cs typeface="+mn-cs"/>
-              </a:rPr>
-              <a:t>1</a:t>
-            </a:r>
-            <a:r>
-              <a:rPr lang="zh-CN" altLang="en-US" sz="1200" b="0" i="0" kern="1200" dirty="0" smtClean="0">
-                <a:solidFill>
-                  <a:schemeClr val="tx1"/>
-                </a:solidFill>
-                <a:effectLst/>
-                <a:latin typeface="+mn-lt"/>
-                <a:ea typeface="+mn-ea"/>
-                <a:cs typeface="+mn-cs"/>
-              </a:rPr>
-              <a:t>，其他维都为</a:t>
-            </a:r>
-            <a:r>
-              <a:rPr lang="en-US" altLang="zh-CN" sz="1200" b="0" i="0" kern="1200" dirty="0" smtClean="0">
-                <a:solidFill>
-                  <a:schemeClr val="tx1"/>
-                </a:solidFill>
-                <a:effectLst/>
-                <a:latin typeface="+mn-lt"/>
-                <a:ea typeface="+mn-ea"/>
-                <a:cs typeface="+mn-cs"/>
-              </a:rPr>
-              <a:t>0</a:t>
-            </a:r>
-            <a:r>
-              <a:rPr lang="zh-CN" altLang="en-US" sz="1200" b="0" i="0" kern="1200" dirty="0" smtClean="0">
-                <a:solidFill>
-                  <a:schemeClr val="tx1"/>
-                </a:solidFill>
-                <a:effectLst/>
-                <a:latin typeface="+mn-lt"/>
-                <a:ea typeface="+mn-ea"/>
-                <a:cs typeface="+mn-cs"/>
-              </a:rPr>
-              <a:t>的</a:t>
-            </a:r>
-            <a:r>
-              <a:rPr lang="en-US" altLang="zh-CN" sz="1200" b="0" i="0" kern="1200" dirty="0" smtClean="0">
-                <a:solidFill>
-                  <a:schemeClr val="tx1"/>
-                </a:solidFill>
-                <a:effectLst/>
-                <a:latin typeface="+mn-lt"/>
-                <a:ea typeface="+mn-ea"/>
-                <a:cs typeface="+mn-cs"/>
-              </a:rPr>
-              <a:t>10000</a:t>
-            </a:r>
-            <a:r>
-              <a:rPr lang="zh-CN" altLang="en-US" sz="1200" b="0" i="0" kern="1200" dirty="0" smtClean="0">
-                <a:solidFill>
-                  <a:schemeClr val="tx1"/>
-                </a:solidFill>
-                <a:effectLst/>
-                <a:latin typeface="+mn-lt"/>
-                <a:ea typeface="+mn-ea"/>
-                <a:cs typeface="+mn-cs"/>
-              </a:rPr>
-              <a:t>维的向量。</a:t>
-            </a:r>
-            <a:endParaRPr lang="en-US" altLang="zh-CN" sz="1200" b="0" i="0" kern="1200" dirty="0" smtClean="0">
+              <a:t>的一侧（左边或右边）选取词的数量</a:t>
+            </a:r>
+            <a:endParaRPr lang="en-US" sz="1200" b="0" i="0" kern="1200" dirty="0" smtClean="0">
               <a:solidFill>
                 <a:schemeClr val="tx1"/>
               </a:solidFill>
@@ -1634,29 +1446,8 @@
             </a:endParaRPr>
           </a:p>
           <a:p>
-            <a:pPr marL="0" marR="0" lvl="0" indent="0" algn="l" defTabSz="914400" rtl="0" eaLnBrk="1" fontAlgn="auto" latinLnBrk="0" hangingPunct="1">
-              <a:lnSpc>
-                <a:spcPct val="100000"/>
-              </a:lnSpc>
-              <a:spcBef>
-                <a:spcPts val="0"/>
-              </a:spcBef>
-              <a:spcAft>
-                <a:spcPts val="0"/>
-              </a:spcAft>
-              <a:buClrTx/>
-              <a:buSzTx/>
-              <a:buFontTx/>
-              <a:buNone/>
-              <a:tabLst/>
-              <a:defRPr/>
-            </a:pPr>
-            <a:r>
-              <a:rPr lang="zh-CN" altLang="en-US" sz="1200" dirty="0" smtClean="0"/>
-              <a:t>输出编码：</a:t>
-            </a:r>
-            <a:r>
-              <a:rPr lang="zh-CN" altLang="en-US" sz="1200" b="0" i="0" kern="1200" dirty="0" smtClean="0">
+            <a:r>
+              <a:rPr lang="en-US" sz="1200" b="0" i="0" kern="1200" dirty="0" err="1" smtClean="0">
                 <a:solidFill>
                   <a:schemeClr val="tx1"/>
                 </a:solidFill>
@@ -1665,7 +1456,31 @@
                 <a:ea typeface="+mn-ea"/>
                 <a:cs typeface="+mn-cs"/>
               </a:rPr>
-              <a:t>每一个概率代表着当前词是输入样本中</a:t>
+              <a:t>num_skips</a:t>
+            </a:r>
+            <a:r>
+              <a:rPr lang="en-US" sz="1200" b="0" i="0" kern="1200" dirty="0" smtClean="0">
+                <a:solidFill>
+                  <a:schemeClr val="tx1"/>
+                </a:solidFill>
+                <a:effectLst/>
+                <a:latin typeface="+mn-lt"/>
+                <a:ea typeface="+mn-ea"/>
+                <a:cs typeface="+mn-cs"/>
+              </a:rPr>
+              <a:t> </a:t>
+            </a:r>
+            <a:r>
+              <a:rPr lang="zh-CN" altLang="en-US" sz="1200" b="0" i="0" kern="1200" dirty="0" smtClean="0">
+                <a:solidFill>
+                  <a:schemeClr val="tx1"/>
+                </a:solidFill>
+                <a:effectLst/>
+                <a:latin typeface="+mn-lt"/>
+                <a:ea typeface="+mn-ea"/>
+                <a:cs typeface="+mn-cs"/>
+              </a:rPr>
+              <a:t>从整个窗口中选取多少个不同的词作为我们的</a:t>
             </a:r>
             <a:r>
               <a:rPr lang="en-US" altLang="zh-CN" sz="1200" b="0" i="0" kern="1200" dirty="0" smtClean="0">
@@ -1679,6 +1494,8 @@
               </a:rPr>
               <a:t>output word</a:t>
             </a:r>
+          </a:p>
+          <a:p>
             <a:r>
               <a:rPr lang="zh-CN" altLang="en-US" sz="1200" b="0" i="0" kern="1200" dirty="0" smtClean="0">
                 <a:solidFill>
@@ -1689,174 +1506,10 @@
                 <a:ea typeface="+mn-ea"/>
                 <a:cs typeface="+mn-cs"/>
               </a:rPr>
-              <a:t>的概率大小。</a:t>
-            </a:r>
-            <a:endParaRPr lang="en-US" altLang="zh-CN" sz="1200" b="0" i="0" kern="1200" dirty="0" smtClean="0">
-              <a:solidFill>
-                <a:schemeClr val="tx1"/>
-              </a:solidFill>
-              <a:effectLst/>
-              <a:latin typeface="+mn-lt"/>
-              <a:ea typeface="+mn-ea"/>
-              <a:cs typeface="+mn-cs"/>
-            </a:endParaRPr>
-          </a:p>
-          <a:p>
-            <a:pPr marL="0" marR="0" lvl="0" indent="0" algn="l" defTabSz="914400" rtl="0" eaLnBrk="1" fontAlgn="auto" latinLnBrk="0" hangingPunct="1">
-              <a:lnSpc>
-                <a:spcPct val="100000"/>
-              </a:lnSpc>
-              <a:spcBef>
-                <a:spcPts val="0"/>
-              </a:spcBef>
-              <a:spcAft>
-                <a:spcPts val="0"/>
-              </a:spcAft>
-              <a:buClrTx/>
-              <a:buSzTx/>
-              <a:buFontTx/>
-              <a:buNone/>
-              <a:tabLst/>
-              <a:defRPr/>
-            </a:pPr>
-            <a:r>
-              <a:rPr lang="zh-CN" altLang="en-US" sz="1200" b="0" i="0" kern="1200" dirty="0" smtClean="0">
-                <a:solidFill>
-                  <a:schemeClr val="tx1"/>
-                </a:solidFill>
-                <a:effectLst/>
-                <a:latin typeface="+mn-lt"/>
-                <a:ea typeface="+mn-ea"/>
-                <a:cs typeface="+mn-cs"/>
-              </a:rPr>
-              <a:t>隐层没有使用任何激活函数，但是输出层使用了</a:t>
-            </a:r>
-            <a:r>
-              <a:rPr lang="en-US" altLang="zh-CN" sz="1200" b="0" i="0" kern="1200" dirty="0" err="1" smtClean="0">
-                <a:solidFill>
-                  <a:schemeClr val="tx1"/>
-                </a:solidFill>
-                <a:effectLst/>
-                <a:latin typeface="+mn-lt"/>
-                <a:ea typeface="+mn-ea"/>
-                <a:cs typeface="+mn-cs"/>
-              </a:rPr>
-              <a:t>sotfmax</a:t>
-            </a:r>
-            <a:r>
-              <a:rPr lang="zh-CN" altLang="en-US" sz="1200" b="0" i="0" kern="1200" dirty="0" smtClean="0">
-                <a:solidFill>
-                  <a:schemeClr val="tx1"/>
-                </a:solidFill>
-                <a:effectLst/>
-                <a:latin typeface="+mn-lt"/>
-                <a:ea typeface="+mn-ea"/>
-                <a:cs typeface="+mn-cs"/>
-              </a:rPr>
-              <a:t>。</a:t>
-            </a:r>
-            <a:endParaRPr lang="en-US" altLang="zh-CN" sz="1200" b="0" i="0" kern="1200" dirty="0" smtClean="0">
-              <a:solidFill>
-                <a:schemeClr val="tx1"/>
-              </a:solidFill>
-              <a:effectLst/>
-              <a:latin typeface="+mn-lt"/>
-              <a:ea typeface="+mn-ea"/>
-              <a:cs typeface="+mn-cs"/>
-            </a:endParaRPr>
-          </a:p>
-          <a:p>
-            <a:pPr marL="0" marR="0" lvl="0" indent="0" algn="l" defTabSz="914400" rtl="0" eaLnBrk="1" fontAlgn="auto" latinLnBrk="0" hangingPunct="1">
-              <a:lnSpc>
-                <a:spcPct val="100000"/>
-              </a:lnSpc>
-              <a:spcBef>
-                <a:spcPts val="0"/>
-              </a:spcBef>
-              <a:spcAft>
-                <a:spcPts val="0"/>
-              </a:spcAft>
-              <a:buClrTx/>
-              <a:buSzTx/>
-              <a:buFontTx/>
-              <a:buNone/>
-              <a:tabLst/>
-              <a:defRPr/>
-            </a:pPr>
-            <a:r>
-              <a:rPr lang="zh-CN" altLang="en-US" sz="1200" b="0" i="0" kern="1200" dirty="0" smtClean="0">
-                <a:solidFill>
-                  <a:schemeClr val="tx1"/>
-                </a:solidFill>
-                <a:effectLst/>
-                <a:latin typeface="+mn-lt"/>
-                <a:ea typeface="+mn-ea"/>
-                <a:cs typeface="+mn-cs"/>
-              </a:rPr>
-              <a:t>我们基于成对的单词来对神经网络进行训练，训练样本是 </a:t>
+              <a:t>输出一个概率分布，这个概率代表着我们的词典中的每个词是</a:t>
             </a:r>
             <a:r>
               <a:rPr lang="en-US" altLang="zh-CN" sz="1200" b="0" i="0" kern="1200" dirty="0" smtClean="0">
-                <a:solidFill>
-                  <a:schemeClr val="tx1"/>
-                </a:solidFill>
-                <a:effectLst/>
-                <a:latin typeface="+mn-lt"/>
-                <a:ea typeface="+mn-ea"/>
-                <a:cs typeface="+mn-cs"/>
-              </a:rPr>
-              <a:t>( </a:t>
-            </a:r>
-            <a:r>
-              <a:rPr lang="en-US" sz="1200" b="0" i="0" kern="1200" dirty="0" smtClean="0">
-                <a:solidFill>
-                  <a:schemeClr val="tx1"/>
-                </a:solidFill>
-                <a:effectLst/>
-                <a:latin typeface="+mn-lt"/>
-                <a:ea typeface="+mn-ea"/>
-                <a:cs typeface="+mn-cs"/>
-              </a:rPr>
-              <a:t>input word, output word ) </a:t>
-            </a:r>
-            <a:r>
-              <a:rPr lang="zh-CN" altLang="en-US" sz="1200" b="0" i="0" kern="1200" dirty="0" smtClean="0">
-                <a:solidFill>
-                  <a:schemeClr val="tx1"/>
-                </a:solidFill>
-                <a:effectLst/>
-                <a:latin typeface="+mn-lt"/>
-                <a:ea typeface="+mn-ea"/>
-                <a:cs typeface="+mn-cs"/>
-              </a:rPr>
-              <a:t>这样的单词对，</a:t>
-            </a:r>
-            <a:r>
-              <a:rPr lang="en-US" sz="1200" b="0" i="0" kern="1200" dirty="0" smtClean="0">
-                <a:solidFill>
-                  <a:schemeClr val="tx1"/>
-                </a:solidFill>
-                <a:effectLst/>
-                <a:latin typeface="+mn-lt"/>
-                <a:ea typeface="+mn-ea"/>
-                <a:cs typeface="+mn-cs"/>
-              </a:rPr>
-              <a:t>input word</a:t>
-            </a:r>
-            <a:r>
-              <a:rPr lang="zh-CN" altLang="en-US" sz="1200" b="0" i="0" kern="1200" dirty="0" smtClean="0">
-                <a:solidFill>
-                  <a:schemeClr val="tx1"/>
-                </a:solidFill>
-                <a:effectLst/>
-                <a:latin typeface="+mn-lt"/>
-                <a:ea typeface="+mn-ea"/>
-                <a:cs typeface="+mn-cs"/>
-              </a:rPr>
-              <a:t>和</a:t>
-            </a:r>
-            <a:r>
-              <a:rPr lang="en-US" sz="1200" b="0" i="0" kern="1200" dirty="0" smtClean="0">
                 <a:solidFill>
                   <a:schemeClr val="tx1"/>
                 </a:solidFill>
@@ -1877,31 +1530,7 @@
                 <a:ea typeface="+mn-ea"/>
                 <a:cs typeface="+mn-cs"/>
               </a:rPr>
-              <a:t>都是</a:t>
-            </a:r>
-            <a:r>
-              <a:rPr lang="en-US" sz="1200" b="0" i="0" kern="1200" dirty="0" smtClean="0">
-                <a:solidFill>
-                  <a:schemeClr val="tx1"/>
-                </a:solidFill>
-                <a:effectLst/>
-                <a:latin typeface="+mn-lt"/>
-                <a:ea typeface="+mn-ea"/>
-                <a:cs typeface="+mn-cs"/>
-              </a:rPr>
-              <a:t>one-hot</a:t>
-            </a:r>
-            <a:r>
-              <a:rPr lang="zh-CN" altLang="en-US" sz="1200" b="0" i="0" kern="1200" dirty="0" smtClean="0">
-                <a:solidFill>
-                  <a:schemeClr val="tx1"/>
-                </a:solidFill>
-                <a:effectLst/>
-                <a:latin typeface="+mn-lt"/>
-                <a:ea typeface="+mn-ea"/>
-                <a:cs typeface="+mn-cs"/>
-              </a:rPr>
-              <a:t>编码的向量。最终模型的输出是一个概率分布。</a:t>
+              <a:t>的可能性。</a:t>
             </a:r>
             <a:endParaRPr lang="en-US" dirty="0"/>
           </a:p>
@@ -1933,7 +1562,7 @@
     </p:spTree>
     <p:extLst>
       <p:ext uri="{BB962C8B-B14F-4D97-AF65-F5344CB8AC3E}">
-        <p14:creationId xmlns:p14="http://schemas.microsoft.com/office/powerpoint/2010/main" val="1848350414"/>
+        <p14:creationId xmlns:p14="http://schemas.microsoft.com/office/powerpoint/2010/main" val="4120995313"/>
       </p:ext>
     </p:extLst>
   </p:cSld>
@@ -1987,6 +1616,574 @@
           <a:bodyPr/>
           <a:lstStyle/>
           <a:p>
+            <a:r>
+              <a:rPr lang="zh-CN" altLang="en-US" sz="1200" b="0" i="0" kern="1200" dirty="0" smtClean="0">
+                <a:solidFill>
+                  <a:schemeClr val="tx1"/>
+                </a:solidFill>
+                <a:effectLst/>
+                <a:latin typeface="+mn-lt"/>
+                <a:ea typeface="+mn-ea"/>
+                <a:cs typeface="+mn-cs"/>
+              </a:rPr>
+              <a:t>向量每个维度的值只有</a:t>
+            </a:r>
+            <a:r>
+              <a:rPr lang="en-US" altLang="zh-CN" sz="1200" b="0" i="0" kern="1200" dirty="0" smtClean="0">
+                <a:solidFill>
+                  <a:schemeClr val="tx1"/>
+                </a:solidFill>
+                <a:effectLst/>
+                <a:latin typeface="+mn-lt"/>
+                <a:ea typeface="+mn-ea"/>
+                <a:cs typeface="+mn-cs"/>
+              </a:rPr>
+              <a:t>0</a:t>
+            </a:r>
+            <a:r>
+              <a:rPr lang="zh-CN" altLang="en-US" sz="1200" b="0" i="0" kern="1200" dirty="0" smtClean="0">
+                <a:solidFill>
+                  <a:schemeClr val="tx1"/>
+                </a:solidFill>
+                <a:effectLst/>
+                <a:latin typeface="+mn-lt"/>
+                <a:ea typeface="+mn-ea"/>
+                <a:cs typeface="+mn-cs"/>
+              </a:rPr>
+              <a:t>或者</a:t>
+            </a:r>
+            <a:r>
+              <a:rPr lang="en-US" altLang="zh-CN" sz="1200" b="0" i="0" kern="1200" dirty="0" smtClean="0">
+                <a:solidFill>
+                  <a:schemeClr val="tx1"/>
+                </a:solidFill>
+                <a:effectLst/>
+                <a:latin typeface="+mn-lt"/>
+                <a:ea typeface="+mn-ea"/>
+                <a:cs typeface="+mn-cs"/>
+              </a:rPr>
+              <a:t>1</a:t>
+            </a:r>
+            <a:r>
+              <a:rPr lang="zh-CN" altLang="en-US" sz="1200" b="0" i="0" kern="1200" dirty="0" smtClean="0">
+                <a:solidFill>
+                  <a:schemeClr val="tx1"/>
+                </a:solidFill>
+                <a:effectLst/>
+                <a:latin typeface="+mn-lt"/>
+                <a:ea typeface="+mn-ea"/>
+                <a:cs typeface="+mn-cs"/>
+              </a:rPr>
+              <a:t>，假如单词</a:t>
+            </a:r>
+            <a:r>
+              <a:rPr lang="en-US" altLang="zh-CN" sz="1200" b="0" i="0" kern="1200" dirty="0" smtClean="0">
+                <a:solidFill>
+                  <a:schemeClr val="tx1"/>
+                </a:solidFill>
+                <a:effectLst/>
+                <a:latin typeface="+mn-lt"/>
+                <a:ea typeface="+mn-ea"/>
+                <a:cs typeface="+mn-cs"/>
+              </a:rPr>
+              <a:t>ants</a:t>
+            </a:r>
+            <a:r>
+              <a:rPr lang="zh-CN" altLang="en-US" sz="1200" b="0" i="0" kern="1200" dirty="0" smtClean="0">
+                <a:solidFill>
+                  <a:schemeClr val="tx1"/>
+                </a:solidFill>
+                <a:effectLst/>
+                <a:latin typeface="+mn-lt"/>
+                <a:ea typeface="+mn-ea"/>
+                <a:cs typeface="+mn-cs"/>
+              </a:rPr>
+              <a:t>在词汇表中的出现位置为第</a:t>
+            </a:r>
+            <a:r>
+              <a:rPr lang="en-US" altLang="zh-CN" sz="1200" b="0" i="0" kern="1200" dirty="0" smtClean="0">
+                <a:solidFill>
+                  <a:schemeClr val="tx1"/>
+                </a:solidFill>
+                <a:effectLst/>
+                <a:latin typeface="+mn-lt"/>
+                <a:ea typeface="+mn-ea"/>
+                <a:cs typeface="+mn-cs"/>
+              </a:rPr>
+              <a:t>3</a:t>
+            </a:r>
+            <a:r>
+              <a:rPr lang="zh-CN" altLang="en-US" sz="1200" b="0" i="0" kern="1200" dirty="0" smtClean="0">
+                <a:solidFill>
+                  <a:schemeClr val="tx1"/>
+                </a:solidFill>
+                <a:effectLst/>
+                <a:latin typeface="+mn-lt"/>
+                <a:ea typeface="+mn-ea"/>
+                <a:cs typeface="+mn-cs"/>
+              </a:rPr>
+              <a:t>个，那么</a:t>
+            </a:r>
+            <a:r>
+              <a:rPr lang="en-US" altLang="zh-CN" sz="1200" b="0" i="0" kern="1200" dirty="0" smtClean="0">
+                <a:solidFill>
+                  <a:schemeClr val="tx1"/>
+                </a:solidFill>
+                <a:effectLst/>
+                <a:latin typeface="+mn-lt"/>
+                <a:ea typeface="+mn-ea"/>
+                <a:cs typeface="+mn-cs"/>
+              </a:rPr>
+              <a:t>ants</a:t>
+            </a:r>
+            <a:r>
+              <a:rPr lang="zh-CN" altLang="en-US" sz="1200" b="0" i="0" kern="1200" dirty="0" smtClean="0">
+                <a:solidFill>
+                  <a:schemeClr val="tx1"/>
+                </a:solidFill>
+                <a:effectLst/>
+                <a:latin typeface="+mn-lt"/>
+                <a:ea typeface="+mn-ea"/>
+                <a:cs typeface="+mn-cs"/>
+              </a:rPr>
+              <a:t>的向量就是一个第三维度取值为</a:t>
+            </a:r>
+            <a:r>
+              <a:rPr lang="en-US" altLang="zh-CN" sz="1200" b="0" i="0" kern="1200" dirty="0" smtClean="0">
+                <a:solidFill>
+                  <a:schemeClr val="tx1"/>
+                </a:solidFill>
+                <a:effectLst/>
+                <a:latin typeface="+mn-lt"/>
+                <a:ea typeface="+mn-ea"/>
+                <a:cs typeface="+mn-cs"/>
+              </a:rPr>
+              <a:t>1</a:t>
+            </a:r>
+            <a:r>
+              <a:rPr lang="zh-CN" altLang="en-US" sz="1200" b="0" i="0" kern="1200" dirty="0" smtClean="0">
+                <a:solidFill>
+                  <a:schemeClr val="tx1"/>
+                </a:solidFill>
+                <a:effectLst/>
+                <a:latin typeface="+mn-lt"/>
+                <a:ea typeface="+mn-ea"/>
+                <a:cs typeface="+mn-cs"/>
+              </a:rPr>
+              <a:t>，其他维都为</a:t>
+            </a:r>
+            <a:r>
+              <a:rPr lang="en-US" altLang="zh-CN" sz="1200" b="0" i="0" kern="1200" dirty="0" smtClean="0">
+                <a:solidFill>
+                  <a:schemeClr val="tx1"/>
+                </a:solidFill>
+                <a:effectLst/>
+                <a:latin typeface="+mn-lt"/>
+                <a:ea typeface="+mn-ea"/>
+                <a:cs typeface="+mn-cs"/>
+              </a:rPr>
+              <a:t>0</a:t>
+            </a:r>
+            <a:r>
+              <a:rPr lang="zh-CN" altLang="en-US" sz="1200" b="0" i="0" kern="1200" dirty="0" smtClean="0">
+                <a:solidFill>
+                  <a:schemeClr val="tx1"/>
+                </a:solidFill>
+                <a:effectLst/>
+                <a:latin typeface="+mn-lt"/>
+                <a:ea typeface="+mn-ea"/>
+                <a:cs typeface="+mn-cs"/>
+              </a:rPr>
+              <a:t>的</a:t>
+            </a:r>
+            <a:r>
+              <a:rPr lang="en-US" altLang="zh-CN" sz="1200" b="0" i="0" kern="1200" dirty="0" smtClean="0">
+                <a:solidFill>
+                  <a:schemeClr val="tx1"/>
+                </a:solidFill>
+                <a:effectLst/>
+                <a:latin typeface="+mn-lt"/>
+                <a:ea typeface="+mn-ea"/>
+                <a:cs typeface="+mn-cs"/>
+              </a:rPr>
+              <a:t>10000</a:t>
+            </a:r>
+            <a:r>
+              <a:rPr lang="zh-CN" altLang="en-US" sz="1200" b="0" i="0" kern="1200" dirty="0" smtClean="0">
+                <a:solidFill>
+                  <a:schemeClr val="tx1"/>
+                </a:solidFill>
+                <a:effectLst/>
+                <a:latin typeface="+mn-lt"/>
+                <a:ea typeface="+mn-ea"/>
+                <a:cs typeface="+mn-cs"/>
+              </a:rPr>
+              <a:t>维的向量。</a:t>
+            </a:r>
+            <a:endParaRPr lang="en-US" altLang="zh-CN" sz="1200" b="0" i="0" kern="1200" dirty="0" smtClean="0">
+              <a:solidFill>
+                <a:schemeClr val="tx1"/>
+              </a:solidFill>
+              <a:effectLst/>
+              <a:latin typeface="+mn-lt"/>
+              <a:ea typeface="+mn-ea"/>
+              <a:cs typeface="+mn-cs"/>
+            </a:endParaRPr>
+          </a:p>
+          <a:p>
+            <a:pPr marL="0" marR="0" lvl="0" indent="0" algn="l" defTabSz="914400" rtl="0" eaLnBrk="1" fontAlgn="auto" latinLnBrk="0" hangingPunct="1">
+              <a:lnSpc>
+                <a:spcPct val="100000"/>
+              </a:lnSpc>
+              <a:spcBef>
+                <a:spcPts val="0"/>
+              </a:spcBef>
+              <a:spcAft>
+                <a:spcPts val="0"/>
+              </a:spcAft>
+              <a:buClrTx/>
+              <a:buSzTx/>
+              <a:buFontTx/>
+              <a:buNone/>
+              <a:tabLst/>
+              <a:defRPr/>
+            </a:pPr>
+            <a:r>
+              <a:rPr lang="zh-CN" altLang="en-US" sz="1200" dirty="0" smtClean="0"/>
+              <a:t>输出编码：</a:t>
+            </a:r>
+            <a:r>
+              <a:rPr lang="zh-CN" altLang="en-US" sz="1200" b="0" i="0" kern="1200" dirty="0" smtClean="0">
+                <a:solidFill>
+                  <a:schemeClr val="tx1"/>
+                </a:solidFill>
+                <a:effectLst/>
+                <a:latin typeface="+mn-lt"/>
+                <a:ea typeface="+mn-ea"/>
+                <a:cs typeface="+mn-cs"/>
+              </a:rPr>
+              <a:t>每一个概率代表着当前词是输入样本中</a:t>
+            </a:r>
+            <a:r>
+              <a:rPr lang="en-US" altLang="zh-CN" sz="1200" b="0" i="0" kern="1200" dirty="0" smtClean="0">
+                <a:solidFill>
+                  <a:schemeClr val="tx1"/>
+                </a:solidFill>
+                <a:effectLst/>
+                <a:latin typeface="+mn-lt"/>
+                <a:ea typeface="+mn-ea"/>
+                <a:cs typeface="+mn-cs"/>
+              </a:rPr>
+              <a:t>output word</a:t>
+            </a:r>
+            <a:r>
+              <a:rPr lang="zh-CN" altLang="en-US" sz="1200" b="0" i="0" kern="1200" dirty="0" smtClean="0">
+                <a:solidFill>
+                  <a:schemeClr val="tx1"/>
+                </a:solidFill>
+                <a:effectLst/>
+                <a:latin typeface="+mn-lt"/>
+                <a:ea typeface="+mn-ea"/>
+                <a:cs typeface="+mn-cs"/>
+              </a:rPr>
+              <a:t>的概率大小。</a:t>
+            </a:r>
+            <a:endParaRPr lang="en-US" altLang="zh-CN" sz="1200" b="0" i="0" kern="1200" dirty="0" smtClean="0">
+              <a:solidFill>
+                <a:schemeClr val="tx1"/>
+              </a:solidFill>
+              <a:effectLst/>
+              <a:latin typeface="+mn-lt"/>
+              <a:ea typeface="+mn-ea"/>
+              <a:cs typeface="+mn-cs"/>
+            </a:endParaRPr>
+          </a:p>
+          <a:p>
+            <a:pPr marL="0" marR="0" lvl="0" indent="0" algn="l" defTabSz="914400" rtl="0" eaLnBrk="1" fontAlgn="auto" latinLnBrk="0" hangingPunct="1">
+              <a:lnSpc>
+                <a:spcPct val="100000"/>
+              </a:lnSpc>
+              <a:spcBef>
+                <a:spcPts val="0"/>
+              </a:spcBef>
+              <a:spcAft>
+                <a:spcPts val="0"/>
+              </a:spcAft>
+              <a:buClrTx/>
+              <a:buSzTx/>
+              <a:buFontTx/>
+              <a:buNone/>
+              <a:tabLst/>
+              <a:defRPr/>
+            </a:pPr>
+            <a:r>
+              <a:rPr lang="zh-CN" altLang="en-US" sz="1200" b="0" i="0" kern="1200" dirty="0" smtClean="0">
+                <a:solidFill>
+                  <a:schemeClr val="tx1"/>
+                </a:solidFill>
+                <a:effectLst/>
+                <a:latin typeface="+mn-lt"/>
+                <a:ea typeface="+mn-ea"/>
+                <a:cs typeface="+mn-cs"/>
+              </a:rPr>
+              <a:t>隐层没有使用任何激活函数，但是输出层使用了</a:t>
+            </a:r>
+            <a:r>
+              <a:rPr lang="en-US" altLang="zh-CN" sz="1200" b="0" i="0" kern="1200" dirty="0" err="1" smtClean="0">
+                <a:solidFill>
+                  <a:schemeClr val="tx1"/>
+                </a:solidFill>
+                <a:effectLst/>
+                <a:latin typeface="+mn-lt"/>
+                <a:ea typeface="+mn-ea"/>
+                <a:cs typeface="+mn-cs"/>
+              </a:rPr>
+              <a:t>sotfmax</a:t>
+            </a:r>
+            <a:r>
+              <a:rPr lang="zh-CN" altLang="en-US" sz="1200" b="0" i="0" kern="1200" dirty="0" smtClean="0">
+                <a:solidFill>
+                  <a:schemeClr val="tx1"/>
+                </a:solidFill>
+                <a:effectLst/>
+                <a:latin typeface="+mn-lt"/>
+                <a:ea typeface="+mn-ea"/>
+                <a:cs typeface="+mn-cs"/>
+              </a:rPr>
+              <a:t>。</a:t>
+            </a:r>
+            <a:endParaRPr lang="en-US" altLang="zh-CN" sz="1200" b="0" i="0" kern="1200" dirty="0" smtClean="0">
+              <a:solidFill>
+                <a:schemeClr val="tx1"/>
+              </a:solidFill>
+              <a:effectLst/>
+              <a:latin typeface="+mn-lt"/>
+              <a:ea typeface="+mn-ea"/>
+              <a:cs typeface="+mn-cs"/>
+            </a:endParaRPr>
+          </a:p>
+          <a:p>
+            <a:pPr marL="0" marR="0" lvl="0" indent="0" algn="l" defTabSz="914400" rtl="0" eaLnBrk="1" fontAlgn="auto" latinLnBrk="0" hangingPunct="1">
+              <a:lnSpc>
+                <a:spcPct val="100000"/>
+              </a:lnSpc>
+              <a:spcBef>
+                <a:spcPts val="0"/>
+              </a:spcBef>
+              <a:spcAft>
+                <a:spcPts val="0"/>
+              </a:spcAft>
+              <a:buClrTx/>
+              <a:buSzTx/>
+              <a:buFontTx/>
+              <a:buNone/>
+              <a:tabLst/>
+              <a:defRPr/>
+            </a:pPr>
+            <a:r>
+              <a:rPr lang="zh-CN" altLang="en-US" sz="1200" b="0" i="0" kern="1200" dirty="0" smtClean="0">
+                <a:solidFill>
+                  <a:schemeClr val="tx1"/>
+                </a:solidFill>
+                <a:effectLst/>
+                <a:latin typeface="+mn-lt"/>
+                <a:ea typeface="+mn-ea"/>
+                <a:cs typeface="+mn-cs"/>
+              </a:rPr>
+              <a:t>我们基于成对的单词来对神经网络进行训练，训练样本是 </a:t>
+            </a:r>
+            <a:r>
+              <a:rPr lang="en-US" altLang="zh-CN" sz="1200" b="0" i="0" kern="1200" dirty="0" smtClean="0">
+                <a:solidFill>
+                  <a:schemeClr val="tx1"/>
+                </a:solidFill>
+                <a:effectLst/>
+                <a:latin typeface="+mn-lt"/>
+                <a:ea typeface="+mn-ea"/>
+                <a:cs typeface="+mn-cs"/>
+              </a:rPr>
+              <a:t>( </a:t>
+            </a:r>
+            <a:r>
+              <a:rPr lang="en-US" sz="1200" b="0" i="0" kern="1200" dirty="0" smtClean="0">
+                <a:solidFill>
+                  <a:schemeClr val="tx1"/>
+                </a:solidFill>
+                <a:effectLst/>
+                <a:latin typeface="+mn-lt"/>
+                <a:ea typeface="+mn-ea"/>
+                <a:cs typeface="+mn-cs"/>
+              </a:rPr>
+              <a:t>input word, output word ) </a:t>
+            </a:r>
+            <a:r>
+              <a:rPr lang="zh-CN" altLang="en-US" sz="1200" b="0" i="0" kern="1200" dirty="0" smtClean="0">
+                <a:solidFill>
+                  <a:schemeClr val="tx1"/>
+                </a:solidFill>
+                <a:effectLst/>
+                <a:latin typeface="+mn-lt"/>
+                <a:ea typeface="+mn-ea"/>
+                <a:cs typeface="+mn-cs"/>
+              </a:rPr>
+              <a:t>这样的单词对，</a:t>
+            </a:r>
+            <a:r>
+              <a:rPr lang="en-US" sz="1200" b="0" i="0" kern="1200" dirty="0" smtClean="0">
+                <a:solidFill>
+                  <a:schemeClr val="tx1"/>
+                </a:solidFill>
+                <a:effectLst/>
+                <a:latin typeface="+mn-lt"/>
+                <a:ea typeface="+mn-ea"/>
+                <a:cs typeface="+mn-cs"/>
+              </a:rPr>
+              <a:t>input word</a:t>
+            </a:r>
+            <a:r>
+              <a:rPr lang="zh-CN" altLang="en-US" sz="1200" b="0" i="0" kern="1200" dirty="0" smtClean="0">
+                <a:solidFill>
+                  <a:schemeClr val="tx1"/>
+                </a:solidFill>
+                <a:effectLst/>
+                <a:latin typeface="+mn-lt"/>
+                <a:ea typeface="+mn-ea"/>
+                <a:cs typeface="+mn-cs"/>
+              </a:rPr>
+              <a:t>和</a:t>
+            </a:r>
+            <a:r>
+              <a:rPr lang="en-US" sz="1200" b="0" i="0" kern="1200" dirty="0" smtClean="0">
+                <a:solidFill>
+                  <a:schemeClr val="tx1"/>
+                </a:solidFill>
+                <a:effectLst/>
+                <a:latin typeface="+mn-lt"/>
+                <a:ea typeface="+mn-ea"/>
+                <a:cs typeface="+mn-cs"/>
+              </a:rPr>
+              <a:t>output word</a:t>
+            </a:r>
+            <a:r>
+              <a:rPr lang="zh-CN" altLang="en-US" sz="1200" b="0" i="0" kern="1200" dirty="0" smtClean="0">
+                <a:solidFill>
+                  <a:schemeClr val="tx1"/>
+                </a:solidFill>
+                <a:effectLst/>
+                <a:latin typeface="+mn-lt"/>
+                <a:ea typeface="+mn-ea"/>
+                <a:cs typeface="+mn-cs"/>
+              </a:rPr>
+              <a:t>都是</a:t>
+            </a:r>
+            <a:r>
+              <a:rPr lang="en-US" sz="1200" b="0" i="0" kern="1200" dirty="0" smtClean="0">
+                <a:solidFill>
+                  <a:schemeClr val="tx1"/>
+                </a:solidFill>
+                <a:effectLst/>
+                <a:latin typeface="+mn-lt"/>
+                <a:ea typeface="+mn-ea"/>
+                <a:cs typeface="+mn-cs"/>
+              </a:rPr>
+              <a:t>one-hot</a:t>
+            </a:r>
+            <a:r>
+              <a:rPr lang="zh-CN" altLang="en-US" sz="1200" b="0" i="0" kern="1200" dirty="0" smtClean="0">
+                <a:solidFill>
+                  <a:schemeClr val="tx1"/>
+                </a:solidFill>
+                <a:effectLst/>
+                <a:latin typeface="+mn-lt"/>
+                <a:ea typeface="+mn-ea"/>
+                <a:cs typeface="+mn-cs"/>
+              </a:rPr>
+              <a:t>编码的向量。最终模型的输出是一个概率分布。</a:t>
+            </a:r>
+            <a:endParaRPr lang="en-US" dirty="0"/>
+          </a:p>
+        </p:txBody>
+      </p:sp>
+      <p:sp>
+        <p:nvSpPr>
+          <p:cNvPr id="4" name="Slide Number Placeholder 3"/>
+          <p:cNvSpPr>
+            <a:spLocks noGrp="1"/>
+          </p:cNvSpPr>
+          <p:nvPr>
+            <p:ph type="sldNum" sz="quarter" idx="10"/>
+          </p:nvPr>
+        </p:nvSpPr>
+        <p:spPr/>
+        <p:txBody>
+          <a:bodyPr/>
+          <a:lstStyle/>
+          <a:p>
+            <a:fld id="{54FE5736-E147-4D4C-A630-9DA628E6AE84}" type="slidenum">
+              <a:rPr lang="en-US" smtClean="0"/>
+              <a:t>8</a:t>
+            </a:fld>
+            <a:endParaRPr lang="en-US"/>
+          </a:p>
+        </p:txBody>
+      </p:sp>
+    </p:spTree>
+    <p:extLst>
+      <p:ext uri="{BB962C8B-B14F-4D97-AF65-F5344CB8AC3E}">
+        <p14:creationId xmlns:p14="http://schemas.microsoft.com/office/powerpoint/2010/main" val="1848350414"/>
+      </p:ext>
+    </p:extLst>
+  </p:cSld>
+  <p:clrMapOvr>
+    <a:masterClrMapping/>
+  </p:clrMapOvr>
+</p:notes>
+</file>
+
+<file path=ppt/notesSlides/notesSlide9.xml><?xml version="1.0" encoding="utf-8"?>
+<p:notes xmlns:a="http://schemas.openxmlformats.org/drawingml/2006/main" xmlns:r="http://schemas.openxmlformats.org/officeDocument/2006/relationships" xmlns:p="http://schemas.openxmlformats.org/presentationml/2006/main">
+  <p:cSld>
+    <p:spTree>
+      <p:nvGrpSpPr>
+        <p:cNvPr id="1" name=""/>
+        <p:cNvGrpSpPr/>
+        <p:nvPr/>
+      </p:nvGrpSpPr>
+      <p:grpSpPr>
+        <a:xfrm>
+          <a:off x="0" y="0"/>
+          <a:ext cx="0" cy="0"/>
+          <a:chOff x="0" y="0"/>
+          <a:chExt cx="0" cy="0"/>
+        </a:xfrm>
+      </p:grpSpPr>
+      <p:sp>
+        <p:nvSpPr>
+          <p:cNvPr id="2" name="Slide Image Placeholder 1"/>
+          <p:cNvSpPr>
+            <a:spLocks noGrp="1" noRot="1" noChangeAspect="1"/>
+          </p:cNvSpPr>
+          <p:nvPr>
+            <p:ph type="sldImg"/>
+          </p:nvPr>
+        </p:nvSpPr>
+        <p:spPr/>
+      </p:sp>
+      <p:sp>
+        <p:nvSpPr>
+          <p:cNvPr id="3" name="Notes Placeholder 2"/>
+          <p:cNvSpPr>
+            <a:spLocks noGrp="1"/>
+          </p:cNvSpPr>
+          <p:nvPr>
+            <p:ph type="body" idx="1"/>
+          </p:nvPr>
+        </p:nvSpPr>
+        <p:spPr/>
+        <p:txBody>
+          <a:bodyPr/>
+          <a:lstStyle/>
+          <a:p>
             <a:pPr marL="0" marR="0" lvl="0" indent="0" algn="l" defTabSz="914400" rtl="0" eaLnBrk="1" fontAlgn="auto" latinLnBrk="0" hangingPunct="1">
               <a:lnSpc>
                 <a:spcPct val="100000"/>
@@ -2244,7 +2441,7 @@
           <a:p>
             <a:fld id="{54FE5736-E147-4D4C-A630-9DA628E6AE84}" type="slidenum">
               <a:rPr lang="en-US" smtClean="0"/>
-              <a:t>8</a:t>
+              <a:t>9</a:t>
             </a:fld>
             <a:endParaRPr lang="en-US"/>
           </a:p>
@@ -2254,118 +2451,6 @@
     <p:extLst>
       <p:ext uri="{BB962C8B-B14F-4D97-AF65-F5344CB8AC3E}">
         <p14:creationId xmlns:p14="http://schemas.microsoft.com/office/powerpoint/2010/main" val="2057091428"/>
-      </p:ext>
-    </p:extLst>
-  </p:cSld>
-  <p:clrMapOvr>
-    <a:masterClrMapping/>
-  </p:clrMapOvr>
-</p:notes>
-</file>
-
-<file path=ppt/notesSlides/notesSlide9.xml><?xml version="1.0" encoding="utf-8"?>
-<p:notes xmlns:a="http://schemas.openxmlformats.org/drawingml/2006/main" xmlns:r="http://schemas.openxmlformats.org/officeDocument/2006/relationships" xmlns:p="http://schemas.openxmlformats.org/presentationml/2006/main">
-  <p:cSld>
-    <p:spTree>
-      <p:nvGrpSpPr>
-        <p:cNvPr id="1" name=""/>
-        <p:cNvGrpSpPr/>
-        <p:nvPr/>
-      </p:nvGrpSpPr>
-      <p:grpSpPr>
-        <a:xfrm>
-          <a:off x="0" y="0"/>
-          <a:ext cx="0" cy="0"/>
-          <a:chOff x="0" y="0"/>
-          <a:chExt cx="0" cy="0"/>
-        </a:xfrm>
-      </p:grpSpPr>
-      <p:sp>
-        <p:nvSpPr>
-          <p:cNvPr id="2" name="Slide Image Placeholder 1"/>
-          <p:cNvSpPr>
-            <a:spLocks noGrp="1" noRot="1" noChangeAspect="1"/>
-          </p:cNvSpPr>
-          <p:nvPr>
-            <p:ph type="sldImg"/>
-          </p:nvPr>
-        </p:nvSpPr>
-        <p:spPr/>
-      </p:sp>
-      <p:sp>
-        <p:nvSpPr>
-          <p:cNvPr id="3" name="Notes Placeholder 2"/>
-          <p:cNvSpPr>
-            <a:spLocks noGrp="1"/>
-          </p:cNvSpPr>
-          <p:nvPr>
-            <p:ph type="body" idx="1"/>
-          </p:nvPr>
-        </p:nvSpPr>
-        <p:spPr/>
-        <p:txBody>
-          <a:bodyPr/>
-          <a:lstStyle/>
-          <a:p>
-            <a:r>
-              <a:rPr lang="zh-CN" altLang="en-US" dirty="0" smtClean="0"/>
-              <a:t>语料：</a:t>
-            </a:r>
-            <a:r>
-              <a:rPr lang="en-US" altLang="zh-CN" dirty="0" smtClean="0"/>
-              <a:t>《</a:t>
-            </a:r>
-            <a:r>
-              <a:rPr lang="zh-CN" altLang="en-US" dirty="0" smtClean="0"/>
-              <a:t>刘慈欣作品全集</a:t>
-            </a:r>
-            <a:r>
-              <a:rPr lang="en-US" altLang="zh-CN" dirty="0" smtClean="0"/>
-              <a:t>》</a:t>
-            </a:r>
-          </a:p>
-          <a:p>
-            <a:r>
-              <a:rPr lang="en-US" altLang="zh-CN" dirty="0" err="1" smtClean="0"/>
-              <a:t>embedding_size</a:t>
-            </a:r>
-            <a:r>
-              <a:rPr lang="en-US" altLang="zh-CN" dirty="0" smtClean="0"/>
-              <a:t> = 128</a:t>
-            </a:r>
-          </a:p>
-          <a:p>
-            <a:endParaRPr lang="en-US" dirty="0"/>
-          </a:p>
-        </p:txBody>
-      </p:sp>
-      <p:sp>
-        <p:nvSpPr>
-          <p:cNvPr id="4" name="Slide Number Placeholder 3"/>
-          <p:cNvSpPr>
-            <a:spLocks noGrp="1"/>
-          </p:cNvSpPr>
-          <p:nvPr>
-            <p:ph type="sldNum" sz="quarter" idx="10"/>
-          </p:nvPr>
-        </p:nvSpPr>
-        <p:spPr/>
-        <p:txBody>
-          <a:bodyPr/>
-          <a:lstStyle/>
-          <a:p>
-            <a:fld id="{54FE5736-E147-4D4C-A630-9DA628E6AE84}" type="slidenum">
-              <a:rPr lang="en-US" smtClean="0"/>
-              <a:t>9</a:t>
-            </a:fld>
-            <a:endParaRPr lang="en-US"/>
-          </a:p>
-        </p:txBody>
-      </p:sp>
-    </p:spTree>
-    <p:extLst>
-      <p:ext uri="{BB962C8B-B14F-4D97-AF65-F5344CB8AC3E}">
-        <p14:creationId xmlns:p14="http://schemas.microsoft.com/office/powerpoint/2010/main" val="255338048"/>
       </p:ext>
     </p:extLst>
   </p:cSld>
@@ -2506,7 +2591,7 @@
           <a:p>
             <a:fld id="{D2B33C5E-802F-4E1E-BA6D-79BEA44A06DA}" type="datetimeFigureOut">
               <a:rPr lang="en-US" smtClean="0"/>
-              <a:t>11/6/2017</a:t>
+              <a:t>11/7/2017</a:t>
             </a:fld>
             <a:endParaRPr lang="en-US"/>
           </a:p>
@@ -2676,7 +2761,7 @@
           <a:p>
             <a:fld id="{D2B33C5E-802F-4E1E-BA6D-79BEA44A06DA}" type="datetimeFigureOut">
               <a:rPr lang="en-US" smtClean="0"/>
-              <a:t>11/6/2017</a:t>
+              <a:t>11/7/2017</a:t>
             </a:fld>
             <a:endParaRPr lang="en-US"/>
           </a:p>
@@ -2856,7 +2941,7 @@
           <a:p>
             <a:fld id="{D2B33C5E-802F-4E1E-BA6D-79BEA44A06DA}" type="datetimeFigureOut">
               <a:rPr lang="en-US" smtClean="0"/>
-              <a:t>11/6/2017</a:t>
+              <a:t>11/7/2017</a:t>
             </a:fld>
             <a:endParaRPr lang="en-US"/>
           </a:p>
@@ -3026,7 +3111,7 @@
           <a:p>
             <a:fld id="{D2B33C5E-802F-4E1E-BA6D-79BEA44A06DA}" type="datetimeFigureOut">
               <a:rPr lang="en-US" smtClean="0"/>
-              <a:t>11/6/2017</a:t>
+              <a:t>11/7/2017</a:t>
             </a:fld>
             <a:endParaRPr lang="en-US"/>
           </a:p>
@@ -3272,7 +3357,7 @@
           <a:p>
             <a:fld id="{D2B33C5E-802F-4E1E-BA6D-79BEA44A06DA}" type="datetimeFigureOut">
               <a:rPr lang="en-US" smtClean="0"/>
-              <a:t>11/6/2017</a:t>
+              <a:t>11/7/2017</a:t>
             </a:fld>
             <a:endParaRPr lang="en-US"/>
           </a:p>
@@ -3504,7 +3589,7 @@
           <a:p>
             <a:fld id="{D2B33C5E-802F-4E1E-BA6D-79BEA44A06DA}" type="datetimeFigureOut">
               <a:rPr lang="en-US" smtClean="0"/>
-              <a:t>11/6/2017</a:t>
+              <a:t>11/7/2017</a:t>
             </a:fld>
             <a:endParaRPr lang="en-US"/>
           </a:p>
@@ -3871,7 +3956,7 @@
           <a:p>
             <a:fld id="{D2B33C5E-802F-4E1E-BA6D-79BEA44A06DA}" type="datetimeFigureOut">
               <a:rPr lang="en-US" smtClean="0"/>
-              <a:t>11/6/2017</a:t>
+              <a:t>11/7/2017</a:t>
             </a:fld>
             <a:endParaRPr lang="en-US"/>
           </a:p>
@@ -3989,7 +4074,7 @@
           <a:p>
             <a:fld id="{D2B33C5E-802F-4E1E-BA6D-79BEA44A06DA}" type="datetimeFigureOut">
               <a:rPr lang="en-US" smtClean="0"/>
-              <a:t>11/6/2017</a:t>
+              <a:t>11/7/2017</a:t>
             </a:fld>
             <a:endParaRPr lang="en-US"/>
           </a:p>
@@ -4084,7 +4169,7 @@
           <a:p>
             <a:fld id="{D2B33C5E-802F-4E1E-BA6D-79BEA44A06DA}" type="datetimeFigureOut">
               <a:rPr lang="en-US" smtClean="0"/>
-              <a:t>11/6/2017</a:t>
+              <a:t>11/7/2017</a:t>
             </a:fld>
             <a:endParaRPr lang="en-US"/>
           </a:p>
@@ -4361,7 +4446,7 @@
           <a:p>
             <a:fld id="{D2B33C5E-802F-4E1E-BA6D-79BEA44A06DA}" type="datetimeFigureOut">
               <a:rPr lang="en-US" smtClean="0"/>
-              <a:t>11/6/2017</a:t>
+              <a:t>11/7/2017</a:t>
             </a:fld>
             <a:endParaRPr lang="en-US"/>
           </a:p>
@@ -4614,7 +4699,7 @@
           <a:p>
             <a:fld id="{D2B33C5E-802F-4E1E-BA6D-79BEA44A06DA}" type="datetimeFigureOut">
               <a:rPr lang="en-US" smtClean="0"/>
-              <a:t>11/6/2017</a:t>
+              <a:t>11/7/2017</a:t>
             </a:fld>
             <a:endParaRPr lang="en-US"/>
           </a:p>
@@ -4827,7 +4912,7 @@
           <a:p>
             <a:fld id="{D2B33C5E-802F-4E1E-BA6D-79BEA44A06DA}" type="datetimeFigureOut">
               <a:rPr lang="en-US" smtClean="0"/>
-              <a:t>11/6/2017</a:t>
+              <a:t>11/7/2017</a:t>
             </a:fld>
             <a:endParaRPr lang="en-US"/>
           </a:p>
@@ -5328,6 +5413,153 @@
           <a:p>
             <a:r>
               <a:rPr lang="en-US" altLang="zh-CN" dirty="0" smtClean="0"/>
+              <a:t>DEMO</a:t>
+            </a:r>
+            <a:endParaRPr lang="en-US" dirty="0"/>
+          </a:p>
+        </p:txBody>
+      </p:sp>
+      <p:sp>
+        <p:nvSpPr>
+          <p:cNvPr id="4" name="Text Placeholder 3"/>
+          <p:cNvSpPr>
+            <a:spLocks noGrp="1"/>
+          </p:cNvSpPr>
+          <p:nvPr>
+            <p:ph type="body" idx="1"/>
+          </p:nvPr>
+        </p:nvSpPr>
+        <p:spPr/>
+        <p:txBody>
+          <a:bodyPr>
+            <a:normAutofit fontScale="92500" lnSpcReduction="10000"/>
+          </a:bodyPr>
+          <a:lstStyle/>
+          <a:p>
+            <a:r>
+              <a:rPr lang="zh-CN" altLang="en-US" dirty="0" smtClean="0"/>
+              <a:t>注入变量</a:t>
+            </a:r>
+            <a:r>
+              <a:rPr lang="en-US" dirty="0" smtClean="0"/>
+              <a:t>:</a:t>
+            </a:r>
+          </a:p>
+          <a:p>
+            <a:pPr marL="914400" lvl="1" indent="-457200">
+              <a:buFont typeface="Arial" panose="020B0604020202020204" pitchFamily="34" charset="0"/>
+              <a:buChar char="•"/>
+            </a:pPr>
+            <a:r>
+              <a:rPr lang="zh-CN" altLang="en-US" sz="1800" dirty="0"/>
+              <a:t>其</a:t>
+            </a:r>
+            <a:r>
+              <a:rPr lang="zh-CN" altLang="en-US" sz="1800" dirty="0" smtClean="0"/>
+              <a:t>它语料</a:t>
+            </a:r>
+            <a:endParaRPr lang="en-US" altLang="zh-CN" sz="1800" dirty="0" smtClean="0"/>
+          </a:p>
+          <a:p>
+            <a:pPr marL="914400" lvl="1" indent="-457200">
+              <a:buFont typeface="Arial" panose="020B0604020202020204" pitchFamily="34" charset="0"/>
+              <a:buChar char="•"/>
+            </a:pPr>
+            <a:r>
+              <a:rPr lang="zh-CN" altLang="en-US" sz="1800" dirty="0"/>
+              <a:t>输</a:t>
+            </a:r>
+            <a:r>
+              <a:rPr lang="zh-CN" altLang="en-US" sz="1800" dirty="0" smtClean="0"/>
+              <a:t>出层权重</a:t>
+            </a:r>
+            <a:endParaRPr lang="en-US" altLang="zh-CN" sz="1800" dirty="0" smtClean="0"/>
+          </a:p>
+          <a:p>
+            <a:pPr marL="914400" lvl="1" indent="-457200">
+              <a:buFont typeface="Arial" panose="020B0604020202020204" pitchFamily="34" charset="0"/>
+              <a:buChar char="•"/>
+            </a:pPr>
+            <a:r>
+              <a:rPr lang="zh-CN" altLang="en-US" sz="1800" dirty="0"/>
+              <a:t>可视化更多词</a:t>
+            </a:r>
+            <a:endParaRPr lang="en-US" altLang="zh-CN" sz="1800" dirty="0" smtClean="0"/>
+          </a:p>
+          <a:p>
+            <a:pPr marL="914400" lvl="1" indent="-457200">
+              <a:buFont typeface="Arial" panose="020B0604020202020204" pitchFamily="34" charset="0"/>
+              <a:buChar char="•"/>
+            </a:pPr>
+            <a:r>
+              <a:rPr lang="en-US" altLang="zh-CN" sz="1800" dirty="0"/>
+              <a:t>MORE</a:t>
+            </a:r>
+            <a:endParaRPr lang="en-US" altLang="zh-CN" sz="1800" dirty="0" smtClean="0"/>
+          </a:p>
+          <a:p>
+            <a:pPr marL="914400" lvl="1" indent="-457200">
+              <a:buFont typeface="Arial" panose="020B0604020202020204" pitchFamily="34" charset="0"/>
+              <a:buChar char="•"/>
+            </a:pPr>
+            <a:endParaRPr lang="en-US" sz="1200" dirty="0"/>
+          </a:p>
+        </p:txBody>
+      </p:sp>
+    </p:spTree>
+    <p:extLst>
+      <p:ext uri="{BB962C8B-B14F-4D97-AF65-F5344CB8AC3E}">
+        <p14:creationId xmlns:p14="http://schemas.microsoft.com/office/powerpoint/2010/main" val="599600741"/>
+      </p:ext>
+    </p:extLst>
+  </p:cSld>
+  <p:clrMapOvr>
+    <a:masterClrMapping/>
+  </p:clrMapOvr>
+  <p:timing>
+    <p:tnLst>
+      <p:par>
+        <p:cTn id="1" dur="indefinite" restart="never" nodeType="tmRoot"/>
+      </p:par>
+    </p:tnLst>
+  </p:timing>
+</p:sld>
+</file>
+
+<file path=ppt/slides/slide11.xml><?xml version="1.0" encoding="utf-8"?>
+<p:sld xmlns:a="http://schemas.openxmlformats.org/drawingml/2006/main" xmlns:r="http://schemas.openxmlformats.org/officeDocument/2006/relationships" xmlns:p="http://schemas.openxmlformats.org/presentationml/2006/main">
+  <p:cSld>
+    <p:spTree>
+      <p:nvGrpSpPr>
+        <p:cNvPr id="1" name=""/>
+        <p:cNvGrpSpPr/>
+        <p:nvPr/>
+      </p:nvGrpSpPr>
+      <p:grpSpPr>
+        <a:xfrm>
+          <a:off x="0" y="0"/>
+          <a:ext cx="0" cy="0"/>
+          <a:chOff x="0" y="0"/>
+          <a:chExt cx="0" cy="0"/>
+        </a:xfrm>
+      </p:grpSpPr>
+      <p:sp>
+        <p:nvSpPr>
+          <p:cNvPr id="2" name="Title 1"/>
+          <p:cNvSpPr>
+            <a:spLocks noGrp="1"/>
+          </p:cNvSpPr>
+          <p:nvPr>
+            <p:ph type="title"/>
+          </p:nvPr>
+        </p:nvSpPr>
+        <p:spPr/>
+        <p:txBody>
+          <a:bodyPr/>
+          <a:lstStyle/>
+          <a:p>
+            <a:r>
+              <a:rPr lang="en-US" altLang="zh-CN" dirty="0" smtClean="0"/>
               <a:t>Reference</a:t>
             </a:r>
             <a:endParaRPr lang="en-US" dirty="0"/>
@@ -5936,6 +6168,509 @@
           <a:lstStyle/>
           <a:p>
             <a:r>
+              <a:rPr lang="zh-CN" altLang="en-US" dirty="0"/>
+              <a:t>嵌</a:t>
+            </a:r>
+            <a:r>
+              <a:rPr lang="zh-CN" altLang="en-US" dirty="0" smtClean="0"/>
+              <a:t>入在高维空间中的低维流形</a:t>
+            </a:r>
+            <a:endParaRPr lang="en-US" dirty="0"/>
+          </a:p>
+        </p:txBody>
+      </p:sp>
+      <p:sp>
+        <p:nvSpPr>
+          <p:cNvPr id="3" name="Content Placeholder 2"/>
+          <p:cNvSpPr>
+            <a:spLocks noGrp="1"/>
+          </p:cNvSpPr>
+          <p:nvPr>
+            <p:ph idx="1"/>
+          </p:nvPr>
+        </p:nvSpPr>
+        <p:spPr>
+          <a:xfrm>
+            <a:off x="838199" y="1825625"/>
+            <a:ext cx="7885781" cy="4351338"/>
+          </a:xfrm>
+        </p:spPr>
+        <p:txBody>
+          <a:bodyPr>
+            <a:normAutofit lnSpcReduction="10000"/>
+          </a:bodyPr>
+          <a:lstStyle/>
+          <a:p>
+            <a:r>
+              <a:rPr lang="zh-CN" altLang="en-US" dirty="0" smtClean="0"/>
+              <a:t>降维：</a:t>
+            </a:r>
+            <a:r>
+              <a:rPr lang="en-US" altLang="zh-CN" dirty="0" smtClean="0"/>
+              <a:t>M</a:t>
+            </a:r>
+            <a:r>
+              <a:rPr lang="zh-CN" altLang="en-US" dirty="0" smtClean="0"/>
+              <a:t>维空间中的</a:t>
+            </a:r>
+            <a:r>
+              <a:rPr lang="en-US" altLang="zh-CN" dirty="0" smtClean="0"/>
+              <a:t>N </a:t>
+            </a:r>
+            <a:r>
+              <a:rPr lang="zh-CN" altLang="en-US" dirty="0" smtClean="0"/>
+              <a:t>个对象，在</a:t>
+            </a:r>
+            <a:r>
+              <a:rPr lang="en-US" altLang="zh-CN" dirty="0" smtClean="0"/>
+              <a:t>D</a:t>
+            </a:r>
+            <a:r>
+              <a:rPr lang="zh-CN" altLang="en-US" dirty="0" smtClean="0"/>
+              <a:t>维（</a:t>
+            </a:r>
+            <a:r>
+              <a:rPr lang="en-US" altLang="zh-CN" dirty="0" smtClean="0"/>
+              <a:t>D&lt;M</a:t>
+            </a:r>
+            <a:r>
+              <a:rPr lang="zh-CN" altLang="en-US" dirty="0" smtClean="0"/>
+              <a:t>）空间中找到最佳映射。</a:t>
+            </a:r>
+            <a:endParaRPr lang="en-US" altLang="zh-CN" dirty="0" smtClean="0"/>
+          </a:p>
+          <a:p>
+            <a:r>
+              <a:rPr lang="en-US" altLang="zh-CN" dirty="0" smtClean="0"/>
+              <a:t>PCA</a:t>
+            </a:r>
+            <a:r>
+              <a:rPr lang="zh-CN" altLang="en-US" dirty="0" smtClean="0"/>
+              <a:t>：在</a:t>
+            </a:r>
+            <a:r>
+              <a:rPr lang="en-US" altLang="zh-CN" dirty="0" smtClean="0"/>
+              <a:t>M</a:t>
+            </a:r>
+            <a:r>
+              <a:rPr lang="zh-CN" altLang="en-US" dirty="0" smtClean="0"/>
+              <a:t>维空间中找到一个</a:t>
+            </a:r>
+            <a:r>
+              <a:rPr lang="en-US" altLang="zh-CN" dirty="0" smtClean="0"/>
+              <a:t>D</a:t>
+            </a:r>
+            <a:r>
+              <a:rPr lang="zh-CN" altLang="en-US" dirty="0" smtClean="0"/>
+              <a:t>维的超平面，以最小化方差：</a:t>
+            </a:r>
+            <a:endParaRPr lang="en-US" altLang="zh-CN" dirty="0" smtClean="0"/>
+          </a:p>
+          <a:p>
+            <a:endParaRPr lang="en-US" altLang="zh-CN" dirty="0"/>
+          </a:p>
+          <a:p>
+            <a:endParaRPr lang="en-US" altLang="zh-CN" dirty="0" smtClean="0"/>
+          </a:p>
+          <a:p>
+            <a:endParaRPr lang="en-US" altLang="zh-CN" dirty="0" smtClean="0"/>
+          </a:p>
+          <a:p>
+            <a:r>
+              <a:rPr lang="zh-CN" altLang="en-US" dirty="0" smtClean="0"/>
+              <a:t>线性方法的局限性：对象在</a:t>
+            </a:r>
+            <a:r>
+              <a:rPr lang="en-US" altLang="zh-CN" dirty="0"/>
+              <a:t>D</a:t>
+            </a:r>
+            <a:r>
+              <a:rPr lang="zh-CN" altLang="en-US" dirty="0" smtClean="0"/>
+              <a:t>维</a:t>
+            </a:r>
+            <a:r>
+              <a:rPr lang="zh-CN" altLang="en-US" dirty="0"/>
+              <a:t>流形</a:t>
+            </a:r>
+            <a:r>
+              <a:rPr lang="zh-CN" altLang="en-US" dirty="0" smtClean="0"/>
+              <a:t>上。</a:t>
+            </a:r>
+            <a:endParaRPr lang="en-US" altLang="zh-CN" dirty="0" smtClean="0"/>
+          </a:p>
+          <a:p>
+            <a:pPr lvl="1"/>
+            <a:r>
+              <a:rPr lang="zh-CN" altLang="en-US" dirty="0"/>
+              <a:t>流</a:t>
+            </a:r>
+            <a:r>
+              <a:rPr lang="zh-CN" altLang="en-US" dirty="0" smtClean="0"/>
+              <a:t>形：</a:t>
+            </a:r>
+            <a:r>
+              <a:rPr lang="zh-CN" altLang="en-US" dirty="0"/>
+              <a:t>曲线、曲面在高维空间中的推</a:t>
+            </a:r>
+            <a:r>
+              <a:rPr lang="zh-CN" altLang="en-US" dirty="0" smtClean="0"/>
+              <a:t>广，即“超曲面”。</a:t>
+            </a:r>
+            <a:endParaRPr lang="en-US" altLang="zh-CN" dirty="0" smtClean="0"/>
+          </a:p>
+          <a:p>
+            <a:pPr lvl="1"/>
+            <a:r>
+              <a:rPr lang="zh-CN" altLang="en-US" dirty="0" smtClean="0"/>
+              <a:t>嵌入空间、嵌入映射、</a:t>
+            </a:r>
+            <a:r>
+              <a:rPr lang="zh-CN" altLang="en-US" dirty="0"/>
+              <a:t>流行学</a:t>
+            </a:r>
+            <a:r>
+              <a:rPr lang="zh-CN" altLang="en-US" dirty="0" smtClean="0"/>
+              <a:t>习</a:t>
+            </a:r>
+            <a:endParaRPr lang="en-US" altLang="zh-CN" dirty="0" smtClean="0"/>
+          </a:p>
+          <a:p>
+            <a:pPr marL="457200" lvl="1" indent="0">
+              <a:buNone/>
+            </a:pPr>
+            <a:endParaRPr lang="en-US" altLang="zh-CN" dirty="0" smtClean="0"/>
+          </a:p>
+        </p:txBody>
+      </p:sp>
+      <p:pic>
+        <p:nvPicPr>
+          <p:cNvPr id="4" name="Picture 3"/>
+          <p:cNvPicPr>
+            <a:picLocks noChangeAspect="1"/>
+          </p:cNvPicPr>
+          <p:nvPr/>
+        </p:nvPicPr>
+        <p:blipFill>
+          <a:blip r:embed="rId3"/>
+          <a:stretch>
+            <a:fillRect/>
+          </a:stretch>
+        </p:blipFill>
+        <p:spPr>
+          <a:xfrm>
+            <a:off x="9313065" y="305593"/>
+            <a:ext cx="2324100" cy="3695700"/>
+          </a:xfrm>
+          <a:prstGeom prst="rect">
+            <a:avLst/>
+          </a:prstGeom>
+        </p:spPr>
+      </p:pic>
+      <p:sp>
+        <p:nvSpPr>
+          <p:cNvPr id="5" name="TextBox 4"/>
+          <p:cNvSpPr txBox="1"/>
+          <p:nvPr/>
+        </p:nvSpPr>
+        <p:spPr>
+          <a:xfrm>
+            <a:off x="9375007" y="6423471"/>
+            <a:ext cx="2262158" cy="369332"/>
+          </a:xfrm>
+          <a:prstGeom prst="rect">
+            <a:avLst/>
+          </a:prstGeom>
+          <a:noFill/>
+        </p:spPr>
+        <p:txBody>
+          <a:bodyPr wrap="none" rtlCol="0">
+            <a:spAutoFit/>
+          </a:bodyPr>
+          <a:lstStyle/>
+          <a:p>
+            <a:r>
+              <a:rPr lang="zh-CN" altLang="en-US" dirty="0" smtClean="0"/>
+              <a:t>空间结构：两点距离</a:t>
+            </a:r>
+            <a:endParaRPr lang="en-US" dirty="0"/>
+          </a:p>
+        </p:txBody>
+      </p:sp>
+      <p:pic>
+        <p:nvPicPr>
+          <p:cNvPr id="6" name="Picture 2" descr="这里写图片描述"/>
+          <p:cNvPicPr>
+            <a:picLocks noChangeAspect="1" noChangeArrowheads="1"/>
+          </p:cNvPicPr>
+          <p:nvPr/>
+        </p:nvPicPr>
+        <p:blipFill>
+          <a:blip r:embed="rId4">
+            <a:extLst>
+              <a:ext uri="{28A0092B-C50C-407E-A947-70E740481C1C}">
+                <a14:useLocalDpi xmlns:a14="http://schemas.microsoft.com/office/drawing/2010/main" val="0"/>
+              </a:ext>
+            </a:extLst>
+          </a:blip>
+          <a:srcRect/>
+          <a:stretch>
+            <a:fillRect/>
+          </a:stretch>
+        </p:blipFill>
+        <p:spPr bwMode="auto">
+          <a:xfrm>
+            <a:off x="4781089" y="3064066"/>
+            <a:ext cx="3798277" cy="1677573"/>
+          </a:xfrm>
+          <a:prstGeom prst="rect">
+            <a:avLst/>
+          </a:prstGeom>
+          <a:noFill/>
+          <a:extLst>
+            <a:ext uri="{909E8E84-426E-40DD-AFC4-6F175D3DCCD1}">
+              <a14:hiddenFill xmlns:a14="http://schemas.microsoft.com/office/drawing/2010/main">
+                <a:solidFill>
+                  <a:srgbClr val="FFFFFF"/>
+                </a:solidFill>
+              </a14:hiddenFill>
+            </a:ext>
+          </a:extLst>
+        </p:spPr>
+      </p:pic>
+      <p:pic>
+        <p:nvPicPr>
+          <p:cNvPr id="7" name="Picture 6"/>
+          <p:cNvPicPr>
+            <a:picLocks noChangeAspect="1"/>
+          </p:cNvPicPr>
+          <p:nvPr/>
+        </p:nvPicPr>
+        <p:blipFill>
+          <a:blip r:embed="rId5"/>
+          <a:stretch>
+            <a:fillRect/>
+          </a:stretch>
+        </p:blipFill>
+        <p:spPr>
+          <a:xfrm>
+            <a:off x="1283107" y="3406699"/>
+            <a:ext cx="2146463" cy="855360"/>
+          </a:xfrm>
+          <a:prstGeom prst="rect">
+            <a:avLst/>
+          </a:prstGeom>
+        </p:spPr>
+      </p:pic>
+      <p:pic>
+        <p:nvPicPr>
+          <p:cNvPr id="8" name="Picture 7"/>
+          <p:cNvPicPr>
+            <a:picLocks noChangeAspect="1" noChangeArrowheads="1"/>
+          </p:cNvPicPr>
+          <p:nvPr/>
+        </p:nvPicPr>
+        <p:blipFill>
+          <a:blip r:embed="rId6">
+            <a:extLst>
+              <a:ext uri="{28A0092B-C50C-407E-A947-70E740481C1C}">
+                <a14:useLocalDpi xmlns:a14="http://schemas.microsoft.com/office/drawing/2010/main" val="0"/>
+              </a:ext>
+            </a:extLst>
+          </a:blip>
+          <a:srcRect/>
+          <a:stretch>
+            <a:fillRect/>
+          </a:stretch>
+        </p:blipFill>
+        <p:spPr bwMode="auto">
+          <a:xfrm>
+            <a:off x="9256893" y="4566859"/>
+            <a:ext cx="2380272" cy="1856612"/>
+          </a:xfrm>
+          <a:prstGeom prst="rect">
+            <a:avLst/>
+          </a:prstGeom>
+          <a:noFill/>
+          <a:ln>
+            <a:noFill/>
+          </a:ln>
+          <a:extLst>
+            <a:ext uri="{909E8E84-426E-40DD-AFC4-6F175D3DCCD1}">
+              <a14:hiddenFill xmlns:a14="http://schemas.microsoft.com/office/drawing/2010/main">
+                <a:solidFill>
+                  <a:srgbClr val="FFFFFF"/>
+                </a:solidFill>
+              </a14:hiddenFill>
+            </a:ext>
+            <a:ext uri="{91240B29-F687-4F45-9708-019B960494DF}">
+              <a14:hiddenLine xmlns:a14="http://schemas.microsoft.com/office/drawing/2010/main" w="9525">
+                <a:solidFill>
+                  <a:srgbClr val="000000"/>
+                </a:solidFill>
+                <a:miter lim="800000"/>
+                <a:headEnd/>
+                <a:tailEnd/>
+              </a14:hiddenLine>
+            </a:ext>
+          </a:extLst>
+        </p:spPr>
+      </p:pic>
+      <p:sp>
+        <p:nvSpPr>
+          <p:cNvPr id="9" name="TextBox 8"/>
+          <p:cNvSpPr txBox="1"/>
+          <p:nvPr/>
+        </p:nvSpPr>
+        <p:spPr>
+          <a:xfrm>
+            <a:off x="9381020" y="4152472"/>
+            <a:ext cx="2492990" cy="369332"/>
+          </a:xfrm>
+          <a:prstGeom prst="rect">
+            <a:avLst/>
+          </a:prstGeom>
+          <a:noFill/>
+        </p:spPr>
+        <p:txBody>
+          <a:bodyPr wrap="none" rtlCol="0">
+            <a:spAutoFit/>
+          </a:bodyPr>
+          <a:lstStyle/>
+          <a:p>
+            <a:r>
+              <a:rPr lang="zh-CN" altLang="en-US" dirty="0"/>
+              <a:t>三</a:t>
+            </a:r>
+            <a:r>
+              <a:rPr lang="zh-CN" altLang="en-US" dirty="0" smtClean="0"/>
+              <a:t>维空间，两个自由度</a:t>
+            </a:r>
+            <a:endParaRPr lang="en-US" dirty="0"/>
+          </a:p>
+        </p:txBody>
+      </p:sp>
+      <p:sp>
+        <p:nvSpPr>
+          <p:cNvPr id="10" name="TextBox 9"/>
+          <p:cNvSpPr txBox="1"/>
+          <p:nvPr/>
+        </p:nvSpPr>
+        <p:spPr>
+          <a:xfrm>
+            <a:off x="3903926" y="3406699"/>
+            <a:ext cx="877163" cy="646331"/>
+          </a:xfrm>
+          <a:prstGeom prst="rect">
+            <a:avLst/>
+          </a:prstGeom>
+          <a:noFill/>
+        </p:spPr>
+        <p:txBody>
+          <a:bodyPr wrap="none" rtlCol="0">
+            <a:spAutoFit/>
+          </a:bodyPr>
+          <a:lstStyle/>
+          <a:p>
+            <a:r>
+              <a:rPr lang="zh-CN" altLang="en-US" dirty="0" smtClean="0"/>
+              <a:t>各种降</a:t>
+            </a:r>
+            <a:endParaRPr lang="en-US" altLang="zh-CN" dirty="0" smtClean="0"/>
+          </a:p>
+          <a:p>
+            <a:r>
+              <a:rPr lang="zh-CN" altLang="en-US" dirty="0" smtClean="0"/>
+              <a:t>维方法</a:t>
+            </a:r>
+            <a:endParaRPr lang="en-US" dirty="0"/>
+          </a:p>
+        </p:txBody>
+      </p:sp>
+      <p:sp>
+        <p:nvSpPr>
+          <p:cNvPr id="11" name="Rectangle 10"/>
+          <p:cNvSpPr/>
+          <p:nvPr/>
+        </p:nvSpPr>
+        <p:spPr>
+          <a:xfrm>
+            <a:off x="5926689" y="5604890"/>
+            <a:ext cx="1971181" cy="369332"/>
+          </a:xfrm>
+          <a:prstGeom prst="rect">
+            <a:avLst/>
+          </a:prstGeom>
+        </p:spPr>
+        <p:txBody>
+          <a:bodyPr wrap="none">
+            <a:spAutoFit/>
+          </a:bodyPr>
+          <a:lstStyle/>
+          <a:p>
+            <a:r>
+              <a:rPr lang="en-US" altLang="zh-CN" dirty="0" smtClean="0"/>
+              <a:t>Good </a:t>
+            </a:r>
+            <a:r>
+              <a:rPr lang="en-US" altLang="zh-CN" dirty="0"/>
+              <a:t>Read @</a:t>
+            </a:r>
+            <a:r>
+              <a:rPr lang="en-US" altLang="zh-CN" dirty="0">
+                <a:hlinkClick r:id="rId7"/>
+              </a:rPr>
+              <a:t>HERE</a:t>
+            </a:r>
+            <a:endParaRPr lang="en-US" altLang="zh-CN" dirty="0"/>
+          </a:p>
+        </p:txBody>
+      </p:sp>
+    </p:spTree>
+    <p:extLst>
+      <p:ext uri="{BB962C8B-B14F-4D97-AF65-F5344CB8AC3E}">
+        <p14:creationId xmlns:p14="http://schemas.microsoft.com/office/powerpoint/2010/main" val="1515044353"/>
+      </p:ext>
+    </p:extLst>
+  </p:cSld>
+  <p:clrMapOvr>
+    <a:masterClrMapping/>
+  </p:clrMapOvr>
+</p:sld>
+</file>
+
+<file path=ppt/slides/slide4.xml><?xml version="1.0" encoding="utf-8"?>
+<p:sld xmlns:a="http://schemas.openxmlformats.org/drawingml/2006/main" xmlns:r="http://schemas.openxmlformats.org/officeDocument/2006/relationships" xmlns:p="http://schemas.openxmlformats.org/presentationml/2006/main">
+  <p:cSld>
+    <p:spTree>
+      <p:nvGrpSpPr>
+        <p:cNvPr id="1" name=""/>
+        <p:cNvGrpSpPr/>
+        <p:nvPr/>
+      </p:nvGrpSpPr>
+      <p:grpSpPr>
+        <a:xfrm>
+          <a:off x="0" y="0"/>
+          <a:ext cx="0" cy="0"/>
+          <a:chOff x="0" y="0"/>
+          <a:chExt cx="0" cy="0"/>
+        </a:xfrm>
+      </p:grpSpPr>
+      <p:sp>
+        <p:nvSpPr>
+          <p:cNvPr id="2" name="Title 1"/>
+          <p:cNvSpPr>
+            <a:spLocks noGrp="1"/>
+          </p:cNvSpPr>
+          <p:nvPr>
+            <p:ph type="title"/>
+          </p:nvPr>
+        </p:nvSpPr>
+        <p:spPr/>
+        <p:txBody>
+          <a:bodyPr/>
+          <a:lstStyle/>
+          <a:p>
+            <a:r>
               <a:rPr lang="en-US" dirty="0"/>
               <a:t>Word2Vec</a:t>
             </a:r>
@@ -6061,29 +6796,6 @@
               <a:buAutoNum type="arabicPeriod"/>
             </a:pPr>
             <a:endParaRPr lang="en-US" altLang="zh-CN" dirty="0"/>
-          </a:p>
-          <a:p>
-            <a:pPr marL="0" indent="0">
-              <a:buNone/>
-            </a:pPr>
-            <a:r>
-              <a:rPr lang="zh-CN" altLang="en-US" dirty="0" smtClean="0"/>
-              <a:t>流行学习</a:t>
-            </a:r>
-            <a:r>
-              <a:rPr lang="en-US" altLang="zh-CN" dirty="0" smtClean="0"/>
-              <a:t>: One Good Read @</a:t>
-            </a:r>
-            <a:r>
-              <a:rPr lang="en-US" altLang="zh-CN" dirty="0" smtClean="0">
-                <a:hlinkClick r:id="rId3"/>
-              </a:rPr>
-              <a:t>HERE</a:t>
-            </a:r>
-            <a:endParaRPr lang="en-US" altLang="zh-CN" dirty="0" smtClean="0"/>
-          </a:p>
-          <a:p>
-            <a:endParaRPr lang="en-US" altLang="zh-CN" dirty="0" smtClean="0"/>
           </a:p>
         </p:txBody>
       </p:sp>
@@ -6107,7 +6819,7 @@
 </p:sld>
 </file>
 
-<file path=ppt/slides/slide4.xml><?xml version="1.0" encoding="utf-8"?>
+<file path=ppt/slides/slide5.xml><?xml version="1.0" encoding="utf-8"?>
 <p:sld xmlns:a="http://schemas.openxmlformats.org/drawingml/2006/main" xmlns:r="http://schemas.openxmlformats.org/officeDocument/2006/relationships" xmlns:p="http://schemas.openxmlformats.org/presentationml/2006/main">
   <p:cSld>
     <p:spTree>
@@ -6304,7 +7016,7 @@
 </p:sld>
 </file>
 
-<file path=ppt/slides/slide5.xml><?xml version="1.0" encoding="utf-8"?>
+<file path=ppt/slides/slide6.xml><?xml version="1.0" encoding="utf-8"?>
 <p:sld xmlns:a="http://schemas.openxmlformats.org/drawingml/2006/main" xmlns:r="http://schemas.openxmlformats.org/officeDocument/2006/relationships" xmlns:p="http://schemas.openxmlformats.org/presentationml/2006/main">
   <p:cSld>
     <p:spTree>
@@ -6449,47 +7161,6 @@
           </a:prstGeom>
         </p:spPr>
       </p:pic>
-      <p:pic>
-        <p:nvPicPr>
-          <p:cNvPr id="3074" name="Picture 2" descr="这里写图片描述"/>
-          <p:cNvPicPr>
-            <a:picLocks noChangeAspect="1" noChangeArrowheads="1"/>
-          </p:cNvPicPr>
-          <p:nvPr/>
-        </p:nvPicPr>
-        <p:blipFill>
-          <a:blip r:embed="rId6">
-            <a:extLst>
-              <a:ext uri="{28A0092B-C50C-407E-A947-70E740481C1C}">
-                <a14:useLocalDpi xmlns:a14="http://schemas.microsoft.com/office/drawing/2010/main" val="0"/>
-              </a:ext>
-            </a:extLst>
-          </a:blip>
-          <a:srcRect/>
-          <a:stretch>
-            <a:fillRect/>
-          </a:stretch>
-        </p:blipFill>
-        <p:spPr bwMode="auto">
-          <a:xfrm>
-            <a:off x="7326923" y="189119"/>
-            <a:ext cx="3798277" cy="1677573"/>
-          </a:xfrm>
-          <a:prstGeom prst="rect">
-            <a:avLst/>
-          </a:prstGeom>
-          <a:noFill/>
-          <a:extLst>
-            <a:ext uri="{909E8E84-426E-40DD-AFC4-6F175D3DCCD1}">
-              <a14:hiddenFill xmlns:a14="http://schemas.microsoft.com/office/drawing/2010/main">
-                <a:solidFill>
-                  <a:srgbClr val="FFFFFF"/>
-                </a:solidFill>
-              </a14:hiddenFill>
-            </a:ext>
-          </a:extLst>
-        </p:spPr>
-      </p:pic>
       <p:sp>
         <p:nvSpPr>
           <p:cNvPr id="5" name="Up Arrow 4"/>
@@ -6537,7 +7208,7 @@
           <p:nvPr/>
         </p:nvPicPr>
         <p:blipFill>
-          <a:blip r:embed="rId7"/>
+          <a:blip r:embed="rId6"/>
           <a:stretch>
             <a:fillRect/>
           </a:stretch>
@@ -6969,7 +7640,7 @@
           <p:nvPr/>
         </p:nvPicPr>
         <p:blipFill>
-          <a:blip r:embed="rId8"/>
+          <a:blip r:embed="rId7"/>
           <a:stretch>
             <a:fillRect/>
           </a:stretch>
@@ -7064,7 +7735,7 @@
 </p:sld>
 </file>
 
-<file path=ppt/slides/slide6.xml><?xml version="1.0" encoding="utf-8"?>
+<file path=ppt/slides/slide7.xml><?xml version="1.0" encoding="utf-8"?>
 <p:sld xmlns:a="http://schemas.openxmlformats.org/drawingml/2006/main" xmlns:r="http://schemas.openxmlformats.org/officeDocument/2006/relationships" xmlns:p="http://schemas.openxmlformats.org/presentationml/2006/main">
   <p:cSld>
     <p:spTree>
@@ -7268,7 +7939,7 @@
 </p:sld>
 </file>
 
-<file path=ppt/slides/slide7.xml><?xml version="1.0" encoding="utf-8"?>
+<file path=ppt/slides/slide8.xml><?xml version="1.0" encoding="utf-8"?>
 <p:sld xmlns:a="http://schemas.openxmlformats.org/drawingml/2006/main" xmlns:r="http://schemas.openxmlformats.org/officeDocument/2006/relationships" xmlns:p="http://schemas.openxmlformats.org/presentationml/2006/main">
   <p:cSld>
     <p:spTree>
@@ -7560,7 +8231,7 @@
 </p:sld>
 </file>
 
-<file path=ppt/slides/slide8.xml><?xml version="1.0" encoding="utf-8"?>
+<file path=ppt/slides/slide9.xml><?xml version="1.0" encoding="utf-8"?>
 <p:sld xmlns:a="http://schemas.openxmlformats.org/drawingml/2006/main" xmlns:r="http://schemas.openxmlformats.org/officeDocument/2006/relationships" xmlns:p="http://schemas.openxmlformats.org/presentationml/2006/main">
   <p:cSld>
     <p:spTree>
@@ -7855,147 +8526,6 @@
     <p:extLst>
       <p:ext uri="{BB962C8B-B14F-4D97-AF65-F5344CB8AC3E}">
         <p14:creationId xmlns:p14="http://schemas.microsoft.com/office/powerpoint/2010/main" val="2865726831"/>
-      </p:ext>
-    </p:extLst>
-  </p:cSld>
-  <p:clrMapOvr>
-    <a:masterClrMapping/>
-  </p:clrMapOvr>
-  <p:timing>
-    <p:tnLst>
-      <p:par>
-        <p:cTn id="1" dur="indefinite" restart="never" nodeType="tmRoot"/>
-      </p:par>
-    </p:tnLst>
-  </p:timing>
-</p:sld>
-</file>
-
-<file path=ppt/slides/slide9.xml><?xml version="1.0" encoding="utf-8"?>
-<p:sld xmlns:a="http://schemas.openxmlformats.org/drawingml/2006/main" xmlns:r="http://schemas.openxmlformats.org/officeDocument/2006/relationships" xmlns:p="http://schemas.openxmlformats.org/presentationml/2006/main">
-  <p:cSld>
-    <p:spTree>
-      <p:nvGrpSpPr>
-        <p:cNvPr id="1" name=""/>
-        <p:cNvGrpSpPr/>
-        <p:nvPr/>
-      </p:nvGrpSpPr>
-      <p:grpSpPr>
-        <a:xfrm>
-          <a:off x="0" y="0"/>
-          <a:ext cx="0" cy="0"/>
-          <a:chOff x="0" y="0"/>
-          <a:chExt cx="0" cy="0"/>
-        </a:xfrm>
-      </p:grpSpPr>
-      <p:sp>
-        <p:nvSpPr>
-          <p:cNvPr id="2" name="Title 1"/>
-          <p:cNvSpPr>
-            <a:spLocks noGrp="1"/>
-          </p:cNvSpPr>
-          <p:nvPr>
-            <p:ph type="title"/>
-          </p:nvPr>
-        </p:nvSpPr>
-        <p:spPr/>
-        <p:txBody>
-          <a:bodyPr/>
-          <a:lstStyle/>
-          <a:p>
-            <a:r>
-              <a:rPr lang="en-US" altLang="zh-CN" dirty="0" smtClean="0"/>
-              <a:t>DEMO</a:t>
-            </a:r>
-            <a:endParaRPr lang="en-US" dirty="0"/>
-          </a:p>
-        </p:txBody>
-      </p:sp>
-      <p:sp>
-        <p:nvSpPr>
-          <p:cNvPr id="4" name="Text Placeholder 3"/>
-          <p:cNvSpPr>
-            <a:spLocks noGrp="1"/>
-          </p:cNvSpPr>
-          <p:nvPr>
-            <p:ph type="body" idx="1"/>
-          </p:nvPr>
-        </p:nvSpPr>
-        <p:spPr/>
-        <p:txBody>
-          <a:bodyPr/>
-          <a:lstStyle/>
-          <a:p>
-            <a:r>
-              <a:rPr lang="en-US" dirty="0" smtClean="0"/>
-              <a:t>WHAT IF:</a:t>
-            </a:r>
-          </a:p>
-          <a:p>
-            <a:pPr marL="914400" lvl="1" indent="-457200">
-              <a:buFont typeface="Arial" panose="020B0604020202020204" pitchFamily="34" charset="0"/>
-              <a:buChar char="•"/>
-            </a:pPr>
-            <a:r>
-              <a:rPr lang="zh-CN" altLang="en-US" sz="1200" dirty="0"/>
-              <a:t>其</a:t>
-            </a:r>
-            <a:r>
-              <a:rPr lang="zh-CN" altLang="en-US" sz="1200" dirty="0" smtClean="0"/>
-              <a:t>它语料</a:t>
-            </a:r>
-            <a:endParaRPr lang="en-US" altLang="zh-CN" sz="1200" dirty="0" smtClean="0"/>
-          </a:p>
-          <a:p>
-            <a:pPr marL="914400" lvl="1" indent="-457200">
-              <a:buFont typeface="Arial" panose="020B0604020202020204" pitchFamily="34" charset="0"/>
-              <a:buChar char="•"/>
-            </a:pPr>
-            <a:r>
-              <a:rPr lang="zh-CN" altLang="en-US" sz="1200" dirty="0"/>
-              <a:t>输</a:t>
-            </a:r>
-            <a:r>
-              <a:rPr lang="zh-CN" altLang="en-US" sz="1200" dirty="0" smtClean="0"/>
-              <a:t>出层权重</a:t>
-            </a:r>
-            <a:endParaRPr lang="en-US" altLang="zh-CN" sz="1200" dirty="0" smtClean="0"/>
-          </a:p>
-          <a:p>
-            <a:pPr marL="914400" lvl="1" indent="-457200">
-              <a:buFont typeface="Arial" panose="020B0604020202020204" pitchFamily="34" charset="0"/>
-              <a:buChar char="•"/>
-            </a:pPr>
-            <a:r>
-              <a:rPr lang="zh-CN" altLang="en-US" sz="1200" dirty="0" smtClean="0"/>
-              <a:t>可视化更多点</a:t>
-            </a:r>
-            <a:endParaRPr lang="en-US" altLang="zh-CN" sz="1200" dirty="0" smtClean="0"/>
-          </a:p>
-          <a:p>
-            <a:pPr marL="914400" lvl="1" indent="-457200">
-              <a:buFont typeface="Arial" panose="020B0604020202020204" pitchFamily="34" charset="0"/>
-              <a:buChar char="•"/>
-            </a:pPr>
-            <a:r>
-              <a:rPr lang="en-US" altLang="zh-CN" sz="1200" dirty="0"/>
-              <a:t>MORE</a:t>
-            </a:r>
-            <a:endParaRPr lang="en-US" altLang="zh-CN" sz="1200" dirty="0" smtClean="0"/>
-          </a:p>
-          <a:p>
-            <a:pPr marL="914400" lvl="1" indent="-457200">
-              <a:buFont typeface="Arial" panose="020B0604020202020204" pitchFamily="34" charset="0"/>
-              <a:buChar char="•"/>
-            </a:pPr>
-            <a:endParaRPr lang="en-US" sz="1200" dirty="0"/>
-          </a:p>
-        </p:txBody>
-      </p:sp>
-    </p:spTree>
-    <p:extLst>
-      <p:ext uri="{BB962C8B-B14F-4D97-AF65-F5344CB8AC3E}">
-        <p14:creationId xmlns:p14="http://schemas.microsoft.com/office/powerpoint/2010/main" val="599600741"/>
       </p:ext>
     </p:extLst>
   </p:cSld>

--- a/rnn/RNN.pptx
+++ b/rnn/RNN.pptx
@@ -207,7 +207,7 @@
           <a:p>
             <a:fld id="{E338D3E2-78B9-46B1-B41D-5D49C5D26275}" type="datetimeFigureOut">
               <a:rPr lang="en-US" smtClean="0"/>
-              <a:t>11/7/2017</a:t>
+              <a:t>11/9/2017</a:t>
             </a:fld>
             <a:endParaRPr lang="en-US"/>
           </a:p>
@@ -2591,7 +2591,7 @@
           <a:p>
             <a:fld id="{D2B33C5E-802F-4E1E-BA6D-79BEA44A06DA}" type="datetimeFigureOut">
               <a:rPr lang="en-US" smtClean="0"/>
-              <a:t>11/7/2017</a:t>
+              <a:t>11/9/2017</a:t>
             </a:fld>
             <a:endParaRPr lang="en-US"/>
           </a:p>
@@ -2761,7 +2761,7 @@
           <a:p>
             <a:fld id="{D2B33C5E-802F-4E1E-BA6D-79BEA44A06DA}" type="datetimeFigureOut">
               <a:rPr lang="en-US" smtClean="0"/>
-              <a:t>11/7/2017</a:t>
+              <a:t>11/9/2017</a:t>
             </a:fld>
             <a:endParaRPr lang="en-US"/>
           </a:p>
@@ -2941,7 +2941,7 @@
           <a:p>
             <a:fld id="{D2B33C5E-802F-4E1E-BA6D-79BEA44A06DA}" type="datetimeFigureOut">
               <a:rPr lang="en-US" smtClean="0"/>
-              <a:t>11/7/2017</a:t>
+              <a:t>11/9/2017</a:t>
             </a:fld>
             <a:endParaRPr lang="en-US"/>
           </a:p>
@@ -3111,7 +3111,7 @@
           <a:p>
             <a:fld id="{D2B33C5E-802F-4E1E-BA6D-79BEA44A06DA}" type="datetimeFigureOut">
               <a:rPr lang="en-US" smtClean="0"/>
-              <a:t>11/7/2017</a:t>
+              <a:t>11/9/2017</a:t>
             </a:fld>
             <a:endParaRPr lang="en-US"/>
           </a:p>
@@ -3357,7 +3357,7 @@
           <a:p>
             <a:fld id="{D2B33C5E-802F-4E1E-BA6D-79BEA44A06DA}" type="datetimeFigureOut">
               <a:rPr lang="en-US" smtClean="0"/>
-              <a:t>11/7/2017</a:t>
+              <a:t>11/9/2017</a:t>
             </a:fld>
             <a:endParaRPr lang="en-US"/>
           </a:p>
@@ -3589,7 +3589,7 @@
           <a:p>
             <a:fld id="{D2B33C5E-802F-4E1E-BA6D-79BEA44A06DA}" type="datetimeFigureOut">
               <a:rPr lang="en-US" smtClean="0"/>
-              <a:t>11/7/2017</a:t>
+              <a:t>11/9/2017</a:t>
             </a:fld>
             <a:endParaRPr lang="en-US"/>
           </a:p>
@@ -3956,7 +3956,7 @@
           <a:p>
             <a:fld id="{D2B33C5E-802F-4E1E-BA6D-79BEA44A06DA}" type="datetimeFigureOut">
               <a:rPr lang="en-US" smtClean="0"/>
-              <a:t>11/7/2017</a:t>
+              <a:t>11/9/2017</a:t>
             </a:fld>
             <a:endParaRPr lang="en-US"/>
           </a:p>
@@ -4074,7 +4074,7 @@
           <a:p>
             <a:fld id="{D2B33C5E-802F-4E1E-BA6D-79BEA44A06DA}" type="datetimeFigureOut">
               <a:rPr lang="en-US" smtClean="0"/>
-              <a:t>11/7/2017</a:t>
+              <a:t>11/9/2017</a:t>
             </a:fld>
             <a:endParaRPr lang="en-US"/>
           </a:p>
@@ -4169,7 +4169,7 @@
           <a:p>
             <a:fld id="{D2B33C5E-802F-4E1E-BA6D-79BEA44A06DA}" type="datetimeFigureOut">
               <a:rPr lang="en-US" smtClean="0"/>
-              <a:t>11/7/2017</a:t>
+              <a:t>11/9/2017</a:t>
             </a:fld>
             <a:endParaRPr lang="en-US"/>
           </a:p>
@@ -4446,7 +4446,7 @@
           <a:p>
             <a:fld id="{D2B33C5E-802F-4E1E-BA6D-79BEA44A06DA}" type="datetimeFigureOut">
               <a:rPr lang="en-US" smtClean="0"/>
-              <a:t>11/7/2017</a:t>
+              <a:t>11/9/2017</a:t>
             </a:fld>
             <a:endParaRPr lang="en-US"/>
           </a:p>
@@ -4699,7 +4699,7 @@
           <a:p>
             <a:fld id="{D2B33C5E-802F-4E1E-BA6D-79BEA44A06DA}" type="datetimeFigureOut">
               <a:rPr lang="en-US" smtClean="0"/>
-              <a:t>11/7/2017</a:t>
+              <a:t>11/9/2017</a:t>
             </a:fld>
             <a:endParaRPr lang="en-US"/>
           </a:p>
@@ -4912,7 +4912,7 @@
           <a:p>
             <a:fld id="{D2B33C5E-802F-4E1E-BA6D-79BEA44A06DA}" type="datetimeFigureOut">
               <a:rPr lang="en-US" smtClean="0"/>
-              <a:t>11/7/2017</a:t>
+              <a:t>11/9/2017</a:t>
             </a:fld>
             <a:endParaRPr lang="en-US"/>
           </a:p>
@@ -5727,19 +5727,31 @@
           <a:lstStyle/>
           <a:p>
             <a:r>
-              <a:rPr lang="en-US" altLang="zh-CN" dirty="0" smtClean="0"/>
+              <a:rPr lang="en-US" altLang="zh-CN" dirty="0" smtClean="0">
+                <a:latin typeface="+mj-ea"/>
+                <a:ea typeface="+mj-ea"/>
+              </a:rPr>
               <a:t>《</a:t>
             </a:r>
             <a:r>
-              <a:rPr lang="zh-CN" altLang="en-US" dirty="0" smtClean="0"/>
+              <a:rPr lang="zh-CN" altLang="en-US" dirty="0" smtClean="0">
+                <a:latin typeface="+mj-ea"/>
+                <a:ea typeface="+mj-ea"/>
+              </a:rPr>
               <a:t>平面国</a:t>
             </a:r>
             <a:r>
-              <a:rPr lang="en-US" altLang="zh-CN" dirty="0" smtClean="0"/>
+              <a:rPr lang="en-US" altLang="zh-CN" dirty="0" smtClean="0">
+                <a:latin typeface="+mj-ea"/>
+                <a:ea typeface="+mj-ea"/>
+              </a:rPr>
               <a:t>》</a:t>
             </a:r>
             <a:r>
-              <a:rPr lang="zh-CN" altLang="en-US" dirty="0" smtClean="0"/>
+              <a:rPr lang="zh-CN" altLang="en-US" dirty="0" smtClean="0">
+                <a:latin typeface="+mj-ea"/>
+                <a:ea typeface="+mj-ea"/>
+              </a:rPr>
               <a:t>：</a:t>
             </a:r>
             <a:r>
@@ -6202,137 +6214,242 @@
           <a:lstStyle/>
           <a:p>
             <a:r>
-              <a:rPr lang="zh-CN" altLang="en-US" dirty="0" smtClean="0"/>
+              <a:rPr lang="zh-CN" altLang="en-US" dirty="0" smtClean="0">
+                <a:latin typeface="+mj-ea"/>
+                <a:ea typeface="+mj-ea"/>
+              </a:rPr>
               <a:t>降维：</a:t>
             </a:r>
             <a:r>
-              <a:rPr lang="en-US" altLang="zh-CN" dirty="0" smtClean="0"/>
+              <a:rPr lang="en-US" altLang="zh-CN" dirty="0" smtClean="0">
+                <a:latin typeface="+mj-ea"/>
+                <a:ea typeface="+mj-ea"/>
+              </a:rPr>
               <a:t>M</a:t>
             </a:r>
             <a:r>
-              <a:rPr lang="zh-CN" altLang="en-US" dirty="0" smtClean="0"/>
+              <a:rPr lang="zh-CN" altLang="en-US" dirty="0" smtClean="0">
+                <a:latin typeface="+mj-ea"/>
+                <a:ea typeface="+mj-ea"/>
+              </a:rPr>
               <a:t>维空间中的</a:t>
             </a:r>
             <a:r>
-              <a:rPr lang="en-US" altLang="zh-CN" dirty="0" smtClean="0"/>
+              <a:rPr lang="en-US" altLang="zh-CN" dirty="0" smtClean="0">
+                <a:latin typeface="+mj-ea"/>
+                <a:ea typeface="+mj-ea"/>
+              </a:rPr>
               <a:t>N </a:t>
             </a:r>
             <a:r>
-              <a:rPr lang="zh-CN" altLang="en-US" dirty="0" smtClean="0"/>
+              <a:rPr lang="zh-CN" altLang="en-US" dirty="0" smtClean="0">
+                <a:latin typeface="+mj-ea"/>
+                <a:ea typeface="+mj-ea"/>
+              </a:rPr>
               <a:t>个对象，在</a:t>
             </a:r>
             <a:r>
-              <a:rPr lang="en-US" altLang="zh-CN" dirty="0" smtClean="0"/>
+              <a:rPr lang="en-US" altLang="zh-CN" dirty="0" smtClean="0">
+                <a:latin typeface="+mj-ea"/>
+                <a:ea typeface="+mj-ea"/>
+              </a:rPr>
               <a:t>D</a:t>
             </a:r>
             <a:r>
-              <a:rPr lang="zh-CN" altLang="en-US" dirty="0" smtClean="0"/>
+              <a:rPr lang="zh-CN" altLang="en-US" dirty="0" smtClean="0">
+                <a:latin typeface="+mj-ea"/>
+                <a:ea typeface="+mj-ea"/>
+              </a:rPr>
               <a:t>维（</a:t>
             </a:r>
             <a:r>
-              <a:rPr lang="en-US" altLang="zh-CN" dirty="0" smtClean="0"/>
+              <a:rPr lang="en-US" altLang="zh-CN" dirty="0" smtClean="0">
+                <a:latin typeface="+mj-ea"/>
+                <a:ea typeface="+mj-ea"/>
+              </a:rPr>
               <a:t>D&lt;M</a:t>
             </a:r>
             <a:r>
-              <a:rPr lang="zh-CN" altLang="en-US" dirty="0" smtClean="0"/>
+              <a:rPr lang="zh-CN" altLang="en-US" dirty="0" smtClean="0">
+                <a:latin typeface="+mj-ea"/>
+                <a:ea typeface="+mj-ea"/>
+              </a:rPr>
               <a:t>）空间中找到最佳映射。</a:t>
             </a:r>
-            <a:endParaRPr lang="en-US" altLang="zh-CN" dirty="0" smtClean="0"/>
-          </a:p>
-          <a:p>
-            <a:r>
-              <a:rPr lang="en-US" altLang="zh-CN" dirty="0" smtClean="0"/>
+            <a:endParaRPr lang="en-US" altLang="zh-CN" dirty="0" smtClean="0">
+              <a:latin typeface="+mj-ea"/>
+              <a:ea typeface="+mj-ea"/>
+            </a:endParaRPr>
+          </a:p>
+          <a:p>
+            <a:r>
+              <a:rPr lang="en-US" altLang="zh-CN" dirty="0" smtClean="0">
+                <a:latin typeface="+mj-ea"/>
+                <a:ea typeface="+mj-ea"/>
+              </a:rPr>
               <a:t>PCA</a:t>
             </a:r>
             <a:r>
-              <a:rPr lang="zh-CN" altLang="en-US" dirty="0" smtClean="0"/>
+              <a:rPr lang="zh-CN" altLang="en-US" dirty="0" smtClean="0">
+                <a:latin typeface="+mj-ea"/>
+                <a:ea typeface="+mj-ea"/>
+              </a:rPr>
               <a:t>：在</a:t>
             </a:r>
             <a:r>
-              <a:rPr lang="en-US" altLang="zh-CN" dirty="0" smtClean="0"/>
+              <a:rPr lang="en-US" altLang="zh-CN" dirty="0" smtClean="0">
+                <a:latin typeface="+mj-ea"/>
+                <a:ea typeface="+mj-ea"/>
+              </a:rPr>
               <a:t>M</a:t>
             </a:r>
             <a:r>
-              <a:rPr lang="zh-CN" altLang="en-US" dirty="0" smtClean="0"/>
+              <a:rPr lang="zh-CN" altLang="en-US" dirty="0" smtClean="0">
+                <a:latin typeface="+mj-ea"/>
+                <a:ea typeface="+mj-ea"/>
+              </a:rPr>
               <a:t>维空间中找到一个</a:t>
             </a:r>
             <a:r>
-              <a:rPr lang="en-US" altLang="zh-CN" dirty="0" smtClean="0"/>
+              <a:rPr lang="en-US" altLang="zh-CN" dirty="0" smtClean="0">
+                <a:latin typeface="+mj-ea"/>
+                <a:ea typeface="+mj-ea"/>
+              </a:rPr>
               <a:t>D</a:t>
             </a:r>
             <a:r>
-              <a:rPr lang="zh-CN" altLang="en-US" dirty="0" smtClean="0"/>
+              <a:rPr lang="zh-CN" altLang="en-US" dirty="0" smtClean="0">
+                <a:latin typeface="+mj-ea"/>
+                <a:ea typeface="+mj-ea"/>
+              </a:rPr>
               <a:t>维的超平面，以最小化方差：</a:t>
             </a:r>
-            <a:endParaRPr lang="en-US" altLang="zh-CN" dirty="0" smtClean="0"/>
-          </a:p>
-          <a:p>
-            <a:endParaRPr lang="en-US" altLang="zh-CN" dirty="0"/>
-          </a:p>
-          <a:p>
-            <a:endParaRPr lang="en-US" altLang="zh-CN" dirty="0" smtClean="0"/>
-          </a:p>
-          <a:p>
-            <a:endParaRPr lang="en-US" altLang="zh-CN" dirty="0" smtClean="0"/>
-          </a:p>
-          <a:p>
-            <a:r>
-              <a:rPr lang="zh-CN" altLang="en-US" dirty="0" smtClean="0"/>
+            <a:endParaRPr lang="en-US" altLang="zh-CN" dirty="0" smtClean="0">
+              <a:latin typeface="+mj-ea"/>
+              <a:ea typeface="+mj-ea"/>
+            </a:endParaRPr>
+          </a:p>
+          <a:p>
+            <a:endParaRPr lang="en-US" altLang="zh-CN" dirty="0">
+              <a:latin typeface="+mj-ea"/>
+              <a:ea typeface="+mj-ea"/>
+            </a:endParaRPr>
+          </a:p>
+          <a:p>
+            <a:endParaRPr lang="en-US" altLang="zh-CN" dirty="0" smtClean="0">
+              <a:latin typeface="+mj-ea"/>
+              <a:ea typeface="+mj-ea"/>
+            </a:endParaRPr>
+          </a:p>
+          <a:p>
+            <a:endParaRPr lang="en-US" altLang="zh-CN" dirty="0" smtClean="0">
+              <a:latin typeface="+mj-ea"/>
+              <a:ea typeface="+mj-ea"/>
+            </a:endParaRPr>
+          </a:p>
+          <a:p>
+            <a:r>
+              <a:rPr lang="zh-CN" altLang="en-US" dirty="0" smtClean="0">
+                <a:latin typeface="+mj-ea"/>
+                <a:ea typeface="+mj-ea"/>
+              </a:rPr>
               <a:t>线性方法的局限性：对象在</a:t>
             </a:r>
             <a:r>
-              <a:rPr lang="en-US" altLang="zh-CN" dirty="0"/>
+              <a:rPr lang="en-US" altLang="zh-CN" dirty="0">
+                <a:latin typeface="+mj-ea"/>
+                <a:ea typeface="+mj-ea"/>
+              </a:rPr>
               <a:t>D</a:t>
             </a:r>
             <a:r>
-              <a:rPr lang="zh-CN" altLang="en-US" dirty="0" smtClean="0"/>
+              <a:rPr lang="zh-CN" altLang="en-US" dirty="0" smtClean="0">
+                <a:latin typeface="+mj-ea"/>
+                <a:ea typeface="+mj-ea"/>
+              </a:rPr>
               <a:t>维</a:t>
             </a:r>
             <a:r>
-              <a:rPr lang="zh-CN" altLang="en-US" dirty="0"/>
+              <a:rPr lang="zh-CN" altLang="en-US" dirty="0">
+                <a:latin typeface="+mj-ea"/>
+                <a:ea typeface="+mj-ea"/>
+              </a:rPr>
               <a:t>流形</a:t>
             </a:r>
             <a:r>
-              <a:rPr lang="zh-CN" altLang="en-US" dirty="0" smtClean="0"/>
+              <a:rPr lang="zh-CN" altLang="en-US" dirty="0" smtClean="0">
+                <a:latin typeface="+mj-ea"/>
+                <a:ea typeface="+mj-ea"/>
+              </a:rPr>
               <a:t>上。</a:t>
             </a:r>
-            <a:endParaRPr lang="en-US" altLang="zh-CN" dirty="0" smtClean="0"/>
+            <a:endParaRPr lang="en-US" altLang="zh-CN" dirty="0" smtClean="0">
+              <a:latin typeface="+mj-ea"/>
+              <a:ea typeface="+mj-ea"/>
+            </a:endParaRPr>
           </a:p>
           <a:p>
             <a:pPr lvl="1"/>
             <a:r>
-              <a:rPr lang="zh-CN" altLang="en-US" dirty="0"/>
+              <a:rPr lang="zh-CN" altLang="en-US" dirty="0">
+                <a:latin typeface="+mj-ea"/>
+                <a:ea typeface="+mj-ea"/>
+              </a:rPr>
               <a:t>流</a:t>
             </a:r>
             <a:r>
-              <a:rPr lang="zh-CN" altLang="en-US" dirty="0" smtClean="0"/>
+              <a:rPr lang="zh-CN" altLang="en-US" dirty="0" smtClean="0">
+                <a:latin typeface="+mj-ea"/>
+                <a:ea typeface="+mj-ea"/>
+              </a:rPr>
               <a:t>形：</a:t>
             </a:r>
             <a:r>
-              <a:rPr lang="zh-CN" altLang="en-US" dirty="0"/>
+              <a:rPr lang="zh-CN" altLang="en-US" dirty="0">
+                <a:latin typeface="+mj-ea"/>
+                <a:ea typeface="+mj-ea"/>
+              </a:rPr>
               <a:t>曲线、曲面在高维空间中的推</a:t>
             </a:r>
             <a:r>
-              <a:rPr lang="zh-CN" altLang="en-US" dirty="0" smtClean="0"/>
+              <a:rPr lang="zh-CN" altLang="en-US" dirty="0" smtClean="0">
+                <a:latin typeface="+mj-ea"/>
+                <a:ea typeface="+mj-ea"/>
+              </a:rPr>
               <a:t>广，即“超曲面”。</a:t>
             </a:r>
-            <a:endParaRPr lang="en-US" altLang="zh-CN" dirty="0" smtClean="0"/>
+            <a:endParaRPr lang="en-US" altLang="zh-CN" dirty="0" smtClean="0">
+              <a:latin typeface="+mj-ea"/>
+              <a:ea typeface="+mj-ea"/>
+            </a:endParaRPr>
           </a:p>
           <a:p>
             <a:pPr lvl="1"/>
             <a:r>
-              <a:rPr lang="zh-CN" altLang="en-US" dirty="0" smtClean="0"/>
+              <a:rPr lang="zh-CN" altLang="en-US" dirty="0" smtClean="0">
+                <a:latin typeface="+mj-ea"/>
+                <a:ea typeface="+mj-ea"/>
+              </a:rPr>
               <a:t>嵌入空间、嵌入映射、</a:t>
             </a:r>
             <a:r>
-              <a:rPr lang="zh-CN" altLang="en-US" dirty="0"/>
+              <a:rPr lang="zh-CN" altLang="en-US" dirty="0">
+                <a:latin typeface="+mj-ea"/>
+                <a:ea typeface="+mj-ea"/>
+              </a:rPr>
               <a:t>流行学</a:t>
             </a:r>
             <a:r>
-              <a:rPr lang="zh-CN" altLang="en-US" dirty="0" smtClean="0"/>
+              <a:rPr lang="zh-CN" altLang="en-US" dirty="0" smtClean="0">
+                <a:latin typeface="+mj-ea"/>
+                <a:ea typeface="+mj-ea"/>
+              </a:rPr>
               <a:t>习</a:t>
             </a:r>
-            <a:endParaRPr lang="en-US" altLang="zh-CN" dirty="0" smtClean="0"/>
+            <a:endParaRPr lang="en-US" altLang="zh-CN" dirty="0" smtClean="0">
+              <a:latin typeface="+mj-ea"/>
+              <a:ea typeface="+mj-ea"/>
+            </a:endParaRPr>
           </a:p>
           <a:p>
             <a:pPr marL="457200" lvl="1" indent="0">
@@ -6693,25 +6810,40 @@
           <a:lstStyle/>
           <a:p>
             <a:r>
-              <a:rPr lang="zh-CN" altLang="en-US" dirty="0"/>
+              <a:rPr lang="zh-CN" altLang="en-US" dirty="0">
+                <a:latin typeface="+mj-ea"/>
+                <a:ea typeface="+mj-ea"/>
+              </a:rPr>
               <a:t>嵌入（</a:t>
             </a:r>
             <a:r>
-              <a:rPr lang="en-US" altLang="zh-CN" dirty="0"/>
+              <a:rPr lang="en-US" altLang="zh-CN" dirty="0">
+                <a:latin typeface="+mj-ea"/>
+                <a:ea typeface="+mj-ea"/>
+              </a:rPr>
               <a:t>embedding</a:t>
             </a:r>
             <a:r>
-              <a:rPr lang="zh-CN" altLang="en-US" dirty="0"/>
+              <a:rPr lang="zh-CN" altLang="en-US" dirty="0">
+                <a:latin typeface="+mj-ea"/>
+                <a:ea typeface="+mj-ea"/>
+              </a:rPr>
               <a:t>）</a:t>
             </a:r>
-            <a:endParaRPr lang="en-US" dirty="0"/>
+            <a:endParaRPr lang="en-US" dirty="0">
+              <a:latin typeface="+mj-ea"/>
+              <a:ea typeface="+mj-ea"/>
+            </a:endParaRPr>
           </a:p>
           <a:p>
             <a:pPr marL="514350" indent="-514350">
               <a:buFont typeface="+mj-lt"/>
               <a:buAutoNum type="arabicPeriod"/>
             </a:pPr>
-            <a:endParaRPr lang="en-US" altLang="zh-CN" dirty="0" smtClean="0"/>
+            <a:endParaRPr lang="en-US" altLang="zh-CN" dirty="0" smtClean="0">
+              <a:latin typeface="+mj-ea"/>
+              <a:ea typeface="+mj-ea"/>
+            </a:endParaRPr>
           </a:p>
           <a:p>
             <a:pPr marL="514350" indent="-514350">
@@ -6719,26 +6851,44 @@
               <a:buAutoNum type="arabicPeriod"/>
             </a:pPr>
             <a:r>
-              <a:rPr lang="zh-CN" altLang="en-US" dirty="0" smtClean="0"/>
+              <a:rPr lang="zh-CN" altLang="en-US" dirty="0" smtClean="0">
+                <a:latin typeface="+mj-ea"/>
+                <a:ea typeface="+mj-ea"/>
+              </a:rPr>
               <a:t>从</a:t>
             </a:r>
             <a:r>
-              <a:rPr lang="zh-CN" altLang="en-US" dirty="0"/>
+              <a:rPr lang="zh-CN" altLang="en-US" dirty="0">
+                <a:latin typeface="+mj-ea"/>
+                <a:ea typeface="+mj-ea"/>
+              </a:rPr>
               <a:t>大量文本语料中以无监督的方</a:t>
             </a:r>
             <a:r>
-              <a:rPr lang="zh-CN" altLang="en-US" dirty="0" smtClean="0"/>
+              <a:rPr lang="zh-CN" altLang="en-US" dirty="0" smtClean="0">
+                <a:latin typeface="+mj-ea"/>
+                <a:ea typeface="+mj-ea"/>
+              </a:rPr>
               <a:t>式提取语义</a:t>
             </a:r>
             <a:r>
-              <a:rPr lang="zh-CN" altLang="en-US" dirty="0"/>
+              <a:rPr lang="zh-CN" altLang="en-US" dirty="0">
+                <a:latin typeface="+mj-ea"/>
+                <a:ea typeface="+mj-ea"/>
+              </a:rPr>
               <a:t>信</a:t>
             </a:r>
             <a:r>
-              <a:rPr lang="zh-CN" altLang="en-US" dirty="0" smtClean="0"/>
+              <a:rPr lang="zh-CN" altLang="en-US" dirty="0" smtClean="0">
+                <a:latin typeface="+mj-ea"/>
+                <a:ea typeface="+mj-ea"/>
+              </a:rPr>
               <a:t>息</a:t>
             </a:r>
-            <a:endParaRPr lang="en-US" altLang="zh-CN" dirty="0" smtClean="0"/>
+            <a:endParaRPr lang="en-US" altLang="zh-CN" dirty="0" smtClean="0">
+              <a:latin typeface="+mj-ea"/>
+              <a:ea typeface="+mj-ea"/>
+            </a:endParaRPr>
           </a:p>
           <a:p>
             <a:pPr marL="514350" indent="-514350">
@@ -6746,14 +6896,23 @@
               <a:buAutoNum type="arabicPeriod"/>
             </a:pPr>
             <a:r>
-              <a:rPr lang="zh-CN" altLang="en-US" dirty="0"/>
+              <a:rPr lang="zh-CN" altLang="en-US" dirty="0">
+                <a:latin typeface="+mj-ea"/>
+                <a:ea typeface="+mj-ea"/>
+              </a:rPr>
               <a:t>用词向量的方式表征词的语义信</a:t>
             </a:r>
             <a:r>
-              <a:rPr lang="zh-CN" altLang="en-US" dirty="0" smtClean="0"/>
+              <a:rPr lang="zh-CN" altLang="en-US" dirty="0" smtClean="0">
+                <a:latin typeface="+mj-ea"/>
+                <a:ea typeface="+mj-ea"/>
+              </a:rPr>
               <a:t>息</a:t>
             </a:r>
-            <a:endParaRPr lang="en-US" altLang="zh-CN" dirty="0" smtClean="0"/>
+            <a:endParaRPr lang="en-US" altLang="zh-CN" dirty="0" smtClean="0">
+              <a:latin typeface="+mj-ea"/>
+              <a:ea typeface="+mj-ea"/>
+            </a:endParaRPr>
           </a:p>
           <a:p>
             <a:pPr marL="514350" indent="-514350">
@@ -6761,34 +6920,58 @@
               <a:buAutoNum type="arabicPeriod"/>
             </a:pPr>
             <a:r>
-              <a:rPr lang="zh-CN" altLang="en-US" dirty="0" smtClean="0"/>
+              <a:rPr lang="zh-CN" altLang="en-US" dirty="0" smtClean="0">
+                <a:latin typeface="+mj-ea"/>
+                <a:ea typeface="+mj-ea"/>
+              </a:rPr>
               <a:t>语</a:t>
             </a:r>
             <a:r>
-              <a:rPr lang="zh-CN" altLang="en-US" dirty="0"/>
+              <a:rPr lang="zh-CN" altLang="en-US" dirty="0">
+                <a:latin typeface="+mj-ea"/>
+                <a:ea typeface="+mj-ea"/>
+              </a:rPr>
               <a:t>义上相似</a:t>
             </a:r>
             <a:r>
-              <a:rPr lang="zh-CN" altLang="en-US" dirty="0" smtClean="0"/>
+              <a:rPr lang="zh-CN" altLang="en-US" dirty="0" smtClean="0">
+                <a:latin typeface="+mj-ea"/>
+                <a:ea typeface="+mj-ea"/>
+              </a:rPr>
               <a:t>的词在</a:t>
             </a:r>
             <a:r>
-              <a:rPr lang="zh-CN" altLang="en-US" dirty="0"/>
+              <a:rPr lang="zh-CN" altLang="en-US" dirty="0">
+                <a:latin typeface="+mj-ea"/>
+                <a:ea typeface="+mj-ea"/>
+              </a:rPr>
               <a:t>嵌入空</a:t>
             </a:r>
             <a:r>
-              <a:rPr lang="zh-CN" altLang="en-US" dirty="0" smtClean="0"/>
+              <a:rPr lang="zh-CN" altLang="en-US" dirty="0" smtClean="0">
+                <a:latin typeface="+mj-ea"/>
+                <a:ea typeface="+mj-ea"/>
+              </a:rPr>
               <a:t>间内</a:t>
             </a:r>
             <a:r>
-              <a:rPr lang="zh-CN" altLang="en-US" dirty="0"/>
+              <a:rPr lang="zh-CN" altLang="en-US" dirty="0">
+                <a:latin typeface="+mj-ea"/>
+                <a:ea typeface="+mj-ea"/>
+              </a:rPr>
               <a:t>距</a:t>
             </a:r>
             <a:r>
-              <a:rPr lang="zh-CN" altLang="en-US" dirty="0" smtClean="0"/>
+              <a:rPr lang="zh-CN" altLang="en-US" dirty="0" smtClean="0">
+                <a:latin typeface="+mj-ea"/>
+                <a:ea typeface="+mj-ea"/>
+              </a:rPr>
               <a:t>离相近</a:t>
             </a:r>
-            <a:endParaRPr lang="en-US" altLang="zh-CN" dirty="0" smtClean="0"/>
+            <a:endParaRPr lang="en-US" altLang="zh-CN" dirty="0" smtClean="0">
+              <a:latin typeface="+mj-ea"/>
+              <a:ea typeface="+mj-ea"/>
+            </a:endParaRPr>
           </a:p>
           <a:p>
             <a:pPr marL="514350" indent="-514350">
@@ -6894,51 +7077,87 @@
           <a:lstStyle/>
           <a:p>
             <a:r>
-              <a:rPr lang="en-US" sz="1600" dirty="0"/>
+              <a:rPr lang="en-US" sz="1600" dirty="0">
+                <a:latin typeface="+mj-ea"/>
+                <a:ea typeface="+mj-ea"/>
+              </a:rPr>
               <a:t>Skip-Gram</a:t>
             </a:r>
             <a:r>
-              <a:rPr lang="zh-CN" altLang="en-US" sz="1600" dirty="0"/>
+              <a:rPr lang="zh-CN" altLang="en-US" sz="1600" dirty="0">
+                <a:latin typeface="+mj-ea"/>
+                <a:ea typeface="+mj-ea"/>
+              </a:rPr>
               <a:t>是给定</a:t>
             </a:r>
             <a:r>
-              <a:rPr lang="en-US" sz="1600" dirty="0"/>
+              <a:rPr lang="en-US" sz="1600" dirty="0">
+                <a:latin typeface="+mj-ea"/>
+                <a:ea typeface="+mj-ea"/>
+              </a:rPr>
               <a:t>input word</a:t>
             </a:r>
             <a:r>
-              <a:rPr lang="zh-CN" altLang="en-US" sz="1600" dirty="0"/>
+              <a:rPr lang="zh-CN" altLang="en-US" sz="1600" dirty="0">
+                <a:latin typeface="+mj-ea"/>
+                <a:ea typeface="+mj-ea"/>
+              </a:rPr>
               <a:t>来预测上下文。而</a:t>
             </a:r>
             <a:r>
-              <a:rPr lang="en-US" sz="1600" dirty="0"/>
+              <a:rPr lang="en-US" sz="1600" dirty="0">
+                <a:latin typeface="+mj-ea"/>
+                <a:ea typeface="+mj-ea"/>
+              </a:rPr>
               <a:t>CBOW</a:t>
             </a:r>
             <a:r>
-              <a:rPr lang="zh-CN" altLang="en-US" sz="1600" dirty="0"/>
+              <a:rPr lang="zh-CN" altLang="en-US" sz="1600" dirty="0">
+                <a:latin typeface="+mj-ea"/>
+                <a:ea typeface="+mj-ea"/>
+              </a:rPr>
               <a:t>是给定上下文，来预测</a:t>
             </a:r>
             <a:r>
-              <a:rPr lang="en-US" sz="1600" dirty="0"/>
+              <a:rPr lang="en-US" sz="1600" dirty="0">
+                <a:latin typeface="+mj-ea"/>
+                <a:ea typeface="+mj-ea"/>
+              </a:rPr>
               <a:t>input word</a:t>
             </a:r>
             <a:r>
-              <a:rPr lang="en-US" sz="1600" dirty="0" smtClean="0"/>
+              <a:rPr lang="en-US" sz="1600" dirty="0" smtClean="0">
+                <a:latin typeface="+mj-ea"/>
+                <a:ea typeface="+mj-ea"/>
+              </a:rPr>
               <a:t>。</a:t>
             </a:r>
           </a:p>
           <a:p>
-            <a:endParaRPr lang="en-US" sz="1600" dirty="0"/>
-          </a:p>
-          <a:p>
-            <a:r>
-              <a:rPr lang="en-US" sz="1600" dirty="0" smtClean="0"/>
+            <a:endParaRPr lang="en-US" sz="1600" dirty="0">
+              <a:latin typeface="+mj-ea"/>
+              <a:ea typeface="+mj-ea"/>
+            </a:endParaRPr>
+          </a:p>
+          <a:p>
+            <a:r>
+              <a:rPr lang="en-US" sz="1600" dirty="0" smtClean="0">
+                <a:latin typeface="+mj-ea"/>
+                <a:ea typeface="+mj-ea"/>
+              </a:rPr>
               <a:t>Word2Vec</a:t>
             </a:r>
             <a:r>
-              <a:rPr lang="zh-CN" altLang="en-US" sz="1600" dirty="0" smtClean="0"/>
+              <a:rPr lang="zh-CN" altLang="en-US" sz="1600" dirty="0" smtClean="0">
+                <a:latin typeface="+mj-ea"/>
+                <a:ea typeface="+mj-ea"/>
+              </a:rPr>
               <a:t>分两步：</a:t>
             </a:r>
-            <a:endParaRPr lang="en-US" altLang="zh-CN" sz="1600" dirty="0" smtClean="0"/>
+            <a:endParaRPr lang="en-US" altLang="zh-CN" sz="1600" dirty="0" smtClean="0">
+              <a:latin typeface="+mj-ea"/>
+              <a:ea typeface="+mj-ea"/>
+            </a:endParaRPr>
           </a:p>
           <a:p>
             <a:pPr lvl="1">
@@ -6946,14 +7165,23 @@
               <a:buAutoNum type="arabicPeriod"/>
             </a:pPr>
             <a:r>
-              <a:rPr lang="zh-CN" altLang="en-US" sz="1050" dirty="0"/>
+              <a:rPr lang="zh-CN" altLang="en-US" sz="1050" dirty="0">
+                <a:latin typeface="+mj-ea"/>
+                <a:ea typeface="+mj-ea"/>
+              </a:rPr>
               <a:t>建立模</a:t>
             </a:r>
             <a:r>
-              <a:rPr lang="zh-CN" altLang="en-US" sz="1050" dirty="0" smtClean="0"/>
+              <a:rPr lang="zh-CN" altLang="en-US" sz="1050" dirty="0" smtClean="0">
+                <a:latin typeface="+mj-ea"/>
+                <a:ea typeface="+mj-ea"/>
+              </a:rPr>
               <a:t>型</a:t>
             </a:r>
-            <a:endParaRPr lang="en-US" altLang="zh-CN" sz="1050" dirty="0" smtClean="0"/>
+            <a:endParaRPr lang="en-US" altLang="zh-CN" sz="1050" dirty="0" smtClean="0">
+              <a:latin typeface="+mj-ea"/>
+              <a:ea typeface="+mj-ea"/>
+            </a:endParaRPr>
           </a:p>
           <a:p>
             <a:pPr lvl="1">
@@ -6961,10 +7189,16 @@
               <a:buAutoNum type="arabicPeriod"/>
             </a:pPr>
             <a:r>
-              <a:rPr lang="zh-CN" altLang="en-US" sz="1050" dirty="0"/>
+              <a:rPr lang="zh-CN" altLang="en-US" sz="1050" dirty="0">
+                <a:latin typeface="+mj-ea"/>
+                <a:ea typeface="+mj-ea"/>
+              </a:rPr>
               <a:t>通过模型获取嵌入词向量</a:t>
             </a:r>
-            <a:endParaRPr lang="en-US" altLang="zh-CN" sz="1050" dirty="0" smtClean="0"/>
+            <a:endParaRPr lang="en-US" altLang="zh-CN" sz="1050" dirty="0" smtClean="0">
+              <a:latin typeface="+mj-ea"/>
+              <a:ea typeface="+mj-ea"/>
+            </a:endParaRPr>
           </a:p>
           <a:p>
             <a:pPr lvl="1"/>
@@ -7110,30 +7344,46 @@
           </a:p>
           <a:p>
             <a:r>
-              <a:rPr lang="en-US" altLang="zh-CN" dirty="0" smtClean="0"/>
+              <a:rPr lang="en-US" altLang="zh-CN" dirty="0" smtClean="0">
+                <a:latin typeface="+mj-ea"/>
+                <a:ea typeface="+mj-ea"/>
+              </a:rPr>
               <a:t>One </a:t>
             </a:r>
             <a:r>
-              <a:rPr lang="en-US" altLang="zh-CN" dirty="0"/>
+              <a:rPr lang="en-US" altLang="zh-CN" dirty="0">
+                <a:latin typeface="+mj-ea"/>
+                <a:ea typeface="+mj-ea"/>
+              </a:rPr>
               <a:t>Good Read @</a:t>
             </a:r>
             <a:r>
               <a:rPr lang="en-US" altLang="zh-CN" dirty="0" smtClean="0">
+                <a:latin typeface="+mj-ea"/>
+                <a:ea typeface="+mj-ea"/>
                 <a:hlinkClick r:id="rId3"/>
               </a:rPr>
               <a:t>HERE</a:t>
             </a:r>
             <a:r>
-              <a:rPr lang="en-US" altLang="zh-CN" dirty="0" smtClean="0"/>
+              <a:rPr lang="en-US" altLang="zh-CN" dirty="0" smtClean="0">
+                <a:latin typeface="+mj-ea"/>
+                <a:ea typeface="+mj-ea"/>
+              </a:rPr>
               <a:t> &amp; </a:t>
             </a:r>
             <a:r>
               <a:rPr lang="en-US" altLang="zh-CN" dirty="0" smtClean="0">
+                <a:latin typeface="+mj-ea"/>
+                <a:ea typeface="+mj-ea"/>
                 <a:hlinkClick r:id="rId4"/>
               </a:rPr>
               <a:t>HERE</a:t>
             </a:r>
-            <a:endParaRPr lang="en-US" dirty="0"/>
+            <a:endParaRPr lang="en-US" dirty="0">
+              <a:latin typeface="+mj-ea"/>
+              <a:ea typeface="+mj-ea"/>
+            </a:endParaRPr>
           </a:p>
         </p:txBody>
       </p:sp>
@@ -7797,84 +8047,141 @@
           <a:lstStyle/>
           <a:p>
             <a:r>
-              <a:rPr lang="zh-CN" altLang="en-US" sz="2000" dirty="0"/>
+              <a:rPr lang="zh-CN" altLang="en-US" sz="2000" dirty="0">
+                <a:latin typeface="+mj-ea"/>
+                <a:ea typeface="+mj-ea"/>
+              </a:rPr>
               <a:t>构建一个完整的神经网络作为我们的“</a:t>
             </a:r>
             <a:r>
-              <a:rPr lang="en-US" altLang="zh-CN" sz="2000" dirty="0"/>
+              <a:rPr lang="en-US" altLang="zh-CN" sz="2000" dirty="0">
+                <a:latin typeface="+mj-ea"/>
+                <a:ea typeface="+mj-ea"/>
+              </a:rPr>
               <a:t>Fake Task</a:t>
             </a:r>
             <a:r>
-              <a:rPr lang="en-US" altLang="zh-CN" sz="2000" dirty="0" smtClean="0"/>
+              <a:rPr lang="en-US" altLang="zh-CN" sz="2000" dirty="0" smtClean="0">
+                <a:latin typeface="+mj-ea"/>
+                <a:ea typeface="+mj-ea"/>
+              </a:rPr>
               <a:t>”</a:t>
             </a:r>
           </a:p>
           <a:p>
             <a:pPr lvl="1"/>
             <a:r>
-              <a:rPr lang="en-US" altLang="zh-CN" sz="1600" dirty="0"/>
+              <a:rPr lang="en-US" altLang="zh-CN" sz="1600" dirty="0">
+                <a:latin typeface="+mj-ea"/>
+                <a:ea typeface="+mj-ea"/>
+              </a:rPr>
               <a:t>input </a:t>
             </a:r>
             <a:r>
-              <a:rPr lang="en-US" altLang="zh-CN" sz="1600" dirty="0" smtClean="0"/>
+              <a:rPr lang="en-US" altLang="zh-CN" sz="1600" dirty="0" smtClean="0">
+                <a:latin typeface="+mj-ea"/>
+                <a:ea typeface="+mj-ea"/>
+              </a:rPr>
               <a:t>word </a:t>
             </a:r>
             <a:r>
-              <a:rPr lang="zh-CN" altLang="en-US" sz="1600" dirty="0" smtClean="0"/>
+              <a:rPr lang="zh-CN" altLang="en-US" sz="1600" dirty="0" smtClean="0">
+                <a:latin typeface="+mj-ea"/>
+                <a:ea typeface="+mj-ea"/>
+              </a:rPr>
               <a:t>输</a:t>
             </a:r>
             <a:r>
-              <a:rPr lang="zh-CN" altLang="en-US" sz="1600" dirty="0"/>
+              <a:rPr lang="zh-CN" altLang="en-US" sz="1600" dirty="0">
+                <a:latin typeface="+mj-ea"/>
+                <a:ea typeface="+mj-ea"/>
+              </a:rPr>
               <a:t>入</a:t>
             </a:r>
             <a:r>
-              <a:rPr lang="zh-CN" altLang="en-US" sz="1600" dirty="0" smtClean="0"/>
+              <a:rPr lang="zh-CN" altLang="en-US" sz="1600" dirty="0" smtClean="0">
+                <a:latin typeface="+mj-ea"/>
+                <a:ea typeface="+mj-ea"/>
+              </a:rPr>
               <a:t>词</a:t>
             </a:r>
-            <a:endParaRPr lang="en-US" altLang="zh-CN" sz="1600" dirty="0" smtClean="0"/>
+            <a:endParaRPr lang="en-US" altLang="zh-CN" sz="1600" dirty="0" smtClean="0">
+              <a:latin typeface="+mj-ea"/>
+              <a:ea typeface="+mj-ea"/>
+            </a:endParaRPr>
           </a:p>
           <a:p>
             <a:pPr lvl="1"/>
             <a:r>
-              <a:rPr lang="en-US" sz="1600" dirty="0" err="1" smtClean="0"/>
+              <a:rPr lang="en-US" sz="1600" dirty="0" err="1" smtClean="0">
+                <a:latin typeface="+mj-ea"/>
+                <a:ea typeface="+mj-ea"/>
+              </a:rPr>
               <a:t>skip_window</a:t>
             </a:r>
-            <a:endParaRPr lang="en-US" sz="1600" dirty="0" smtClean="0"/>
+            <a:endParaRPr lang="en-US" sz="1600" dirty="0" smtClean="0">
+              <a:latin typeface="+mj-ea"/>
+              <a:ea typeface="+mj-ea"/>
+            </a:endParaRPr>
           </a:p>
           <a:p>
             <a:pPr lvl="1"/>
             <a:r>
-              <a:rPr lang="en-US" sz="1600" dirty="0" err="1" smtClean="0"/>
+              <a:rPr lang="en-US" sz="1600" dirty="0" err="1" smtClean="0">
+                <a:latin typeface="+mj-ea"/>
+                <a:ea typeface="+mj-ea"/>
+              </a:rPr>
               <a:t>num_skips</a:t>
             </a:r>
             <a:r>
-              <a:rPr lang="en-US" sz="1600" dirty="0" smtClean="0"/>
+              <a:rPr lang="en-US" sz="1600" dirty="0" smtClean="0">
+                <a:latin typeface="+mj-ea"/>
+                <a:ea typeface="+mj-ea"/>
+              </a:rPr>
               <a:t> </a:t>
             </a:r>
           </a:p>
           <a:p>
             <a:pPr lvl="1"/>
             <a:r>
-              <a:rPr lang="zh-CN" altLang="en-US" sz="1600" dirty="0"/>
+              <a:rPr lang="zh-CN" altLang="en-US" sz="1600" dirty="0">
+                <a:latin typeface="+mj-ea"/>
+                <a:ea typeface="+mj-ea"/>
+              </a:rPr>
               <a:t>输</a:t>
             </a:r>
             <a:r>
-              <a:rPr lang="zh-CN" altLang="en-US" sz="1600" dirty="0" smtClean="0"/>
+              <a:rPr lang="zh-CN" altLang="en-US" sz="1600" dirty="0" smtClean="0">
+                <a:latin typeface="+mj-ea"/>
+                <a:ea typeface="+mj-ea"/>
+              </a:rPr>
               <a:t>出</a:t>
             </a:r>
             <a:r>
-              <a:rPr lang="en-US" altLang="zh-CN" sz="1600" dirty="0" smtClean="0"/>
+              <a:rPr lang="en-US" altLang="zh-CN" sz="1600" dirty="0" smtClean="0">
+                <a:latin typeface="+mj-ea"/>
+                <a:ea typeface="+mj-ea"/>
+              </a:rPr>
               <a:t>: </a:t>
             </a:r>
             <a:r>
-              <a:rPr lang="zh-CN" altLang="en-US" sz="1600" dirty="0" smtClean="0"/>
+              <a:rPr lang="zh-CN" altLang="en-US" sz="1600" dirty="0" smtClean="0">
+                <a:latin typeface="+mj-ea"/>
+                <a:ea typeface="+mj-ea"/>
+              </a:rPr>
               <a:t>概</a:t>
             </a:r>
             <a:r>
-              <a:rPr lang="zh-CN" altLang="en-US" sz="1600" dirty="0"/>
+              <a:rPr lang="zh-CN" altLang="en-US" sz="1600" dirty="0">
+                <a:latin typeface="+mj-ea"/>
+                <a:ea typeface="+mj-ea"/>
+              </a:rPr>
               <a:t>率分布</a:t>
             </a:r>
-            <a:endParaRPr lang="en-US" sz="1600" dirty="0"/>
+            <a:endParaRPr lang="en-US" sz="1600" dirty="0">
+              <a:latin typeface="+mj-ea"/>
+              <a:ea typeface="+mj-ea"/>
+            </a:endParaRPr>
           </a:p>
         </p:txBody>
       </p:sp>
@@ -7995,70 +8302,121 @@
           <a:lstStyle/>
           <a:p>
             <a:r>
-              <a:rPr lang="zh-CN" altLang="en-US" sz="2000" dirty="0"/>
+              <a:rPr lang="zh-CN" altLang="en-US" sz="2000" dirty="0">
+                <a:latin typeface="+mj-ea"/>
+                <a:ea typeface="+mj-ea"/>
+              </a:rPr>
               <a:t>输</a:t>
             </a:r>
             <a:r>
-              <a:rPr lang="zh-CN" altLang="en-US" sz="2000" dirty="0" smtClean="0"/>
+              <a:rPr lang="zh-CN" altLang="en-US" sz="2000" dirty="0" smtClean="0">
+                <a:latin typeface="+mj-ea"/>
+                <a:ea typeface="+mj-ea"/>
+              </a:rPr>
               <a:t>入编码：</a:t>
             </a:r>
-            <a:endParaRPr lang="en-US" altLang="zh-CN" sz="2000" dirty="0" smtClean="0"/>
+            <a:endParaRPr lang="en-US" altLang="zh-CN" sz="2000" dirty="0" smtClean="0">
+              <a:latin typeface="+mj-ea"/>
+              <a:ea typeface="+mj-ea"/>
+            </a:endParaRPr>
           </a:p>
           <a:p>
             <a:pPr lvl="1"/>
             <a:r>
-              <a:rPr lang="zh-CN" altLang="en-US" sz="1600" dirty="0" smtClean="0"/>
+              <a:rPr lang="zh-CN" altLang="en-US" sz="1600" dirty="0" smtClean="0">
+                <a:latin typeface="+mj-ea"/>
+                <a:ea typeface="+mj-ea"/>
+              </a:rPr>
               <a:t>语料 </a:t>
             </a:r>
             <a:r>
-              <a:rPr lang="en-US" altLang="zh-CN" sz="1600" dirty="0" smtClean="0"/>
+              <a:rPr lang="en-US" altLang="zh-CN" sz="1600" dirty="0" smtClean="0">
+                <a:latin typeface="+mj-ea"/>
+                <a:ea typeface="+mj-ea"/>
+              </a:rPr>
               <a:t>-&gt; </a:t>
             </a:r>
             <a:r>
-              <a:rPr lang="zh-CN" altLang="en-US" sz="1600" dirty="0"/>
+              <a:rPr lang="zh-CN" altLang="en-US" sz="1600" dirty="0">
+                <a:latin typeface="+mj-ea"/>
+                <a:ea typeface="+mj-ea"/>
+              </a:rPr>
               <a:t>词汇表（</a:t>
             </a:r>
             <a:r>
-              <a:rPr lang="en-US" altLang="zh-CN" sz="1600" dirty="0"/>
+              <a:rPr lang="en-US" altLang="zh-CN" sz="1600" dirty="0">
+                <a:latin typeface="+mj-ea"/>
+                <a:ea typeface="+mj-ea"/>
+              </a:rPr>
               <a:t>vocabulary</a:t>
             </a:r>
             <a:r>
-              <a:rPr lang="zh-CN" altLang="en-US" sz="1600" dirty="0" smtClean="0"/>
+              <a:rPr lang="zh-CN" altLang="en-US" sz="1600" dirty="0" smtClean="0">
+                <a:latin typeface="+mj-ea"/>
+                <a:ea typeface="+mj-ea"/>
+              </a:rPr>
               <a:t>）</a:t>
             </a:r>
-            <a:endParaRPr lang="en-US" altLang="zh-CN" sz="1600" dirty="0" smtClean="0"/>
+            <a:endParaRPr lang="en-US" altLang="zh-CN" sz="1600" dirty="0" smtClean="0">
+              <a:latin typeface="+mj-ea"/>
+              <a:ea typeface="+mj-ea"/>
+            </a:endParaRPr>
           </a:p>
           <a:p>
             <a:pPr lvl="1"/>
             <a:r>
-              <a:rPr lang="en-US" altLang="zh-CN" sz="1600" dirty="0" smtClean="0"/>
+              <a:rPr lang="en-US" altLang="zh-CN" sz="1600" dirty="0" smtClean="0">
+                <a:latin typeface="+mj-ea"/>
+                <a:ea typeface="+mj-ea"/>
+              </a:rPr>
               <a:t>One-hot</a:t>
             </a:r>
             <a:r>
-              <a:rPr lang="zh-CN" altLang="en-US" sz="1600" dirty="0"/>
+              <a:rPr lang="zh-CN" altLang="en-US" sz="1600" dirty="0">
+                <a:latin typeface="+mj-ea"/>
+                <a:ea typeface="+mj-ea"/>
+              </a:rPr>
               <a:t>编</a:t>
             </a:r>
             <a:r>
-              <a:rPr lang="zh-CN" altLang="en-US" sz="1600" dirty="0" smtClean="0"/>
+              <a:rPr lang="zh-CN" altLang="en-US" sz="1600" dirty="0" smtClean="0">
+                <a:latin typeface="+mj-ea"/>
+                <a:ea typeface="+mj-ea"/>
+              </a:rPr>
               <a:t>码</a:t>
             </a:r>
-            <a:endParaRPr lang="en-US" altLang="zh-CN" sz="1600" dirty="0" smtClean="0"/>
+            <a:endParaRPr lang="en-US" altLang="zh-CN" sz="1600" dirty="0" smtClean="0">
+              <a:latin typeface="+mj-ea"/>
+              <a:ea typeface="+mj-ea"/>
+            </a:endParaRPr>
           </a:p>
           <a:p>
             <a:pPr lvl="1"/>
             <a:r>
-              <a:rPr lang="en-US" altLang="zh-CN" sz="1600" dirty="0"/>
+              <a:rPr lang="en-US" altLang="zh-CN" sz="1600" dirty="0">
+                <a:latin typeface="+mj-ea"/>
+                <a:ea typeface="+mj-ea"/>
+              </a:rPr>
               <a:t>10000</a:t>
             </a:r>
             <a:r>
-              <a:rPr lang="zh-CN" altLang="en-US" sz="1600" dirty="0"/>
+              <a:rPr lang="zh-CN" altLang="en-US" sz="1600" dirty="0">
+                <a:latin typeface="+mj-ea"/>
+                <a:ea typeface="+mj-ea"/>
+              </a:rPr>
               <a:t>维的向</a:t>
             </a:r>
             <a:r>
-              <a:rPr lang="zh-CN" altLang="en-US" sz="1600" dirty="0" smtClean="0"/>
+              <a:rPr lang="zh-CN" altLang="en-US" sz="1600" dirty="0" smtClean="0">
+                <a:latin typeface="+mj-ea"/>
+                <a:ea typeface="+mj-ea"/>
+              </a:rPr>
               <a:t>量</a:t>
             </a:r>
-            <a:endParaRPr lang="en-US" altLang="zh-CN" sz="1600" dirty="0"/>
+            <a:endParaRPr lang="en-US" altLang="zh-CN" sz="1600" dirty="0">
+              <a:latin typeface="+mj-ea"/>
+              <a:ea typeface="+mj-ea"/>
+            </a:endParaRPr>
           </a:p>
           <a:p>
             <a:pPr marL="457200" lvl="1" indent="0">
@@ -8071,6 +8429,8 @@
                     <a:lumMod val="50000"/>
                   </a:schemeClr>
                 </a:solidFill>
+                <a:latin typeface="+mj-ea"/>
+                <a:ea typeface="+mj-ea"/>
               </a:rPr>
               <a:t>假设词</a:t>
             </a:r>
@@ -8081,6 +8441,8 @@
                     <a:lumMod val="50000"/>
                   </a:schemeClr>
                 </a:solidFill>
+                <a:latin typeface="+mj-ea"/>
+                <a:ea typeface="+mj-ea"/>
               </a:rPr>
               <a:t>汇表的大</a:t>
             </a:r>
@@ -8091,6 +8453,8 @@
                     <a:lumMod val="50000"/>
                   </a:schemeClr>
                 </a:solidFill>
+                <a:latin typeface="+mj-ea"/>
+                <a:ea typeface="+mj-ea"/>
               </a:rPr>
               <a:t>小为</a:t>
             </a:r>
@@ -8101,68 +8465,115 @@
                     <a:lumMod val="50000"/>
                   </a:schemeClr>
                 </a:solidFill>
+                <a:latin typeface="+mj-ea"/>
+                <a:ea typeface="+mj-ea"/>
               </a:rPr>
               <a:t>10000</a:t>
             </a:r>
           </a:p>
           <a:p>
             <a:pPr lvl="1"/>
-            <a:endParaRPr lang="en-US" altLang="zh-CN" sz="1600" dirty="0"/>
-          </a:p>
-          <a:p>
-            <a:r>
-              <a:rPr lang="zh-CN" altLang="en-US" sz="2000" dirty="0"/>
+            <a:endParaRPr lang="en-US" altLang="zh-CN" sz="1600" dirty="0">
+              <a:latin typeface="+mj-ea"/>
+              <a:ea typeface="+mj-ea"/>
+            </a:endParaRPr>
+          </a:p>
+          <a:p>
+            <a:r>
+              <a:rPr lang="zh-CN" altLang="en-US" sz="2000" dirty="0">
+                <a:latin typeface="+mj-ea"/>
+                <a:ea typeface="+mj-ea"/>
+              </a:rPr>
               <a:t>输</a:t>
             </a:r>
             <a:r>
-              <a:rPr lang="zh-CN" altLang="en-US" sz="2000" dirty="0" smtClean="0"/>
+              <a:rPr lang="zh-CN" altLang="en-US" sz="2000" dirty="0" smtClean="0">
+                <a:latin typeface="+mj-ea"/>
+                <a:ea typeface="+mj-ea"/>
+              </a:rPr>
               <a:t>出编码：</a:t>
             </a:r>
-            <a:endParaRPr lang="en-US" altLang="zh-CN" dirty="0"/>
+            <a:endParaRPr lang="en-US" altLang="zh-CN" dirty="0">
+              <a:latin typeface="+mj-ea"/>
+              <a:ea typeface="+mj-ea"/>
+            </a:endParaRPr>
           </a:p>
           <a:p>
             <a:pPr lvl="1"/>
             <a:r>
-              <a:rPr lang="zh-CN" altLang="en-US" sz="1600" dirty="0"/>
+              <a:rPr lang="zh-CN" altLang="en-US" sz="1600" dirty="0">
+                <a:latin typeface="+mj-ea"/>
+                <a:ea typeface="+mj-ea"/>
+              </a:rPr>
               <a:t>也是一个</a:t>
             </a:r>
             <a:r>
-              <a:rPr lang="en-US" altLang="zh-CN" sz="1600" dirty="0"/>
+              <a:rPr lang="en-US" altLang="zh-CN" sz="1600" dirty="0">
+                <a:latin typeface="+mj-ea"/>
+                <a:ea typeface="+mj-ea"/>
+              </a:rPr>
               <a:t>10000</a:t>
             </a:r>
             <a:r>
-              <a:rPr lang="zh-CN" altLang="en-US" sz="1600" dirty="0"/>
+              <a:rPr lang="zh-CN" altLang="en-US" sz="1600" dirty="0">
+                <a:latin typeface="+mj-ea"/>
+                <a:ea typeface="+mj-ea"/>
+              </a:rPr>
               <a:t>维</a:t>
             </a:r>
             <a:r>
-              <a:rPr lang="zh-CN" altLang="en-US" sz="1600" dirty="0" smtClean="0"/>
+              <a:rPr lang="zh-CN" altLang="en-US" sz="1600" dirty="0" smtClean="0">
+                <a:latin typeface="+mj-ea"/>
+                <a:ea typeface="+mj-ea"/>
+              </a:rPr>
               <a:t>度的</a:t>
             </a:r>
             <a:r>
-              <a:rPr lang="zh-CN" altLang="en-US" sz="1600" dirty="0"/>
+              <a:rPr lang="zh-CN" altLang="en-US" sz="1600" dirty="0">
+                <a:latin typeface="+mj-ea"/>
+                <a:ea typeface="+mj-ea"/>
+              </a:rPr>
               <a:t>向</a:t>
             </a:r>
             <a:r>
-              <a:rPr lang="zh-CN" altLang="en-US" sz="1600" dirty="0" smtClean="0"/>
+              <a:rPr lang="zh-CN" altLang="en-US" sz="1600" dirty="0" smtClean="0">
+                <a:latin typeface="+mj-ea"/>
+                <a:ea typeface="+mj-ea"/>
+              </a:rPr>
               <a:t>量</a:t>
             </a:r>
-            <a:endParaRPr lang="en-US" altLang="zh-CN" sz="1600" dirty="0" smtClean="0"/>
+            <a:endParaRPr lang="en-US" altLang="zh-CN" sz="1600" dirty="0" smtClean="0">
+              <a:latin typeface="+mj-ea"/>
+              <a:ea typeface="+mj-ea"/>
+            </a:endParaRPr>
           </a:p>
           <a:p>
             <a:pPr lvl="1"/>
             <a:r>
-              <a:rPr lang="zh-CN" altLang="en-US" sz="1600" dirty="0"/>
+              <a:rPr lang="zh-CN" altLang="en-US" sz="1600" dirty="0">
+                <a:latin typeface="+mj-ea"/>
+                <a:ea typeface="+mj-ea"/>
+              </a:rPr>
               <a:t>包含了</a:t>
             </a:r>
             <a:r>
-              <a:rPr lang="en-US" altLang="zh-CN" sz="1600" dirty="0"/>
+              <a:rPr lang="en-US" altLang="zh-CN" sz="1600" dirty="0">
+                <a:latin typeface="+mj-ea"/>
+                <a:ea typeface="+mj-ea"/>
+              </a:rPr>
               <a:t>10000</a:t>
             </a:r>
             <a:r>
-              <a:rPr lang="zh-CN" altLang="en-US" sz="1600" dirty="0"/>
+              <a:rPr lang="zh-CN" altLang="en-US" sz="1600" dirty="0">
+                <a:latin typeface="+mj-ea"/>
+                <a:ea typeface="+mj-ea"/>
+              </a:rPr>
               <a:t>个概率</a:t>
             </a:r>
-            <a:endParaRPr lang="en-US" altLang="zh-CN" sz="1600" dirty="0" smtClean="0"/>
+            <a:endParaRPr lang="en-US" altLang="zh-CN" sz="1600" dirty="0" smtClean="0">
+              <a:latin typeface="+mj-ea"/>
+              <a:ea typeface="+mj-ea"/>
+            </a:endParaRPr>
           </a:p>
           <a:p>
             <a:pPr lvl="1"/>
@@ -8302,93 +8713,159 @@
           <a:lstStyle/>
           <a:p>
             <a:r>
-              <a:rPr lang="en-US" altLang="zh-CN" sz="1600" dirty="0" err="1" smtClean="0"/>
+              <a:rPr lang="en-US" altLang="zh-CN" sz="1600" dirty="0" err="1" smtClean="0">
+                <a:latin typeface="+mj-ea"/>
+                <a:ea typeface="+mj-ea"/>
+              </a:rPr>
               <a:t>embedding_size</a:t>
             </a:r>
             <a:r>
-              <a:rPr lang="en-US" altLang="zh-CN" sz="1600" dirty="0" smtClean="0"/>
+              <a:rPr lang="en-US" altLang="zh-CN" sz="1600" dirty="0" smtClean="0">
+                <a:latin typeface="+mj-ea"/>
+                <a:ea typeface="+mj-ea"/>
+              </a:rPr>
               <a:t> = 300</a:t>
             </a:r>
           </a:p>
           <a:p>
-            <a:endParaRPr lang="en-US" sz="1600" dirty="0" smtClean="0"/>
-          </a:p>
-          <a:p>
-            <a:endParaRPr lang="zh-CN" altLang="en-US" sz="1600" dirty="0" smtClean="0"/>
-          </a:p>
-          <a:p>
-            <a:r>
-              <a:rPr lang="zh-CN" altLang="en-US" sz="1600" dirty="0" smtClean="0"/>
+            <a:endParaRPr lang="en-US" sz="1600" dirty="0" smtClean="0">
+              <a:latin typeface="+mj-ea"/>
+              <a:ea typeface="+mj-ea"/>
+            </a:endParaRPr>
+          </a:p>
+          <a:p>
+            <a:endParaRPr lang="zh-CN" altLang="en-US" sz="1600" dirty="0" smtClean="0">
+              <a:latin typeface="+mj-ea"/>
+              <a:ea typeface="+mj-ea"/>
+            </a:endParaRPr>
+          </a:p>
+          <a:p>
+            <a:r>
+              <a:rPr lang="zh-CN" altLang="en-US" sz="1600" dirty="0" smtClean="0">
+                <a:latin typeface="+mj-ea"/>
+                <a:ea typeface="+mj-ea"/>
+              </a:rPr>
               <a:t>直觉上的理解</a:t>
             </a:r>
-            <a:endParaRPr lang="en-US" altLang="zh-CN" sz="1600" dirty="0" smtClean="0"/>
+            <a:endParaRPr lang="en-US" altLang="zh-CN" sz="1600" dirty="0" smtClean="0">
+              <a:latin typeface="+mj-ea"/>
+              <a:ea typeface="+mj-ea"/>
+            </a:endParaRPr>
           </a:p>
           <a:p>
             <a:pPr lvl="1"/>
             <a:r>
-              <a:rPr lang="zh-CN" altLang="en-US" sz="1200" dirty="0"/>
+              <a:rPr lang="zh-CN" altLang="en-US" sz="1200" dirty="0">
+                <a:latin typeface="+mj-ea"/>
+                <a:ea typeface="+mj-ea"/>
+              </a:rPr>
               <a:t>“</a:t>
             </a:r>
             <a:r>
-              <a:rPr lang="en-US" sz="1200" dirty="0"/>
+              <a:rPr lang="en-US" sz="1200" dirty="0">
+                <a:latin typeface="+mj-ea"/>
+                <a:ea typeface="+mj-ea"/>
+              </a:rPr>
               <a:t>Kitty climbed the tree”</a:t>
             </a:r>
             <a:r>
-              <a:rPr lang="zh-CN" altLang="en-US" sz="1200" dirty="0"/>
+              <a:rPr lang="zh-CN" altLang="en-US" sz="1200" dirty="0">
+                <a:latin typeface="+mj-ea"/>
+                <a:ea typeface="+mj-ea"/>
+              </a:rPr>
               <a:t>和“</a:t>
             </a:r>
             <a:r>
-              <a:rPr lang="en-US" sz="1200" dirty="0"/>
+              <a:rPr lang="en-US" sz="1200" dirty="0">
+                <a:latin typeface="+mj-ea"/>
+                <a:ea typeface="+mj-ea"/>
+              </a:rPr>
               <a:t>Cat climbed the tree</a:t>
             </a:r>
             <a:r>
-              <a:rPr lang="en-US" sz="1200" dirty="0" smtClean="0"/>
+              <a:rPr lang="en-US" sz="1200" dirty="0" smtClean="0">
+                <a:latin typeface="+mj-ea"/>
+                <a:ea typeface="+mj-ea"/>
+              </a:rPr>
               <a:t>”</a:t>
             </a:r>
           </a:p>
           <a:p>
             <a:pPr lvl="1"/>
             <a:r>
-              <a:rPr lang="zh-CN" altLang="en-US" sz="1200" dirty="0"/>
+              <a:rPr lang="zh-CN" altLang="en-US" sz="1200" dirty="0">
+                <a:latin typeface="+mj-ea"/>
+                <a:ea typeface="+mj-ea"/>
+              </a:rPr>
               <a:t>词干化（</a:t>
             </a:r>
             <a:r>
-              <a:rPr lang="en-US" sz="1200" dirty="0"/>
+              <a:rPr lang="en-US" sz="1200" dirty="0">
+                <a:latin typeface="+mj-ea"/>
+                <a:ea typeface="+mj-ea"/>
+              </a:rPr>
               <a:t>stemming），</a:t>
             </a:r>
             <a:r>
-              <a:rPr lang="zh-CN" altLang="en-US" sz="1200" dirty="0"/>
+              <a:rPr lang="zh-CN" altLang="en-US" sz="1200" dirty="0">
+                <a:latin typeface="+mj-ea"/>
+                <a:ea typeface="+mj-ea"/>
+              </a:rPr>
               <a:t>例如</a:t>
             </a:r>
             <a:r>
-              <a:rPr lang="zh-CN" altLang="en-US" sz="1200" dirty="0" smtClean="0"/>
+              <a:rPr lang="zh-CN" altLang="en-US" sz="1200" dirty="0" smtClean="0">
+                <a:latin typeface="+mj-ea"/>
+                <a:ea typeface="+mj-ea"/>
+              </a:rPr>
               <a:t>，“</a:t>
             </a:r>
             <a:r>
-              <a:rPr lang="en-US" sz="1200" dirty="0" smtClean="0"/>
+              <a:rPr lang="en-US" sz="1200" dirty="0" smtClean="0">
+                <a:latin typeface="+mj-ea"/>
+                <a:ea typeface="+mj-ea"/>
+              </a:rPr>
               <a:t>ant</a:t>
             </a:r>
             <a:r>
-              <a:rPr lang="zh-CN" altLang="en-US" sz="1200" dirty="0" smtClean="0"/>
+              <a:rPr lang="zh-CN" altLang="en-US" sz="1200" dirty="0" smtClean="0">
+                <a:latin typeface="+mj-ea"/>
+                <a:ea typeface="+mj-ea"/>
+              </a:rPr>
               <a:t>”和“</a:t>
             </a:r>
             <a:r>
-              <a:rPr lang="en-US" sz="1200" dirty="0" smtClean="0"/>
+              <a:rPr lang="en-US" sz="1200" dirty="0" smtClean="0">
+                <a:latin typeface="+mj-ea"/>
+                <a:ea typeface="+mj-ea"/>
+              </a:rPr>
               <a:t>ants</a:t>
             </a:r>
             <a:r>
-              <a:rPr lang="zh-CN" altLang="en-US" sz="1200" dirty="0" smtClean="0"/>
+              <a:rPr lang="zh-CN" altLang="en-US" sz="1200" dirty="0" smtClean="0">
+                <a:latin typeface="+mj-ea"/>
+                <a:ea typeface="+mj-ea"/>
+              </a:rPr>
               <a:t>”</a:t>
             </a:r>
-            <a:endParaRPr lang="en-US" sz="1200" dirty="0" smtClean="0"/>
+            <a:endParaRPr lang="en-US" sz="1200" dirty="0" smtClean="0">
+              <a:latin typeface="+mj-ea"/>
+              <a:ea typeface="+mj-ea"/>
+            </a:endParaRPr>
           </a:p>
           <a:p>
             <a:pPr lvl="1"/>
             <a:r>
-              <a:rPr lang="zh-CN" altLang="en-US" sz="1200" dirty="0"/>
+              <a:rPr lang="zh-CN" altLang="en-US" sz="1200" dirty="0">
+                <a:latin typeface="+mj-ea"/>
+                <a:ea typeface="+mj-ea"/>
+              </a:rPr>
               <a:t>两个单词的嵌入向量将非常相似</a:t>
             </a:r>
-            <a:endParaRPr lang="en-US" altLang="zh-CN" sz="1200" dirty="0" smtClean="0"/>
+            <a:endParaRPr lang="en-US" altLang="zh-CN" sz="1200" dirty="0" smtClean="0">
+              <a:latin typeface="+mj-ea"/>
+              <a:ea typeface="+mj-ea"/>
+            </a:endParaRPr>
           </a:p>
           <a:p>
             <a:endParaRPr lang="en-US" altLang="zh-CN" sz="1600" dirty="0" smtClean="0"/>
